--- a/week_1/week_1.pptx
+++ b/week_1/week_1.pptx
@@ -6286,10 +6286,10 @@
       </p:sp>
       <p:pic>
         <p:nvPicPr>
-          <p:cNvPr id="4" name="Picture 3">
+          <p:cNvPr id="8" name="Picture 7">
             <a:extLst>
               <a:ext uri="{FF2B5EF4-FFF2-40B4-BE49-F238E27FC236}">
-                <a16:creationId xmlns:a16="http://schemas.microsoft.com/office/drawing/2014/main" id="{035D5C4E-66F7-78D2-C06F-C372D104A01A}"/>
+                <a16:creationId xmlns:a16="http://schemas.microsoft.com/office/drawing/2014/main" id="{5AEC5D33-49EC-5C18-A406-6C8806E33682}"/>
               </a:ext>
             </a:extLst>
           </p:cNvPr>
@@ -6306,8 +6306,8 @@
         </p:blipFill>
         <p:spPr>
           <a:xfrm>
-            <a:off x="227012" y="203021"/>
-            <a:ext cx="1265358" cy="1265358"/>
+            <a:off x="261518" y="301763"/>
+            <a:ext cx="1409897" cy="1409897"/>
           </a:xfrm>
           <a:prstGeom prst="rect">
             <a:avLst/>
@@ -13075,7 +13075,7 @@
 
 <file path=ppt/webextensions/taskpanes.xml><?xml version="1.0" encoding="utf-8"?>
 <wetp:taskpanes xmlns:wetp="http://schemas.microsoft.com/office/webextensions/taskpanes/2010/11">
-  <wetp:taskpane dockstate="right" visibility="1" width="350" row="7">
+  <wetp:taskpane dockstate="right" visibility="1" width="350" row="6">
     <wetp:webextensionref xmlns:r="http://schemas.openxmlformats.org/officeDocument/2006/relationships" r:id="rId1"/>
   </wetp:taskpane>
 </wetp:taskpanes>

--- a/week_1/week_1.pptx
+++ b/week_1/week_1.pptx
@@ -7364,26 +7364,6 @@
           <a:bodyPr/>
           <a:lstStyle/>
           <a:p>
-            <a:pPr marL="0" indent="0" algn="l">
-              <a:buNone/>
-            </a:pPr>
-            <a:r>
-              <a:rPr lang="en-US" sz="1800" b="0" i="0" u="none" strike="noStrike" baseline="0" dirty="0">
-                <a:latin typeface="+mj-lt"/>
-              </a:rPr>
-              <a:t>3. Consider the university database (see Appendix).</a:t>
-            </a:r>
-          </a:p>
-          <a:p>
-            <a:pPr marL="0" indent="0">
-              <a:buNone/>
-            </a:pPr>
-            <a:r>
-              <a:rPr lang="en-US" sz="1800" dirty="0"/>
-              <a:t>Write the following queries in relational algebra:</a:t>
-            </a:r>
-          </a:p>
-          <a:p>
             <a:pPr>
               <a:buFont typeface="Arial" panose="020B0604020202020204" pitchFamily="34" charset="0"/>
               <a:buChar char="•"/>
@@ -7467,6 +7447,104 @@
               <a:t>11</a:t>
             </a:fld>
             <a:endParaRPr lang="en-US" altLang="en-US" dirty="0"/>
+          </a:p>
+        </p:txBody>
+      </p:sp>
+      <p:pic>
+        <p:nvPicPr>
+          <p:cNvPr id="6" name="Picture 5" descr="A close-up of several numbers&#10;&#10;AI-generated content may be incorrect.">
+            <a:extLst>
+              <a:ext uri="{FF2B5EF4-FFF2-40B4-BE49-F238E27FC236}">
+                <a16:creationId xmlns:a16="http://schemas.microsoft.com/office/drawing/2014/main" id="{F05F48B3-773A-C7B9-6625-405F2174F2E9}"/>
+              </a:ext>
+            </a:extLst>
+          </p:cNvPr>
+          <p:cNvPicPr>
+            <a:picLocks noChangeAspect="1"/>
+          </p:cNvPicPr>
+          <p:nvPr/>
+        </p:nvPicPr>
+        <p:blipFill>
+          <a:blip r:embed="rId3">
+            <a:clrChange>
+              <a:clrFrom>
+                <a:srgbClr val="FFFFFF"/>
+              </a:clrFrom>
+              <a:clrTo>
+                <a:srgbClr val="FFFFFF">
+                  <a:alpha val="0"/>
+                </a:srgbClr>
+              </a:clrTo>
+            </a:clrChange>
+          </a:blip>
+          <a:stretch>
+            <a:fillRect/>
+          </a:stretch>
+        </p:blipFill>
+        <p:spPr>
+          <a:xfrm>
+            <a:off x="1252537" y="5051683"/>
+            <a:ext cx="6638925" cy="1733550"/>
+          </a:xfrm>
+          <a:prstGeom prst="rect">
+            <a:avLst/>
+          </a:prstGeom>
+        </p:spPr>
+      </p:pic>
+      <p:sp>
+        <p:nvSpPr>
+          <p:cNvPr id="7" name="TextBox 6">
+            <a:extLst>
+              <a:ext uri="{FF2B5EF4-FFF2-40B4-BE49-F238E27FC236}">
+                <a16:creationId xmlns:a16="http://schemas.microsoft.com/office/drawing/2014/main" id="{E915A0B7-DFDE-331F-58C7-534CD64E1A2F}"/>
+              </a:ext>
+            </a:extLst>
+          </p:cNvPr>
+          <p:cNvSpPr txBox="1"/>
+          <p:nvPr/>
+        </p:nvSpPr>
+        <p:spPr>
+          <a:xfrm>
+            <a:off x="1828800" y="1246581"/>
+            <a:ext cx="5874327" cy="646331"/>
+          </a:xfrm>
+          <a:prstGeom prst="rect">
+            <a:avLst/>
+          </a:prstGeom>
+          <a:noFill/>
+        </p:spPr>
+        <p:txBody>
+          <a:bodyPr wrap="square" rtlCol="0">
+            <a:spAutoFit/>
+          </a:bodyPr>
+          <a:lstStyle/>
+          <a:p>
+            <a:pPr marL="0" indent="0" algn="l">
+              <a:buNone/>
+            </a:pPr>
+            <a:r>
+              <a:rPr lang="en-US" sz="1800" b="0" i="0" u="none" strike="noStrike" baseline="0" dirty="0">
+                <a:latin typeface="+mj-lt"/>
+              </a:rPr>
+              <a:t>3. Consider the university database as below.</a:t>
+            </a:r>
+          </a:p>
+          <a:p>
+            <a:pPr marL="0" indent="0">
+              <a:buNone/>
+            </a:pPr>
+            <a:r>
+              <a:rPr lang="en-US" sz="1800" dirty="0"/>
+              <a:t>Write the following queries in </a:t>
+            </a:r>
+            <a:r>
+              <a:rPr lang="en-US" sz="1800" b="1" dirty="0"/>
+              <a:t>relational algebra</a:t>
+            </a:r>
+            <a:r>
+              <a:rPr lang="en-US" sz="1800" dirty="0"/>
+              <a:t>:</a:t>
+            </a:r>
           </a:p>
         </p:txBody>
       </p:sp>
@@ -7555,23 +7633,12 @@
         <p:spPr>
           <a:xfrm>
             <a:off x="837597" y="1881446"/>
-            <a:ext cx="7727518" cy="4903787"/>
+            <a:ext cx="8079390" cy="4903787"/>
           </a:xfrm>
         </p:spPr>
         <p:txBody>
           <a:bodyPr/>
           <a:lstStyle/>
-          <a:p>
-            <a:pPr marL="0" indent="0" algn="l">
-              <a:buNone/>
-            </a:pPr>
-            <a:r>
-              <a:rPr lang="en-US" sz="1800" b="0" i="0" u="none" strike="noStrike" baseline="0" dirty="0">
-                <a:latin typeface="+mj-lt"/>
-              </a:rPr>
-              <a:t>4. Write the following queries in SQL, using the university schema:</a:t>
-            </a:r>
-          </a:p>
           <a:p>
             <a:pPr>
               <a:buFont typeface="Arial" panose="020B0604020202020204" pitchFamily="34" charset="0"/>
@@ -7688,6 +7755,117 @@
               <a:t>12</a:t>
             </a:fld>
             <a:endParaRPr lang="en-US" altLang="en-US" dirty="0"/>
+          </a:p>
+        </p:txBody>
+      </p:sp>
+      <p:pic>
+        <p:nvPicPr>
+          <p:cNvPr id="8" name="Picture 7" descr="A close-up of several numbers&#10;&#10;AI-generated content may be incorrect.">
+            <a:extLst>
+              <a:ext uri="{FF2B5EF4-FFF2-40B4-BE49-F238E27FC236}">
+                <a16:creationId xmlns:a16="http://schemas.microsoft.com/office/drawing/2014/main" id="{99A85ABA-A156-3B49-4822-29D4DFC800E4}"/>
+              </a:ext>
+            </a:extLst>
+          </p:cNvPr>
+          <p:cNvPicPr>
+            <a:picLocks noChangeAspect="1"/>
+          </p:cNvPicPr>
+          <p:nvPr/>
+        </p:nvPicPr>
+        <p:blipFill>
+          <a:blip r:embed="rId3">
+            <a:clrChange>
+              <a:clrFrom>
+                <a:srgbClr val="FFFFFF"/>
+              </a:clrFrom>
+              <a:clrTo>
+                <a:srgbClr val="FFFFFF">
+                  <a:alpha val="0"/>
+                </a:srgbClr>
+              </a:clrTo>
+            </a:clrChange>
+          </a:blip>
+          <a:stretch>
+            <a:fillRect/>
+          </a:stretch>
+        </p:blipFill>
+        <p:spPr>
+          <a:xfrm>
+            <a:off x="1252537" y="5051683"/>
+            <a:ext cx="6638925" cy="1733550"/>
+          </a:xfrm>
+          <a:prstGeom prst="rect">
+            <a:avLst/>
+          </a:prstGeom>
+        </p:spPr>
+      </p:pic>
+      <p:sp>
+        <p:nvSpPr>
+          <p:cNvPr id="10" name="TextBox 9">
+            <a:extLst>
+              <a:ext uri="{FF2B5EF4-FFF2-40B4-BE49-F238E27FC236}">
+                <a16:creationId xmlns:a16="http://schemas.microsoft.com/office/drawing/2014/main" id="{640C6E19-7477-7DFC-6C1F-1B9628AE7851}"/>
+              </a:ext>
+            </a:extLst>
+          </p:cNvPr>
+          <p:cNvSpPr txBox="1"/>
+          <p:nvPr/>
+        </p:nvSpPr>
+        <p:spPr>
+          <a:xfrm>
+            <a:off x="1940128" y="1196492"/>
+            <a:ext cx="5874327" cy="646331"/>
+          </a:xfrm>
+          <a:prstGeom prst="rect">
+            <a:avLst/>
+          </a:prstGeom>
+          <a:noFill/>
+        </p:spPr>
+        <p:txBody>
+          <a:bodyPr wrap="square" rtlCol="0">
+            <a:spAutoFit/>
+          </a:bodyPr>
+          <a:lstStyle/>
+          <a:p>
+            <a:pPr marL="0" indent="0" algn="l">
+              <a:buNone/>
+            </a:pPr>
+            <a:r>
+              <a:rPr lang="en-US" sz="1800" dirty="0">
+                <a:latin typeface="+mj-lt"/>
+              </a:rPr>
+              <a:t>4</a:t>
+            </a:r>
+            <a:r>
+              <a:rPr lang="en-US" sz="1800" b="0" i="0" u="none" strike="noStrike" baseline="0" dirty="0">
+                <a:latin typeface="+mj-lt"/>
+              </a:rPr>
+              <a:t>. Consider the university database as below.</a:t>
+            </a:r>
+          </a:p>
+          <a:p>
+            <a:pPr marL="0" indent="0">
+              <a:buNone/>
+            </a:pPr>
+            <a:r>
+              <a:rPr lang="en-US" sz="1800" b="0" i="0" u="none" strike="noStrike" baseline="0" dirty="0">
+                <a:latin typeface="+mj-lt"/>
+              </a:rPr>
+              <a:t>Write the following queries in </a:t>
+            </a:r>
+            <a:r>
+              <a:rPr lang="en-US" sz="1800" b="1" i="0" u="none" strike="noStrike" baseline="0" dirty="0">
+                <a:latin typeface="+mj-lt"/>
+              </a:rPr>
+              <a:t>SQL</a:t>
+            </a:r>
+            <a:r>
+              <a:rPr lang="en-US" sz="1800" i="0" u="none" strike="noStrike" baseline="0" dirty="0">
+                <a:latin typeface="+mj-lt"/>
+              </a:rPr>
+              <a:t>:</a:t>
+            </a:r>
+            <a:endParaRPr lang="en-US" sz="1800" dirty="0"/>
           </a:p>
         </p:txBody>
       </p:sp>
@@ -11288,54 +11466,6 @@
       </p:sp>
       <p:sp>
         <p:nvSpPr>
-          <p:cNvPr id="3" name="Content Placeholder 2">
-            <a:extLst>
-              <a:ext uri="{FF2B5EF4-FFF2-40B4-BE49-F238E27FC236}">
-                <a16:creationId xmlns:a16="http://schemas.microsoft.com/office/drawing/2014/main" id="{E737AFFA-76F6-1CE2-7705-D550538E1C63}"/>
-              </a:ext>
-            </a:extLst>
-          </p:cNvPr>
-          <p:cNvSpPr>
-            <a:spLocks noGrp="1"/>
-          </p:cNvSpPr>
-          <p:nvPr>
-            <p:ph idx="1"/>
-          </p:nvPr>
-        </p:nvSpPr>
-        <p:spPr/>
-        <p:txBody>
-          <a:bodyPr/>
-          <a:lstStyle/>
-          <a:p>
-            <a:r>
-              <a:rPr lang="en-US" sz="2400" dirty="0"/>
-              <a:t>Cartesian Product (×): No condition, pairs all</a:t>
-            </a:r>
-          </a:p>
-          <a:p>
-            <a:r>
-              <a:rPr lang="en-US" sz="2400" dirty="0"/>
-              <a:t>Theta Join (⋈</a:t>
-            </a:r>
-            <a:r>
-              <a:rPr lang="en-US" altLang="zh-CN" sz="2400" baseline="-25000" dirty="0"/>
-              <a:t>θ</a:t>
-            </a:r>
-            <a:r>
-              <a:rPr lang="en-US" sz="2400" dirty="0"/>
-              <a:t>): plus predicate</a:t>
-            </a:r>
-          </a:p>
-          <a:p>
-            <a:r>
-              <a:rPr lang="en-US" sz="2400" dirty="0"/>
-              <a:t>Natural Join (⋈): automatically join matching cols</a:t>
-            </a:r>
-          </a:p>
-        </p:txBody>
-      </p:sp>
-      <p:sp>
-        <p:nvSpPr>
           <p:cNvPr id="4" name="Slide Number Placeholder 3">
             <a:extLst>
               <a:ext uri="{FF2B5EF4-FFF2-40B4-BE49-F238E27FC236}">
@@ -11369,6 +11499,368 @@
           </a:p>
         </p:txBody>
       </p:sp>
+      <p:graphicFrame>
+        <p:nvGraphicFramePr>
+          <p:cNvPr id="9" name="Table 8">
+            <a:extLst>
+              <a:ext uri="{FF2B5EF4-FFF2-40B4-BE49-F238E27FC236}">
+                <a16:creationId xmlns:a16="http://schemas.microsoft.com/office/drawing/2014/main" id="{7ABD9C6C-9541-E610-F484-431C696E5E2D}"/>
+              </a:ext>
+            </a:extLst>
+          </p:cNvPr>
+          <p:cNvGraphicFramePr>
+            <a:graphicFrameLocks noGrp="1"/>
+          </p:cNvGraphicFramePr>
+          <p:nvPr>
+            <p:extLst>
+              <p:ext uri="{D42A27DB-BD31-4B8C-83A1-F6EECF244321}">
+                <p14:modId xmlns:p14="http://schemas.microsoft.com/office/powerpoint/2010/main" val="1244406125"/>
+              </p:ext>
+            </p:extLst>
+          </p:nvPr>
+        </p:nvGraphicFramePr>
+        <p:xfrm>
+          <a:off x="837597" y="1867590"/>
+          <a:ext cx="7727520" cy="4903787"/>
+        </p:xfrm>
+        <a:graphic>
+          <a:graphicData uri="http://schemas.openxmlformats.org/drawingml/2006/table">
+            <a:tbl>
+              <a:tblPr firstRow="1" bandRow="1">
+                <a:tableStyleId>{073A0DAA-6AF3-43AB-8588-CEC1D06C72B9}</a:tableStyleId>
+              </a:tblPr>
+              <a:tblGrid>
+                <a:gridCol w="1282148">
+                  <a:extLst>
+                    <a:ext uri="{9D8B030D-6E8A-4147-A177-3AD203B41FA5}">
+                      <a16:colId xmlns:a16="http://schemas.microsoft.com/office/drawing/2014/main" val="1842893790"/>
+                    </a:ext>
+                  </a:extLst>
+                </a:gridCol>
+                <a:gridCol w="2202873">
+                  <a:extLst>
+                    <a:ext uri="{9D8B030D-6E8A-4147-A177-3AD203B41FA5}">
+                      <a16:colId xmlns:a16="http://schemas.microsoft.com/office/drawing/2014/main" val="1424508029"/>
+                    </a:ext>
+                  </a:extLst>
+                </a:gridCol>
+                <a:gridCol w="2022764">
+                  <a:extLst>
+                    <a:ext uri="{9D8B030D-6E8A-4147-A177-3AD203B41FA5}">
+                      <a16:colId xmlns:a16="http://schemas.microsoft.com/office/drawing/2014/main" val="291966628"/>
+                    </a:ext>
+                  </a:extLst>
+                </a:gridCol>
+                <a:gridCol w="2219735">
+                  <a:extLst>
+                    <a:ext uri="{9D8B030D-6E8A-4147-A177-3AD203B41FA5}">
+                      <a16:colId xmlns:a16="http://schemas.microsoft.com/office/drawing/2014/main" val="856043321"/>
+                    </a:ext>
+                  </a:extLst>
+                </a:gridCol>
+              </a:tblGrid>
+              <a:tr h="1790948">
+                <a:tc>
+                  <a:txBody>
+                    <a:bodyPr/>
+                    <a:lstStyle/>
+                    <a:p>
+                      <a:r>
+                        <a:rPr lang="en-US" b="0" cap="none" spc="0" dirty="0">
+                          <a:ln w="0"/>
+                          <a:solidFill>
+                            <a:schemeClr val="accent1"/>
+                          </a:solidFill>
+                          <a:effectLst>
+                            <a:outerShdw blurRad="38100" dist="25400" dir="5400000" algn="ctr" rotWithShape="0">
+                              <a:srgbClr val="6E747A">
+                                <a:alpha val="43000"/>
+                              </a:srgbClr>
+                            </a:outerShdw>
+                          </a:effectLst>
+                        </a:rPr>
+                        <a:t>Features</a:t>
+                      </a:r>
+                    </a:p>
+                  </a:txBody>
+                  <a:tcPr anchor="ctr"/>
+                </a:tc>
+                <a:tc>
+                  <a:txBody>
+                    <a:bodyPr/>
+                    <a:lstStyle/>
+                    <a:p>
+                      <a:r>
+                        <a:rPr lang="en-US" b="0" cap="none" spc="0" dirty="0">
+                          <a:ln w="0"/>
+                          <a:solidFill>
+                            <a:schemeClr val="accent1"/>
+                          </a:solidFill>
+                          <a:effectLst>
+                            <a:outerShdw blurRad="38100" dist="25400" dir="5400000" algn="ctr" rotWithShape="0">
+                              <a:srgbClr val="6E747A">
+                                <a:alpha val="43000"/>
+                              </a:srgbClr>
+                            </a:outerShdw>
+                          </a:effectLst>
+                        </a:rPr>
+                        <a:t>Cartesian Product</a:t>
+                      </a:r>
+                    </a:p>
+                  </a:txBody>
+                  <a:tcPr anchor="ctr"/>
+                </a:tc>
+                <a:tc>
+                  <a:txBody>
+                    <a:bodyPr/>
+                    <a:lstStyle/>
+                    <a:p>
+                      <a:r>
+                        <a:rPr lang="en-US" b="0" cap="none" spc="0">
+                          <a:ln w="0"/>
+                          <a:solidFill>
+                            <a:schemeClr val="accent1"/>
+                          </a:solidFill>
+                          <a:effectLst>
+                            <a:outerShdw blurRad="38100" dist="25400" dir="5400000" algn="ctr" rotWithShape="0">
+                              <a:srgbClr val="6E747A">
+                                <a:alpha val="43000"/>
+                              </a:srgbClr>
+                            </a:outerShdw>
+                          </a:effectLst>
+                        </a:rPr>
+                        <a:t>Theta Join</a:t>
+                      </a:r>
+                    </a:p>
+                  </a:txBody>
+                  <a:tcPr anchor="ctr"/>
+                </a:tc>
+                <a:tc>
+                  <a:txBody>
+                    <a:bodyPr/>
+                    <a:lstStyle/>
+                    <a:p>
+                      <a:r>
+                        <a:rPr lang="en-US" b="0" cap="none" spc="0" dirty="0">
+                          <a:ln w="0"/>
+                          <a:solidFill>
+                            <a:schemeClr val="accent1"/>
+                          </a:solidFill>
+                          <a:effectLst>
+                            <a:outerShdw blurRad="38100" dist="25400" dir="5400000" algn="ctr" rotWithShape="0">
+                              <a:srgbClr val="6E747A">
+                                <a:alpha val="43000"/>
+                              </a:srgbClr>
+                            </a:outerShdw>
+                          </a:effectLst>
+                        </a:rPr>
+                        <a:t>Natural Join</a:t>
+                      </a:r>
+                    </a:p>
+                  </a:txBody>
+                  <a:tcPr anchor="ctr"/>
+                </a:tc>
+                <a:extLst>
+                  <a:ext uri="{0D108BD9-81ED-4DB2-BD59-A6C34878D82A}">
+                    <a16:rowId xmlns:a16="http://schemas.microsoft.com/office/drawing/2014/main" val="3328908225"/>
+                  </a:ext>
+                </a:extLst>
+              </a:tr>
+              <a:tr h="1037613">
+                <a:tc>
+                  <a:txBody>
+                    <a:bodyPr/>
+                    <a:lstStyle/>
+                    <a:p>
+                      <a:r>
+                        <a:rPr lang="en-US" b="1" dirty="0"/>
+                        <a:t>Condition</a:t>
+                      </a:r>
+                      <a:endParaRPr lang="en-US" dirty="0"/>
+                    </a:p>
+                  </a:txBody>
+                  <a:tcPr anchor="ctr"/>
+                </a:tc>
+                <a:tc>
+                  <a:txBody>
+                    <a:bodyPr/>
+                    <a:lstStyle/>
+                    <a:p>
+                      <a:r>
+                        <a:rPr lang="en-US" dirty="0"/>
+                        <a:t>None</a:t>
+                      </a:r>
+                    </a:p>
+                  </a:txBody>
+                  <a:tcPr anchor="ctr"/>
+                </a:tc>
+                <a:tc>
+                  <a:txBody>
+                    <a:bodyPr/>
+                    <a:lstStyle/>
+                    <a:p>
+                      <a:r>
+                        <a:rPr lang="en-US" dirty="0"/>
+                        <a:t>General predicate (e.g., =, &lt;, &gt;)</a:t>
+                      </a:r>
+                    </a:p>
+                  </a:txBody>
+                  <a:tcPr/>
+                </a:tc>
+                <a:tc>
+                  <a:txBody>
+                    <a:bodyPr/>
+                    <a:lstStyle/>
+                    <a:p>
+                      <a:r>
+                        <a:rPr lang="en-US" dirty="0"/>
+                        <a:t>Implicit equality on matching column names</a:t>
+                      </a:r>
+                    </a:p>
+                  </a:txBody>
+                  <a:tcPr/>
+                </a:tc>
+                <a:extLst>
+                  <a:ext uri="{0D108BD9-81ED-4DB2-BD59-A6C34878D82A}">
+                    <a16:rowId xmlns:a16="http://schemas.microsoft.com/office/drawing/2014/main" val="854141601"/>
+                  </a:ext>
+                </a:extLst>
+              </a:tr>
+              <a:tr h="1037613">
+                <a:tc>
+                  <a:txBody>
+                    <a:bodyPr/>
+                    <a:lstStyle/>
+                    <a:p>
+                      <a:r>
+                        <a:rPr lang="en-US" b="1" dirty="0"/>
+                        <a:t>Duplicate Columns</a:t>
+                      </a:r>
+                    </a:p>
+                  </a:txBody>
+                  <a:tcPr/>
+                </a:tc>
+                <a:tc>
+                  <a:txBody>
+                    <a:bodyPr/>
+                    <a:lstStyle/>
+                    <a:p>
+                      <a:r>
+                        <a:rPr lang="en-US" dirty="0"/>
+                        <a:t>No removal</a:t>
+                      </a:r>
+                    </a:p>
+                  </a:txBody>
+                  <a:tcPr/>
+                </a:tc>
+                <a:tc>
+                  <a:txBody>
+                    <a:bodyPr/>
+                    <a:lstStyle/>
+                    <a:p>
+                      <a:r>
+                        <a:rPr lang="en-US" dirty="0"/>
+                        <a:t>No removal</a:t>
+                      </a:r>
+                    </a:p>
+                  </a:txBody>
+                  <a:tcPr/>
+                </a:tc>
+                <a:tc>
+                  <a:txBody>
+                    <a:bodyPr/>
+                    <a:lstStyle/>
+                    <a:p>
+                      <a:r>
+                        <a:rPr lang="en-US" dirty="0"/>
+                        <a:t>Removes duplicate columns</a:t>
+                      </a:r>
+                    </a:p>
+                  </a:txBody>
+                  <a:tcPr/>
+                </a:tc>
+                <a:extLst>
+                  <a:ext uri="{0D108BD9-81ED-4DB2-BD59-A6C34878D82A}">
+                    <a16:rowId xmlns:a16="http://schemas.microsoft.com/office/drawing/2014/main" val="2319811135"/>
+                  </a:ext>
+                </a:extLst>
+              </a:tr>
+              <a:tr h="1037613">
+                <a:tc>
+                  <a:txBody>
+                    <a:bodyPr/>
+                    <a:lstStyle/>
+                    <a:p>
+                      <a:r>
+                        <a:rPr lang="en-US" b="1" dirty="0"/>
+                        <a:t>Symbol</a:t>
+                      </a:r>
+                      <a:endParaRPr lang="en-US" dirty="0"/>
+                    </a:p>
+                  </a:txBody>
+                  <a:tcPr/>
+                </a:tc>
+                <a:tc>
+                  <a:txBody>
+                    <a:bodyPr/>
+                    <a:lstStyle/>
+                    <a:p>
+                      <a:r>
+                        <a:rPr lang="en-US" dirty="0"/>
+                        <a:t>R × S</a:t>
+                      </a:r>
+                    </a:p>
+                  </a:txBody>
+                  <a:tcPr/>
+                </a:tc>
+                <a:tc>
+                  <a:txBody>
+                    <a:bodyPr/>
+                    <a:lstStyle/>
+                    <a:p>
+                      <a:r>
+                        <a:rPr lang="en-US" dirty="0"/>
+                        <a:t>R ⋈</a:t>
+                      </a:r>
+                      <a:r>
+                        <a:rPr lang="el-GR" baseline="-25000" dirty="0"/>
+                        <a:t>θ</a:t>
+                      </a:r>
+                      <a:r>
+                        <a:rPr lang="el-GR" dirty="0"/>
+                        <a:t> </a:t>
+                      </a:r>
+                      <a:r>
+                        <a:rPr lang="en-US" dirty="0"/>
+                        <a:t>S</a:t>
+                      </a:r>
+                    </a:p>
+                  </a:txBody>
+                  <a:tcPr/>
+                </a:tc>
+                <a:tc>
+                  <a:txBody>
+                    <a:bodyPr/>
+                    <a:lstStyle/>
+                    <a:p>
+                      <a:r>
+                        <a:rPr lang="en-US" dirty="0"/>
+                        <a:t>R ⋈ S</a:t>
+                      </a:r>
+                    </a:p>
+                  </a:txBody>
+                  <a:tcPr/>
+                </a:tc>
+                <a:extLst>
+                  <a:ext uri="{0D108BD9-81ED-4DB2-BD59-A6C34878D82A}">
+                    <a16:rowId xmlns:a16="http://schemas.microsoft.com/office/drawing/2014/main" val="1370809536"/>
+                  </a:ext>
+                </a:extLst>
+              </a:tr>
+            </a:tbl>
+          </a:graphicData>
+        </a:graphic>
+      </p:graphicFrame>
     </p:spTree>
     <p:extLst>
       <p:ext uri="{BB962C8B-B14F-4D97-AF65-F5344CB8AC3E}">
@@ -11379,183 +11871,6 @@
   <p:clrMapOvr>
     <a:masterClrMapping/>
   </p:clrMapOvr>
-  <p:timing>
-    <p:tnLst>
-      <p:par>
-        <p:cTn id="1" dur="indefinite" restart="never" nodeType="tmRoot">
-          <p:childTnLst>
-            <p:seq concurrent="1" nextAc="seek">
-              <p:cTn id="2" dur="indefinite" nodeType="mainSeq">
-                <p:childTnLst>
-                  <p:par>
-                    <p:cTn id="3" fill="hold">
-                      <p:stCondLst>
-                        <p:cond delay="indefinite"/>
-                      </p:stCondLst>
-                      <p:childTnLst>
-                        <p:par>
-                          <p:cTn id="4" fill="hold">
-                            <p:stCondLst>
-                              <p:cond delay="0"/>
-                            </p:stCondLst>
-                            <p:childTnLst>
-                              <p:par>
-                                <p:cTn id="5" presetID="1" presetClass="entr" presetSubtype="0" fill="hold" nodeType="clickEffect">
-                                  <p:stCondLst>
-                                    <p:cond delay="0"/>
-                                  </p:stCondLst>
-                                  <p:childTnLst>
-                                    <p:set>
-                                      <p:cBhvr>
-                                        <p:cTn id="6" dur="1" fill="hold">
-                                          <p:stCondLst>
-                                            <p:cond delay="0"/>
-                                          </p:stCondLst>
-                                        </p:cTn>
-                                        <p:tgtEl>
-                                          <p:spTgt spid="3">
-                                            <p:txEl>
-                                              <p:pRg st="0" end="0"/>
-                                            </p:txEl>
-                                          </p:spTgt>
-                                        </p:tgtEl>
-                                        <p:attrNameLst>
-                                          <p:attrName>style.visibility</p:attrName>
-                                        </p:attrNameLst>
-                                      </p:cBhvr>
-                                      <p:to>
-                                        <p:strVal val="visible"/>
-                                      </p:to>
-                                    </p:set>
-                                  </p:childTnLst>
-                                </p:cTn>
-                              </p:par>
-                            </p:childTnLst>
-                          </p:cTn>
-                        </p:par>
-                      </p:childTnLst>
-                    </p:cTn>
-                  </p:par>
-                  <p:par>
-                    <p:cTn id="7" fill="hold">
-                      <p:stCondLst>
-                        <p:cond delay="indefinite"/>
-                      </p:stCondLst>
-                      <p:childTnLst>
-                        <p:par>
-                          <p:cTn id="8" fill="hold">
-                            <p:stCondLst>
-                              <p:cond delay="0"/>
-                            </p:stCondLst>
-                            <p:childTnLst>
-                              <p:par>
-                                <p:cTn id="9" presetID="1" presetClass="entr" presetSubtype="0" fill="hold" nodeType="clickEffect">
-                                  <p:stCondLst>
-                                    <p:cond delay="0"/>
-                                  </p:stCondLst>
-                                  <p:childTnLst>
-                                    <p:set>
-                                      <p:cBhvr>
-                                        <p:cTn id="10" dur="1" fill="hold">
-                                          <p:stCondLst>
-                                            <p:cond delay="0"/>
-                                          </p:stCondLst>
-                                        </p:cTn>
-                                        <p:tgtEl>
-                                          <p:spTgt spid="3">
-                                            <p:txEl>
-                                              <p:pRg st="1" end="1"/>
-                                            </p:txEl>
-                                          </p:spTgt>
-                                        </p:tgtEl>
-                                        <p:attrNameLst>
-                                          <p:attrName>style.visibility</p:attrName>
-                                        </p:attrNameLst>
-                                      </p:cBhvr>
-                                      <p:to>
-                                        <p:strVal val="visible"/>
-                                      </p:to>
-                                    </p:set>
-                                  </p:childTnLst>
-                                </p:cTn>
-                              </p:par>
-                            </p:childTnLst>
-                          </p:cTn>
-                        </p:par>
-                      </p:childTnLst>
-                    </p:cTn>
-                  </p:par>
-                  <p:par>
-                    <p:cTn id="11" fill="hold">
-                      <p:stCondLst>
-                        <p:cond delay="indefinite"/>
-                      </p:stCondLst>
-                      <p:childTnLst>
-                        <p:par>
-                          <p:cTn id="12" fill="hold">
-                            <p:stCondLst>
-                              <p:cond delay="0"/>
-                            </p:stCondLst>
-                            <p:childTnLst>
-                              <p:par>
-                                <p:cTn id="13" presetID="1" presetClass="entr" presetSubtype="0" fill="hold" nodeType="clickEffect">
-                                  <p:stCondLst>
-                                    <p:cond delay="0"/>
-                                  </p:stCondLst>
-                                  <p:childTnLst>
-                                    <p:set>
-                                      <p:cBhvr>
-                                        <p:cTn id="14" dur="1" fill="hold">
-                                          <p:stCondLst>
-                                            <p:cond delay="0"/>
-                                          </p:stCondLst>
-                                        </p:cTn>
-                                        <p:tgtEl>
-                                          <p:spTgt spid="3">
-                                            <p:txEl>
-                                              <p:pRg st="2" end="2"/>
-                                            </p:txEl>
-                                          </p:spTgt>
-                                        </p:tgtEl>
-                                        <p:attrNameLst>
-                                          <p:attrName>style.visibility</p:attrName>
-                                        </p:attrNameLst>
-                                      </p:cBhvr>
-                                      <p:to>
-                                        <p:strVal val="visible"/>
-                                      </p:to>
-                                    </p:set>
-                                  </p:childTnLst>
-                                </p:cTn>
-                              </p:par>
-                            </p:childTnLst>
-                          </p:cTn>
-                        </p:par>
-                      </p:childTnLst>
-                    </p:cTn>
-                  </p:par>
-                </p:childTnLst>
-              </p:cTn>
-              <p:prevCondLst>
-                <p:cond evt="onPrev" delay="0">
-                  <p:tgtEl>
-                    <p:sldTgt/>
-                  </p:tgtEl>
-                </p:cond>
-              </p:prevCondLst>
-              <p:nextCondLst>
-                <p:cond evt="onNext" delay="0">
-                  <p:tgtEl>
-                    <p:sldTgt/>
-                  </p:tgtEl>
-                </p:cond>
-              </p:nextCondLst>
-            </p:seq>
-          </p:childTnLst>
-        </p:cTn>
-      </p:par>
-    </p:tnLst>
-  </p:timing>
 </p:sld>
 </file>
 
@@ -13075,7 +13390,7 @@
 
 <file path=ppt/webextensions/taskpanes.xml><?xml version="1.0" encoding="utf-8"?>
 <wetp:taskpanes xmlns:wetp="http://schemas.microsoft.com/office/webextensions/taskpanes/2010/11">
-  <wetp:taskpane dockstate="right" visibility="1" width="350" row="6">
+  <wetp:taskpane dockstate="right" visibility="1" width="350" row="0">
     <wetp:webextensionref xmlns:r="http://schemas.openxmlformats.org/officeDocument/2006/relationships" r:id="rId1"/>
   </wetp:taskpane>
 </wetp:taskpanes>

--- a/week_1/week_1.pptx
+++ b/week_1/week_1.pptx
@@ -5,28 +5,23 @@
     <p:sldMasterId id="2147483659" r:id="rId1"/>
   </p:sldMasterIdLst>
   <p:notesMasterIdLst>
-    <p:notesMasterId r:id="rId18"/>
+    <p:notesMasterId r:id="rId13"/>
   </p:notesMasterIdLst>
   <p:handoutMasterIdLst>
-    <p:handoutMasterId r:id="rId19"/>
+    <p:handoutMasterId r:id="rId14"/>
   </p:handoutMasterIdLst>
   <p:sldIdLst>
     <p:sldId id="335" r:id="rId2"/>
     <p:sldId id="346" r:id="rId3"/>
-    <p:sldId id="336" r:id="rId4"/>
-    <p:sldId id="338" r:id="rId5"/>
-    <p:sldId id="340" r:id="rId6"/>
-    <p:sldId id="339" r:id="rId7"/>
-    <p:sldId id="341" r:id="rId8"/>
-    <p:sldId id="342" r:id="rId9"/>
-    <p:sldId id="343" r:id="rId10"/>
-    <p:sldId id="344" r:id="rId11"/>
-    <p:sldId id="345" r:id="rId12"/>
-    <p:sldId id="350" r:id="rId13"/>
-    <p:sldId id="347" r:id="rId14"/>
-    <p:sldId id="348" r:id="rId15"/>
-    <p:sldId id="349" r:id="rId16"/>
-    <p:sldId id="289" r:id="rId17"/>
+    <p:sldId id="342" r:id="rId4"/>
+    <p:sldId id="343" r:id="rId5"/>
+    <p:sldId id="344" r:id="rId6"/>
+    <p:sldId id="345" r:id="rId7"/>
+    <p:sldId id="350" r:id="rId8"/>
+    <p:sldId id="347" r:id="rId9"/>
+    <p:sldId id="348" r:id="rId10"/>
+    <p:sldId id="349" r:id="rId11"/>
+    <p:sldId id="289" r:id="rId12"/>
   </p:sldIdLst>
   <p:sldSz cx="9144000" cy="6858000" type="screen4x3"/>
   <p:notesSz cx="6997700" cy="9283700"/>
@@ -1229,583 +1224,6 @@
         <p:cNvPr id="1" name="">
           <a:extLst>
             <a:ext uri="{FF2B5EF4-FFF2-40B4-BE49-F238E27FC236}">
-              <a16:creationId xmlns:a16="http://schemas.microsoft.com/office/drawing/2014/main" id="{C932D850-DB15-CF09-F5D2-ECBDA298C239}"/>
-            </a:ext>
-          </a:extLst>
-        </p:cNvPr>
-        <p:cNvGrpSpPr/>
-        <p:nvPr/>
-      </p:nvGrpSpPr>
-      <p:grpSpPr>
-        <a:xfrm>
-          <a:off x="0" y="0"/>
-          <a:ext cx="0" cy="0"/>
-          <a:chOff x="0" y="0"/>
-          <a:chExt cx="0" cy="0"/>
-        </a:xfrm>
-      </p:grpSpPr>
-      <p:sp>
-        <p:nvSpPr>
-          <p:cNvPr id="2" name="Slide Image Placeholder 1">
-            <a:extLst>
-              <a:ext uri="{FF2B5EF4-FFF2-40B4-BE49-F238E27FC236}">
-                <a16:creationId xmlns:a16="http://schemas.microsoft.com/office/drawing/2014/main" id="{8FA2CF5E-743C-0548-37AE-A4616FBBF7E2}"/>
-              </a:ext>
-            </a:extLst>
-          </p:cNvPr>
-          <p:cNvSpPr>
-            <a:spLocks noGrp="1" noRot="1" noChangeAspect="1"/>
-          </p:cNvSpPr>
-          <p:nvPr>
-            <p:ph type="sldImg"/>
-          </p:nvPr>
-        </p:nvSpPr>
-        <p:spPr/>
-      </p:sp>
-      <p:sp>
-        <p:nvSpPr>
-          <p:cNvPr id="3" name="Notes Placeholder 2">
-            <a:extLst>
-              <a:ext uri="{FF2B5EF4-FFF2-40B4-BE49-F238E27FC236}">
-                <a16:creationId xmlns:a16="http://schemas.microsoft.com/office/drawing/2014/main" id="{E5136FD1-401F-C704-16E1-5472D2A4688C}"/>
-              </a:ext>
-            </a:extLst>
-          </p:cNvPr>
-          <p:cNvSpPr>
-            <a:spLocks noGrp="1"/>
-          </p:cNvSpPr>
-          <p:nvPr>
-            <p:ph type="body" idx="1"/>
-          </p:nvPr>
-        </p:nvSpPr>
-        <p:spPr/>
-        <p:txBody>
-          <a:bodyPr/>
-          <a:lstStyle/>
-          <a:p>
-            <a:endParaRPr lang="en-US" dirty="0"/>
-          </a:p>
-        </p:txBody>
-      </p:sp>
-      <p:sp>
-        <p:nvSpPr>
-          <p:cNvPr id="4" name="Slide Number Placeholder 3">
-            <a:extLst>
-              <a:ext uri="{FF2B5EF4-FFF2-40B4-BE49-F238E27FC236}">
-                <a16:creationId xmlns:a16="http://schemas.microsoft.com/office/drawing/2014/main" id="{BD0F1DDF-4D4A-8E74-5CC5-B31AACC9726E}"/>
-              </a:ext>
-            </a:extLst>
-          </p:cNvPr>
-          <p:cNvSpPr>
-            <a:spLocks noGrp="1"/>
-          </p:cNvSpPr>
-          <p:nvPr>
-            <p:ph type="sldNum" sz="quarter" idx="5"/>
-          </p:nvPr>
-        </p:nvSpPr>
-        <p:spPr/>
-        <p:txBody>
-          <a:bodyPr/>
-          <a:lstStyle/>
-          <a:p>
-            <a:pPr>
-              <a:defRPr/>
-            </a:pPr>
-            <a:fld id="{AE66C03C-4B0E-4149-8287-A3B340EB818D}" type="slidenum">
-              <a:rPr lang="en-US" altLang="en-US" smtClean="0"/>
-              <a:pPr>
-                <a:defRPr/>
-              </a:pPr>
-              <a:t>10</a:t>
-            </a:fld>
-            <a:endParaRPr lang="en-US" altLang="en-US"/>
-          </a:p>
-        </p:txBody>
-      </p:sp>
-    </p:spTree>
-    <p:extLst>
-      <p:ext uri="{BB962C8B-B14F-4D97-AF65-F5344CB8AC3E}">
-        <p14:creationId xmlns:p14="http://schemas.microsoft.com/office/powerpoint/2010/main" val="2482968396"/>
-      </p:ext>
-    </p:extLst>
-  </p:cSld>
-  <p:clrMapOvr>
-    <a:masterClrMapping/>
-  </p:clrMapOvr>
-</p:notes>
-</file>
-
-<file path=ppt/notesSlides/notesSlide11.xml><?xml version="1.0" encoding="utf-8"?>
-<p:notes xmlns:a="http://schemas.openxmlformats.org/drawingml/2006/main" xmlns:r="http://schemas.openxmlformats.org/officeDocument/2006/relationships" xmlns:p="http://schemas.openxmlformats.org/presentationml/2006/main">
-  <p:cSld>
-    <p:spTree>
-      <p:nvGrpSpPr>
-        <p:cNvPr id="1" name="">
-          <a:extLst>
-            <a:ext uri="{FF2B5EF4-FFF2-40B4-BE49-F238E27FC236}">
-              <a16:creationId xmlns:a16="http://schemas.microsoft.com/office/drawing/2014/main" id="{A786ADD9-02FE-61EE-BC57-9E77AB3F858D}"/>
-            </a:ext>
-          </a:extLst>
-        </p:cNvPr>
-        <p:cNvGrpSpPr/>
-        <p:nvPr/>
-      </p:nvGrpSpPr>
-      <p:grpSpPr>
-        <a:xfrm>
-          <a:off x="0" y="0"/>
-          <a:ext cx="0" cy="0"/>
-          <a:chOff x="0" y="0"/>
-          <a:chExt cx="0" cy="0"/>
-        </a:xfrm>
-      </p:grpSpPr>
-      <p:sp>
-        <p:nvSpPr>
-          <p:cNvPr id="2" name="Slide Image Placeholder 1">
-            <a:extLst>
-              <a:ext uri="{FF2B5EF4-FFF2-40B4-BE49-F238E27FC236}">
-                <a16:creationId xmlns:a16="http://schemas.microsoft.com/office/drawing/2014/main" id="{90D58B5C-F44C-8FA3-BB2B-34DEACBD2BCB}"/>
-              </a:ext>
-            </a:extLst>
-          </p:cNvPr>
-          <p:cNvSpPr>
-            <a:spLocks noGrp="1" noRot="1" noChangeAspect="1"/>
-          </p:cNvSpPr>
-          <p:nvPr>
-            <p:ph type="sldImg"/>
-          </p:nvPr>
-        </p:nvSpPr>
-        <p:spPr/>
-      </p:sp>
-      <p:sp>
-        <p:nvSpPr>
-          <p:cNvPr id="3" name="Notes Placeholder 2">
-            <a:extLst>
-              <a:ext uri="{FF2B5EF4-FFF2-40B4-BE49-F238E27FC236}">
-                <a16:creationId xmlns:a16="http://schemas.microsoft.com/office/drawing/2014/main" id="{3E62E730-C675-1931-0EE7-C2FE8CB0B140}"/>
-              </a:ext>
-            </a:extLst>
-          </p:cNvPr>
-          <p:cNvSpPr>
-            <a:spLocks noGrp="1"/>
-          </p:cNvSpPr>
-          <p:nvPr>
-            <p:ph type="body" idx="1"/>
-          </p:nvPr>
-        </p:nvSpPr>
-        <p:spPr/>
-        <p:txBody>
-          <a:bodyPr/>
-          <a:lstStyle/>
-          <a:p>
-            <a:endParaRPr lang="en-US" dirty="0"/>
-          </a:p>
-        </p:txBody>
-      </p:sp>
-      <p:sp>
-        <p:nvSpPr>
-          <p:cNvPr id="4" name="Slide Number Placeholder 3">
-            <a:extLst>
-              <a:ext uri="{FF2B5EF4-FFF2-40B4-BE49-F238E27FC236}">
-                <a16:creationId xmlns:a16="http://schemas.microsoft.com/office/drawing/2014/main" id="{9353FEB4-1B17-9D3D-3A34-4427B8A5ADE0}"/>
-              </a:ext>
-            </a:extLst>
-          </p:cNvPr>
-          <p:cNvSpPr>
-            <a:spLocks noGrp="1"/>
-          </p:cNvSpPr>
-          <p:nvPr>
-            <p:ph type="sldNum" sz="quarter" idx="5"/>
-          </p:nvPr>
-        </p:nvSpPr>
-        <p:spPr/>
-        <p:txBody>
-          <a:bodyPr/>
-          <a:lstStyle/>
-          <a:p>
-            <a:pPr>
-              <a:defRPr/>
-            </a:pPr>
-            <a:fld id="{AE66C03C-4B0E-4149-8287-A3B340EB818D}" type="slidenum">
-              <a:rPr lang="en-US" altLang="en-US" smtClean="0"/>
-              <a:pPr>
-                <a:defRPr/>
-              </a:pPr>
-              <a:t>11</a:t>
-            </a:fld>
-            <a:endParaRPr lang="en-US" altLang="en-US"/>
-          </a:p>
-        </p:txBody>
-      </p:sp>
-    </p:spTree>
-    <p:extLst>
-      <p:ext uri="{BB962C8B-B14F-4D97-AF65-F5344CB8AC3E}">
-        <p14:creationId xmlns:p14="http://schemas.microsoft.com/office/powerpoint/2010/main" val="43243567"/>
-      </p:ext>
-    </p:extLst>
-  </p:cSld>
-  <p:clrMapOvr>
-    <a:masterClrMapping/>
-  </p:clrMapOvr>
-</p:notes>
-</file>
-
-<file path=ppt/notesSlides/notesSlide12.xml><?xml version="1.0" encoding="utf-8"?>
-<p:notes xmlns:a="http://schemas.openxmlformats.org/drawingml/2006/main" xmlns:r="http://schemas.openxmlformats.org/officeDocument/2006/relationships" xmlns:p="http://schemas.openxmlformats.org/presentationml/2006/main">
-  <p:cSld>
-    <p:spTree>
-      <p:nvGrpSpPr>
-        <p:cNvPr id="1" name="">
-          <a:extLst>
-            <a:ext uri="{FF2B5EF4-FFF2-40B4-BE49-F238E27FC236}">
-              <a16:creationId xmlns:a16="http://schemas.microsoft.com/office/drawing/2014/main" id="{D6164EAD-795C-EDFE-7696-386C82E49CDD}"/>
-            </a:ext>
-          </a:extLst>
-        </p:cNvPr>
-        <p:cNvGrpSpPr/>
-        <p:nvPr/>
-      </p:nvGrpSpPr>
-      <p:grpSpPr>
-        <a:xfrm>
-          <a:off x="0" y="0"/>
-          <a:ext cx="0" cy="0"/>
-          <a:chOff x="0" y="0"/>
-          <a:chExt cx="0" cy="0"/>
-        </a:xfrm>
-      </p:grpSpPr>
-      <p:sp>
-        <p:nvSpPr>
-          <p:cNvPr id="2" name="Slide Image Placeholder 1">
-            <a:extLst>
-              <a:ext uri="{FF2B5EF4-FFF2-40B4-BE49-F238E27FC236}">
-                <a16:creationId xmlns:a16="http://schemas.microsoft.com/office/drawing/2014/main" id="{0C99899E-C198-BF80-33F3-0C2A4CA79CE2}"/>
-              </a:ext>
-            </a:extLst>
-          </p:cNvPr>
-          <p:cNvSpPr>
-            <a:spLocks noGrp="1" noRot="1" noChangeAspect="1"/>
-          </p:cNvSpPr>
-          <p:nvPr>
-            <p:ph type="sldImg"/>
-          </p:nvPr>
-        </p:nvSpPr>
-        <p:spPr/>
-      </p:sp>
-      <p:sp>
-        <p:nvSpPr>
-          <p:cNvPr id="3" name="Notes Placeholder 2">
-            <a:extLst>
-              <a:ext uri="{FF2B5EF4-FFF2-40B4-BE49-F238E27FC236}">
-                <a16:creationId xmlns:a16="http://schemas.microsoft.com/office/drawing/2014/main" id="{B89E2BE4-3078-8D2B-5551-DBF26AF0D929}"/>
-              </a:ext>
-            </a:extLst>
-          </p:cNvPr>
-          <p:cNvSpPr>
-            <a:spLocks noGrp="1"/>
-          </p:cNvSpPr>
-          <p:nvPr>
-            <p:ph type="body" idx="1"/>
-          </p:nvPr>
-        </p:nvSpPr>
-        <p:spPr/>
-        <p:txBody>
-          <a:bodyPr/>
-          <a:lstStyle/>
-          <a:p>
-            <a:pPr marL="0" indent="0">
-              <a:buNone/>
-            </a:pPr>
-            <a:r>
-              <a:rPr lang="en-US" sz="1200" dirty="0"/>
-              <a:t>We encourage you to use the online interpreter, which the link and the QR code can be found on Appendix (go to that page)</a:t>
-            </a:r>
-            <a:endParaRPr lang="en-US" dirty="0"/>
-          </a:p>
-        </p:txBody>
-      </p:sp>
-      <p:sp>
-        <p:nvSpPr>
-          <p:cNvPr id="4" name="Slide Number Placeholder 3">
-            <a:extLst>
-              <a:ext uri="{FF2B5EF4-FFF2-40B4-BE49-F238E27FC236}">
-                <a16:creationId xmlns:a16="http://schemas.microsoft.com/office/drawing/2014/main" id="{BAE8C760-EF03-95EE-5EA5-ECC5A1CB2FE3}"/>
-              </a:ext>
-            </a:extLst>
-          </p:cNvPr>
-          <p:cNvSpPr>
-            <a:spLocks noGrp="1"/>
-          </p:cNvSpPr>
-          <p:nvPr>
-            <p:ph type="sldNum" sz="quarter" idx="5"/>
-          </p:nvPr>
-        </p:nvSpPr>
-        <p:spPr/>
-        <p:txBody>
-          <a:bodyPr/>
-          <a:lstStyle/>
-          <a:p>
-            <a:pPr>
-              <a:defRPr/>
-            </a:pPr>
-            <a:fld id="{AE66C03C-4B0E-4149-8287-A3B340EB818D}" type="slidenum">
-              <a:rPr lang="en-US" altLang="en-US" smtClean="0"/>
-              <a:pPr>
-                <a:defRPr/>
-              </a:pPr>
-              <a:t>12</a:t>
-            </a:fld>
-            <a:endParaRPr lang="en-US" altLang="en-US"/>
-          </a:p>
-        </p:txBody>
-      </p:sp>
-    </p:spTree>
-    <p:extLst>
-      <p:ext uri="{BB962C8B-B14F-4D97-AF65-F5344CB8AC3E}">
-        <p14:creationId xmlns:p14="http://schemas.microsoft.com/office/powerpoint/2010/main" val="2204432888"/>
-      </p:ext>
-    </p:extLst>
-  </p:cSld>
-  <p:clrMapOvr>
-    <a:masterClrMapping/>
-  </p:clrMapOvr>
-</p:notes>
-</file>
-
-<file path=ppt/notesSlides/notesSlide13.xml><?xml version="1.0" encoding="utf-8"?>
-<p:notes xmlns:a="http://schemas.openxmlformats.org/drawingml/2006/main" xmlns:r="http://schemas.openxmlformats.org/officeDocument/2006/relationships" xmlns:p="http://schemas.openxmlformats.org/presentationml/2006/main">
-  <p:cSld>
-    <p:spTree>
-      <p:nvGrpSpPr>
-        <p:cNvPr id="1" name="">
-          <a:extLst>
-            <a:ext uri="{FF2B5EF4-FFF2-40B4-BE49-F238E27FC236}">
-              <a16:creationId xmlns:a16="http://schemas.microsoft.com/office/drawing/2014/main" id="{75CE641A-7CFA-B191-784B-875B6D967D1D}"/>
-            </a:ext>
-          </a:extLst>
-        </p:cNvPr>
-        <p:cNvGrpSpPr/>
-        <p:nvPr/>
-      </p:nvGrpSpPr>
-      <p:grpSpPr>
-        <a:xfrm>
-          <a:off x="0" y="0"/>
-          <a:ext cx="0" cy="0"/>
-          <a:chOff x="0" y="0"/>
-          <a:chExt cx="0" cy="0"/>
-        </a:xfrm>
-      </p:grpSpPr>
-      <p:sp>
-        <p:nvSpPr>
-          <p:cNvPr id="2" name="Slide Image Placeholder 1">
-            <a:extLst>
-              <a:ext uri="{FF2B5EF4-FFF2-40B4-BE49-F238E27FC236}">
-                <a16:creationId xmlns:a16="http://schemas.microsoft.com/office/drawing/2014/main" id="{C8482D16-F442-992D-B072-03CC81D1975E}"/>
-              </a:ext>
-            </a:extLst>
-          </p:cNvPr>
-          <p:cNvSpPr>
-            <a:spLocks noGrp="1" noRot="1" noChangeAspect="1"/>
-          </p:cNvSpPr>
-          <p:nvPr>
-            <p:ph type="sldImg"/>
-          </p:nvPr>
-        </p:nvSpPr>
-        <p:spPr/>
-      </p:sp>
-      <p:sp>
-        <p:nvSpPr>
-          <p:cNvPr id="3" name="Notes Placeholder 2">
-            <a:extLst>
-              <a:ext uri="{FF2B5EF4-FFF2-40B4-BE49-F238E27FC236}">
-                <a16:creationId xmlns:a16="http://schemas.microsoft.com/office/drawing/2014/main" id="{3C697811-7340-B718-184A-CBAE049460FA}"/>
-              </a:ext>
-            </a:extLst>
-          </p:cNvPr>
-          <p:cNvSpPr>
-            <a:spLocks noGrp="1"/>
-          </p:cNvSpPr>
-          <p:nvPr>
-            <p:ph type="body" idx="1"/>
-          </p:nvPr>
-        </p:nvSpPr>
-        <p:spPr/>
-        <p:txBody>
-          <a:bodyPr/>
-          <a:lstStyle/>
-          <a:p>
-            <a:endParaRPr lang="en-US" dirty="0"/>
-          </a:p>
-        </p:txBody>
-      </p:sp>
-      <p:sp>
-        <p:nvSpPr>
-          <p:cNvPr id="4" name="Slide Number Placeholder 3">
-            <a:extLst>
-              <a:ext uri="{FF2B5EF4-FFF2-40B4-BE49-F238E27FC236}">
-                <a16:creationId xmlns:a16="http://schemas.microsoft.com/office/drawing/2014/main" id="{4B426400-AC94-D1C8-E5B9-78CA5697033D}"/>
-              </a:ext>
-            </a:extLst>
-          </p:cNvPr>
-          <p:cNvSpPr>
-            <a:spLocks noGrp="1"/>
-          </p:cNvSpPr>
-          <p:nvPr>
-            <p:ph type="sldNum" sz="quarter" idx="5"/>
-          </p:nvPr>
-        </p:nvSpPr>
-        <p:spPr/>
-        <p:txBody>
-          <a:bodyPr/>
-          <a:lstStyle/>
-          <a:p>
-            <a:pPr>
-              <a:defRPr/>
-            </a:pPr>
-            <a:fld id="{AE66C03C-4B0E-4149-8287-A3B340EB818D}" type="slidenum">
-              <a:rPr lang="en-US" altLang="en-US" smtClean="0"/>
-              <a:pPr>
-                <a:defRPr/>
-              </a:pPr>
-              <a:t>13</a:t>
-            </a:fld>
-            <a:endParaRPr lang="en-US" altLang="en-US"/>
-          </a:p>
-        </p:txBody>
-      </p:sp>
-    </p:spTree>
-    <p:extLst>
-      <p:ext uri="{BB962C8B-B14F-4D97-AF65-F5344CB8AC3E}">
-        <p14:creationId xmlns:p14="http://schemas.microsoft.com/office/powerpoint/2010/main" val="636065264"/>
-      </p:ext>
-    </p:extLst>
-  </p:cSld>
-  <p:clrMapOvr>
-    <a:masterClrMapping/>
-  </p:clrMapOvr>
-</p:notes>
-</file>
-
-<file path=ppt/notesSlides/notesSlide14.xml><?xml version="1.0" encoding="utf-8"?>
-<p:notes xmlns:a="http://schemas.openxmlformats.org/drawingml/2006/main" xmlns:r="http://schemas.openxmlformats.org/officeDocument/2006/relationships" xmlns:p="http://schemas.openxmlformats.org/presentationml/2006/main">
-  <p:cSld>
-    <p:spTree>
-      <p:nvGrpSpPr>
-        <p:cNvPr id="1" name="">
-          <a:extLst>
-            <a:ext uri="{FF2B5EF4-FFF2-40B4-BE49-F238E27FC236}">
-              <a16:creationId xmlns:a16="http://schemas.microsoft.com/office/drawing/2014/main" id="{F365EECF-5571-B69D-EE7C-4C4B5D3500A7}"/>
-            </a:ext>
-          </a:extLst>
-        </p:cNvPr>
-        <p:cNvGrpSpPr/>
-        <p:nvPr/>
-      </p:nvGrpSpPr>
-      <p:grpSpPr>
-        <a:xfrm>
-          <a:off x="0" y="0"/>
-          <a:ext cx="0" cy="0"/>
-          <a:chOff x="0" y="0"/>
-          <a:chExt cx="0" cy="0"/>
-        </a:xfrm>
-      </p:grpSpPr>
-      <p:sp>
-        <p:nvSpPr>
-          <p:cNvPr id="2" name="Slide Image Placeholder 1">
-            <a:extLst>
-              <a:ext uri="{FF2B5EF4-FFF2-40B4-BE49-F238E27FC236}">
-                <a16:creationId xmlns:a16="http://schemas.microsoft.com/office/drawing/2014/main" id="{54E0D7DB-2D20-7818-2CA5-6D0AC8715050}"/>
-              </a:ext>
-            </a:extLst>
-          </p:cNvPr>
-          <p:cNvSpPr>
-            <a:spLocks noGrp="1" noRot="1" noChangeAspect="1"/>
-          </p:cNvSpPr>
-          <p:nvPr>
-            <p:ph type="sldImg"/>
-          </p:nvPr>
-        </p:nvSpPr>
-        <p:spPr/>
-      </p:sp>
-      <p:sp>
-        <p:nvSpPr>
-          <p:cNvPr id="3" name="Notes Placeholder 2">
-            <a:extLst>
-              <a:ext uri="{FF2B5EF4-FFF2-40B4-BE49-F238E27FC236}">
-                <a16:creationId xmlns:a16="http://schemas.microsoft.com/office/drawing/2014/main" id="{30D7619A-AD0C-1E03-E85A-9EDBD5550CFA}"/>
-              </a:ext>
-            </a:extLst>
-          </p:cNvPr>
-          <p:cNvSpPr>
-            <a:spLocks noGrp="1"/>
-          </p:cNvSpPr>
-          <p:nvPr>
-            <p:ph type="body" idx="1"/>
-          </p:nvPr>
-        </p:nvSpPr>
-        <p:spPr/>
-        <p:txBody>
-          <a:bodyPr/>
-          <a:lstStyle/>
-          <a:p>
-            <a:endParaRPr lang="en-US" dirty="0"/>
-          </a:p>
-        </p:txBody>
-      </p:sp>
-      <p:sp>
-        <p:nvSpPr>
-          <p:cNvPr id="4" name="Slide Number Placeholder 3">
-            <a:extLst>
-              <a:ext uri="{FF2B5EF4-FFF2-40B4-BE49-F238E27FC236}">
-                <a16:creationId xmlns:a16="http://schemas.microsoft.com/office/drawing/2014/main" id="{DE563BF3-2BBE-7587-E7E4-143EE38391DF}"/>
-              </a:ext>
-            </a:extLst>
-          </p:cNvPr>
-          <p:cNvSpPr>
-            <a:spLocks noGrp="1"/>
-          </p:cNvSpPr>
-          <p:nvPr>
-            <p:ph type="sldNum" sz="quarter" idx="5"/>
-          </p:nvPr>
-        </p:nvSpPr>
-        <p:spPr/>
-        <p:txBody>
-          <a:bodyPr/>
-          <a:lstStyle/>
-          <a:p>
-            <a:pPr>
-              <a:defRPr/>
-            </a:pPr>
-            <a:fld id="{AE66C03C-4B0E-4149-8287-A3B340EB818D}" type="slidenum">
-              <a:rPr lang="en-US" altLang="en-US" smtClean="0"/>
-              <a:pPr>
-                <a:defRPr/>
-              </a:pPr>
-              <a:t>14</a:t>
-            </a:fld>
-            <a:endParaRPr lang="en-US" altLang="en-US"/>
-          </a:p>
-        </p:txBody>
-      </p:sp>
-    </p:spTree>
-    <p:extLst>
-      <p:ext uri="{BB962C8B-B14F-4D97-AF65-F5344CB8AC3E}">
-        <p14:creationId xmlns:p14="http://schemas.microsoft.com/office/powerpoint/2010/main" val="2674347117"/>
-      </p:ext>
-    </p:extLst>
-  </p:cSld>
-  <p:clrMapOvr>
-    <a:masterClrMapping/>
-  </p:clrMapOvr>
-</p:notes>
-</file>
-
-<file path=ppt/notesSlides/notesSlide15.xml><?xml version="1.0" encoding="utf-8"?>
-<p:notes xmlns:a="http://schemas.openxmlformats.org/drawingml/2006/main" xmlns:r="http://schemas.openxmlformats.org/officeDocument/2006/relationships" xmlns:p="http://schemas.openxmlformats.org/presentationml/2006/main">
-  <p:cSld>
-    <p:spTree>
-      <p:nvGrpSpPr>
-        <p:cNvPr id="1" name="">
-          <a:extLst>
-            <a:ext uri="{FF2B5EF4-FFF2-40B4-BE49-F238E27FC236}">
               <a16:creationId xmlns:a16="http://schemas.microsoft.com/office/drawing/2014/main" id="{B036A855-29D4-BC21-4609-7386FFBBD007}"/>
             </a:ext>
           </a:extLst>
@@ -1893,7 +1311,7 @@
               <a:pPr>
                 <a:defRPr/>
               </a:pPr>
-              <a:t>15</a:t>
+              <a:t>10</a:t>
             </a:fld>
             <a:endParaRPr lang="en-US" altLang="en-US"/>
           </a:p>
@@ -1912,7 +1330,7 @@
 </p:notes>
 </file>
 
-<file path=ppt/notesSlides/notesSlide16.xml><?xml version="1.0" encoding="utf-8"?>
+<file path=ppt/notesSlides/notesSlide11.xml><?xml version="1.0" encoding="utf-8"?>
 <p:notes xmlns:a="http://schemas.openxmlformats.org/drawingml/2006/main" xmlns:r="http://schemas.openxmlformats.org/officeDocument/2006/relationships" xmlns:p="http://schemas.openxmlformats.org/presentationml/2006/main">
   <p:cSld>
     <p:spTree>
@@ -1983,7 +1401,7 @@
               <a:pPr>
                 <a:defRPr/>
               </a:pPr>
-              <a:t>16</a:t>
+              <a:t>11</a:t>
             </a:fld>
             <a:endParaRPr lang="en-US" altLang="en-US"/>
           </a:p>
@@ -2066,13 +1484,13 @@
           <a:p>
             <a:r>
               <a:rPr lang="en-US" dirty="0"/>
-              <a:t>Before we dive in, let’s quickly cover some housekeeping items. First, here’s our tutorial structure: we’ll start with any extra material you might need, then I’ll share a set of questions for you to work on, and finally, we’ll go through the answers and discuss any challenges you encountered.</a:t>
+              <a:t>Before we dive into today’s tutorial, let’s take a quick moment to outline how things will run. First, I’ll present some additional material that complements what you’ve learned so far. Next, I’ll provide a set of exercises to help solidify your understanding. Finally, we’ll have an open Q&amp;A session—feel free to ask about anything related to the material, the questions, or broader course topics.</a:t>
             </a:r>
           </a:p>
           <a:p>
             <a:r>
               <a:rPr lang="en-US" dirty="0"/>
-              <a:t>You’ll also notice there’s a QR code on the top-left corner of the slide. If you scan it, you can access this slide directly, including the multiple pages of questions, so you can follow along at your own pace or refer back to them later. Feel free to scan it now or anytime during the session, as the QR code is always there.</a:t>
+              <a:t>You can find this slide, along with all the key information, on the Week Overview page in Canvas.</a:t>
             </a:r>
           </a:p>
         </p:txBody>
@@ -2126,698 +1544,6 @@
 </file>
 
 <file path=ppt/notesSlides/notesSlide3.xml><?xml version="1.0" encoding="utf-8"?>
-<p:notes xmlns:a="http://schemas.openxmlformats.org/drawingml/2006/main" xmlns:r="http://schemas.openxmlformats.org/officeDocument/2006/relationships" xmlns:p="http://schemas.openxmlformats.org/presentationml/2006/main">
-  <p:cSld>
-    <p:spTree>
-      <p:nvGrpSpPr>
-        <p:cNvPr id="1" name=""/>
-        <p:cNvGrpSpPr/>
-        <p:nvPr/>
-      </p:nvGrpSpPr>
-      <p:grpSpPr>
-        <a:xfrm>
-          <a:off x="0" y="0"/>
-          <a:ext cx="0" cy="0"/>
-          <a:chOff x="0" y="0"/>
-          <a:chExt cx="0" cy="0"/>
-        </a:xfrm>
-      </p:grpSpPr>
-      <p:sp>
-        <p:nvSpPr>
-          <p:cNvPr id="2" name="Slide Image Placeholder 1"/>
-          <p:cNvSpPr>
-            <a:spLocks noGrp="1" noRot="1" noChangeAspect="1"/>
-          </p:cNvSpPr>
-          <p:nvPr>
-            <p:ph type="sldImg"/>
-          </p:nvPr>
-        </p:nvSpPr>
-        <p:spPr/>
-      </p:sp>
-      <p:sp>
-        <p:nvSpPr>
-          <p:cNvPr id="3" name="Notes Placeholder 2"/>
-          <p:cNvSpPr>
-            <a:spLocks noGrp="1"/>
-          </p:cNvSpPr>
-          <p:nvPr>
-            <p:ph type="body" idx="1"/>
-          </p:nvPr>
-        </p:nvSpPr>
-        <p:spPr/>
-        <p:txBody>
-          <a:bodyPr/>
-          <a:lstStyle/>
-          <a:p>
-            <a:pPr marL="0" marR="0" lvl="0" indent="0" algn="l" defTabSz="914400" rtl="0" eaLnBrk="0" fontAlgn="base" latinLnBrk="0" hangingPunct="0">
-              <a:lnSpc>
-                <a:spcPct val="100000"/>
-              </a:lnSpc>
-              <a:spcBef>
-                <a:spcPct val="30000"/>
-              </a:spcBef>
-              <a:spcAft>
-                <a:spcPct val="0"/>
-              </a:spcAft>
-              <a:buClrTx/>
-              <a:buSzTx/>
-              <a:buFontTx/>
-              <a:buNone/>
-              <a:tabLst/>
-              <a:defRPr/>
-            </a:pPr>
-            <a:r>
-              <a:rPr lang="en-US" dirty="0"/>
-              <a:t>Today, we’re going to explore three types of relational operations often referred to as ‘joins’ in SQL and relational algebra: the Cartesian Product, the Theta Join, and the Natural Join. We’ll look at what each one does, how they differ from each other, and in which scenarios you might use them. By the end of this session, you’ll have a clear understanding of these fundamental concepts in database systems.</a:t>
-            </a:r>
-          </a:p>
-        </p:txBody>
-      </p:sp>
-      <p:sp>
-        <p:nvSpPr>
-          <p:cNvPr id="4" name="Slide Number Placeholder 3"/>
-          <p:cNvSpPr>
-            <a:spLocks noGrp="1"/>
-          </p:cNvSpPr>
-          <p:nvPr>
-            <p:ph type="sldNum" sz="quarter" idx="5"/>
-          </p:nvPr>
-        </p:nvSpPr>
-        <p:spPr/>
-        <p:txBody>
-          <a:bodyPr/>
-          <a:lstStyle/>
-          <a:p>
-            <a:pPr>
-              <a:defRPr/>
-            </a:pPr>
-            <a:fld id="{AE66C03C-4B0E-4149-8287-A3B340EB818D}" type="slidenum">
-              <a:rPr lang="en-US" altLang="en-US" smtClean="0"/>
-              <a:pPr>
-                <a:defRPr/>
-              </a:pPr>
-              <a:t>3</a:t>
-            </a:fld>
-            <a:endParaRPr lang="en-US" altLang="en-US"/>
-          </a:p>
-        </p:txBody>
-      </p:sp>
-    </p:spTree>
-    <p:extLst>
-      <p:ext uri="{BB962C8B-B14F-4D97-AF65-F5344CB8AC3E}">
-        <p14:creationId xmlns:p14="http://schemas.microsoft.com/office/powerpoint/2010/main" val="1495185676"/>
-      </p:ext>
-    </p:extLst>
-  </p:cSld>
-  <p:clrMapOvr>
-    <a:masterClrMapping/>
-  </p:clrMapOvr>
-</p:notes>
-</file>
-
-<file path=ppt/notesSlides/notesSlide4.xml><?xml version="1.0" encoding="utf-8"?>
-<p:notes xmlns:a="http://schemas.openxmlformats.org/drawingml/2006/main" xmlns:r="http://schemas.openxmlformats.org/officeDocument/2006/relationships" xmlns:p="http://schemas.openxmlformats.org/presentationml/2006/main">
-  <p:cSld>
-    <p:spTree>
-      <p:nvGrpSpPr>
-        <p:cNvPr id="1" name="">
-          <a:extLst>
-            <a:ext uri="{FF2B5EF4-FFF2-40B4-BE49-F238E27FC236}">
-              <a16:creationId xmlns:a16="http://schemas.microsoft.com/office/drawing/2014/main" id="{8E3EA35E-1663-FF9D-B43B-FFD1DC03C266}"/>
-            </a:ext>
-          </a:extLst>
-        </p:cNvPr>
-        <p:cNvGrpSpPr/>
-        <p:nvPr/>
-      </p:nvGrpSpPr>
-      <p:grpSpPr>
-        <a:xfrm>
-          <a:off x="0" y="0"/>
-          <a:ext cx="0" cy="0"/>
-          <a:chOff x="0" y="0"/>
-          <a:chExt cx="0" cy="0"/>
-        </a:xfrm>
-      </p:grpSpPr>
-      <p:sp>
-        <p:nvSpPr>
-          <p:cNvPr id="2" name="Slide Image Placeholder 1">
-            <a:extLst>
-              <a:ext uri="{FF2B5EF4-FFF2-40B4-BE49-F238E27FC236}">
-                <a16:creationId xmlns:a16="http://schemas.microsoft.com/office/drawing/2014/main" id="{D4EB2339-FAC1-F5BB-70C8-153FDD102DD2}"/>
-              </a:ext>
-            </a:extLst>
-          </p:cNvPr>
-          <p:cNvSpPr>
-            <a:spLocks noGrp="1" noRot="1" noChangeAspect="1"/>
-          </p:cNvSpPr>
-          <p:nvPr>
-            <p:ph type="sldImg"/>
-          </p:nvPr>
-        </p:nvSpPr>
-        <p:spPr/>
-      </p:sp>
-      <p:sp>
-        <p:nvSpPr>
-          <p:cNvPr id="3" name="Notes Placeholder 2">
-            <a:extLst>
-              <a:ext uri="{FF2B5EF4-FFF2-40B4-BE49-F238E27FC236}">
-                <a16:creationId xmlns:a16="http://schemas.microsoft.com/office/drawing/2014/main" id="{EFD9D064-9AC5-F975-2FAE-2BE4AA22E263}"/>
-              </a:ext>
-            </a:extLst>
-          </p:cNvPr>
-          <p:cNvSpPr>
-            <a:spLocks noGrp="1"/>
-          </p:cNvSpPr>
-          <p:nvPr>
-            <p:ph type="body" idx="1"/>
-          </p:nvPr>
-        </p:nvSpPr>
-        <p:spPr/>
-        <p:txBody>
-          <a:bodyPr/>
-          <a:lstStyle/>
-          <a:p>
-            <a:r>
-              <a:rPr lang="en-US" dirty="0"/>
-              <a:t>“The Cartesian Product is the simplest form of combining two tables or relations. It’s denoted as </a:t>
-            </a:r>
-            <a:r>
-              <a:rPr lang="en-US" dirty="0" err="1"/>
-              <a:t>r×sr</a:t>
-            </a:r>
-            <a:r>
-              <a:rPr lang="en-US" dirty="0"/>
-              <a:t> \times </a:t>
-            </a:r>
-            <a:r>
-              <a:rPr lang="en-US" dirty="0" err="1"/>
-              <a:t>sr×s</a:t>
-            </a:r>
-            <a:r>
-              <a:rPr lang="en-US" dirty="0"/>
-              <a:t> in relational algebra. What it does is pair each row from the first table with each row from the second table—no conditions, no filters.</a:t>
-            </a:r>
-            <a:br>
-              <a:rPr lang="en-US" dirty="0"/>
-            </a:br>
-            <a:endParaRPr lang="en-US" dirty="0"/>
-          </a:p>
-        </p:txBody>
-      </p:sp>
-      <p:sp>
-        <p:nvSpPr>
-          <p:cNvPr id="4" name="Slide Number Placeholder 3">
-            <a:extLst>
-              <a:ext uri="{FF2B5EF4-FFF2-40B4-BE49-F238E27FC236}">
-                <a16:creationId xmlns:a16="http://schemas.microsoft.com/office/drawing/2014/main" id="{F81ED346-5FDF-1B91-63D2-340D555B3B1A}"/>
-              </a:ext>
-            </a:extLst>
-          </p:cNvPr>
-          <p:cNvSpPr>
-            <a:spLocks noGrp="1"/>
-          </p:cNvSpPr>
-          <p:nvPr>
-            <p:ph type="sldNum" sz="quarter" idx="5"/>
-          </p:nvPr>
-        </p:nvSpPr>
-        <p:spPr/>
-        <p:txBody>
-          <a:bodyPr/>
-          <a:lstStyle/>
-          <a:p>
-            <a:pPr>
-              <a:defRPr/>
-            </a:pPr>
-            <a:fld id="{AE66C03C-4B0E-4149-8287-A3B340EB818D}" type="slidenum">
-              <a:rPr lang="en-US" altLang="en-US" smtClean="0"/>
-              <a:pPr>
-                <a:defRPr/>
-              </a:pPr>
-              <a:t>4</a:t>
-            </a:fld>
-            <a:endParaRPr lang="en-US" altLang="en-US"/>
-          </a:p>
-        </p:txBody>
-      </p:sp>
-    </p:spTree>
-    <p:extLst>
-      <p:ext uri="{BB962C8B-B14F-4D97-AF65-F5344CB8AC3E}">
-        <p14:creationId xmlns:p14="http://schemas.microsoft.com/office/powerpoint/2010/main" val="3239404713"/>
-      </p:ext>
-    </p:extLst>
-  </p:cSld>
-  <p:clrMapOvr>
-    <a:masterClrMapping/>
-  </p:clrMapOvr>
-</p:notes>
-</file>
-
-<file path=ppt/notesSlides/notesSlide5.xml><?xml version="1.0" encoding="utf-8"?>
-<p:notes xmlns:a="http://schemas.openxmlformats.org/drawingml/2006/main" xmlns:r="http://schemas.openxmlformats.org/officeDocument/2006/relationships" xmlns:p="http://schemas.openxmlformats.org/presentationml/2006/main">
-  <p:cSld>
-    <p:spTree>
-      <p:nvGrpSpPr>
-        <p:cNvPr id="1" name=""/>
-        <p:cNvGrpSpPr/>
-        <p:nvPr/>
-      </p:nvGrpSpPr>
-      <p:grpSpPr>
-        <a:xfrm>
-          <a:off x="0" y="0"/>
-          <a:ext cx="0" cy="0"/>
-          <a:chOff x="0" y="0"/>
-          <a:chExt cx="0" cy="0"/>
-        </a:xfrm>
-      </p:grpSpPr>
-      <p:sp>
-        <p:nvSpPr>
-          <p:cNvPr id="2" name="Slide Image Placeholder 1"/>
-          <p:cNvSpPr>
-            <a:spLocks noGrp="1" noRot="1" noChangeAspect="1"/>
-          </p:cNvSpPr>
-          <p:nvPr>
-            <p:ph type="sldImg"/>
-          </p:nvPr>
-        </p:nvSpPr>
-        <p:spPr/>
-      </p:sp>
-      <p:sp>
-        <p:nvSpPr>
-          <p:cNvPr id="3" name="Notes Placeholder 2"/>
-          <p:cNvSpPr>
-            <a:spLocks noGrp="1"/>
-          </p:cNvSpPr>
-          <p:nvPr>
-            <p:ph type="body" idx="1"/>
-          </p:nvPr>
-        </p:nvSpPr>
-        <p:spPr/>
-        <p:txBody>
-          <a:bodyPr/>
-          <a:lstStyle/>
-          <a:p>
-            <a:r>
-              <a:rPr lang="en-US" dirty="0"/>
-              <a:t>If table A has m rows and table B has n rows, the result will have m × n rows. This can grow very large, so we typically don’t use the Cartesian Product by itself in real queries. Instead, it’s often the foundation for other join operations, where we add conditions to filter out rows.”</a:t>
-            </a:r>
-          </a:p>
-        </p:txBody>
-      </p:sp>
-      <p:sp>
-        <p:nvSpPr>
-          <p:cNvPr id="4" name="Slide Number Placeholder 3"/>
-          <p:cNvSpPr>
-            <a:spLocks noGrp="1"/>
-          </p:cNvSpPr>
-          <p:nvPr>
-            <p:ph type="sldNum" sz="quarter" idx="5"/>
-          </p:nvPr>
-        </p:nvSpPr>
-        <p:spPr/>
-        <p:txBody>
-          <a:bodyPr/>
-          <a:lstStyle/>
-          <a:p>
-            <a:pPr>
-              <a:defRPr/>
-            </a:pPr>
-            <a:fld id="{AE66C03C-4B0E-4149-8287-A3B340EB818D}" type="slidenum">
-              <a:rPr lang="en-US" altLang="en-US" smtClean="0"/>
-              <a:pPr>
-                <a:defRPr/>
-              </a:pPr>
-              <a:t>5</a:t>
-            </a:fld>
-            <a:endParaRPr lang="en-US" altLang="en-US"/>
-          </a:p>
-        </p:txBody>
-      </p:sp>
-    </p:spTree>
-    <p:extLst>
-      <p:ext uri="{BB962C8B-B14F-4D97-AF65-F5344CB8AC3E}">
-        <p14:creationId xmlns:p14="http://schemas.microsoft.com/office/powerpoint/2010/main" val="2076146455"/>
-      </p:ext>
-    </p:extLst>
-  </p:cSld>
-  <p:clrMapOvr>
-    <a:masterClrMapping/>
-  </p:clrMapOvr>
-</p:notes>
-</file>
-
-<file path=ppt/notesSlides/notesSlide6.xml><?xml version="1.0" encoding="utf-8"?>
-<p:notes xmlns:a="http://schemas.openxmlformats.org/drawingml/2006/main" xmlns:r="http://schemas.openxmlformats.org/officeDocument/2006/relationships" xmlns:p="http://schemas.openxmlformats.org/presentationml/2006/main">
-  <p:cSld>
-    <p:spTree>
-      <p:nvGrpSpPr>
-        <p:cNvPr id="1" name="">
-          <a:extLst>
-            <a:ext uri="{FF2B5EF4-FFF2-40B4-BE49-F238E27FC236}">
-              <a16:creationId xmlns:a16="http://schemas.microsoft.com/office/drawing/2014/main" id="{980DD7AF-F929-342F-E867-42764F1FC998}"/>
-            </a:ext>
-          </a:extLst>
-        </p:cNvPr>
-        <p:cNvGrpSpPr/>
-        <p:nvPr/>
-      </p:nvGrpSpPr>
-      <p:grpSpPr>
-        <a:xfrm>
-          <a:off x="0" y="0"/>
-          <a:ext cx="0" cy="0"/>
-          <a:chOff x="0" y="0"/>
-          <a:chExt cx="0" cy="0"/>
-        </a:xfrm>
-      </p:grpSpPr>
-      <p:sp>
-        <p:nvSpPr>
-          <p:cNvPr id="2" name="Slide Image Placeholder 1">
-            <a:extLst>
-              <a:ext uri="{FF2B5EF4-FFF2-40B4-BE49-F238E27FC236}">
-                <a16:creationId xmlns:a16="http://schemas.microsoft.com/office/drawing/2014/main" id="{9A83F5D0-D306-A0A2-25F4-19B62B50BBB8}"/>
-              </a:ext>
-            </a:extLst>
-          </p:cNvPr>
-          <p:cNvSpPr>
-            <a:spLocks noGrp="1" noRot="1" noChangeAspect="1"/>
-          </p:cNvSpPr>
-          <p:nvPr>
-            <p:ph type="sldImg"/>
-          </p:nvPr>
-        </p:nvSpPr>
-        <p:spPr/>
-      </p:sp>
-      <p:sp>
-        <p:nvSpPr>
-          <p:cNvPr id="3" name="Notes Placeholder 2">
-            <a:extLst>
-              <a:ext uri="{FF2B5EF4-FFF2-40B4-BE49-F238E27FC236}">
-                <a16:creationId xmlns:a16="http://schemas.microsoft.com/office/drawing/2014/main" id="{FE890865-18C2-E709-2D25-33BC4F0E6D5A}"/>
-              </a:ext>
-            </a:extLst>
-          </p:cNvPr>
-          <p:cNvSpPr>
-            <a:spLocks noGrp="1"/>
-          </p:cNvSpPr>
-          <p:nvPr>
-            <p:ph type="body" idx="1"/>
-          </p:nvPr>
-        </p:nvSpPr>
-        <p:spPr/>
-        <p:txBody>
-          <a:bodyPr/>
-          <a:lstStyle/>
-          <a:p>
-            <a:pPr marL="0" marR="0" lvl="0" indent="0" algn="l" defTabSz="914400" rtl="0" eaLnBrk="0" fontAlgn="base" latinLnBrk="0" hangingPunct="0">
-              <a:lnSpc>
-                <a:spcPct val="100000"/>
-              </a:lnSpc>
-              <a:spcBef>
-                <a:spcPct val="30000"/>
-              </a:spcBef>
-              <a:spcAft>
-                <a:spcPct val="0"/>
-              </a:spcAft>
-              <a:buClrTx/>
-              <a:buSzTx/>
-              <a:buFontTx/>
-              <a:buNone/>
-              <a:tabLst/>
-              <a:defRPr/>
-            </a:pPr>
-            <a:r>
-              <a:rPr lang="en-US" dirty="0"/>
-              <a:t>“A Theta Join is a Cartesian Product combined with a condition (often called a ‘theta’ condition). In relational algebra, we write it as </a:t>
-            </a:r>
-            <a:r>
-              <a:rPr lang="en-US" dirty="0" err="1"/>
-              <a:t>r⋈θsr</a:t>
-            </a:r>
-            <a:r>
-              <a:rPr lang="en-US" dirty="0"/>
-              <a:t> \bowtie_{\theta} </a:t>
-            </a:r>
-            <a:r>
-              <a:rPr lang="en-US" dirty="0" err="1"/>
-              <a:t>sr⋈θ</a:t>
-            </a:r>
-            <a:r>
-              <a:rPr lang="en-US" dirty="0"/>
-              <a:t>​s, which is the same as performing a Cartesian Product </a:t>
-            </a:r>
-            <a:r>
-              <a:rPr lang="en-US" dirty="0" err="1"/>
-              <a:t>r×sr</a:t>
-            </a:r>
-            <a:r>
-              <a:rPr lang="en-US" dirty="0"/>
-              <a:t> \times </a:t>
-            </a:r>
-            <a:r>
-              <a:rPr lang="en-US" dirty="0" err="1"/>
-              <a:t>sr×s</a:t>
-            </a:r>
-            <a:r>
-              <a:rPr lang="en-US" dirty="0"/>
-              <a:t> and then applying a selection </a:t>
-            </a:r>
-            <a:r>
-              <a:rPr lang="en-US" dirty="0" err="1"/>
-              <a:t>σθ</a:t>
-            </a:r>
-            <a:r>
-              <a:rPr lang="en-US" dirty="0"/>
-              <a:t>\sigma_{\theta}</a:t>
-            </a:r>
-            <a:r>
-              <a:rPr lang="en-US" dirty="0" err="1"/>
-              <a:t>σθ</a:t>
-            </a:r>
-            <a:r>
-              <a:rPr lang="en-US" dirty="0"/>
-              <a:t>​ that filters out rows not meeting the condition.</a:t>
-            </a:r>
-            <a:br>
-              <a:rPr lang="en-US" dirty="0"/>
-            </a:br>
-            <a:r>
-              <a:rPr lang="en-US" dirty="0"/>
-              <a:t>The condition can use any relational operator—equality, inequality, greater than, etc. In typical SQL, the most common form is an </a:t>
-            </a:r>
-            <a:r>
-              <a:rPr lang="en-US" dirty="0" err="1"/>
-              <a:t>equi</a:t>
-            </a:r>
-            <a:r>
-              <a:rPr lang="en-US" dirty="0"/>
-              <a:t>-join, where we match on a specific column like instructor.ID = teaches.ID.”</a:t>
-            </a:r>
-          </a:p>
-          <a:p>
-            <a:endParaRPr lang="en-US" dirty="0"/>
-          </a:p>
-        </p:txBody>
-      </p:sp>
-      <p:sp>
-        <p:nvSpPr>
-          <p:cNvPr id="4" name="Slide Number Placeholder 3">
-            <a:extLst>
-              <a:ext uri="{FF2B5EF4-FFF2-40B4-BE49-F238E27FC236}">
-                <a16:creationId xmlns:a16="http://schemas.microsoft.com/office/drawing/2014/main" id="{CDADC9C1-0ED0-83C2-98AD-FBC262D222D7}"/>
-              </a:ext>
-            </a:extLst>
-          </p:cNvPr>
-          <p:cNvSpPr>
-            <a:spLocks noGrp="1"/>
-          </p:cNvSpPr>
-          <p:nvPr>
-            <p:ph type="sldNum" sz="quarter" idx="5"/>
-          </p:nvPr>
-        </p:nvSpPr>
-        <p:spPr/>
-        <p:txBody>
-          <a:bodyPr/>
-          <a:lstStyle/>
-          <a:p>
-            <a:pPr>
-              <a:defRPr/>
-            </a:pPr>
-            <a:fld id="{AE66C03C-4B0E-4149-8287-A3B340EB818D}" type="slidenum">
-              <a:rPr lang="en-US" altLang="en-US" smtClean="0"/>
-              <a:pPr>
-                <a:defRPr/>
-              </a:pPr>
-              <a:t>6</a:t>
-            </a:fld>
-            <a:endParaRPr lang="en-US" altLang="en-US"/>
-          </a:p>
-        </p:txBody>
-      </p:sp>
-    </p:spTree>
-    <p:extLst>
-      <p:ext uri="{BB962C8B-B14F-4D97-AF65-F5344CB8AC3E}">
-        <p14:creationId xmlns:p14="http://schemas.microsoft.com/office/powerpoint/2010/main" val="2921633134"/>
-      </p:ext>
-    </p:extLst>
-  </p:cSld>
-  <p:clrMapOvr>
-    <a:masterClrMapping/>
-  </p:clrMapOvr>
-</p:notes>
-</file>
-
-<file path=ppt/notesSlides/notesSlide7.xml><?xml version="1.0" encoding="utf-8"?>
-<p:notes xmlns:a="http://schemas.openxmlformats.org/drawingml/2006/main" xmlns:r="http://schemas.openxmlformats.org/officeDocument/2006/relationships" xmlns:p="http://schemas.openxmlformats.org/presentationml/2006/main">
-  <p:cSld>
-    <p:spTree>
-      <p:nvGrpSpPr>
-        <p:cNvPr id="1" name="">
-          <a:extLst>
-            <a:ext uri="{FF2B5EF4-FFF2-40B4-BE49-F238E27FC236}">
-              <a16:creationId xmlns:a16="http://schemas.microsoft.com/office/drawing/2014/main" id="{30E40C98-2DCD-E93D-F6A6-29BED8FDA58B}"/>
-            </a:ext>
-          </a:extLst>
-        </p:cNvPr>
-        <p:cNvGrpSpPr/>
-        <p:nvPr/>
-      </p:nvGrpSpPr>
-      <p:grpSpPr>
-        <a:xfrm>
-          <a:off x="0" y="0"/>
-          <a:ext cx="0" cy="0"/>
-          <a:chOff x="0" y="0"/>
-          <a:chExt cx="0" cy="0"/>
-        </a:xfrm>
-      </p:grpSpPr>
-      <p:sp>
-        <p:nvSpPr>
-          <p:cNvPr id="2" name="Slide Image Placeholder 1">
-            <a:extLst>
-              <a:ext uri="{FF2B5EF4-FFF2-40B4-BE49-F238E27FC236}">
-                <a16:creationId xmlns:a16="http://schemas.microsoft.com/office/drawing/2014/main" id="{9145EFDA-EB0D-8BCC-B1D8-9046F97A8459}"/>
-              </a:ext>
-            </a:extLst>
-          </p:cNvPr>
-          <p:cNvSpPr>
-            <a:spLocks noGrp="1" noRot="1" noChangeAspect="1"/>
-          </p:cNvSpPr>
-          <p:nvPr>
-            <p:ph type="sldImg"/>
-          </p:nvPr>
-        </p:nvSpPr>
-        <p:spPr/>
-      </p:sp>
-      <p:sp>
-        <p:nvSpPr>
-          <p:cNvPr id="3" name="Notes Placeholder 2">
-            <a:extLst>
-              <a:ext uri="{FF2B5EF4-FFF2-40B4-BE49-F238E27FC236}">
-                <a16:creationId xmlns:a16="http://schemas.microsoft.com/office/drawing/2014/main" id="{405C2A3B-81C9-7313-6319-A5F451CAF25F}"/>
-              </a:ext>
-            </a:extLst>
-          </p:cNvPr>
-          <p:cNvSpPr>
-            <a:spLocks noGrp="1"/>
-          </p:cNvSpPr>
-          <p:nvPr>
-            <p:ph type="body" idx="1"/>
-          </p:nvPr>
-        </p:nvSpPr>
-        <p:spPr/>
-        <p:txBody>
-          <a:bodyPr/>
-          <a:lstStyle/>
-          <a:p>
-            <a:pPr marL="0" marR="0" lvl="0" indent="0" algn="l" defTabSz="914400" rtl="0" eaLnBrk="0" fontAlgn="base" latinLnBrk="0" hangingPunct="0">
-              <a:lnSpc>
-                <a:spcPct val="100000"/>
-              </a:lnSpc>
-              <a:spcBef>
-                <a:spcPct val="30000"/>
-              </a:spcBef>
-              <a:spcAft>
-                <a:spcPct val="0"/>
-              </a:spcAft>
-              <a:buClrTx/>
-              <a:buSzTx/>
-              <a:buFontTx/>
-              <a:buNone/>
-              <a:tabLst/>
-              <a:defRPr/>
-            </a:pPr>
-            <a:r>
-              <a:rPr lang="en-US" dirty="0"/>
-              <a:t>“A Natural Join is another special kind of </a:t>
-            </a:r>
-            <a:r>
-              <a:rPr lang="en-US" dirty="0" err="1"/>
-              <a:t>equi</a:t>
-            </a:r>
-            <a:r>
-              <a:rPr lang="en-US" dirty="0"/>
-              <a:t>-join. It looks at all columns that share the same name in both tables and automatically creates equality conditions on those columns. This can simplify queries, because you don’t have to explicitly write each matching condition.</a:t>
-            </a:r>
-            <a:br>
-              <a:rPr lang="en-US" dirty="0"/>
-            </a:br>
-            <a:r>
-              <a:rPr lang="en-US" dirty="0"/>
-              <a:t>However, you need to be cautious. If two tables share a column name that you don’t intend to match on, you could end up filtering rows incorrectly. That’s why Natural Joins can be convenient but should be used with an awareness of the schema design.”</a:t>
-            </a:r>
-          </a:p>
-          <a:p>
-            <a:endParaRPr lang="en-US" dirty="0"/>
-          </a:p>
-        </p:txBody>
-      </p:sp>
-      <p:sp>
-        <p:nvSpPr>
-          <p:cNvPr id="4" name="Slide Number Placeholder 3">
-            <a:extLst>
-              <a:ext uri="{FF2B5EF4-FFF2-40B4-BE49-F238E27FC236}">
-                <a16:creationId xmlns:a16="http://schemas.microsoft.com/office/drawing/2014/main" id="{8F991E1D-ABBE-D8E7-BA51-E1134E22B27A}"/>
-              </a:ext>
-            </a:extLst>
-          </p:cNvPr>
-          <p:cNvSpPr>
-            <a:spLocks noGrp="1"/>
-          </p:cNvSpPr>
-          <p:nvPr>
-            <p:ph type="sldNum" sz="quarter" idx="5"/>
-          </p:nvPr>
-        </p:nvSpPr>
-        <p:spPr/>
-        <p:txBody>
-          <a:bodyPr/>
-          <a:lstStyle/>
-          <a:p>
-            <a:pPr>
-              <a:defRPr/>
-            </a:pPr>
-            <a:fld id="{AE66C03C-4B0E-4149-8287-A3B340EB818D}" type="slidenum">
-              <a:rPr lang="en-US" altLang="en-US" smtClean="0"/>
-              <a:pPr>
-                <a:defRPr/>
-              </a:pPr>
-              <a:t>7</a:t>
-            </a:fld>
-            <a:endParaRPr lang="en-US" altLang="en-US"/>
-          </a:p>
-        </p:txBody>
-      </p:sp>
-    </p:spTree>
-    <p:extLst>
-      <p:ext uri="{BB962C8B-B14F-4D97-AF65-F5344CB8AC3E}">
-        <p14:creationId xmlns:p14="http://schemas.microsoft.com/office/powerpoint/2010/main" val="3341445089"/>
-      </p:ext>
-    </p:extLst>
-  </p:cSld>
-  <p:clrMapOvr>
-    <a:masterClrMapping/>
-  </p:clrMapOvr>
-</p:notes>
-</file>
-
-<file path=ppt/notesSlides/notesSlide8.xml><?xml version="1.0" encoding="utf-8"?>
 <p:notes xmlns:a="http://schemas.openxmlformats.org/drawingml/2006/main" xmlns:r="http://schemas.openxmlformats.org/officeDocument/2006/relationships" xmlns:p="http://schemas.openxmlformats.org/presentationml/2006/main">
   <p:cSld>
     <p:spTree>
@@ -2881,64 +1607,160 @@
           <a:p>
             <a:r>
               <a:rPr lang="en-US" dirty="0"/>
-              <a:t>**“To wrap up, remember these key differences:</a:t>
-            </a:r>
-          </a:p>
-          <a:p>
-            <a:pPr>
-              <a:buFont typeface="+mj-lt"/>
-              <a:buAutoNum type="arabicPeriod"/>
-            </a:pPr>
+              <a:t>On this slide, we have a table comparing the three main join types we’ve covered: Cartesian Product, Theta Join, and Natural Join. We’ll walk through each row—Condition, Duplicate Columns, and Symbol—to understand how these joins differ and when you might use each one.</a:t>
+            </a:r>
+          </a:p>
+          <a:p>
+            <a:r>
+              <a:rPr lang="en-US" dirty="0"/>
+              <a:t>First, let’s look at the </a:t>
+            </a:r>
+            <a:r>
+              <a:rPr lang="en-US" b="1" dirty="0"/>
+              <a:t>Condition</a:t>
+            </a:r>
+            <a:r>
+              <a:rPr lang="en-US" dirty="0"/>
+              <a:t> row. A </a:t>
+            </a:r>
             <a:r>
               <a:rPr lang="en-US" b="1" dirty="0"/>
               <a:t>Cartesian Product</a:t>
             </a:r>
             <a:r>
               <a:rPr lang="en-US" dirty="0"/>
-              <a:t>: Just pairs every row from one table with every row from another. Usually needs filtering.</a:t>
-            </a:r>
-          </a:p>
-          <a:p>
-            <a:pPr>
-              <a:buFont typeface="+mj-lt"/>
-              <a:buAutoNum type="arabicPeriod"/>
-            </a:pPr>
+              <a:t> has no condition at all. It pairs every row in one relation (R) with every row in another (S), which can lead to a very large result if both tables are big. A </a:t>
+            </a:r>
             <a:r>
               <a:rPr lang="en-US" b="1" dirty="0"/>
               <a:t>Theta Join</a:t>
             </a:r>
             <a:r>
               <a:rPr lang="en-US" dirty="0"/>
-              <a:t>: Allows any condition, including equality, inequality, or more complex predicates.</a:t>
-            </a:r>
-          </a:p>
-          <a:p>
-            <a:pPr>
-              <a:buFont typeface="+mj-lt"/>
-              <a:buAutoNum type="arabicPeriod"/>
-            </a:pPr>
+              <a:t> introduces a general predicate—this can be equality, inequality, or other operators—to control how rows match between R and S. Finally, a </a:t>
+            </a:r>
             <a:r>
               <a:rPr lang="en-US" b="1" dirty="0"/>
               <a:t>Natural Join</a:t>
             </a:r>
             <a:r>
               <a:rPr lang="en-US" dirty="0"/>
-              <a:t>: Automatically uses equality on all columns with the same name. Convenient, but be cautious of unintended matches.</a:t>
-            </a:r>
-            <a:br>
+              <a:t> automatically applies equality on all columns that share the same name in R and S, saving you from specifying each column explicitly. However, this can sometimes cause unintended matches if you’re not careful with naming.</a:t>
+            </a:r>
+          </a:p>
+          <a:p>
+            <a:r>
               <a:rPr lang="en-US" dirty="0"/>
-            </a:br>
+              <a:t>Next, check out the </a:t>
+            </a:r>
+            <a:r>
+              <a:rPr lang="en-US" b="1" dirty="0"/>
+              <a:t>Duplicate Columns</a:t>
+            </a:r>
             <a:r>
               <a:rPr lang="en-US" dirty="0"/>
-              <a:t>Always choose the type of join that best fits the relationship you need to express. </a:t>
-            </a:r>
-            <a:r>
-              <a:rPr lang="en-US"/>
-              <a:t>This ensures both clarity and efficiency in your database queries.”**</a:t>
-            </a:r>
-          </a:p>
-          <a:p>
-            <a:endParaRPr lang="en-US" dirty="0"/>
+              <a:t> row. With a </a:t>
+            </a:r>
+            <a:r>
+              <a:rPr lang="en-US" b="1" dirty="0"/>
+              <a:t>Cartesian Product</a:t>
+            </a:r>
+            <a:r>
+              <a:rPr lang="en-US" dirty="0"/>
+              <a:t> and a </a:t>
+            </a:r>
+            <a:r>
+              <a:rPr lang="en-US" b="1" dirty="0"/>
+              <a:t>Theta Join</a:t>
+            </a:r>
+            <a:r>
+              <a:rPr lang="en-US" dirty="0"/>
+              <a:t>, any columns that appear in both R and S will show up twice in the resulting table. This can be useful for certain operations but can also clutter your data if you don’t need those duplicate columns. On the other hand, a </a:t>
+            </a:r>
+            <a:r>
+              <a:rPr lang="en-US" b="1" dirty="0"/>
+              <a:t>Natural Join</a:t>
+            </a:r>
+            <a:r>
+              <a:rPr lang="en-US" dirty="0"/>
+              <a:t> automatically merges columns with the same name, effectively removing duplicates so that each matching attribute appears only once. This feature is convenient but demands consistent naming in your database design.</a:t>
+            </a:r>
+          </a:p>
+          <a:p>
+            <a:r>
+              <a:rPr lang="en-US" dirty="0"/>
+              <a:t>Finally, the </a:t>
+            </a:r>
+            <a:r>
+              <a:rPr lang="en-US" b="1" dirty="0"/>
+              <a:t>Symbol</a:t>
+            </a:r>
+            <a:r>
+              <a:rPr lang="en-US" dirty="0"/>
+              <a:t> row shows how we represent each join in relational algebra. A </a:t>
+            </a:r>
+            <a:r>
+              <a:rPr lang="en-US" b="1" dirty="0"/>
+              <a:t>Cartesian Product</a:t>
+            </a:r>
+            <a:r>
+              <a:rPr lang="en-US" dirty="0"/>
+              <a:t> is written as R × S, while a </a:t>
+            </a:r>
+            <a:r>
+              <a:rPr lang="en-US" b="1" dirty="0"/>
+              <a:t>Theta Join</a:t>
+            </a:r>
+            <a:r>
+              <a:rPr lang="en-US" dirty="0"/>
+              <a:t> is R ⋈θ S, indicating a specific condition (θ). The </a:t>
+            </a:r>
+            <a:r>
+              <a:rPr lang="en-US" b="1" dirty="0"/>
+              <a:t>Natural Join</a:t>
+            </a:r>
+            <a:r>
+              <a:rPr lang="en-US" dirty="0"/>
+              <a:t> is simply R ⋈ S, where the implicit condition is that all matching column names must be equal.</a:t>
+            </a:r>
+          </a:p>
+          <a:p>
+            <a:r>
+              <a:rPr lang="en-US" dirty="0"/>
+              <a:t>By comparing these three types side by side, we can see that each one serves a different purpose. The </a:t>
+            </a:r>
+            <a:r>
+              <a:rPr lang="en-US" b="1" dirty="0"/>
+              <a:t>Cartesian Product</a:t>
+            </a:r>
+            <a:r>
+              <a:rPr lang="en-US" dirty="0"/>
+              <a:t> is the broadest, creating all possible combinations; the </a:t>
+            </a:r>
+            <a:r>
+              <a:rPr lang="en-US" b="1" dirty="0"/>
+              <a:t>Theta Join</a:t>
+            </a:r>
+            <a:r>
+              <a:rPr lang="en-US" dirty="0"/>
+              <a:t> lets you tailor a condition to filter those combinations; and the </a:t>
+            </a:r>
+            <a:r>
+              <a:rPr lang="en-US" b="1" dirty="0"/>
+              <a:t>Natural Join</a:t>
+            </a:r>
+            <a:r>
+              <a:rPr lang="en-US" dirty="0"/>
+              <a:t> is a shortcut for </a:t>
+            </a:r>
+            <a:r>
+              <a:rPr lang="en-US" dirty="0" err="1"/>
+              <a:t>equi</a:t>
+            </a:r>
+            <a:r>
+              <a:rPr lang="en-US" dirty="0"/>
+              <a:t>-joins when tables share identically named columns. Keep these distinctions in mind, and you’ll be well-prepared to choose the right join for your data.”</a:t>
+            </a:r>
           </a:p>
         </p:txBody>
       </p:sp>
@@ -2971,7 +1793,7 @@
               <a:pPr>
                 <a:defRPr/>
               </a:pPr>
-              <a:t>8</a:t>
+              <a:t>3</a:t>
             </a:fld>
             <a:endParaRPr lang="en-US" altLang="en-US"/>
           </a:p>
@@ -2990,7 +1812,7 @@
 </p:notes>
 </file>
 
-<file path=ppt/notesSlides/notesSlide9.xml><?xml version="1.0" encoding="utf-8"?>
+<file path=ppt/notesSlides/notesSlide4.xml><?xml version="1.0" encoding="utf-8"?>
 <p:notes xmlns:a="http://schemas.openxmlformats.org/drawingml/2006/main" xmlns:r="http://schemas.openxmlformats.org/officeDocument/2006/relationships" xmlns:p="http://schemas.openxmlformats.org/presentationml/2006/main">
   <p:cSld>
     <p:spTree>
@@ -3061,7 +1883,7 @@
               <a:pPr>
                 <a:defRPr/>
               </a:pPr>
-              <a:t>9</a:t>
+              <a:t>4</a:t>
             </a:fld>
             <a:endParaRPr lang="en-US" altLang="en-US"/>
           </a:p>
@@ -3071,6 +1893,583 @@
     <p:extLst>
       <p:ext uri="{BB962C8B-B14F-4D97-AF65-F5344CB8AC3E}">
         <p14:creationId xmlns:p14="http://schemas.microsoft.com/office/powerpoint/2010/main" val="4097259221"/>
+      </p:ext>
+    </p:extLst>
+  </p:cSld>
+  <p:clrMapOvr>
+    <a:masterClrMapping/>
+  </p:clrMapOvr>
+</p:notes>
+</file>
+
+<file path=ppt/notesSlides/notesSlide5.xml><?xml version="1.0" encoding="utf-8"?>
+<p:notes xmlns:a="http://schemas.openxmlformats.org/drawingml/2006/main" xmlns:r="http://schemas.openxmlformats.org/officeDocument/2006/relationships" xmlns:p="http://schemas.openxmlformats.org/presentationml/2006/main">
+  <p:cSld>
+    <p:spTree>
+      <p:nvGrpSpPr>
+        <p:cNvPr id="1" name="">
+          <a:extLst>
+            <a:ext uri="{FF2B5EF4-FFF2-40B4-BE49-F238E27FC236}">
+              <a16:creationId xmlns:a16="http://schemas.microsoft.com/office/drawing/2014/main" id="{C932D850-DB15-CF09-F5D2-ECBDA298C239}"/>
+            </a:ext>
+          </a:extLst>
+        </p:cNvPr>
+        <p:cNvGrpSpPr/>
+        <p:nvPr/>
+      </p:nvGrpSpPr>
+      <p:grpSpPr>
+        <a:xfrm>
+          <a:off x="0" y="0"/>
+          <a:ext cx="0" cy="0"/>
+          <a:chOff x="0" y="0"/>
+          <a:chExt cx="0" cy="0"/>
+        </a:xfrm>
+      </p:grpSpPr>
+      <p:sp>
+        <p:nvSpPr>
+          <p:cNvPr id="2" name="Slide Image Placeholder 1">
+            <a:extLst>
+              <a:ext uri="{FF2B5EF4-FFF2-40B4-BE49-F238E27FC236}">
+                <a16:creationId xmlns:a16="http://schemas.microsoft.com/office/drawing/2014/main" id="{8FA2CF5E-743C-0548-37AE-A4616FBBF7E2}"/>
+              </a:ext>
+            </a:extLst>
+          </p:cNvPr>
+          <p:cNvSpPr>
+            <a:spLocks noGrp="1" noRot="1" noChangeAspect="1"/>
+          </p:cNvSpPr>
+          <p:nvPr>
+            <p:ph type="sldImg"/>
+          </p:nvPr>
+        </p:nvSpPr>
+        <p:spPr/>
+      </p:sp>
+      <p:sp>
+        <p:nvSpPr>
+          <p:cNvPr id="3" name="Notes Placeholder 2">
+            <a:extLst>
+              <a:ext uri="{FF2B5EF4-FFF2-40B4-BE49-F238E27FC236}">
+                <a16:creationId xmlns:a16="http://schemas.microsoft.com/office/drawing/2014/main" id="{E5136FD1-401F-C704-16E1-5472D2A4688C}"/>
+              </a:ext>
+            </a:extLst>
+          </p:cNvPr>
+          <p:cNvSpPr>
+            <a:spLocks noGrp="1"/>
+          </p:cNvSpPr>
+          <p:nvPr>
+            <p:ph type="body" idx="1"/>
+          </p:nvPr>
+        </p:nvSpPr>
+        <p:spPr/>
+        <p:txBody>
+          <a:bodyPr/>
+          <a:lstStyle/>
+          <a:p>
+            <a:endParaRPr lang="en-US" dirty="0"/>
+          </a:p>
+        </p:txBody>
+      </p:sp>
+      <p:sp>
+        <p:nvSpPr>
+          <p:cNvPr id="4" name="Slide Number Placeholder 3">
+            <a:extLst>
+              <a:ext uri="{FF2B5EF4-FFF2-40B4-BE49-F238E27FC236}">
+                <a16:creationId xmlns:a16="http://schemas.microsoft.com/office/drawing/2014/main" id="{BD0F1DDF-4D4A-8E74-5CC5-B31AACC9726E}"/>
+              </a:ext>
+            </a:extLst>
+          </p:cNvPr>
+          <p:cNvSpPr>
+            <a:spLocks noGrp="1"/>
+          </p:cNvSpPr>
+          <p:nvPr>
+            <p:ph type="sldNum" sz="quarter" idx="5"/>
+          </p:nvPr>
+        </p:nvSpPr>
+        <p:spPr/>
+        <p:txBody>
+          <a:bodyPr/>
+          <a:lstStyle/>
+          <a:p>
+            <a:pPr>
+              <a:defRPr/>
+            </a:pPr>
+            <a:fld id="{AE66C03C-4B0E-4149-8287-A3B340EB818D}" type="slidenum">
+              <a:rPr lang="en-US" altLang="en-US" smtClean="0"/>
+              <a:pPr>
+                <a:defRPr/>
+              </a:pPr>
+              <a:t>5</a:t>
+            </a:fld>
+            <a:endParaRPr lang="en-US" altLang="en-US"/>
+          </a:p>
+        </p:txBody>
+      </p:sp>
+    </p:spTree>
+    <p:extLst>
+      <p:ext uri="{BB962C8B-B14F-4D97-AF65-F5344CB8AC3E}">
+        <p14:creationId xmlns:p14="http://schemas.microsoft.com/office/powerpoint/2010/main" val="2482968396"/>
+      </p:ext>
+    </p:extLst>
+  </p:cSld>
+  <p:clrMapOvr>
+    <a:masterClrMapping/>
+  </p:clrMapOvr>
+</p:notes>
+</file>
+
+<file path=ppt/notesSlides/notesSlide6.xml><?xml version="1.0" encoding="utf-8"?>
+<p:notes xmlns:a="http://schemas.openxmlformats.org/drawingml/2006/main" xmlns:r="http://schemas.openxmlformats.org/officeDocument/2006/relationships" xmlns:p="http://schemas.openxmlformats.org/presentationml/2006/main">
+  <p:cSld>
+    <p:spTree>
+      <p:nvGrpSpPr>
+        <p:cNvPr id="1" name="">
+          <a:extLst>
+            <a:ext uri="{FF2B5EF4-FFF2-40B4-BE49-F238E27FC236}">
+              <a16:creationId xmlns:a16="http://schemas.microsoft.com/office/drawing/2014/main" id="{A786ADD9-02FE-61EE-BC57-9E77AB3F858D}"/>
+            </a:ext>
+          </a:extLst>
+        </p:cNvPr>
+        <p:cNvGrpSpPr/>
+        <p:nvPr/>
+      </p:nvGrpSpPr>
+      <p:grpSpPr>
+        <a:xfrm>
+          <a:off x="0" y="0"/>
+          <a:ext cx="0" cy="0"/>
+          <a:chOff x="0" y="0"/>
+          <a:chExt cx="0" cy="0"/>
+        </a:xfrm>
+      </p:grpSpPr>
+      <p:sp>
+        <p:nvSpPr>
+          <p:cNvPr id="2" name="Slide Image Placeholder 1">
+            <a:extLst>
+              <a:ext uri="{FF2B5EF4-FFF2-40B4-BE49-F238E27FC236}">
+                <a16:creationId xmlns:a16="http://schemas.microsoft.com/office/drawing/2014/main" id="{90D58B5C-F44C-8FA3-BB2B-34DEACBD2BCB}"/>
+              </a:ext>
+            </a:extLst>
+          </p:cNvPr>
+          <p:cNvSpPr>
+            <a:spLocks noGrp="1" noRot="1" noChangeAspect="1"/>
+          </p:cNvSpPr>
+          <p:nvPr>
+            <p:ph type="sldImg"/>
+          </p:nvPr>
+        </p:nvSpPr>
+        <p:spPr/>
+      </p:sp>
+      <p:sp>
+        <p:nvSpPr>
+          <p:cNvPr id="3" name="Notes Placeholder 2">
+            <a:extLst>
+              <a:ext uri="{FF2B5EF4-FFF2-40B4-BE49-F238E27FC236}">
+                <a16:creationId xmlns:a16="http://schemas.microsoft.com/office/drawing/2014/main" id="{3E62E730-C675-1931-0EE7-C2FE8CB0B140}"/>
+              </a:ext>
+            </a:extLst>
+          </p:cNvPr>
+          <p:cNvSpPr>
+            <a:spLocks noGrp="1"/>
+          </p:cNvSpPr>
+          <p:nvPr>
+            <p:ph type="body" idx="1"/>
+          </p:nvPr>
+        </p:nvSpPr>
+        <p:spPr/>
+        <p:txBody>
+          <a:bodyPr/>
+          <a:lstStyle/>
+          <a:p>
+            <a:endParaRPr lang="en-US" dirty="0"/>
+          </a:p>
+        </p:txBody>
+      </p:sp>
+      <p:sp>
+        <p:nvSpPr>
+          <p:cNvPr id="4" name="Slide Number Placeholder 3">
+            <a:extLst>
+              <a:ext uri="{FF2B5EF4-FFF2-40B4-BE49-F238E27FC236}">
+                <a16:creationId xmlns:a16="http://schemas.microsoft.com/office/drawing/2014/main" id="{9353FEB4-1B17-9D3D-3A34-4427B8A5ADE0}"/>
+              </a:ext>
+            </a:extLst>
+          </p:cNvPr>
+          <p:cNvSpPr>
+            <a:spLocks noGrp="1"/>
+          </p:cNvSpPr>
+          <p:nvPr>
+            <p:ph type="sldNum" sz="quarter" idx="5"/>
+          </p:nvPr>
+        </p:nvSpPr>
+        <p:spPr/>
+        <p:txBody>
+          <a:bodyPr/>
+          <a:lstStyle/>
+          <a:p>
+            <a:pPr>
+              <a:defRPr/>
+            </a:pPr>
+            <a:fld id="{AE66C03C-4B0E-4149-8287-A3B340EB818D}" type="slidenum">
+              <a:rPr lang="en-US" altLang="en-US" smtClean="0"/>
+              <a:pPr>
+                <a:defRPr/>
+              </a:pPr>
+              <a:t>6</a:t>
+            </a:fld>
+            <a:endParaRPr lang="en-US" altLang="en-US"/>
+          </a:p>
+        </p:txBody>
+      </p:sp>
+    </p:spTree>
+    <p:extLst>
+      <p:ext uri="{BB962C8B-B14F-4D97-AF65-F5344CB8AC3E}">
+        <p14:creationId xmlns:p14="http://schemas.microsoft.com/office/powerpoint/2010/main" val="43243567"/>
+      </p:ext>
+    </p:extLst>
+  </p:cSld>
+  <p:clrMapOvr>
+    <a:masterClrMapping/>
+  </p:clrMapOvr>
+</p:notes>
+</file>
+
+<file path=ppt/notesSlides/notesSlide7.xml><?xml version="1.0" encoding="utf-8"?>
+<p:notes xmlns:a="http://schemas.openxmlformats.org/drawingml/2006/main" xmlns:r="http://schemas.openxmlformats.org/officeDocument/2006/relationships" xmlns:p="http://schemas.openxmlformats.org/presentationml/2006/main">
+  <p:cSld>
+    <p:spTree>
+      <p:nvGrpSpPr>
+        <p:cNvPr id="1" name="">
+          <a:extLst>
+            <a:ext uri="{FF2B5EF4-FFF2-40B4-BE49-F238E27FC236}">
+              <a16:creationId xmlns:a16="http://schemas.microsoft.com/office/drawing/2014/main" id="{D6164EAD-795C-EDFE-7696-386C82E49CDD}"/>
+            </a:ext>
+          </a:extLst>
+        </p:cNvPr>
+        <p:cNvGrpSpPr/>
+        <p:nvPr/>
+      </p:nvGrpSpPr>
+      <p:grpSpPr>
+        <a:xfrm>
+          <a:off x="0" y="0"/>
+          <a:ext cx="0" cy="0"/>
+          <a:chOff x="0" y="0"/>
+          <a:chExt cx="0" cy="0"/>
+        </a:xfrm>
+      </p:grpSpPr>
+      <p:sp>
+        <p:nvSpPr>
+          <p:cNvPr id="2" name="Slide Image Placeholder 1">
+            <a:extLst>
+              <a:ext uri="{FF2B5EF4-FFF2-40B4-BE49-F238E27FC236}">
+                <a16:creationId xmlns:a16="http://schemas.microsoft.com/office/drawing/2014/main" id="{0C99899E-C198-BF80-33F3-0C2A4CA79CE2}"/>
+              </a:ext>
+            </a:extLst>
+          </p:cNvPr>
+          <p:cNvSpPr>
+            <a:spLocks noGrp="1" noRot="1" noChangeAspect="1"/>
+          </p:cNvSpPr>
+          <p:nvPr>
+            <p:ph type="sldImg"/>
+          </p:nvPr>
+        </p:nvSpPr>
+        <p:spPr/>
+      </p:sp>
+      <p:sp>
+        <p:nvSpPr>
+          <p:cNvPr id="3" name="Notes Placeholder 2">
+            <a:extLst>
+              <a:ext uri="{FF2B5EF4-FFF2-40B4-BE49-F238E27FC236}">
+                <a16:creationId xmlns:a16="http://schemas.microsoft.com/office/drawing/2014/main" id="{B89E2BE4-3078-8D2B-5551-DBF26AF0D929}"/>
+              </a:ext>
+            </a:extLst>
+          </p:cNvPr>
+          <p:cNvSpPr>
+            <a:spLocks noGrp="1"/>
+          </p:cNvSpPr>
+          <p:nvPr>
+            <p:ph type="body" idx="1"/>
+          </p:nvPr>
+        </p:nvSpPr>
+        <p:spPr/>
+        <p:txBody>
+          <a:bodyPr/>
+          <a:lstStyle/>
+          <a:p>
+            <a:pPr marL="0" indent="0">
+              <a:buNone/>
+            </a:pPr>
+            <a:r>
+              <a:rPr lang="en-US" sz="1200" dirty="0"/>
+              <a:t>We encourage you to use the online interpreter, which the link and the QR code can be found on Appendix (go to that page)</a:t>
+            </a:r>
+            <a:endParaRPr lang="en-US" dirty="0"/>
+          </a:p>
+        </p:txBody>
+      </p:sp>
+      <p:sp>
+        <p:nvSpPr>
+          <p:cNvPr id="4" name="Slide Number Placeholder 3">
+            <a:extLst>
+              <a:ext uri="{FF2B5EF4-FFF2-40B4-BE49-F238E27FC236}">
+                <a16:creationId xmlns:a16="http://schemas.microsoft.com/office/drawing/2014/main" id="{BAE8C760-EF03-95EE-5EA5-ECC5A1CB2FE3}"/>
+              </a:ext>
+            </a:extLst>
+          </p:cNvPr>
+          <p:cNvSpPr>
+            <a:spLocks noGrp="1"/>
+          </p:cNvSpPr>
+          <p:nvPr>
+            <p:ph type="sldNum" sz="quarter" idx="5"/>
+          </p:nvPr>
+        </p:nvSpPr>
+        <p:spPr/>
+        <p:txBody>
+          <a:bodyPr/>
+          <a:lstStyle/>
+          <a:p>
+            <a:pPr>
+              <a:defRPr/>
+            </a:pPr>
+            <a:fld id="{AE66C03C-4B0E-4149-8287-A3B340EB818D}" type="slidenum">
+              <a:rPr lang="en-US" altLang="en-US" smtClean="0"/>
+              <a:pPr>
+                <a:defRPr/>
+              </a:pPr>
+              <a:t>7</a:t>
+            </a:fld>
+            <a:endParaRPr lang="en-US" altLang="en-US"/>
+          </a:p>
+        </p:txBody>
+      </p:sp>
+    </p:spTree>
+    <p:extLst>
+      <p:ext uri="{BB962C8B-B14F-4D97-AF65-F5344CB8AC3E}">
+        <p14:creationId xmlns:p14="http://schemas.microsoft.com/office/powerpoint/2010/main" val="2204432888"/>
+      </p:ext>
+    </p:extLst>
+  </p:cSld>
+  <p:clrMapOvr>
+    <a:masterClrMapping/>
+  </p:clrMapOvr>
+</p:notes>
+</file>
+
+<file path=ppt/notesSlides/notesSlide8.xml><?xml version="1.0" encoding="utf-8"?>
+<p:notes xmlns:a="http://schemas.openxmlformats.org/drawingml/2006/main" xmlns:r="http://schemas.openxmlformats.org/officeDocument/2006/relationships" xmlns:p="http://schemas.openxmlformats.org/presentationml/2006/main">
+  <p:cSld>
+    <p:spTree>
+      <p:nvGrpSpPr>
+        <p:cNvPr id="1" name="">
+          <a:extLst>
+            <a:ext uri="{FF2B5EF4-FFF2-40B4-BE49-F238E27FC236}">
+              <a16:creationId xmlns:a16="http://schemas.microsoft.com/office/drawing/2014/main" id="{75CE641A-7CFA-B191-784B-875B6D967D1D}"/>
+            </a:ext>
+          </a:extLst>
+        </p:cNvPr>
+        <p:cNvGrpSpPr/>
+        <p:nvPr/>
+      </p:nvGrpSpPr>
+      <p:grpSpPr>
+        <a:xfrm>
+          <a:off x="0" y="0"/>
+          <a:ext cx="0" cy="0"/>
+          <a:chOff x="0" y="0"/>
+          <a:chExt cx="0" cy="0"/>
+        </a:xfrm>
+      </p:grpSpPr>
+      <p:sp>
+        <p:nvSpPr>
+          <p:cNvPr id="2" name="Slide Image Placeholder 1">
+            <a:extLst>
+              <a:ext uri="{FF2B5EF4-FFF2-40B4-BE49-F238E27FC236}">
+                <a16:creationId xmlns:a16="http://schemas.microsoft.com/office/drawing/2014/main" id="{C8482D16-F442-992D-B072-03CC81D1975E}"/>
+              </a:ext>
+            </a:extLst>
+          </p:cNvPr>
+          <p:cNvSpPr>
+            <a:spLocks noGrp="1" noRot="1" noChangeAspect="1"/>
+          </p:cNvSpPr>
+          <p:nvPr>
+            <p:ph type="sldImg"/>
+          </p:nvPr>
+        </p:nvSpPr>
+        <p:spPr/>
+      </p:sp>
+      <p:sp>
+        <p:nvSpPr>
+          <p:cNvPr id="3" name="Notes Placeholder 2">
+            <a:extLst>
+              <a:ext uri="{FF2B5EF4-FFF2-40B4-BE49-F238E27FC236}">
+                <a16:creationId xmlns:a16="http://schemas.microsoft.com/office/drawing/2014/main" id="{3C697811-7340-B718-184A-CBAE049460FA}"/>
+              </a:ext>
+            </a:extLst>
+          </p:cNvPr>
+          <p:cNvSpPr>
+            <a:spLocks noGrp="1"/>
+          </p:cNvSpPr>
+          <p:nvPr>
+            <p:ph type="body" idx="1"/>
+          </p:nvPr>
+        </p:nvSpPr>
+        <p:spPr/>
+        <p:txBody>
+          <a:bodyPr/>
+          <a:lstStyle/>
+          <a:p>
+            <a:endParaRPr lang="en-US" dirty="0"/>
+          </a:p>
+        </p:txBody>
+      </p:sp>
+      <p:sp>
+        <p:nvSpPr>
+          <p:cNvPr id="4" name="Slide Number Placeholder 3">
+            <a:extLst>
+              <a:ext uri="{FF2B5EF4-FFF2-40B4-BE49-F238E27FC236}">
+                <a16:creationId xmlns:a16="http://schemas.microsoft.com/office/drawing/2014/main" id="{4B426400-AC94-D1C8-E5B9-78CA5697033D}"/>
+              </a:ext>
+            </a:extLst>
+          </p:cNvPr>
+          <p:cNvSpPr>
+            <a:spLocks noGrp="1"/>
+          </p:cNvSpPr>
+          <p:nvPr>
+            <p:ph type="sldNum" sz="quarter" idx="5"/>
+          </p:nvPr>
+        </p:nvSpPr>
+        <p:spPr/>
+        <p:txBody>
+          <a:bodyPr/>
+          <a:lstStyle/>
+          <a:p>
+            <a:pPr>
+              <a:defRPr/>
+            </a:pPr>
+            <a:fld id="{AE66C03C-4B0E-4149-8287-A3B340EB818D}" type="slidenum">
+              <a:rPr lang="en-US" altLang="en-US" smtClean="0"/>
+              <a:pPr>
+                <a:defRPr/>
+              </a:pPr>
+              <a:t>8</a:t>
+            </a:fld>
+            <a:endParaRPr lang="en-US" altLang="en-US"/>
+          </a:p>
+        </p:txBody>
+      </p:sp>
+    </p:spTree>
+    <p:extLst>
+      <p:ext uri="{BB962C8B-B14F-4D97-AF65-F5344CB8AC3E}">
+        <p14:creationId xmlns:p14="http://schemas.microsoft.com/office/powerpoint/2010/main" val="636065264"/>
+      </p:ext>
+    </p:extLst>
+  </p:cSld>
+  <p:clrMapOvr>
+    <a:masterClrMapping/>
+  </p:clrMapOvr>
+</p:notes>
+</file>
+
+<file path=ppt/notesSlides/notesSlide9.xml><?xml version="1.0" encoding="utf-8"?>
+<p:notes xmlns:a="http://schemas.openxmlformats.org/drawingml/2006/main" xmlns:r="http://schemas.openxmlformats.org/officeDocument/2006/relationships" xmlns:p="http://schemas.openxmlformats.org/presentationml/2006/main">
+  <p:cSld>
+    <p:spTree>
+      <p:nvGrpSpPr>
+        <p:cNvPr id="1" name="">
+          <a:extLst>
+            <a:ext uri="{FF2B5EF4-FFF2-40B4-BE49-F238E27FC236}">
+              <a16:creationId xmlns:a16="http://schemas.microsoft.com/office/drawing/2014/main" id="{F365EECF-5571-B69D-EE7C-4C4B5D3500A7}"/>
+            </a:ext>
+          </a:extLst>
+        </p:cNvPr>
+        <p:cNvGrpSpPr/>
+        <p:nvPr/>
+      </p:nvGrpSpPr>
+      <p:grpSpPr>
+        <a:xfrm>
+          <a:off x="0" y="0"/>
+          <a:ext cx="0" cy="0"/>
+          <a:chOff x="0" y="0"/>
+          <a:chExt cx="0" cy="0"/>
+        </a:xfrm>
+      </p:grpSpPr>
+      <p:sp>
+        <p:nvSpPr>
+          <p:cNvPr id="2" name="Slide Image Placeholder 1">
+            <a:extLst>
+              <a:ext uri="{FF2B5EF4-FFF2-40B4-BE49-F238E27FC236}">
+                <a16:creationId xmlns:a16="http://schemas.microsoft.com/office/drawing/2014/main" id="{54E0D7DB-2D20-7818-2CA5-6D0AC8715050}"/>
+              </a:ext>
+            </a:extLst>
+          </p:cNvPr>
+          <p:cNvSpPr>
+            <a:spLocks noGrp="1" noRot="1" noChangeAspect="1"/>
+          </p:cNvSpPr>
+          <p:nvPr>
+            <p:ph type="sldImg"/>
+          </p:nvPr>
+        </p:nvSpPr>
+        <p:spPr/>
+      </p:sp>
+      <p:sp>
+        <p:nvSpPr>
+          <p:cNvPr id="3" name="Notes Placeholder 2">
+            <a:extLst>
+              <a:ext uri="{FF2B5EF4-FFF2-40B4-BE49-F238E27FC236}">
+                <a16:creationId xmlns:a16="http://schemas.microsoft.com/office/drawing/2014/main" id="{30D7619A-AD0C-1E03-E85A-9EDBD5550CFA}"/>
+              </a:ext>
+            </a:extLst>
+          </p:cNvPr>
+          <p:cNvSpPr>
+            <a:spLocks noGrp="1"/>
+          </p:cNvSpPr>
+          <p:nvPr>
+            <p:ph type="body" idx="1"/>
+          </p:nvPr>
+        </p:nvSpPr>
+        <p:spPr/>
+        <p:txBody>
+          <a:bodyPr/>
+          <a:lstStyle/>
+          <a:p>
+            <a:endParaRPr lang="en-US" dirty="0"/>
+          </a:p>
+        </p:txBody>
+      </p:sp>
+      <p:sp>
+        <p:nvSpPr>
+          <p:cNvPr id="4" name="Slide Number Placeholder 3">
+            <a:extLst>
+              <a:ext uri="{FF2B5EF4-FFF2-40B4-BE49-F238E27FC236}">
+                <a16:creationId xmlns:a16="http://schemas.microsoft.com/office/drawing/2014/main" id="{DE563BF3-2BBE-7587-E7E4-143EE38391DF}"/>
+              </a:ext>
+            </a:extLst>
+          </p:cNvPr>
+          <p:cNvSpPr>
+            <a:spLocks noGrp="1"/>
+          </p:cNvSpPr>
+          <p:nvPr>
+            <p:ph type="sldNum" sz="quarter" idx="5"/>
+          </p:nvPr>
+        </p:nvSpPr>
+        <p:spPr/>
+        <p:txBody>
+          <a:bodyPr/>
+          <a:lstStyle/>
+          <a:p>
+            <a:pPr>
+              <a:defRPr/>
+            </a:pPr>
+            <a:fld id="{AE66C03C-4B0E-4149-8287-A3B340EB818D}" type="slidenum">
+              <a:rPr lang="en-US" altLang="en-US" smtClean="0"/>
+              <a:pPr>
+                <a:defRPr/>
+              </a:pPr>
+              <a:t>9</a:t>
+            </a:fld>
+            <a:endParaRPr lang="en-US" altLang="en-US"/>
+          </a:p>
+        </p:txBody>
+      </p:sp>
+    </p:spTree>
+    <p:extLst>
+      <p:ext uri="{BB962C8B-B14F-4D97-AF65-F5344CB8AC3E}">
+        <p14:creationId xmlns:p14="http://schemas.microsoft.com/office/powerpoint/2010/main" val="2674347117"/>
       </p:ext>
     </p:extLst>
   </p:cSld>
@@ -6284,36 +5683,6 @@
           </a:p>
         </p:txBody>
       </p:sp>
-      <p:pic>
-        <p:nvPicPr>
-          <p:cNvPr id="8" name="Picture 7">
-            <a:extLst>
-              <a:ext uri="{FF2B5EF4-FFF2-40B4-BE49-F238E27FC236}">
-                <a16:creationId xmlns:a16="http://schemas.microsoft.com/office/drawing/2014/main" id="{5AEC5D33-49EC-5C18-A406-6C8806E33682}"/>
-              </a:ext>
-            </a:extLst>
-          </p:cNvPr>
-          <p:cNvPicPr>
-            <a:picLocks noChangeAspect="1"/>
-          </p:cNvPicPr>
-          <p:nvPr userDrawn="1"/>
-        </p:nvPicPr>
-        <p:blipFill>
-          <a:blip r:embed="rId15"/>
-          <a:stretch>
-            <a:fillRect/>
-          </a:stretch>
-        </p:blipFill>
-        <p:spPr>
-          <a:xfrm>
-            <a:off x="261518" y="301763"/>
-            <a:ext cx="1409897" cy="1409897"/>
-          </a:xfrm>
-          <a:prstGeom prst="rect">
-            <a:avLst/>
-          </a:prstGeom>
-        </p:spPr>
-      </p:pic>
     </p:spTree>
   </p:cSld>
   <p:clrMap bg1="lt1" tx1="dk1" bg2="lt2" tx2="dk2" accent1="accent1" accent2="accent2" accent3="accent3" accent4="accent4" accent5="accent5" accent6="accent6" hlink="hlink" folHlink="folHlink"/>
@@ -6871,2065 +6240,6 @@
         <p:cNvPr id="1" name="">
           <a:extLst>
             <a:ext uri="{FF2B5EF4-FFF2-40B4-BE49-F238E27FC236}">
-              <a16:creationId xmlns:a16="http://schemas.microsoft.com/office/drawing/2014/main" id="{5EAAAB49-468B-D70A-17B9-AD2DFDD87827}"/>
-            </a:ext>
-          </a:extLst>
-        </p:cNvPr>
-        <p:cNvGrpSpPr/>
-        <p:nvPr/>
-      </p:nvGrpSpPr>
-      <p:grpSpPr>
-        <a:xfrm>
-          <a:off x="0" y="0"/>
-          <a:ext cx="0" cy="0"/>
-          <a:chOff x="0" y="0"/>
-          <a:chExt cx="0" cy="0"/>
-        </a:xfrm>
-      </p:grpSpPr>
-      <p:sp>
-        <p:nvSpPr>
-          <p:cNvPr id="2" name="Title 1">
-            <a:extLst>
-              <a:ext uri="{FF2B5EF4-FFF2-40B4-BE49-F238E27FC236}">
-                <a16:creationId xmlns:a16="http://schemas.microsoft.com/office/drawing/2014/main" id="{5C6B5C67-834D-C9A7-90DE-649039F909B2}"/>
-              </a:ext>
-            </a:extLst>
-          </p:cNvPr>
-          <p:cNvSpPr>
-            <a:spLocks noGrp="1"/>
-          </p:cNvSpPr>
-          <p:nvPr>
-            <p:ph type="title"/>
-          </p:nvPr>
-        </p:nvSpPr>
-        <p:spPr/>
-        <p:txBody>
-          <a:bodyPr/>
-          <a:lstStyle/>
-          <a:p>
-            <a:pPr algn="ctr"/>
-            <a:r>
-              <a:rPr lang="en-NZ" sz="3600" dirty="0"/>
-              <a:t>Exercises</a:t>
-            </a:r>
-            <a:endParaRPr lang="en-US" sz="3600" dirty="0"/>
-          </a:p>
-        </p:txBody>
-      </p:sp>
-      <p:sp>
-        <p:nvSpPr>
-          <p:cNvPr id="3" name="Content Placeholder 2">
-            <a:extLst>
-              <a:ext uri="{FF2B5EF4-FFF2-40B4-BE49-F238E27FC236}">
-                <a16:creationId xmlns:a16="http://schemas.microsoft.com/office/drawing/2014/main" id="{3D3AAD9D-DE7B-D97E-E3D2-72E55A5A9F04}"/>
-              </a:ext>
-            </a:extLst>
-          </p:cNvPr>
-          <p:cNvSpPr>
-            <a:spLocks noGrp="1"/>
-          </p:cNvSpPr>
-          <p:nvPr>
-            <p:ph idx="1"/>
-          </p:nvPr>
-        </p:nvSpPr>
-        <p:spPr>
-          <a:xfrm>
-            <a:off x="837597" y="1881446"/>
-            <a:ext cx="7727518" cy="4903787"/>
-          </a:xfrm>
-        </p:spPr>
-        <p:txBody>
-          <a:bodyPr/>
-          <a:lstStyle/>
-          <a:p>
-            <a:pPr algn="l"/>
-            <a:r>
-              <a:rPr lang="en-US" sz="1800" b="0" i="1" u="none" strike="noStrike" baseline="0" dirty="0">
-                <a:latin typeface="+mj-lt"/>
-              </a:rPr>
-              <a:t>branch</a:t>
-            </a:r>
-            <a:r>
-              <a:rPr lang="en-US" sz="1800" b="0" i="0" u="none" strike="noStrike" baseline="0" dirty="0">
-                <a:latin typeface="+mj-lt"/>
-              </a:rPr>
-              <a:t>(</a:t>
-            </a:r>
-            <a:r>
-              <a:rPr lang="en-US" sz="1800" b="0" i="1" u="none" strike="noStrike" baseline="0" dirty="0">
-                <a:latin typeface="+mj-lt"/>
-              </a:rPr>
-              <a:t>branch name</a:t>
-            </a:r>
-            <a:r>
-              <a:rPr lang="en-US" sz="1800" b="0" i="0" u="none" strike="noStrike" baseline="0" dirty="0">
-                <a:latin typeface="+mj-lt"/>
-              </a:rPr>
-              <a:t>, </a:t>
-            </a:r>
-            <a:r>
-              <a:rPr lang="en-US" sz="1800" b="0" i="1" u="none" strike="noStrike" baseline="0" dirty="0">
-                <a:latin typeface="+mj-lt"/>
-              </a:rPr>
-              <a:t>branch city, assets</a:t>
-            </a:r>
-            <a:r>
-              <a:rPr lang="en-US" sz="1800" b="0" i="0" u="none" strike="noStrike" baseline="0" dirty="0">
-                <a:latin typeface="+mj-lt"/>
-              </a:rPr>
-              <a:t>)</a:t>
-            </a:r>
-          </a:p>
-          <a:p>
-            <a:pPr algn="l"/>
-            <a:r>
-              <a:rPr lang="en-US" sz="1800" b="0" i="1" u="none" strike="noStrike" baseline="0" dirty="0">
-                <a:latin typeface="+mj-lt"/>
-              </a:rPr>
-              <a:t>customer </a:t>
-            </a:r>
-            <a:r>
-              <a:rPr lang="en-US" sz="1800" b="0" i="0" u="none" strike="noStrike" baseline="0" dirty="0">
-                <a:latin typeface="+mj-lt"/>
-              </a:rPr>
-              <a:t>(</a:t>
-            </a:r>
-            <a:r>
-              <a:rPr lang="en-US" sz="1800" b="0" i="1" u="none" strike="noStrike" baseline="0" dirty="0">
-                <a:latin typeface="+mj-lt"/>
-              </a:rPr>
-              <a:t>ID</a:t>
-            </a:r>
-            <a:r>
-              <a:rPr lang="en-US" sz="1800" b="0" i="0" u="none" strike="noStrike" baseline="0" dirty="0">
-                <a:latin typeface="+mj-lt"/>
-              </a:rPr>
-              <a:t>, </a:t>
-            </a:r>
-            <a:r>
-              <a:rPr lang="en-US" sz="1800" b="0" i="1" u="none" strike="noStrike" baseline="0" dirty="0">
-                <a:latin typeface="+mj-lt"/>
-              </a:rPr>
-              <a:t>customer name</a:t>
-            </a:r>
-            <a:r>
-              <a:rPr lang="en-US" sz="1800" b="0" i="0" u="none" strike="noStrike" baseline="0" dirty="0">
-                <a:latin typeface="+mj-lt"/>
-              </a:rPr>
-              <a:t>, </a:t>
-            </a:r>
-            <a:r>
-              <a:rPr lang="en-US" sz="1800" b="0" i="1" u="none" strike="noStrike" baseline="0" dirty="0">
-                <a:latin typeface="+mj-lt"/>
-              </a:rPr>
-              <a:t>customer street, customer city</a:t>
-            </a:r>
-            <a:r>
-              <a:rPr lang="en-US" sz="1800" b="0" i="0" u="none" strike="noStrike" baseline="0" dirty="0">
-                <a:latin typeface="+mj-lt"/>
-              </a:rPr>
-              <a:t>)</a:t>
-            </a:r>
-          </a:p>
-          <a:p>
-            <a:pPr algn="l"/>
-            <a:r>
-              <a:rPr lang="en-US" sz="1800" b="0" i="1" u="none" strike="noStrike" baseline="0" dirty="0">
-                <a:latin typeface="+mj-lt"/>
-              </a:rPr>
-              <a:t>loan </a:t>
-            </a:r>
-            <a:r>
-              <a:rPr lang="en-US" sz="1800" b="0" i="0" u="none" strike="noStrike" baseline="0" dirty="0">
-                <a:latin typeface="+mj-lt"/>
-              </a:rPr>
-              <a:t>(</a:t>
-            </a:r>
-            <a:r>
-              <a:rPr lang="en-US" sz="1800" b="0" i="1" u="none" strike="noStrike" baseline="0" dirty="0">
-                <a:latin typeface="+mj-lt"/>
-              </a:rPr>
-              <a:t>loan number</a:t>
-            </a:r>
-            <a:r>
-              <a:rPr lang="en-US" sz="1800" b="0" i="0" u="none" strike="noStrike" baseline="0" dirty="0">
-                <a:latin typeface="+mj-lt"/>
-              </a:rPr>
-              <a:t>, </a:t>
-            </a:r>
-            <a:r>
-              <a:rPr lang="en-US" sz="1800" b="0" i="1" u="none" strike="noStrike" baseline="0" dirty="0">
-                <a:latin typeface="+mj-lt"/>
-              </a:rPr>
-              <a:t>branch name, amount</a:t>
-            </a:r>
-            <a:r>
-              <a:rPr lang="en-US" sz="1800" b="0" i="0" u="none" strike="noStrike" baseline="0" dirty="0">
-                <a:latin typeface="+mj-lt"/>
-              </a:rPr>
-              <a:t>)</a:t>
-            </a:r>
-          </a:p>
-          <a:p>
-            <a:pPr algn="l"/>
-            <a:r>
-              <a:rPr lang="en-US" sz="1800" b="0" i="1" u="none" strike="noStrike" baseline="0" dirty="0">
-                <a:latin typeface="+mj-lt"/>
-              </a:rPr>
-              <a:t>borrower </a:t>
-            </a:r>
-            <a:r>
-              <a:rPr lang="en-US" sz="1800" b="0" i="0" u="none" strike="noStrike" baseline="0" dirty="0">
-                <a:latin typeface="+mj-lt"/>
-              </a:rPr>
-              <a:t>(</a:t>
-            </a:r>
-            <a:r>
-              <a:rPr lang="en-US" sz="1800" b="0" i="1" u="none" strike="noStrike" baseline="0" dirty="0">
-                <a:latin typeface="+mj-lt"/>
-              </a:rPr>
-              <a:t>ID</a:t>
-            </a:r>
-            <a:r>
-              <a:rPr lang="en-US" sz="1800" b="0" i="0" u="none" strike="noStrike" baseline="0" dirty="0">
-                <a:latin typeface="+mj-lt"/>
-              </a:rPr>
-              <a:t>, </a:t>
-            </a:r>
-            <a:r>
-              <a:rPr lang="en-US" sz="1800" b="0" i="1" u="none" strike="noStrike" baseline="0" dirty="0">
-                <a:latin typeface="+mj-lt"/>
-              </a:rPr>
-              <a:t>loan number</a:t>
-            </a:r>
-            <a:r>
-              <a:rPr lang="en-US" sz="1800" b="0" i="0" u="none" strike="noStrike" baseline="0" dirty="0">
-                <a:latin typeface="+mj-lt"/>
-              </a:rPr>
-              <a:t>)</a:t>
-            </a:r>
-          </a:p>
-          <a:p>
-            <a:pPr algn="l"/>
-            <a:r>
-              <a:rPr lang="en-US" sz="1800" b="0" i="1" u="none" strike="noStrike" baseline="0" dirty="0">
-                <a:latin typeface="+mj-lt"/>
-              </a:rPr>
-              <a:t>account </a:t>
-            </a:r>
-            <a:r>
-              <a:rPr lang="en-US" sz="1800" b="0" i="0" u="none" strike="noStrike" baseline="0" dirty="0">
-                <a:latin typeface="+mj-lt"/>
-              </a:rPr>
-              <a:t>(</a:t>
-            </a:r>
-            <a:r>
-              <a:rPr lang="en-US" sz="1800" b="0" i="1" u="none" strike="noStrike" baseline="0" dirty="0">
-                <a:latin typeface="+mj-lt"/>
-              </a:rPr>
-              <a:t>account number</a:t>
-            </a:r>
-            <a:r>
-              <a:rPr lang="en-US" sz="1800" b="0" i="0" u="none" strike="noStrike" baseline="0" dirty="0">
-                <a:latin typeface="+mj-lt"/>
-              </a:rPr>
-              <a:t>, </a:t>
-            </a:r>
-            <a:r>
-              <a:rPr lang="en-US" sz="1800" b="0" i="1" u="none" strike="noStrike" baseline="0" dirty="0">
-                <a:latin typeface="+mj-lt"/>
-              </a:rPr>
-              <a:t>branch name, balance</a:t>
-            </a:r>
-            <a:r>
-              <a:rPr lang="en-US" sz="1800" b="0" i="0" u="none" strike="noStrike" baseline="0" dirty="0">
-                <a:latin typeface="+mj-lt"/>
-              </a:rPr>
-              <a:t>)</a:t>
-            </a:r>
-          </a:p>
-          <a:p>
-            <a:pPr algn="l"/>
-            <a:r>
-              <a:rPr lang="en-US" sz="1800" b="0" i="1" u="none" strike="noStrike" baseline="0" dirty="0">
-                <a:latin typeface="+mj-lt"/>
-              </a:rPr>
-              <a:t>depositor </a:t>
-            </a:r>
-            <a:r>
-              <a:rPr lang="en-US" sz="1800" b="0" i="0" u="none" strike="noStrike" baseline="0" dirty="0">
-                <a:latin typeface="+mj-lt"/>
-              </a:rPr>
-              <a:t>(</a:t>
-            </a:r>
-            <a:r>
-              <a:rPr lang="en-US" sz="1800" b="0" i="1" u="none" strike="noStrike" baseline="0" dirty="0">
-                <a:latin typeface="+mj-lt"/>
-              </a:rPr>
-              <a:t>ID</a:t>
-            </a:r>
-            <a:r>
-              <a:rPr lang="en-US" sz="1800" b="0" i="0" u="none" strike="noStrike" baseline="0" dirty="0">
-                <a:latin typeface="+mj-lt"/>
-              </a:rPr>
-              <a:t>, </a:t>
-            </a:r>
-            <a:r>
-              <a:rPr lang="en-US" sz="1800" b="0" i="1" u="none" strike="noStrike" baseline="0" dirty="0">
-                <a:latin typeface="+mj-lt"/>
-              </a:rPr>
-              <a:t>account number</a:t>
-            </a:r>
-            <a:r>
-              <a:rPr lang="en-US" sz="1800" b="0" i="0" u="none" strike="noStrike" baseline="0" dirty="0">
-                <a:latin typeface="+mj-lt"/>
-              </a:rPr>
-              <a:t>)</a:t>
-            </a:r>
-          </a:p>
-          <a:p>
-            <a:pPr marL="0" indent="0" algn="l">
-              <a:buNone/>
-            </a:pPr>
-            <a:endParaRPr lang="en-US" sz="1800" dirty="0">
-              <a:latin typeface="+mj-lt"/>
-            </a:endParaRPr>
-          </a:p>
-          <a:p>
-            <a:pPr marL="0" indent="0" algn="l">
-              <a:buNone/>
-            </a:pPr>
-            <a:r>
-              <a:rPr lang="en-US" sz="1800" b="0" i="0" u="none" strike="noStrike" baseline="0" dirty="0">
-                <a:latin typeface="+mj-lt"/>
-              </a:rPr>
-              <a:t>2. Consider this bank database. Give an expression in the relational algebra for each of the following:</a:t>
-            </a:r>
-          </a:p>
-          <a:p>
-            <a:r>
-              <a:rPr lang="en-US" sz="1800" b="0" i="0" u="none" strike="noStrike" baseline="0" dirty="0">
-                <a:latin typeface="+mj-lt"/>
-              </a:rPr>
-              <a:t>Find each loan number with a loan amount greater than $10000.</a:t>
-            </a:r>
-          </a:p>
-          <a:p>
-            <a:pPr algn="l"/>
-            <a:r>
-              <a:rPr lang="en-US" sz="1800" b="0" i="0" u="none" strike="noStrike" baseline="0" dirty="0">
-                <a:latin typeface="+mj-lt"/>
-              </a:rPr>
-              <a:t>Find the ID of each depositor who has an account with a balance greater than $6000.</a:t>
-            </a:r>
-          </a:p>
-          <a:p>
-            <a:pPr algn="l"/>
-            <a:r>
-              <a:rPr lang="en-US" sz="1800" b="0" i="0" u="none" strike="noStrike" baseline="0" dirty="0">
-                <a:latin typeface="+mj-lt"/>
-              </a:rPr>
-              <a:t>Find the ID of each depositor who has an account with a balance greater than $6000 at the “Uptown” branch.</a:t>
-            </a:r>
-            <a:endParaRPr lang="en-US" sz="2400" dirty="0">
-              <a:latin typeface="+mj-lt"/>
-            </a:endParaRPr>
-          </a:p>
-        </p:txBody>
-      </p:sp>
-      <p:sp>
-        <p:nvSpPr>
-          <p:cNvPr id="4" name="Slide Number Placeholder 3">
-            <a:extLst>
-              <a:ext uri="{FF2B5EF4-FFF2-40B4-BE49-F238E27FC236}">
-                <a16:creationId xmlns:a16="http://schemas.microsoft.com/office/drawing/2014/main" id="{0CC33197-F105-2EAD-EDA3-1535AD3F2F67}"/>
-              </a:ext>
-            </a:extLst>
-          </p:cNvPr>
-          <p:cNvSpPr>
-            <a:spLocks noGrp="1"/>
-          </p:cNvSpPr>
-          <p:nvPr>
-            <p:ph type="sldNum" sz="quarter" idx="10"/>
-          </p:nvPr>
-        </p:nvSpPr>
-        <p:spPr/>
-        <p:txBody>
-          <a:bodyPr/>
-          <a:lstStyle/>
-          <a:p>
-            <a:pPr>
-              <a:defRPr/>
-            </a:pPr>
-            <a:fld id="{547F3CAF-32BF-49A6-93F1-59C9E4B7C957}" type="slidenum">
-              <a:rPr lang="en-US" altLang="en-US" smtClean="0"/>
-              <a:pPr>
-                <a:defRPr/>
-              </a:pPr>
-              <a:t>10</a:t>
-            </a:fld>
-            <a:endParaRPr lang="en-US" altLang="en-US" dirty="0"/>
-          </a:p>
-        </p:txBody>
-      </p:sp>
-    </p:spTree>
-    <p:extLst>
-      <p:ext uri="{BB962C8B-B14F-4D97-AF65-F5344CB8AC3E}">
-        <p14:creationId xmlns:p14="http://schemas.microsoft.com/office/powerpoint/2010/main" val="464392404"/>
-      </p:ext>
-    </p:extLst>
-  </p:cSld>
-  <p:clrMapOvr>
-    <a:masterClrMapping/>
-  </p:clrMapOvr>
-</p:sld>
-</file>
-
-<file path=ppt/slides/slide11.xml><?xml version="1.0" encoding="utf-8"?>
-<p:sld xmlns:a="http://schemas.openxmlformats.org/drawingml/2006/main" xmlns:r="http://schemas.openxmlformats.org/officeDocument/2006/relationships" xmlns:p="http://schemas.openxmlformats.org/presentationml/2006/main">
-  <p:cSld>
-    <p:spTree>
-      <p:nvGrpSpPr>
-        <p:cNvPr id="1" name="">
-          <a:extLst>
-            <a:ext uri="{FF2B5EF4-FFF2-40B4-BE49-F238E27FC236}">
-              <a16:creationId xmlns:a16="http://schemas.microsoft.com/office/drawing/2014/main" id="{9785D2C4-F808-C6F2-00D9-7B80D864622A}"/>
-            </a:ext>
-          </a:extLst>
-        </p:cNvPr>
-        <p:cNvGrpSpPr/>
-        <p:nvPr/>
-      </p:nvGrpSpPr>
-      <p:grpSpPr>
-        <a:xfrm>
-          <a:off x="0" y="0"/>
-          <a:ext cx="0" cy="0"/>
-          <a:chOff x="0" y="0"/>
-          <a:chExt cx="0" cy="0"/>
-        </a:xfrm>
-      </p:grpSpPr>
-      <p:sp>
-        <p:nvSpPr>
-          <p:cNvPr id="2" name="Title 1">
-            <a:extLst>
-              <a:ext uri="{FF2B5EF4-FFF2-40B4-BE49-F238E27FC236}">
-                <a16:creationId xmlns:a16="http://schemas.microsoft.com/office/drawing/2014/main" id="{37BE28C0-92B1-3527-0C5B-A3473000B89B}"/>
-              </a:ext>
-            </a:extLst>
-          </p:cNvPr>
-          <p:cNvSpPr>
-            <a:spLocks noGrp="1"/>
-          </p:cNvSpPr>
-          <p:nvPr>
-            <p:ph type="title"/>
-          </p:nvPr>
-        </p:nvSpPr>
-        <p:spPr/>
-        <p:txBody>
-          <a:bodyPr/>
-          <a:lstStyle/>
-          <a:p>
-            <a:pPr algn="ctr"/>
-            <a:r>
-              <a:rPr lang="en-NZ" sz="3600" dirty="0"/>
-              <a:t>Exercises</a:t>
-            </a:r>
-            <a:endParaRPr lang="en-US" sz="3600" dirty="0"/>
-          </a:p>
-        </p:txBody>
-      </p:sp>
-      <p:sp>
-        <p:nvSpPr>
-          <p:cNvPr id="3" name="Content Placeholder 2">
-            <a:extLst>
-              <a:ext uri="{FF2B5EF4-FFF2-40B4-BE49-F238E27FC236}">
-                <a16:creationId xmlns:a16="http://schemas.microsoft.com/office/drawing/2014/main" id="{6170B6C3-2A6B-2622-20DA-F1BB85CC313C}"/>
-              </a:ext>
-            </a:extLst>
-          </p:cNvPr>
-          <p:cNvSpPr>
-            <a:spLocks noGrp="1"/>
-          </p:cNvSpPr>
-          <p:nvPr>
-            <p:ph idx="1"/>
-          </p:nvPr>
-        </p:nvSpPr>
-        <p:spPr>
-          <a:xfrm>
-            <a:off x="837597" y="1881446"/>
-            <a:ext cx="7727518" cy="4903787"/>
-          </a:xfrm>
-        </p:spPr>
-        <p:txBody>
-          <a:bodyPr/>
-          <a:lstStyle/>
-          <a:p>
-            <a:pPr>
-              <a:buFont typeface="Arial" panose="020B0604020202020204" pitchFamily="34" charset="0"/>
-              <a:buChar char="•"/>
-            </a:pPr>
-            <a:r>
-              <a:rPr lang="en-US" sz="1800" dirty="0"/>
-              <a:t>Find the ID and name of each instructor in the Physics department.</a:t>
-            </a:r>
-          </a:p>
-          <a:p>
-            <a:pPr>
-              <a:buFont typeface="Arial" panose="020B0604020202020204" pitchFamily="34" charset="0"/>
-              <a:buChar char="•"/>
-            </a:pPr>
-            <a:r>
-              <a:rPr lang="en-US" sz="1800" dirty="0"/>
-              <a:t>Find the ID and name of each instructor in a department located in the building “Watson”.</a:t>
-            </a:r>
-          </a:p>
-          <a:p>
-            <a:pPr>
-              <a:buFont typeface="Arial" panose="020B0604020202020204" pitchFamily="34" charset="0"/>
-              <a:buChar char="•"/>
-            </a:pPr>
-            <a:r>
-              <a:rPr lang="en-US" sz="1800" dirty="0"/>
-              <a:t>Find the ID and name of each student who has taken at least one course in the “Comp. Sci.” department.</a:t>
-            </a:r>
-          </a:p>
-          <a:p>
-            <a:pPr>
-              <a:buFont typeface="Arial" panose="020B0604020202020204" pitchFamily="34" charset="0"/>
-              <a:buChar char="•"/>
-            </a:pPr>
-            <a:r>
-              <a:rPr lang="en-US" sz="1800" dirty="0"/>
-              <a:t>Find the ID and name of each student who has taken at least one course section in the year 2018.</a:t>
-            </a:r>
-          </a:p>
-          <a:p>
-            <a:pPr>
-              <a:buFont typeface="Arial" panose="020B0604020202020204" pitchFamily="34" charset="0"/>
-              <a:buChar char="•"/>
-            </a:pPr>
-            <a:r>
-              <a:rPr lang="en-US" sz="1800" dirty="0"/>
-              <a:t>Find the ID and name of each student who has not taken any course section in the year 2018.</a:t>
-            </a:r>
-          </a:p>
-        </p:txBody>
-      </p:sp>
-      <p:sp>
-        <p:nvSpPr>
-          <p:cNvPr id="4" name="Slide Number Placeholder 3">
-            <a:extLst>
-              <a:ext uri="{FF2B5EF4-FFF2-40B4-BE49-F238E27FC236}">
-                <a16:creationId xmlns:a16="http://schemas.microsoft.com/office/drawing/2014/main" id="{EB8AE2FC-A2A0-BCFD-23B9-284E0C791425}"/>
-              </a:ext>
-            </a:extLst>
-          </p:cNvPr>
-          <p:cNvSpPr>
-            <a:spLocks noGrp="1"/>
-          </p:cNvSpPr>
-          <p:nvPr>
-            <p:ph type="sldNum" sz="quarter" idx="10"/>
-          </p:nvPr>
-        </p:nvSpPr>
-        <p:spPr/>
-        <p:txBody>
-          <a:bodyPr/>
-          <a:lstStyle/>
-          <a:p>
-            <a:pPr>
-              <a:defRPr/>
-            </a:pPr>
-            <a:fld id="{547F3CAF-32BF-49A6-93F1-59C9E4B7C957}" type="slidenum">
-              <a:rPr lang="en-US" altLang="en-US" smtClean="0"/>
-              <a:pPr>
-                <a:defRPr/>
-              </a:pPr>
-              <a:t>11</a:t>
-            </a:fld>
-            <a:endParaRPr lang="en-US" altLang="en-US" dirty="0"/>
-          </a:p>
-        </p:txBody>
-      </p:sp>
-      <p:pic>
-        <p:nvPicPr>
-          <p:cNvPr id="6" name="Picture 5" descr="A close-up of several numbers&#10;&#10;AI-generated content may be incorrect.">
-            <a:extLst>
-              <a:ext uri="{FF2B5EF4-FFF2-40B4-BE49-F238E27FC236}">
-                <a16:creationId xmlns:a16="http://schemas.microsoft.com/office/drawing/2014/main" id="{F05F48B3-773A-C7B9-6625-405F2174F2E9}"/>
-              </a:ext>
-            </a:extLst>
-          </p:cNvPr>
-          <p:cNvPicPr>
-            <a:picLocks noChangeAspect="1"/>
-          </p:cNvPicPr>
-          <p:nvPr/>
-        </p:nvPicPr>
-        <p:blipFill>
-          <a:blip r:embed="rId3">
-            <a:clrChange>
-              <a:clrFrom>
-                <a:srgbClr val="FFFFFF"/>
-              </a:clrFrom>
-              <a:clrTo>
-                <a:srgbClr val="FFFFFF">
-                  <a:alpha val="0"/>
-                </a:srgbClr>
-              </a:clrTo>
-            </a:clrChange>
-          </a:blip>
-          <a:stretch>
-            <a:fillRect/>
-          </a:stretch>
-        </p:blipFill>
-        <p:spPr>
-          <a:xfrm>
-            <a:off x="1252537" y="5051683"/>
-            <a:ext cx="6638925" cy="1733550"/>
-          </a:xfrm>
-          <a:prstGeom prst="rect">
-            <a:avLst/>
-          </a:prstGeom>
-        </p:spPr>
-      </p:pic>
-      <p:sp>
-        <p:nvSpPr>
-          <p:cNvPr id="7" name="TextBox 6">
-            <a:extLst>
-              <a:ext uri="{FF2B5EF4-FFF2-40B4-BE49-F238E27FC236}">
-                <a16:creationId xmlns:a16="http://schemas.microsoft.com/office/drawing/2014/main" id="{E915A0B7-DFDE-331F-58C7-534CD64E1A2F}"/>
-              </a:ext>
-            </a:extLst>
-          </p:cNvPr>
-          <p:cNvSpPr txBox="1"/>
-          <p:nvPr/>
-        </p:nvSpPr>
-        <p:spPr>
-          <a:xfrm>
-            <a:off x="1828800" y="1246581"/>
-            <a:ext cx="5874327" cy="646331"/>
-          </a:xfrm>
-          <a:prstGeom prst="rect">
-            <a:avLst/>
-          </a:prstGeom>
-          <a:noFill/>
-        </p:spPr>
-        <p:txBody>
-          <a:bodyPr wrap="square" rtlCol="0">
-            <a:spAutoFit/>
-          </a:bodyPr>
-          <a:lstStyle/>
-          <a:p>
-            <a:pPr marL="0" indent="0" algn="l">
-              <a:buNone/>
-            </a:pPr>
-            <a:r>
-              <a:rPr lang="en-US" sz="1800" b="0" i="0" u="none" strike="noStrike" baseline="0" dirty="0">
-                <a:latin typeface="+mj-lt"/>
-              </a:rPr>
-              <a:t>3. Consider the university database as below.</a:t>
-            </a:r>
-          </a:p>
-          <a:p>
-            <a:pPr marL="0" indent="0">
-              <a:buNone/>
-            </a:pPr>
-            <a:r>
-              <a:rPr lang="en-US" sz="1800" dirty="0"/>
-              <a:t>Write the following queries in </a:t>
-            </a:r>
-            <a:r>
-              <a:rPr lang="en-US" sz="1800" b="1" dirty="0"/>
-              <a:t>relational algebra</a:t>
-            </a:r>
-            <a:r>
-              <a:rPr lang="en-US" sz="1800" dirty="0"/>
-              <a:t>:</a:t>
-            </a:r>
-          </a:p>
-        </p:txBody>
-      </p:sp>
-    </p:spTree>
-    <p:extLst>
-      <p:ext uri="{BB962C8B-B14F-4D97-AF65-F5344CB8AC3E}">
-        <p14:creationId xmlns:p14="http://schemas.microsoft.com/office/powerpoint/2010/main" val="2953421902"/>
-      </p:ext>
-    </p:extLst>
-  </p:cSld>
-  <p:clrMapOvr>
-    <a:masterClrMapping/>
-  </p:clrMapOvr>
-</p:sld>
-</file>
-
-<file path=ppt/slides/slide12.xml><?xml version="1.0" encoding="utf-8"?>
-<p:sld xmlns:a="http://schemas.openxmlformats.org/drawingml/2006/main" xmlns:r="http://schemas.openxmlformats.org/officeDocument/2006/relationships" xmlns:p="http://schemas.openxmlformats.org/presentationml/2006/main">
-  <p:cSld>
-    <p:spTree>
-      <p:nvGrpSpPr>
-        <p:cNvPr id="1" name="">
-          <a:extLst>
-            <a:ext uri="{FF2B5EF4-FFF2-40B4-BE49-F238E27FC236}">
-              <a16:creationId xmlns:a16="http://schemas.microsoft.com/office/drawing/2014/main" id="{33D551A4-9831-8BFF-6BE1-F2D6EFA43C91}"/>
-            </a:ext>
-          </a:extLst>
-        </p:cNvPr>
-        <p:cNvGrpSpPr/>
-        <p:nvPr/>
-      </p:nvGrpSpPr>
-      <p:grpSpPr>
-        <a:xfrm>
-          <a:off x="0" y="0"/>
-          <a:ext cx="0" cy="0"/>
-          <a:chOff x="0" y="0"/>
-          <a:chExt cx="0" cy="0"/>
-        </a:xfrm>
-      </p:grpSpPr>
-      <p:sp>
-        <p:nvSpPr>
-          <p:cNvPr id="2" name="Title 1">
-            <a:extLst>
-              <a:ext uri="{FF2B5EF4-FFF2-40B4-BE49-F238E27FC236}">
-                <a16:creationId xmlns:a16="http://schemas.microsoft.com/office/drawing/2014/main" id="{4C198615-9289-FE8F-FF7A-D057829C4E8C}"/>
-              </a:ext>
-            </a:extLst>
-          </p:cNvPr>
-          <p:cNvSpPr>
-            <a:spLocks noGrp="1"/>
-          </p:cNvSpPr>
-          <p:nvPr>
-            <p:ph type="title"/>
-          </p:nvPr>
-        </p:nvSpPr>
-        <p:spPr/>
-        <p:txBody>
-          <a:bodyPr/>
-          <a:lstStyle/>
-          <a:p>
-            <a:pPr algn="ctr"/>
-            <a:r>
-              <a:rPr lang="en-NZ" sz="3600" dirty="0"/>
-              <a:t>Exercises</a:t>
-            </a:r>
-            <a:endParaRPr lang="en-US" sz="3600" dirty="0"/>
-          </a:p>
-        </p:txBody>
-      </p:sp>
-      <p:sp>
-        <p:nvSpPr>
-          <p:cNvPr id="3" name="Content Placeholder 2">
-            <a:extLst>
-              <a:ext uri="{FF2B5EF4-FFF2-40B4-BE49-F238E27FC236}">
-                <a16:creationId xmlns:a16="http://schemas.microsoft.com/office/drawing/2014/main" id="{C396D18D-B6FC-B631-42B1-5DD96791A63A}"/>
-              </a:ext>
-            </a:extLst>
-          </p:cNvPr>
-          <p:cNvSpPr>
-            <a:spLocks noGrp="1"/>
-          </p:cNvSpPr>
-          <p:nvPr>
-            <p:ph idx="1"/>
-          </p:nvPr>
-        </p:nvSpPr>
-        <p:spPr>
-          <a:xfrm>
-            <a:off x="837597" y="1881446"/>
-            <a:ext cx="8079390" cy="4903787"/>
-          </a:xfrm>
-        </p:spPr>
-        <p:txBody>
-          <a:bodyPr/>
-          <a:lstStyle/>
-          <a:p>
-            <a:pPr>
-              <a:buFont typeface="Arial" panose="020B0604020202020204" pitchFamily="34" charset="0"/>
-              <a:buChar char="•"/>
-            </a:pPr>
-            <a:r>
-              <a:rPr lang="en-US" sz="1800" dirty="0"/>
-              <a:t>Find the titles of courses in the Comp. Sci. department that have 3 credits.</a:t>
-            </a:r>
-          </a:p>
-          <a:p>
-            <a:pPr>
-              <a:buFont typeface="Arial" panose="020B0604020202020204" pitchFamily="34" charset="0"/>
-              <a:buChar char="•"/>
-            </a:pPr>
-            <a:r>
-              <a:rPr lang="en-US" sz="1800" dirty="0"/>
-              <a:t>Find the IDs of all students who were taught by an instructor named Einstein; make sure there are no duplicates in the result.</a:t>
-            </a:r>
-          </a:p>
-          <a:p>
-            <a:pPr>
-              <a:buFont typeface="Arial" panose="020B0604020202020204" pitchFamily="34" charset="0"/>
-              <a:buChar char="•"/>
-            </a:pPr>
-            <a:r>
-              <a:rPr lang="en-US" sz="1800" dirty="0"/>
-              <a:t>Find the highest salary of any instructor.</a:t>
-            </a:r>
-          </a:p>
-          <a:p>
-            <a:pPr>
-              <a:buFont typeface="Arial" panose="020B0604020202020204" pitchFamily="34" charset="0"/>
-              <a:buChar char="•"/>
-            </a:pPr>
-            <a:r>
-              <a:rPr lang="en-US" sz="1800" dirty="0"/>
-              <a:t>Find all instructors earning the highest salary (there may be more than one with the same salary).</a:t>
-            </a:r>
-          </a:p>
-          <a:p>
-            <a:pPr>
-              <a:buFont typeface="Arial" panose="020B0604020202020204" pitchFamily="34" charset="0"/>
-              <a:buChar char="•"/>
-            </a:pPr>
-            <a:r>
-              <a:rPr lang="en-US" sz="1800" dirty="0"/>
-              <a:t>Find the enrollment of each section that was offered in Fall 2017.</a:t>
-            </a:r>
-          </a:p>
-          <a:p>
-            <a:pPr>
-              <a:buFont typeface="Arial" panose="020B0604020202020204" pitchFamily="34" charset="0"/>
-              <a:buChar char="•"/>
-            </a:pPr>
-            <a:r>
-              <a:rPr lang="en-US" sz="1800" dirty="0"/>
-              <a:t>Find the maximum enrollment, across all sections, in Fall 2017.</a:t>
-            </a:r>
-          </a:p>
-          <a:p>
-            <a:pPr>
-              <a:buFont typeface="Arial" panose="020B0604020202020204" pitchFamily="34" charset="0"/>
-              <a:buChar char="•"/>
-            </a:pPr>
-            <a:r>
-              <a:rPr lang="en-US" sz="1800" dirty="0"/>
-              <a:t>Find the sections that had the maximum enrollment in Fall 2017.</a:t>
-            </a:r>
-          </a:p>
-          <a:p>
-            <a:pPr marL="0" indent="0">
-              <a:buNone/>
-            </a:pPr>
-            <a:endParaRPr lang="en-US" sz="1800" dirty="0"/>
-          </a:p>
-          <a:p>
-            <a:pPr marL="0" indent="0">
-              <a:buNone/>
-            </a:pPr>
-            <a:endParaRPr lang="en-US" sz="1800" dirty="0"/>
-          </a:p>
-        </p:txBody>
-      </p:sp>
-      <p:sp>
-        <p:nvSpPr>
-          <p:cNvPr id="4" name="Slide Number Placeholder 3">
-            <a:extLst>
-              <a:ext uri="{FF2B5EF4-FFF2-40B4-BE49-F238E27FC236}">
-                <a16:creationId xmlns:a16="http://schemas.microsoft.com/office/drawing/2014/main" id="{4843A3EA-9B19-4620-3733-001EA12D2380}"/>
-              </a:ext>
-            </a:extLst>
-          </p:cNvPr>
-          <p:cNvSpPr>
-            <a:spLocks noGrp="1"/>
-          </p:cNvSpPr>
-          <p:nvPr>
-            <p:ph type="sldNum" sz="quarter" idx="10"/>
-          </p:nvPr>
-        </p:nvSpPr>
-        <p:spPr/>
-        <p:txBody>
-          <a:bodyPr/>
-          <a:lstStyle/>
-          <a:p>
-            <a:pPr>
-              <a:defRPr/>
-            </a:pPr>
-            <a:fld id="{547F3CAF-32BF-49A6-93F1-59C9E4B7C957}" type="slidenum">
-              <a:rPr lang="en-US" altLang="en-US" smtClean="0"/>
-              <a:pPr>
-                <a:defRPr/>
-              </a:pPr>
-              <a:t>12</a:t>
-            </a:fld>
-            <a:endParaRPr lang="en-US" altLang="en-US" dirty="0"/>
-          </a:p>
-        </p:txBody>
-      </p:sp>
-      <p:pic>
-        <p:nvPicPr>
-          <p:cNvPr id="8" name="Picture 7" descr="A close-up of several numbers&#10;&#10;AI-generated content may be incorrect.">
-            <a:extLst>
-              <a:ext uri="{FF2B5EF4-FFF2-40B4-BE49-F238E27FC236}">
-                <a16:creationId xmlns:a16="http://schemas.microsoft.com/office/drawing/2014/main" id="{99A85ABA-A156-3B49-4822-29D4DFC800E4}"/>
-              </a:ext>
-            </a:extLst>
-          </p:cNvPr>
-          <p:cNvPicPr>
-            <a:picLocks noChangeAspect="1"/>
-          </p:cNvPicPr>
-          <p:nvPr/>
-        </p:nvPicPr>
-        <p:blipFill>
-          <a:blip r:embed="rId3">
-            <a:clrChange>
-              <a:clrFrom>
-                <a:srgbClr val="FFFFFF"/>
-              </a:clrFrom>
-              <a:clrTo>
-                <a:srgbClr val="FFFFFF">
-                  <a:alpha val="0"/>
-                </a:srgbClr>
-              </a:clrTo>
-            </a:clrChange>
-          </a:blip>
-          <a:stretch>
-            <a:fillRect/>
-          </a:stretch>
-        </p:blipFill>
-        <p:spPr>
-          <a:xfrm>
-            <a:off x="1252537" y="5051683"/>
-            <a:ext cx="6638925" cy="1733550"/>
-          </a:xfrm>
-          <a:prstGeom prst="rect">
-            <a:avLst/>
-          </a:prstGeom>
-        </p:spPr>
-      </p:pic>
-      <p:sp>
-        <p:nvSpPr>
-          <p:cNvPr id="10" name="TextBox 9">
-            <a:extLst>
-              <a:ext uri="{FF2B5EF4-FFF2-40B4-BE49-F238E27FC236}">
-                <a16:creationId xmlns:a16="http://schemas.microsoft.com/office/drawing/2014/main" id="{640C6E19-7477-7DFC-6C1F-1B9628AE7851}"/>
-              </a:ext>
-            </a:extLst>
-          </p:cNvPr>
-          <p:cNvSpPr txBox="1"/>
-          <p:nvPr/>
-        </p:nvSpPr>
-        <p:spPr>
-          <a:xfrm>
-            <a:off x="1940128" y="1196492"/>
-            <a:ext cx="5874327" cy="646331"/>
-          </a:xfrm>
-          <a:prstGeom prst="rect">
-            <a:avLst/>
-          </a:prstGeom>
-          <a:noFill/>
-        </p:spPr>
-        <p:txBody>
-          <a:bodyPr wrap="square" rtlCol="0">
-            <a:spAutoFit/>
-          </a:bodyPr>
-          <a:lstStyle/>
-          <a:p>
-            <a:pPr marL="0" indent="0" algn="l">
-              <a:buNone/>
-            </a:pPr>
-            <a:r>
-              <a:rPr lang="en-US" sz="1800" dirty="0">
-                <a:latin typeface="+mj-lt"/>
-              </a:rPr>
-              <a:t>4</a:t>
-            </a:r>
-            <a:r>
-              <a:rPr lang="en-US" sz="1800" b="0" i="0" u="none" strike="noStrike" baseline="0" dirty="0">
-                <a:latin typeface="+mj-lt"/>
-              </a:rPr>
-              <a:t>. Consider the university database as below.</a:t>
-            </a:r>
-          </a:p>
-          <a:p>
-            <a:pPr marL="0" indent="0">
-              <a:buNone/>
-            </a:pPr>
-            <a:r>
-              <a:rPr lang="en-US" sz="1800" b="0" i="0" u="none" strike="noStrike" baseline="0" dirty="0">
-                <a:latin typeface="+mj-lt"/>
-              </a:rPr>
-              <a:t>Write the following queries in </a:t>
-            </a:r>
-            <a:r>
-              <a:rPr lang="en-US" sz="1800" b="1" i="0" u="none" strike="noStrike" baseline="0" dirty="0">
-                <a:latin typeface="+mj-lt"/>
-              </a:rPr>
-              <a:t>SQL</a:t>
-            </a:r>
-            <a:r>
-              <a:rPr lang="en-US" sz="1800" i="0" u="none" strike="noStrike" baseline="0" dirty="0">
-                <a:latin typeface="+mj-lt"/>
-              </a:rPr>
-              <a:t>:</a:t>
-            </a:r>
-            <a:endParaRPr lang="en-US" sz="1800" dirty="0"/>
-          </a:p>
-        </p:txBody>
-      </p:sp>
-    </p:spTree>
-    <p:extLst>
-      <p:ext uri="{BB962C8B-B14F-4D97-AF65-F5344CB8AC3E}">
-        <p14:creationId xmlns:p14="http://schemas.microsoft.com/office/powerpoint/2010/main" val="1202693325"/>
-      </p:ext>
-    </p:extLst>
-  </p:cSld>
-  <p:clrMapOvr>
-    <a:masterClrMapping/>
-  </p:clrMapOvr>
-</p:sld>
-</file>
-
-<file path=ppt/slides/slide13.xml><?xml version="1.0" encoding="utf-8"?>
-<p:sld xmlns:a="http://schemas.openxmlformats.org/drawingml/2006/main" xmlns:r="http://schemas.openxmlformats.org/officeDocument/2006/relationships" xmlns:p="http://schemas.openxmlformats.org/presentationml/2006/main">
-  <p:cSld>
-    <p:spTree>
-      <p:nvGrpSpPr>
-        <p:cNvPr id="1" name="">
-          <a:extLst>
-            <a:ext uri="{FF2B5EF4-FFF2-40B4-BE49-F238E27FC236}">
-              <a16:creationId xmlns:a16="http://schemas.microsoft.com/office/drawing/2014/main" id="{F9FD0D41-C0E8-CE51-188D-7788D6649C96}"/>
-            </a:ext>
-          </a:extLst>
-        </p:cNvPr>
-        <p:cNvGrpSpPr/>
-        <p:nvPr/>
-      </p:nvGrpSpPr>
-      <p:grpSpPr>
-        <a:xfrm>
-          <a:off x="0" y="0"/>
-          <a:ext cx="0" cy="0"/>
-          <a:chOff x="0" y="0"/>
-          <a:chExt cx="0" cy="0"/>
-        </a:xfrm>
-      </p:grpSpPr>
-      <p:sp>
-        <p:nvSpPr>
-          <p:cNvPr id="2" name="Title 1">
-            <a:extLst>
-              <a:ext uri="{FF2B5EF4-FFF2-40B4-BE49-F238E27FC236}">
-                <a16:creationId xmlns:a16="http://schemas.microsoft.com/office/drawing/2014/main" id="{9AED3A3E-6B2E-3618-5BB2-75789694C0C8}"/>
-              </a:ext>
-            </a:extLst>
-          </p:cNvPr>
-          <p:cNvSpPr>
-            <a:spLocks noGrp="1"/>
-          </p:cNvSpPr>
-          <p:nvPr>
-            <p:ph type="title"/>
-          </p:nvPr>
-        </p:nvSpPr>
-        <p:spPr/>
-        <p:txBody>
-          <a:bodyPr/>
-          <a:lstStyle/>
-          <a:p>
-            <a:pPr algn="ctr"/>
-            <a:r>
-              <a:rPr lang="en-NZ" sz="3600" dirty="0"/>
-              <a:t>Appendix:</a:t>
-            </a:r>
-            <a:br>
-              <a:rPr lang="en-NZ" sz="3600" dirty="0"/>
-            </a:br>
-            <a:r>
-              <a:rPr lang="en-NZ" sz="3600" dirty="0"/>
-              <a:t>University Database</a:t>
-            </a:r>
-            <a:endParaRPr lang="en-US" sz="3600" dirty="0"/>
-          </a:p>
-        </p:txBody>
-      </p:sp>
-      <p:sp>
-        <p:nvSpPr>
-          <p:cNvPr id="3" name="Content Placeholder 2">
-            <a:extLst>
-              <a:ext uri="{FF2B5EF4-FFF2-40B4-BE49-F238E27FC236}">
-                <a16:creationId xmlns:a16="http://schemas.microsoft.com/office/drawing/2014/main" id="{E1958758-CACA-8D94-5128-663121513A14}"/>
-              </a:ext>
-            </a:extLst>
-          </p:cNvPr>
-          <p:cNvSpPr>
-            <a:spLocks noGrp="1"/>
-          </p:cNvSpPr>
-          <p:nvPr>
-            <p:ph idx="1"/>
-          </p:nvPr>
-        </p:nvSpPr>
-        <p:spPr>
-          <a:xfrm>
-            <a:off x="837597" y="1881446"/>
-            <a:ext cx="7727518" cy="4903787"/>
-          </a:xfrm>
-        </p:spPr>
-        <p:txBody>
-          <a:bodyPr/>
-          <a:lstStyle/>
-          <a:p>
-            <a:pPr marL="0" indent="0" algn="l">
-              <a:buNone/>
-            </a:pPr>
-            <a:r>
-              <a:rPr lang="en-US" sz="1800" b="0" i="1" u="none" strike="noStrike" baseline="0" dirty="0">
-                <a:latin typeface="+mj-lt"/>
-              </a:rPr>
-              <a:t>classroom</a:t>
-            </a:r>
-            <a:r>
-              <a:rPr lang="en-US" sz="1800" b="0" i="0" u="none" strike="noStrike" baseline="0" dirty="0">
-                <a:latin typeface="+mj-lt"/>
-              </a:rPr>
-              <a:t>(</a:t>
-            </a:r>
-            <a:r>
-              <a:rPr lang="en-US" sz="1800" b="0" i="1" u="none" strike="noStrike" baseline="0" dirty="0">
-                <a:latin typeface="+mj-lt"/>
-              </a:rPr>
-              <a:t>building</a:t>
-            </a:r>
-            <a:r>
-              <a:rPr lang="en-US" sz="1800" b="0" i="0" u="none" strike="noStrike" baseline="0" dirty="0">
-                <a:latin typeface="+mj-lt"/>
-              </a:rPr>
-              <a:t>, </a:t>
-            </a:r>
-            <a:r>
-              <a:rPr lang="en-US" sz="1800" b="0" i="1" u="none" strike="noStrike" baseline="0" dirty="0">
-                <a:latin typeface="+mj-lt"/>
-              </a:rPr>
-              <a:t>room number</a:t>
-            </a:r>
-            <a:r>
-              <a:rPr lang="en-US" sz="1800" b="0" i="0" u="none" strike="noStrike" baseline="0" dirty="0">
-                <a:latin typeface="+mj-lt"/>
-              </a:rPr>
-              <a:t>, </a:t>
-            </a:r>
-            <a:r>
-              <a:rPr lang="en-US" sz="1800" b="0" i="1" u="none" strike="noStrike" baseline="0" dirty="0">
-                <a:latin typeface="+mj-lt"/>
-              </a:rPr>
-              <a:t>capacity</a:t>
-            </a:r>
-            <a:r>
-              <a:rPr lang="en-US" sz="1800" b="0" i="0" u="none" strike="noStrike" baseline="0" dirty="0">
-                <a:latin typeface="+mj-lt"/>
-              </a:rPr>
-              <a:t>)</a:t>
-            </a:r>
-          </a:p>
-          <a:p>
-            <a:pPr marL="0" indent="0" algn="l">
-              <a:buNone/>
-            </a:pPr>
-            <a:r>
-              <a:rPr lang="en-US" sz="1800" b="0" i="1" u="none" strike="noStrike" baseline="0" dirty="0">
-                <a:latin typeface="+mj-lt"/>
-              </a:rPr>
-              <a:t>department</a:t>
-            </a:r>
-            <a:r>
-              <a:rPr lang="en-US" sz="1800" b="0" i="0" u="none" strike="noStrike" baseline="0" dirty="0">
-                <a:latin typeface="+mj-lt"/>
-              </a:rPr>
-              <a:t>(</a:t>
-            </a:r>
-            <a:r>
-              <a:rPr lang="en-US" sz="1800" b="0" i="1" u="none" strike="noStrike" baseline="0" dirty="0" err="1">
-                <a:latin typeface="+mj-lt"/>
-              </a:rPr>
-              <a:t>dept_name</a:t>
-            </a:r>
-            <a:r>
-              <a:rPr lang="en-US" sz="1800" b="0" i="0" u="none" strike="noStrike" baseline="0" dirty="0">
-                <a:latin typeface="+mj-lt"/>
-              </a:rPr>
-              <a:t>, </a:t>
-            </a:r>
-            <a:r>
-              <a:rPr lang="en-US" sz="1800" b="0" i="1" u="none" strike="noStrike" baseline="0" dirty="0">
-                <a:latin typeface="+mj-lt"/>
-              </a:rPr>
-              <a:t>building</a:t>
-            </a:r>
-            <a:r>
-              <a:rPr lang="en-US" sz="1800" b="0" i="0" u="none" strike="noStrike" baseline="0" dirty="0">
-                <a:latin typeface="+mj-lt"/>
-              </a:rPr>
-              <a:t>, </a:t>
-            </a:r>
-            <a:r>
-              <a:rPr lang="en-US" sz="1800" b="0" i="1" u="none" strike="noStrike" baseline="0" dirty="0">
-                <a:latin typeface="+mj-lt"/>
-              </a:rPr>
-              <a:t>budget</a:t>
-            </a:r>
-            <a:r>
-              <a:rPr lang="en-US" sz="1800" b="0" i="0" u="none" strike="noStrike" baseline="0" dirty="0">
-                <a:latin typeface="+mj-lt"/>
-              </a:rPr>
-              <a:t>)</a:t>
-            </a:r>
-          </a:p>
-          <a:p>
-            <a:pPr marL="0" indent="0" algn="l">
-              <a:buNone/>
-            </a:pPr>
-            <a:r>
-              <a:rPr lang="en-US" sz="1800" b="0" i="1" u="none" strike="noStrike" baseline="0" dirty="0">
-                <a:latin typeface="+mj-lt"/>
-              </a:rPr>
-              <a:t>course</a:t>
-            </a:r>
-            <a:r>
-              <a:rPr lang="en-US" sz="1800" b="0" i="0" u="none" strike="noStrike" baseline="0" dirty="0">
-                <a:latin typeface="+mj-lt"/>
-              </a:rPr>
-              <a:t>(</a:t>
-            </a:r>
-            <a:r>
-              <a:rPr lang="en-US" sz="1800" b="0" i="1" u="none" strike="noStrike" baseline="0" dirty="0" err="1">
-                <a:latin typeface="+mj-lt"/>
-              </a:rPr>
-              <a:t>course_id</a:t>
-            </a:r>
-            <a:r>
-              <a:rPr lang="en-US" sz="1800" b="0" i="0" u="none" strike="noStrike" baseline="0" dirty="0">
-                <a:latin typeface="+mj-lt"/>
-              </a:rPr>
-              <a:t>, </a:t>
-            </a:r>
-            <a:r>
-              <a:rPr lang="en-US" sz="1800" b="0" i="1" u="none" strike="noStrike" baseline="0" dirty="0">
-                <a:latin typeface="+mj-lt"/>
-              </a:rPr>
-              <a:t>title</a:t>
-            </a:r>
-            <a:r>
-              <a:rPr lang="en-US" sz="1800" b="0" i="0" u="none" strike="noStrike" baseline="0" dirty="0">
-                <a:latin typeface="+mj-lt"/>
-              </a:rPr>
-              <a:t>, </a:t>
-            </a:r>
-            <a:r>
-              <a:rPr lang="en-US" sz="1800" b="0" i="1" u="none" strike="noStrike" baseline="0" dirty="0" err="1">
-                <a:latin typeface="+mj-lt"/>
-              </a:rPr>
-              <a:t>dept_name</a:t>
-            </a:r>
-            <a:r>
-              <a:rPr lang="en-US" sz="1800" b="0" i="0" u="none" strike="noStrike" baseline="0" dirty="0">
-                <a:latin typeface="+mj-lt"/>
-              </a:rPr>
-              <a:t>, </a:t>
-            </a:r>
-            <a:r>
-              <a:rPr lang="en-US" sz="1800" b="0" i="1" u="none" strike="noStrike" baseline="0" dirty="0">
-                <a:latin typeface="+mj-lt"/>
-              </a:rPr>
-              <a:t>credits</a:t>
-            </a:r>
-            <a:r>
-              <a:rPr lang="en-US" sz="1800" b="0" i="0" u="none" strike="noStrike" baseline="0" dirty="0">
-                <a:latin typeface="+mj-lt"/>
-              </a:rPr>
-              <a:t>)</a:t>
-            </a:r>
-          </a:p>
-          <a:p>
-            <a:pPr marL="0" indent="0" algn="l">
-              <a:buNone/>
-            </a:pPr>
-            <a:r>
-              <a:rPr lang="en-US" sz="1800" b="0" i="1" u="none" strike="noStrike" baseline="0" dirty="0">
-                <a:latin typeface="+mj-lt"/>
-              </a:rPr>
-              <a:t>instructor</a:t>
-            </a:r>
-            <a:r>
-              <a:rPr lang="en-US" sz="1800" b="0" i="0" u="none" strike="noStrike" baseline="0" dirty="0">
-                <a:latin typeface="+mj-lt"/>
-              </a:rPr>
-              <a:t>(</a:t>
-            </a:r>
-            <a:r>
-              <a:rPr lang="en-US" sz="1800" b="0" i="1" u="none" strike="noStrike" baseline="0" dirty="0">
-                <a:latin typeface="+mj-lt"/>
-              </a:rPr>
-              <a:t>ID</a:t>
-            </a:r>
-            <a:r>
-              <a:rPr lang="en-US" sz="1800" b="0" i="0" u="none" strike="noStrike" baseline="0" dirty="0">
-                <a:latin typeface="+mj-lt"/>
-              </a:rPr>
-              <a:t>, </a:t>
-            </a:r>
-            <a:r>
-              <a:rPr lang="en-US" sz="1800" b="0" i="1" u="none" strike="noStrike" baseline="0" dirty="0">
-                <a:latin typeface="+mj-lt"/>
-              </a:rPr>
-              <a:t>name</a:t>
-            </a:r>
-            <a:r>
-              <a:rPr lang="en-US" sz="1800" b="0" i="0" u="none" strike="noStrike" baseline="0" dirty="0">
-                <a:latin typeface="+mj-lt"/>
-              </a:rPr>
-              <a:t>, </a:t>
-            </a:r>
-            <a:r>
-              <a:rPr lang="en-US" sz="1800" b="0" i="1" u="none" strike="noStrike" baseline="0" dirty="0" err="1">
-                <a:latin typeface="+mj-lt"/>
-              </a:rPr>
-              <a:t>dept_name</a:t>
-            </a:r>
-            <a:r>
-              <a:rPr lang="en-US" sz="1800" b="0" i="0" u="none" strike="noStrike" baseline="0" dirty="0">
-                <a:latin typeface="+mj-lt"/>
-              </a:rPr>
-              <a:t>, </a:t>
-            </a:r>
-            <a:r>
-              <a:rPr lang="en-US" sz="1800" b="0" i="1" u="none" strike="noStrike" baseline="0" dirty="0">
-                <a:latin typeface="+mj-lt"/>
-              </a:rPr>
-              <a:t>salary</a:t>
-            </a:r>
-            <a:r>
-              <a:rPr lang="en-US" sz="1800" b="0" i="0" u="none" strike="noStrike" baseline="0" dirty="0">
-                <a:latin typeface="+mj-lt"/>
-              </a:rPr>
-              <a:t>)</a:t>
-            </a:r>
-          </a:p>
-          <a:p>
-            <a:pPr marL="0" indent="0" algn="l">
-              <a:buNone/>
-            </a:pPr>
-            <a:r>
-              <a:rPr lang="en-US" sz="1800" b="0" i="1" u="none" strike="noStrike" baseline="0" dirty="0">
-                <a:latin typeface="+mj-lt"/>
-              </a:rPr>
-              <a:t>section</a:t>
-            </a:r>
-            <a:r>
-              <a:rPr lang="en-US" sz="1800" b="0" i="0" u="none" strike="noStrike" baseline="0" dirty="0">
-                <a:latin typeface="+mj-lt"/>
-              </a:rPr>
-              <a:t>(</a:t>
-            </a:r>
-            <a:r>
-              <a:rPr lang="en-US" sz="1800" b="0" i="1" u="none" strike="noStrike" baseline="0" dirty="0" err="1">
-                <a:latin typeface="+mj-lt"/>
-              </a:rPr>
-              <a:t>course_id</a:t>
-            </a:r>
-            <a:r>
-              <a:rPr lang="en-US" sz="1800" b="0" i="0" u="none" strike="noStrike" baseline="0" dirty="0">
-                <a:latin typeface="+mj-lt"/>
-              </a:rPr>
-              <a:t>, </a:t>
-            </a:r>
-            <a:r>
-              <a:rPr lang="en-US" sz="1800" b="0" i="1" u="none" strike="noStrike" baseline="0" dirty="0" err="1">
-                <a:latin typeface="+mj-lt"/>
-              </a:rPr>
-              <a:t>sec_id</a:t>
-            </a:r>
-            <a:r>
-              <a:rPr lang="en-US" sz="1800" b="0" i="0" u="none" strike="noStrike" baseline="0" dirty="0">
-                <a:latin typeface="+mj-lt"/>
-              </a:rPr>
-              <a:t>, </a:t>
-            </a:r>
-            <a:r>
-              <a:rPr lang="en-US" sz="1800" b="0" i="1" u="none" strike="noStrike" baseline="0" dirty="0">
-                <a:latin typeface="+mj-lt"/>
-              </a:rPr>
-              <a:t>semester</a:t>
-            </a:r>
-            <a:r>
-              <a:rPr lang="en-US" sz="1800" b="0" i="0" u="none" strike="noStrike" baseline="0" dirty="0">
-                <a:latin typeface="+mj-lt"/>
-              </a:rPr>
-              <a:t>, </a:t>
-            </a:r>
-            <a:r>
-              <a:rPr lang="en-US" sz="1800" b="0" i="1" u="none" strike="noStrike" baseline="0" dirty="0">
-                <a:latin typeface="+mj-lt"/>
-              </a:rPr>
-              <a:t>year</a:t>
-            </a:r>
-            <a:r>
-              <a:rPr lang="en-US" sz="1800" b="0" i="0" u="none" strike="noStrike" baseline="0" dirty="0">
-                <a:latin typeface="+mj-lt"/>
-              </a:rPr>
-              <a:t>, </a:t>
-            </a:r>
-            <a:r>
-              <a:rPr lang="en-US" sz="1800" b="0" i="1" u="none" strike="noStrike" baseline="0" dirty="0">
-                <a:latin typeface="+mj-lt"/>
-              </a:rPr>
-              <a:t>building</a:t>
-            </a:r>
-            <a:r>
-              <a:rPr lang="en-US" sz="1800" b="0" i="0" u="none" strike="noStrike" baseline="0" dirty="0">
-                <a:latin typeface="+mj-lt"/>
-              </a:rPr>
-              <a:t>, </a:t>
-            </a:r>
-            <a:r>
-              <a:rPr lang="en-US" sz="1800" b="0" i="1" u="none" strike="noStrike" baseline="0" dirty="0">
-                <a:latin typeface="+mj-lt"/>
-              </a:rPr>
-              <a:t>room number</a:t>
-            </a:r>
-            <a:r>
-              <a:rPr lang="en-US" sz="1800" b="0" i="0" u="none" strike="noStrike" baseline="0" dirty="0">
-                <a:latin typeface="+mj-lt"/>
-              </a:rPr>
-              <a:t>, </a:t>
-            </a:r>
-            <a:r>
-              <a:rPr lang="en-US" sz="1800" b="0" i="1" u="none" strike="noStrike" baseline="0" dirty="0" err="1">
-                <a:latin typeface="+mj-lt"/>
-              </a:rPr>
-              <a:t>time_slot</a:t>
-            </a:r>
-            <a:r>
-              <a:rPr lang="en-US" sz="1800" i="1" dirty="0" err="1">
-                <a:latin typeface="+mj-lt"/>
-              </a:rPr>
-              <a:t>_</a:t>
-            </a:r>
-            <a:r>
-              <a:rPr lang="en-US" sz="1800" b="0" i="1" u="none" strike="noStrike" baseline="0" dirty="0" err="1">
-                <a:latin typeface="+mj-lt"/>
-              </a:rPr>
-              <a:t>id</a:t>
-            </a:r>
-            <a:r>
-              <a:rPr lang="en-US" sz="1800" b="0" i="0" u="none" strike="noStrike" baseline="0" dirty="0">
-                <a:latin typeface="+mj-lt"/>
-              </a:rPr>
-              <a:t>)</a:t>
-            </a:r>
-          </a:p>
-          <a:p>
-            <a:pPr marL="0" indent="0" algn="l">
-              <a:buNone/>
-            </a:pPr>
-            <a:r>
-              <a:rPr lang="en-US" sz="1800" b="0" i="1" u="none" strike="noStrike" baseline="0" dirty="0">
-                <a:latin typeface="+mj-lt"/>
-              </a:rPr>
-              <a:t>teaches</a:t>
-            </a:r>
-            <a:r>
-              <a:rPr lang="en-US" sz="1800" b="0" i="0" u="none" strike="noStrike" baseline="0" dirty="0">
-                <a:latin typeface="+mj-lt"/>
-              </a:rPr>
-              <a:t>(</a:t>
-            </a:r>
-            <a:r>
-              <a:rPr lang="en-US" sz="1800" b="0" i="1" u="none" strike="noStrike" baseline="0" dirty="0">
-                <a:latin typeface="+mj-lt"/>
-              </a:rPr>
-              <a:t>ID</a:t>
-            </a:r>
-            <a:r>
-              <a:rPr lang="en-US" sz="1800" b="0" i="0" u="none" strike="noStrike" baseline="0" dirty="0">
-                <a:latin typeface="+mj-lt"/>
-              </a:rPr>
-              <a:t>, </a:t>
-            </a:r>
-            <a:r>
-              <a:rPr lang="en-US" sz="1800" b="0" i="1" u="none" strike="noStrike" baseline="0" dirty="0" err="1">
-                <a:latin typeface="+mj-lt"/>
-              </a:rPr>
-              <a:t>course_id</a:t>
-            </a:r>
-            <a:r>
-              <a:rPr lang="en-US" sz="1800" b="0" i="0" u="none" strike="noStrike" baseline="0" dirty="0">
-                <a:latin typeface="+mj-lt"/>
-              </a:rPr>
-              <a:t>, </a:t>
-            </a:r>
-            <a:r>
-              <a:rPr lang="en-US" sz="1800" b="0" i="1" u="none" strike="noStrike" baseline="0" dirty="0" err="1">
-                <a:latin typeface="+mj-lt"/>
-              </a:rPr>
-              <a:t>sec_id</a:t>
-            </a:r>
-            <a:r>
-              <a:rPr lang="en-US" sz="1800" b="0" i="0" u="none" strike="noStrike" baseline="0" dirty="0">
-                <a:latin typeface="+mj-lt"/>
-              </a:rPr>
-              <a:t>, </a:t>
-            </a:r>
-            <a:r>
-              <a:rPr lang="en-US" sz="1800" b="0" i="1" u="none" strike="noStrike" baseline="0" dirty="0">
-                <a:latin typeface="+mj-lt"/>
-              </a:rPr>
-              <a:t>semester</a:t>
-            </a:r>
-            <a:r>
-              <a:rPr lang="en-US" sz="1800" b="0" i="0" u="none" strike="noStrike" baseline="0" dirty="0">
-                <a:latin typeface="+mj-lt"/>
-              </a:rPr>
-              <a:t>, </a:t>
-            </a:r>
-            <a:r>
-              <a:rPr lang="en-US" sz="1800" b="0" i="1" u="none" strike="noStrike" baseline="0" dirty="0">
-                <a:latin typeface="+mj-lt"/>
-              </a:rPr>
-              <a:t>year</a:t>
-            </a:r>
-            <a:r>
-              <a:rPr lang="en-US" sz="1800" b="0" i="0" u="none" strike="noStrike" baseline="0" dirty="0">
-                <a:latin typeface="+mj-lt"/>
-              </a:rPr>
-              <a:t>)</a:t>
-            </a:r>
-          </a:p>
-          <a:p>
-            <a:pPr marL="0" indent="0" algn="l">
-              <a:buNone/>
-            </a:pPr>
-            <a:r>
-              <a:rPr lang="en-US" sz="1800" b="0" i="1" u="none" strike="noStrike" baseline="0" dirty="0">
-                <a:latin typeface="+mj-lt"/>
-              </a:rPr>
-              <a:t>student</a:t>
-            </a:r>
-            <a:r>
-              <a:rPr lang="en-US" sz="1800" b="0" i="0" u="none" strike="noStrike" baseline="0" dirty="0">
-                <a:latin typeface="+mj-lt"/>
-              </a:rPr>
-              <a:t>(</a:t>
-            </a:r>
-            <a:r>
-              <a:rPr lang="en-US" sz="1800" b="0" i="1" u="none" strike="noStrike" baseline="0" dirty="0">
-                <a:latin typeface="+mj-lt"/>
-              </a:rPr>
-              <a:t>ID</a:t>
-            </a:r>
-            <a:r>
-              <a:rPr lang="en-US" sz="1800" b="0" i="0" u="none" strike="noStrike" baseline="0" dirty="0">
-                <a:latin typeface="+mj-lt"/>
-              </a:rPr>
-              <a:t>, </a:t>
-            </a:r>
-            <a:r>
-              <a:rPr lang="en-US" sz="1800" b="0" i="1" u="none" strike="noStrike" baseline="0" dirty="0">
-                <a:latin typeface="+mj-lt"/>
-              </a:rPr>
-              <a:t>name</a:t>
-            </a:r>
-            <a:r>
-              <a:rPr lang="en-US" sz="1800" b="0" i="0" u="none" strike="noStrike" baseline="0" dirty="0">
-                <a:latin typeface="+mj-lt"/>
-              </a:rPr>
-              <a:t>, </a:t>
-            </a:r>
-            <a:r>
-              <a:rPr lang="en-US" sz="1800" b="0" i="1" u="none" strike="noStrike" baseline="0" dirty="0" err="1">
-                <a:latin typeface="+mj-lt"/>
-              </a:rPr>
-              <a:t>dept_name</a:t>
-            </a:r>
-            <a:r>
-              <a:rPr lang="en-US" sz="1800" b="0" i="0" u="none" strike="noStrike" baseline="0" dirty="0">
-                <a:latin typeface="+mj-lt"/>
-              </a:rPr>
-              <a:t>, </a:t>
-            </a:r>
-            <a:r>
-              <a:rPr lang="en-US" sz="1800" b="0" i="1" u="none" strike="noStrike" baseline="0" dirty="0">
-                <a:latin typeface="+mj-lt"/>
-              </a:rPr>
-              <a:t>tot cred</a:t>
-            </a:r>
-            <a:r>
-              <a:rPr lang="en-US" sz="1800" b="0" i="0" u="none" strike="noStrike" baseline="0" dirty="0">
-                <a:latin typeface="+mj-lt"/>
-              </a:rPr>
-              <a:t>)</a:t>
-            </a:r>
-          </a:p>
-          <a:p>
-            <a:pPr marL="0" indent="0" algn="l">
-              <a:buNone/>
-            </a:pPr>
-            <a:r>
-              <a:rPr lang="en-US" sz="1800" b="0" i="1" u="none" strike="noStrike" baseline="0" dirty="0">
-                <a:latin typeface="+mj-lt"/>
-              </a:rPr>
-              <a:t>takes</a:t>
-            </a:r>
-            <a:r>
-              <a:rPr lang="en-US" sz="1800" b="0" i="0" u="none" strike="noStrike" baseline="0" dirty="0">
-                <a:latin typeface="+mj-lt"/>
-              </a:rPr>
-              <a:t>(</a:t>
-            </a:r>
-            <a:r>
-              <a:rPr lang="en-US" sz="1800" b="0" i="1" u="none" strike="noStrike" baseline="0" dirty="0">
-                <a:latin typeface="+mj-lt"/>
-              </a:rPr>
-              <a:t>ID</a:t>
-            </a:r>
-            <a:r>
-              <a:rPr lang="en-US" sz="1800" b="0" i="0" u="none" strike="noStrike" baseline="0" dirty="0">
-                <a:latin typeface="+mj-lt"/>
-              </a:rPr>
-              <a:t>, </a:t>
-            </a:r>
-            <a:r>
-              <a:rPr lang="en-US" sz="1800" b="0" i="1" u="none" strike="noStrike" baseline="0" dirty="0" err="1">
-                <a:latin typeface="+mj-lt"/>
-              </a:rPr>
-              <a:t>course_id</a:t>
-            </a:r>
-            <a:r>
-              <a:rPr lang="en-US" sz="1800" b="0" i="0" u="none" strike="noStrike" baseline="0" dirty="0">
-                <a:latin typeface="+mj-lt"/>
-              </a:rPr>
-              <a:t>, </a:t>
-            </a:r>
-            <a:r>
-              <a:rPr lang="en-US" sz="1800" b="0" i="1" u="none" strike="noStrike" baseline="0" dirty="0" err="1">
-                <a:latin typeface="+mj-lt"/>
-              </a:rPr>
-              <a:t>sec_id</a:t>
-            </a:r>
-            <a:r>
-              <a:rPr lang="en-US" sz="1800" b="0" i="0" u="none" strike="noStrike" baseline="0" dirty="0">
-                <a:latin typeface="+mj-lt"/>
-              </a:rPr>
-              <a:t>, </a:t>
-            </a:r>
-            <a:r>
-              <a:rPr lang="en-US" sz="1800" b="0" i="1" u="none" strike="noStrike" baseline="0" dirty="0">
-                <a:latin typeface="+mj-lt"/>
-              </a:rPr>
-              <a:t>semester</a:t>
-            </a:r>
-            <a:r>
-              <a:rPr lang="en-US" sz="1800" b="0" i="0" u="none" strike="noStrike" baseline="0" dirty="0">
-                <a:latin typeface="+mj-lt"/>
-              </a:rPr>
-              <a:t>, </a:t>
-            </a:r>
-            <a:r>
-              <a:rPr lang="en-US" sz="1800" b="0" i="1" u="none" strike="noStrike" baseline="0" dirty="0">
-                <a:latin typeface="+mj-lt"/>
-              </a:rPr>
-              <a:t>year</a:t>
-            </a:r>
-            <a:r>
-              <a:rPr lang="en-US" sz="1800" b="0" i="0" u="none" strike="noStrike" baseline="0" dirty="0">
-                <a:latin typeface="+mj-lt"/>
-              </a:rPr>
-              <a:t>, </a:t>
-            </a:r>
-            <a:r>
-              <a:rPr lang="en-US" sz="1800" b="0" i="1" u="none" strike="noStrike" baseline="0" dirty="0">
-                <a:latin typeface="+mj-lt"/>
-              </a:rPr>
-              <a:t>grade</a:t>
-            </a:r>
-            <a:r>
-              <a:rPr lang="en-US" sz="1800" b="0" i="0" u="none" strike="noStrike" baseline="0" dirty="0">
-                <a:latin typeface="+mj-lt"/>
-              </a:rPr>
-              <a:t>)</a:t>
-            </a:r>
-          </a:p>
-          <a:p>
-            <a:pPr marL="0" indent="0" algn="l">
-              <a:buNone/>
-            </a:pPr>
-            <a:r>
-              <a:rPr lang="en-US" sz="1800" b="0" i="1" u="none" strike="noStrike" baseline="0" dirty="0">
-                <a:latin typeface="+mj-lt"/>
-              </a:rPr>
-              <a:t>advisor</a:t>
-            </a:r>
-            <a:r>
-              <a:rPr lang="en-US" sz="1800" b="0" i="0" u="none" strike="noStrike" baseline="0" dirty="0">
-                <a:latin typeface="+mj-lt"/>
-              </a:rPr>
-              <a:t>(</a:t>
-            </a:r>
-            <a:r>
-              <a:rPr lang="en-US" sz="1800" b="0" i="1" u="none" strike="noStrike" baseline="0" dirty="0" err="1">
-                <a:latin typeface="+mj-lt"/>
-              </a:rPr>
-              <a:t>s_ID</a:t>
-            </a:r>
-            <a:r>
-              <a:rPr lang="en-US" sz="1800" b="0" i="0" u="none" strike="noStrike" baseline="0" dirty="0">
-                <a:latin typeface="+mj-lt"/>
-              </a:rPr>
-              <a:t>, </a:t>
-            </a:r>
-            <a:r>
-              <a:rPr lang="en-US" sz="1800" b="0" i="1" u="none" strike="noStrike" baseline="0" dirty="0" err="1">
-                <a:latin typeface="+mj-lt"/>
-              </a:rPr>
-              <a:t>i</a:t>
-            </a:r>
-            <a:r>
-              <a:rPr lang="en-US" sz="1800" i="1" dirty="0" err="1">
-                <a:latin typeface="+mj-lt"/>
-              </a:rPr>
-              <a:t>_</a:t>
-            </a:r>
-            <a:r>
-              <a:rPr lang="en-US" sz="1800" b="0" i="1" u="none" strike="noStrike" baseline="0" dirty="0" err="1">
-                <a:latin typeface="+mj-lt"/>
-              </a:rPr>
-              <a:t>ID</a:t>
-            </a:r>
-            <a:r>
-              <a:rPr lang="en-US" sz="1800" b="0" i="0" u="none" strike="noStrike" baseline="0" dirty="0">
-                <a:latin typeface="+mj-lt"/>
-              </a:rPr>
-              <a:t>)</a:t>
-            </a:r>
-          </a:p>
-          <a:p>
-            <a:pPr marL="0" indent="0" algn="l">
-              <a:buNone/>
-            </a:pPr>
-            <a:r>
-              <a:rPr lang="en-US" sz="1800" b="0" i="1" u="none" strike="noStrike" baseline="0" dirty="0" err="1">
-                <a:latin typeface="+mj-lt"/>
-              </a:rPr>
-              <a:t>time_slot</a:t>
-            </a:r>
-            <a:r>
-              <a:rPr lang="en-US" sz="1800" b="0" i="0" u="none" strike="noStrike" baseline="0" dirty="0">
-                <a:latin typeface="+mj-lt"/>
-              </a:rPr>
-              <a:t>(</a:t>
-            </a:r>
-            <a:r>
-              <a:rPr lang="en-US" sz="1800" b="0" i="1" u="none" strike="noStrike" baseline="0" dirty="0" err="1">
-                <a:latin typeface="+mj-lt"/>
-              </a:rPr>
-              <a:t>time_slot_id</a:t>
-            </a:r>
-            <a:r>
-              <a:rPr lang="en-US" sz="1800" b="0" i="0" u="none" strike="noStrike" baseline="0" dirty="0">
-                <a:latin typeface="+mj-lt"/>
-              </a:rPr>
-              <a:t>, </a:t>
-            </a:r>
-            <a:r>
-              <a:rPr lang="en-US" sz="1800" b="0" i="1" u="none" strike="noStrike" baseline="0" dirty="0">
-                <a:latin typeface="+mj-lt"/>
-              </a:rPr>
-              <a:t>day</a:t>
-            </a:r>
-            <a:r>
-              <a:rPr lang="en-US" sz="1800" b="0" i="0" u="none" strike="noStrike" baseline="0" dirty="0">
-                <a:latin typeface="+mj-lt"/>
-              </a:rPr>
-              <a:t>, </a:t>
-            </a:r>
-            <a:r>
-              <a:rPr lang="en-US" sz="1800" b="0" i="1" u="none" strike="noStrike" baseline="0" dirty="0">
-                <a:latin typeface="+mj-lt"/>
-              </a:rPr>
-              <a:t>start time</a:t>
-            </a:r>
-            <a:r>
-              <a:rPr lang="en-US" sz="1800" b="0" i="0" u="none" strike="noStrike" baseline="0" dirty="0">
-                <a:latin typeface="+mj-lt"/>
-              </a:rPr>
-              <a:t>, </a:t>
-            </a:r>
-            <a:r>
-              <a:rPr lang="en-US" sz="1800" b="0" i="1" u="none" strike="noStrike" baseline="0" dirty="0">
-                <a:latin typeface="+mj-lt"/>
-              </a:rPr>
-              <a:t>end time</a:t>
-            </a:r>
-            <a:r>
-              <a:rPr lang="en-US" sz="1800" b="0" i="0" u="none" strike="noStrike" baseline="0" dirty="0">
-                <a:latin typeface="+mj-lt"/>
-              </a:rPr>
-              <a:t>)</a:t>
-            </a:r>
-          </a:p>
-          <a:p>
-            <a:pPr marL="0" indent="0" algn="l">
-              <a:buNone/>
-            </a:pPr>
-            <a:r>
-              <a:rPr lang="en-US" sz="1800" b="0" i="1" u="none" strike="noStrike" baseline="0" dirty="0" err="1">
-                <a:latin typeface="+mj-lt"/>
-              </a:rPr>
-              <a:t>prereq</a:t>
-            </a:r>
-            <a:r>
-              <a:rPr lang="en-US" sz="1800" b="0" i="0" u="none" strike="noStrike" baseline="0" dirty="0">
-                <a:latin typeface="+mj-lt"/>
-              </a:rPr>
-              <a:t>(</a:t>
-            </a:r>
-            <a:r>
-              <a:rPr lang="en-US" sz="1800" b="0" i="1" u="none" strike="noStrike" baseline="0" dirty="0" err="1">
-                <a:latin typeface="+mj-lt"/>
-              </a:rPr>
-              <a:t>course_id</a:t>
-            </a:r>
-            <a:r>
-              <a:rPr lang="en-US" sz="1800" b="0" i="0" u="none" strike="noStrike" baseline="0" dirty="0">
-                <a:latin typeface="+mj-lt"/>
-              </a:rPr>
-              <a:t>, </a:t>
-            </a:r>
-            <a:r>
-              <a:rPr lang="en-US" sz="1800" b="0" i="1" u="none" strike="noStrike" baseline="0" dirty="0" err="1">
-                <a:latin typeface="+mj-lt"/>
-              </a:rPr>
-              <a:t>prereq_id</a:t>
-            </a:r>
-            <a:r>
-              <a:rPr lang="en-US" sz="1800" b="0" i="0" u="none" strike="noStrike" baseline="0" dirty="0">
-                <a:latin typeface="+mj-lt"/>
-              </a:rPr>
-              <a:t>)</a:t>
-            </a:r>
-            <a:endParaRPr lang="en-US" sz="2400" dirty="0">
-              <a:latin typeface="+mj-lt"/>
-            </a:endParaRPr>
-          </a:p>
-        </p:txBody>
-      </p:sp>
-      <p:sp>
-        <p:nvSpPr>
-          <p:cNvPr id="4" name="Slide Number Placeholder 3">
-            <a:extLst>
-              <a:ext uri="{FF2B5EF4-FFF2-40B4-BE49-F238E27FC236}">
-                <a16:creationId xmlns:a16="http://schemas.microsoft.com/office/drawing/2014/main" id="{BBA48AFF-313F-7465-BCFD-E5E2E70E70BA}"/>
-              </a:ext>
-            </a:extLst>
-          </p:cNvPr>
-          <p:cNvSpPr>
-            <a:spLocks noGrp="1"/>
-          </p:cNvSpPr>
-          <p:nvPr>
-            <p:ph type="sldNum" sz="quarter" idx="10"/>
-          </p:nvPr>
-        </p:nvSpPr>
-        <p:spPr/>
-        <p:txBody>
-          <a:bodyPr/>
-          <a:lstStyle/>
-          <a:p>
-            <a:pPr>
-              <a:defRPr/>
-            </a:pPr>
-            <a:fld id="{547F3CAF-32BF-49A6-93F1-59C9E4B7C957}" type="slidenum">
-              <a:rPr lang="en-US" altLang="en-US" smtClean="0"/>
-              <a:pPr>
-                <a:defRPr/>
-              </a:pPr>
-              <a:t>13</a:t>
-            </a:fld>
-            <a:endParaRPr lang="en-US" altLang="en-US" dirty="0"/>
-          </a:p>
-        </p:txBody>
-      </p:sp>
-    </p:spTree>
-    <p:extLst>
-      <p:ext uri="{BB962C8B-B14F-4D97-AF65-F5344CB8AC3E}">
-        <p14:creationId xmlns:p14="http://schemas.microsoft.com/office/powerpoint/2010/main" val="2581575707"/>
-      </p:ext>
-    </p:extLst>
-  </p:cSld>
-  <p:clrMapOvr>
-    <a:masterClrMapping/>
-  </p:clrMapOvr>
-</p:sld>
-</file>
-
-<file path=ppt/slides/slide14.xml><?xml version="1.0" encoding="utf-8"?>
-<p:sld xmlns:a="http://schemas.openxmlformats.org/drawingml/2006/main" xmlns:r="http://schemas.openxmlformats.org/officeDocument/2006/relationships" xmlns:p="http://schemas.openxmlformats.org/presentationml/2006/main">
-  <p:cSld>
-    <p:spTree>
-      <p:nvGrpSpPr>
-        <p:cNvPr id="1" name="">
-          <a:extLst>
-            <a:ext uri="{FF2B5EF4-FFF2-40B4-BE49-F238E27FC236}">
-              <a16:creationId xmlns:a16="http://schemas.microsoft.com/office/drawing/2014/main" id="{524B7BDD-07CD-716F-DB25-C0028C40AD2A}"/>
-            </a:ext>
-          </a:extLst>
-        </p:cNvPr>
-        <p:cNvGrpSpPr/>
-        <p:nvPr/>
-      </p:nvGrpSpPr>
-      <p:grpSpPr>
-        <a:xfrm>
-          <a:off x="0" y="0"/>
-          <a:ext cx="0" cy="0"/>
-          <a:chOff x="0" y="0"/>
-          <a:chExt cx="0" cy="0"/>
-        </a:xfrm>
-      </p:grpSpPr>
-      <p:sp>
-        <p:nvSpPr>
-          <p:cNvPr id="2" name="Title 1">
-            <a:extLst>
-              <a:ext uri="{FF2B5EF4-FFF2-40B4-BE49-F238E27FC236}">
-                <a16:creationId xmlns:a16="http://schemas.microsoft.com/office/drawing/2014/main" id="{1B9271B6-A17B-A080-6DFF-495CAF0CC1A5}"/>
-              </a:ext>
-            </a:extLst>
-          </p:cNvPr>
-          <p:cNvSpPr>
-            <a:spLocks noGrp="1"/>
-          </p:cNvSpPr>
-          <p:nvPr>
-            <p:ph type="title"/>
-          </p:nvPr>
-        </p:nvSpPr>
-        <p:spPr/>
-        <p:txBody>
-          <a:bodyPr/>
-          <a:lstStyle/>
-          <a:p>
-            <a:pPr algn="ctr"/>
-            <a:r>
-              <a:rPr lang="en-NZ" sz="3600" dirty="0"/>
-              <a:t>Appendix:</a:t>
-            </a:r>
-            <a:br>
-              <a:rPr lang="en-NZ" sz="3600" dirty="0"/>
-            </a:br>
-            <a:r>
-              <a:rPr lang="en-NZ" sz="3600" dirty="0"/>
-              <a:t>University Database</a:t>
-            </a:r>
-            <a:endParaRPr lang="en-US" sz="3600" dirty="0"/>
-          </a:p>
-        </p:txBody>
-      </p:sp>
-      <p:sp>
-        <p:nvSpPr>
-          <p:cNvPr id="4" name="Slide Number Placeholder 3">
-            <a:extLst>
-              <a:ext uri="{FF2B5EF4-FFF2-40B4-BE49-F238E27FC236}">
-                <a16:creationId xmlns:a16="http://schemas.microsoft.com/office/drawing/2014/main" id="{E6F3EC15-BF99-3BF7-D884-134993E913C5}"/>
-              </a:ext>
-            </a:extLst>
-          </p:cNvPr>
-          <p:cNvSpPr>
-            <a:spLocks noGrp="1"/>
-          </p:cNvSpPr>
-          <p:nvPr>
-            <p:ph type="sldNum" sz="quarter" idx="10"/>
-          </p:nvPr>
-        </p:nvSpPr>
-        <p:spPr/>
-        <p:txBody>
-          <a:bodyPr/>
-          <a:lstStyle/>
-          <a:p>
-            <a:pPr>
-              <a:defRPr/>
-            </a:pPr>
-            <a:fld id="{547F3CAF-32BF-49A6-93F1-59C9E4B7C957}" type="slidenum">
-              <a:rPr lang="en-US" altLang="en-US" smtClean="0"/>
-              <a:pPr>
-                <a:defRPr/>
-              </a:pPr>
-              <a:t>14</a:t>
-            </a:fld>
-            <a:endParaRPr lang="en-US" altLang="en-US" dirty="0"/>
-          </a:p>
-        </p:txBody>
-      </p:sp>
-      <p:sp>
-        <p:nvSpPr>
-          <p:cNvPr id="5" name="Content Placeholder 4">
-            <a:extLst>
-              <a:ext uri="{FF2B5EF4-FFF2-40B4-BE49-F238E27FC236}">
-                <a16:creationId xmlns:a16="http://schemas.microsoft.com/office/drawing/2014/main" id="{E8E27C8B-7092-7326-2E1D-25CEF3081AA9}"/>
-              </a:ext>
-            </a:extLst>
-          </p:cNvPr>
-          <p:cNvSpPr>
-            <a:spLocks noGrp="1"/>
-          </p:cNvSpPr>
-          <p:nvPr>
-            <p:ph idx="1"/>
-          </p:nvPr>
-        </p:nvSpPr>
-        <p:spPr/>
-        <p:txBody>
-          <a:bodyPr/>
-          <a:lstStyle/>
-          <a:p>
-            <a:endParaRPr lang="en-US"/>
-          </a:p>
-        </p:txBody>
-      </p:sp>
-      <p:pic>
-        <p:nvPicPr>
-          <p:cNvPr id="7" name="Picture 6">
-            <a:extLst>
-              <a:ext uri="{FF2B5EF4-FFF2-40B4-BE49-F238E27FC236}">
-                <a16:creationId xmlns:a16="http://schemas.microsoft.com/office/drawing/2014/main" id="{99720C1E-88CC-C9BF-2CD4-382BE11F93F1}"/>
-              </a:ext>
-            </a:extLst>
-          </p:cNvPr>
-          <p:cNvPicPr>
-            <a:picLocks noChangeAspect="1"/>
-          </p:cNvPicPr>
-          <p:nvPr/>
-        </p:nvPicPr>
-        <p:blipFill>
-          <a:blip r:embed="rId3"/>
-          <a:stretch>
-            <a:fillRect/>
-          </a:stretch>
-        </p:blipFill>
-        <p:spPr>
-          <a:xfrm>
-            <a:off x="408994" y="1809296"/>
-            <a:ext cx="8326012" cy="5020376"/>
-          </a:xfrm>
-          <a:prstGeom prst="rect">
-            <a:avLst/>
-          </a:prstGeom>
-        </p:spPr>
-      </p:pic>
-    </p:spTree>
-    <p:extLst>
-      <p:ext uri="{BB962C8B-B14F-4D97-AF65-F5344CB8AC3E}">
-        <p14:creationId xmlns:p14="http://schemas.microsoft.com/office/powerpoint/2010/main" val="372386006"/>
-      </p:ext>
-    </p:extLst>
-  </p:cSld>
-  <p:clrMapOvr>
-    <a:masterClrMapping/>
-  </p:clrMapOvr>
-</p:sld>
-</file>
-
-<file path=ppt/slides/slide15.xml><?xml version="1.0" encoding="utf-8"?>
-<p:sld xmlns:a="http://schemas.openxmlformats.org/drawingml/2006/main" xmlns:r="http://schemas.openxmlformats.org/officeDocument/2006/relationships" xmlns:p="http://schemas.openxmlformats.org/presentationml/2006/main">
-  <p:cSld>
-    <p:spTree>
-      <p:nvGrpSpPr>
-        <p:cNvPr id="1" name="">
-          <a:extLst>
-            <a:ext uri="{FF2B5EF4-FFF2-40B4-BE49-F238E27FC236}">
               <a16:creationId xmlns:a16="http://schemas.microsoft.com/office/drawing/2014/main" id="{755C3A4D-2C6F-5F28-222E-7647E074F570}"/>
             </a:ext>
           </a:extLst>
@@ -9011,7 +6321,7 @@
               <a:pPr>
                 <a:defRPr/>
               </a:pPr>
-              <a:t>15</a:t>
+              <a:t>10</a:t>
             </a:fld>
             <a:endParaRPr lang="en-US" altLang="en-US" dirty="0"/>
           </a:p>
@@ -9131,7 +6441,7 @@
 </p:sld>
 </file>
 
-<file path=ppt/slides/slide16.xml><?xml version="1.0" encoding="utf-8"?>
+<file path=ppt/slides/slide11.xml><?xml version="1.0" encoding="utf-8"?>
 <p:sld xmlns:a="http://schemas.openxmlformats.org/drawingml/2006/main" xmlns:r="http://schemas.openxmlformats.org/officeDocument/2006/relationships" xmlns:p="http://schemas.openxmlformats.org/presentationml/2006/main">
   <p:cSld>
     <p:spTree>
@@ -9390,20 +6700,44 @@
           <a:lstStyle/>
           <a:p>
             <a:r>
+              <a:rPr lang="en-US" sz="2400" b="1" dirty="0"/>
+              <a:t>Additional Material</a:t>
+            </a:r>
+            <a:r>
               <a:rPr lang="en-US" sz="2400" dirty="0"/>
-              <a:t>Covers additional material if needed</a:t>
-            </a:r>
-          </a:p>
-          <a:p>
+              <a:t>: Brief overview or expansion of key topics</a:t>
+            </a:r>
+          </a:p>
+          <a:p>
+            <a:r>
+              <a:rPr lang="en-US" sz="2400" b="1" dirty="0"/>
+              <a:t>Exercises</a:t>
+            </a:r>
             <a:r>
               <a:rPr lang="en-US" sz="2400" dirty="0"/>
-              <a:t>Questions that you can try</a:t>
-            </a:r>
-          </a:p>
-          <a:p>
+              <a:t>: Time to work through problems</a:t>
+            </a:r>
+          </a:p>
+          <a:p>
+            <a:r>
+              <a:rPr lang="en-US" sz="2400" b="1" dirty="0"/>
+              <a:t>Open Q&amp;A</a:t>
+            </a:r>
             <a:r>
               <a:rPr lang="en-US" sz="2400" dirty="0"/>
-              <a:t>Answering questions</a:t>
+              <a:t>: Discuss any questions</a:t>
+            </a:r>
+          </a:p>
+          <a:p>
+            <a:endParaRPr lang="en-US" sz="2400" dirty="0"/>
+          </a:p>
+          <a:p>
+            <a:pPr marL="0" indent="0">
+              <a:buNone/>
+            </a:pPr>
+            <a:r>
+              <a:rPr lang="en-US" sz="2400" i="1" dirty="0"/>
+              <a:t>(Slide available on Canvas, Week Overview page)</a:t>
             </a:r>
           </a:p>
           <a:p>
@@ -9411,15 +6745,6 @@
               <a:buNone/>
             </a:pPr>
             <a:endParaRPr lang="en-US" sz="2400" dirty="0"/>
-          </a:p>
-          <a:p>
-            <a:pPr marL="0" indent="0">
-              <a:buNone/>
-            </a:pPr>
-            <a:r>
-              <a:rPr lang="en-US" sz="2400" i="1" dirty="0"/>
-              <a:t>(Top-left corner: QR code of this slide)</a:t>
-            </a:r>
           </a:p>
         </p:txBody>
       </p:sp>
@@ -9705,1717 +7030,6 @@
   <p:cSld>
     <p:spTree>
       <p:nvGrpSpPr>
-        <p:cNvPr id="1" name=""/>
-        <p:cNvGrpSpPr/>
-        <p:nvPr/>
-      </p:nvGrpSpPr>
-      <p:grpSpPr>
-        <a:xfrm>
-          <a:off x="0" y="0"/>
-          <a:ext cx="0" cy="0"/>
-          <a:chOff x="0" y="0"/>
-          <a:chExt cx="0" cy="0"/>
-        </a:xfrm>
-      </p:grpSpPr>
-      <p:sp>
-        <p:nvSpPr>
-          <p:cNvPr id="2" name="Title 1">
-            <a:extLst>
-              <a:ext uri="{FF2B5EF4-FFF2-40B4-BE49-F238E27FC236}">
-                <a16:creationId xmlns:a16="http://schemas.microsoft.com/office/drawing/2014/main" id="{12B5478E-4383-FD38-8D6B-D48FFD791DA0}"/>
-              </a:ext>
-            </a:extLst>
-          </p:cNvPr>
-          <p:cNvSpPr>
-            <a:spLocks noGrp="1"/>
-          </p:cNvSpPr>
-          <p:nvPr>
-            <p:ph type="title"/>
-          </p:nvPr>
-        </p:nvSpPr>
-        <p:spPr/>
-        <p:txBody>
-          <a:bodyPr/>
-          <a:lstStyle/>
-          <a:p>
-            <a:pPr algn="ctr"/>
-            <a:r>
-              <a:rPr lang="en-US" altLang="zh-CN" sz="3600" dirty="0"/>
-              <a:t>Compare </a:t>
-            </a:r>
-            <a:r>
-              <a:rPr lang="en-US" sz="3600" dirty="0"/>
-              <a:t>SQL Joins</a:t>
-            </a:r>
-          </a:p>
-        </p:txBody>
-      </p:sp>
-      <p:sp>
-        <p:nvSpPr>
-          <p:cNvPr id="3" name="Content Placeholder 2">
-            <a:extLst>
-              <a:ext uri="{FF2B5EF4-FFF2-40B4-BE49-F238E27FC236}">
-                <a16:creationId xmlns:a16="http://schemas.microsoft.com/office/drawing/2014/main" id="{0B7ECC00-F701-1593-A54B-7EB079506904}"/>
-              </a:ext>
-            </a:extLst>
-          </p:cNvPr>
-          <p:cNvSpPr>
-            <a:spLocks noGrp="1"/>
-          </p:cNvSpPr>
-          <p:nvPr>
-            <p:ph idx="1"/>
-          </p:nvPr>
-        </p:nvSpPr>
-        <p:spPr/>
-        <p:txBody>
-          <a:bodyPr/>
-          <a:lstStyle/>
-          <a:p>
-            <a:r>
-              <a:rPr lang="en-US" sz="2400" dirty="0"/>
-              <a:t>Cartesian Product (×)</a:t>
-            </a:r>
-          </a:p>
-          <a:p>
-            <a:r>
-              <a:rPr lang="en-US" sz="2400" dirty="0"/>
-              <a:t>Theta Join (⋈</a:t>
-            </a:r>
-            <a:r>
-              <a:rPr lang="en-US" altLang="zh-CN" sz="2400" baseline="-25000" dirty="0"/>
-              <a:t>θ</a:t>
-            </a:r>
-            <a:r>
-              <a:rPr lang="en-US" sz="2400" dirty="0"/>
-              <a:t>)</a:t>
-            </a:r>
-          </a:p>
-          <a:p>
-            <a:r>
-              <a:rPr lang="en-US" sz="2400" dirty="0"/>
-              <a:t>Natural Join (⋈)</a:t>
-            </a:r>
-          </a:p>
-          <a:p>
-            <a:r>
-              <a:rPr lang="en-US" sz="2400" dirty="0"/>
-              <a:t>Key Differences</a:t>
-            </a:r>
-          </a:p>
-        </p:txBody>
-      </p:sp>
-      <p:sp>
-        <p:nvSpPr>
-          <p:cNvPr id="4" name="Slide Number Placeholder 3">
-            <a:extLst>
-              <a:ext uri="{FF2B5EF4-FFF2-40B4-BE49-F238E27FC236}">
-                <a16:creationId xmlns:a16="http://schemas.microsoft.com/office/drawing/2014/main" id="{2E8A268A-533D-D156-7901-07A43287F43B}"/>
-              </a:ext>
-            </a:extLst>
-          </p:cNvPr>
-          <p:cNvSpPr>
-            <a:spLocks noGrp="1"/>
-          </p:cNvSpPr>
-          <p:nvPr>
-            <p:ph type="sldNum" sz="quarter" idx="10"/>
-          </p:nvPr>
-        </p:nvSpPr>
-        <p:spPr/>
-        <p:txBody>
-          <a:bodyPr/>
-          <a:lstStyle/>
-          <a:p>
-            <a:pPr>
-              <a:defRPr/>
-            </a:pPr>
-            <a:fld id="{547F3CAF-32BF-49A6-93F1-59C9E4B7C957}" type="slidenum">
-              <a:rPr lang="en-US" altLang="en-US" smtClean="0"/>
-              <a:pPr>
-                <a:defRPr/>
-              </a:pPr>
-              <a:t>3</a:t>
-            </a:fld>
-            <a:endParaRPr lang="en-US" altLang="en-US" dirty="0"/>
-          </a:p>
-        </p:txBody>
-      </p:sp>
-    </p:spTree>
-    <p:extLst>
-      <p:ext uri="{BB962C8B-B14F-4D97-AF65-F5344CB8AC3E}">
-        <p14:creationId xmlns:p14="http://schemas.microsoft.com/office/powerpoint/2010/main" val="936889423"/>
-      </p:ext>
-    </p:extLst>
-  </p:cSld>
-  <p:clrMapOvr>
-    <a:masterClrMapping/>
-  </p:clrMapOvr>
-  <p:timing>
-    <p:tnLst>
-      <p:par>
-        <p:cTn id="1" dur="indefinite" restart="never" nodeType="tmRoot">
-          <p:childTnLst>
-            <p:seq concurrent="1" nextAc="seek">
-              <p:cTn id="2" dur="indefinite" nodeType="mainSeq">
-                <p:childTnLst>
-                  <p:par>
-                    <p:cTn id="3" fill="hold">
-                      <p:stCondLst>
-                        <p:cond delay="indefinite"/>
-                      </p:stCondLst>
-                      <p:childTnLst>
-                        <p:par>
-                          <p:cTn id="4" fill="hold">
-                            <p:stCondLst>
-                              <p:cond delay="0"/>
-                            </p:stCondLst>
-                            <p:childTnLst>
-                              <p:par>
-                                <p:cTn id="5" presetID="1" presetClass="entr" presetSubtype="0" fill="hold" nodeType="clickEffect">
-                                  <p:stCondLst>
-                                    <p:cond delay="0"/>
-                                  </p:stCondLst>
-                                  <p:childTnLst>
-                                    <p:set>
-                                      <p:cBhvr>
-                                        <p:cTn id="6" dur="1" fill="hold">
-                                          <p:stCondLst>
-                                            <p:cond delay="0"/>
-                                          </p:stCondLst>
-                                        </p:cTn>
-                                        <p:tgtEl>
-                                          <p:spTgt spid="3">
-                                            <p:txEl>
-                                              <p:pRg st="0" end="0"/>
-                                            </p:txEl>
-                                          </p:spTgt>
-                                        </p:tgtEl>
-                                        <p:attrNameLst>
-                                          <p:attrName>style.visibility</p:attrName>
-                                        </p:attrNameLst>
-                                      </p:cBhvr>
-                                      <p:to>
-                                        <p:strVal val="visible"/>
-                                      </p:to>
-                                    </p:set>
-                                  </p:childTnLst>
-                                </p:cTn>
-                              </p:par>
-                            </p:childTnLst>
-                          </p:cTn>
-                        </p:par>
-                      </p:childTnLst>
-                    </p:cTn>
-                  </p:par>
-                  <p:par>
-                    <p:cTn id="7" fill="hold">
-                      <p:stCondLst>
-                        <p:cond delay="indefinite"/>
-                      </p:stCondLst>
-                      <p:childTnLst>
-                        <p:par>
-                          <p:cTn id="8" fill="hold">
-                            <p:stCondLst>
-                              <p:cond delay="0"/>
-                            </p:stCondLst>
-                            <p:childTnLst>
-                              <p:par>
-                                <p:cTn id="9" presetID="1" presetClass="entr" presetSubtype="0" fill="hold" nodeType="clickEffect">
-                                  <p:stCondLst>
-                                    <p:cond delay="0"/>
-                                  </p:stCondLst>
-                                  <p:childTnLst>
-                                    <p:set>
-                                      <p:cBhvr>
-                                        <p:cTn id="10" dur="1" fill="hold">
-                                          <p:stCondLst>
-                                            <p:cond delay="0"/>
-                                          </p:stCondLst>
-                                        </p:cTn>
-                                        <p:tgtEl>
-                                          <p:spTgt spid="3">
-                                            <p:txEl>
-                                              <p:pRg st="1" end="1"/>
-                                            </p:txEl>
-                                          </p:spTgt>
-                                        </p:tgtEl>
-                                        <p:attrNameLst>
-                                          <p:attrName>style.visibility</p:attrName>
-                                        </p:attrNameLst>
-                                      </p:cBhvr>
-                                      <p:to>
-                                        <p:strVal val="visible"/>
-                                      </p:to>
-                                    </p:set>
-                                  </p:childTnLst>
-                                </p:cTn>
-                              </p:par>
-                            </p:childTnLst>
-                          </p:cTn>
-                        </p:par>
-                      </p:childTnLst>
-                    </p:cTn>
-                  </p:par>
-                  <p:par>
-                    <p:cTn id="11" fill="hold">
-                      <p:stCondLst>
-                        <p:cond delay="indefinite"/>
-                      </p:stCondLst>
-                      <p:childTnLst>
-                        <p:par>
-                          <p:cTn id="12" fill="hold">
-                            <p:stCondLst>
-                              <p:cond delay="0"/>
-                            </p:stCondLst>
-                            <p:childTnLst>
-                              <p:par>
-                                <p:cTn id="13" presetID="1" presetClass="entr" presetSubtype="0" fill="hold" nodeType="clickEffect">
-                                  <p:stCondLst>
-                                    <p:cond delay="0"/>
-                                  </p:stCondLst>
-                                  <p:childTnLst>
-                                    <p:set>
-                                      <p:cBhvr>
-                                        <p:cTn id="14" dur="1" fill="hold">
-                                          <p:stCondLst>
-                                            <p:cond delay="0"/>
-                                          </p:stCondLst>
-                                        </p:cTn>
-                                        <p:tgtEl>
-                                          <p:spTgt spid="3">
-                                            <p:txEl>
-                                              <p:pRg st="2" end="2"/>
-                                            </p:txEl>
-                                          </p:spTgt>
-                                        </p:tgtEl>
-                                        <p:attrNameLst>
-                                          <p:attrName>style.visibility</p:attrName>
-                                        </p:attrNameLst>
-                                      </p:cBhvr>
-                                      <p:to>
-                                        <p:strVal val="visible"/>
-                                      </p:to>
-                                    </p:set>
-                                  </p:childTnLst>
-                                </p:cTn>
-                              </p:par>
-                            </p:childTnLst>
-                          </p:cTn>
-                        </p:par>
-                      </p:childTnLst>
-                    </p:cTn>
-                  </p:par>
-                  <p:par>
-                    <p:cTn id="15" fill="hold">
-                      <p:stCondLst>
-                        <p:cond delay="indefinite"/>
-                      </p:stCondLst>
-                      <p:childTnLst>
-                        <p:par>
-                          <p:cTn id="16" fill="hold">
-                            <p:stCondLst>
-                              <p:cond delay="0"/>
-                            </p:stCondLst>
-                            <p:childTnLst>
-                              <p:par>
-                                <p:cTn id="17" presetID="1" presetClass="entr" presetSubtype="0" fill="hold" nodeType="clickEffect">
-                                  <p:stCondLst>
-                                    <p:cond delay="0"/>
-                                  </p:stCondLst>
-                                  <p:childTnLst>
-                                    <p:set>
-                                      <p:cBhvr>
-                                        <p:cTn id="18" dur="1" fill="hold">
-                                          <p:stCondLst>
-                                            <p:cond delay="0"/>
-                                          </p:stCondLst>
-                                        </p:cTn>
-                                        <p:tgtEl>
-                                          <p:spTgt spid="3">
-                                            <p:txEl>
-                                              <p:pRg st="3" end="3"/>
-                                            </p:txEl>
-                                          </p:spTgt>
-                                        </p:tgtEl>
-                                        <p:attrNameLst>
-                                          <p:attrName>style.visibility</p:attrName>
-                                        </p:attrNameLst>
-                                      </p:cBhvr>
-                                      <p:to>
-                                        <p:strVal val="visible"/>
-                                      </p:to>
-                                    </p:set>
-                                  </p:childTnLst>
-                                </p:cTn>
-                              </p:par>
-                            </p:childTnLst>
-                          </p:cTn>
-                        </p:par>
-                      </p:childTnLst>
-                    </p:cTn>
-                  </p:par>
-                </p:childTnLst>
-              </p:cTn>
-              <p:prevCondLst>
-                <p:cond evt="onPrev" delay="0">
-                  <p:tgtEl>
-                    <p:sldTgt/>
-                  </p:tgtEl>
-                </p:cond>
-              </p:prevCondLst>
-              <p:nextCondLst>
-                <p:cond evt="onNext" delay="0">
-                  <p:tgtEl>
-                    <p:sldTgt/>
-                  </p:tgtEl>
-                </p:cond>
-              </p:nextCondLst>
-            </p:seq>
-          </p:childTnLst>
-        </p:cTn>
-      </p:par>
-    </p:tnLst>
-  </p:timing>
-</p:sld>
-</file>
-
-<file path=ppt/slides/slide4.xml><?xml version="1.0" encoding="utf-8"?>
-<p:sld xmlns:a="http://schemas.openxmlformats.org/drawingml/2006/main" xmlns:r="http://schemas.openxmlformats.org/officeDocument/2006/relationships" xmlns:p="http://schemas.openxmlformats.org/presentationml/2006/main">
-  <p:cSld>
-    <p:spTree>
-      <p:nvGrpSpPr>
-        <p:cNvPr id="1" name="">
-          <a:extLst>
-            <a:ext uri="{FF2B5EF4-FFF2-40B4-BE49-F238E27FC236}">
-              <a16:creationId xmlns:a16="http://schemas.microsoft.com/office/drawing/2014/main" id="{6B010ECF-62D4-AC77-8745-28A13161D232}"/>
-            </a:ext>
-          </a:extLst>
-        </p:cNvPr>
-        <p:cNvGrpSpPr/>
-        <p:nvPr/>
-      </p:nvGrpSpPr>
-      <p:grpSpPr>
-        <a:xfrm>
-          <a:off x="0" y="0"/>
-          <a:ext cx="0" cy="0"/>
-          <a:chOff x="0" y="0"/>
-          <a:chExt cx="0" cy="0"/>
-        </a:xfrm>
-      </p:grpSpPr>
-      <p:sp>
-        <p:nvSpPr>
-          <p:cNvPr id="2" name="Title 1">
-            <a:extLst>
-              <a:ext uri="{FF2B5EF4-FFF2-40B4-BE49-F238E27FC236}">
-                <a16:creationId xmlns:a16="http://schemas.microsoft.com/office/drawing/2014/main" id="{0F106574-DF80-3A7F-B19C-8188C791155C}"/>
-              </a:ext>
-            </a:extLst>
-          </p:cNvPr>
-          <p:cNvSpPr>
-            <a:spLocks noGrp="1"/>
-          </p:cNvSpPr>
-          <p:nvPr>
-            <p:ph type="title"/>
-          </p:nvPr>
-        </p:nvSpPr>
-        <p:spPr/>
-        <p:txBody>
-          <a:bodyPr/>
-          <a:lstStyle/>
-          <a:p>
-            <a:pPr algn="ctr"/>
-            <a:r>
-              <a:rPr lang="en-US" sz="3600" dirty="0"/>
-              <a:t>Cartesian Product (×)</a:t>
-            </a:r>
-          </a:p>
-        </p:txBody>
-      </p:sp>
-      <p:sp>
-        <p:nvSpPr>
-          <p:cNvPr id="3" name="Content Placeholder 2">
-            <a:extLst>
-              <a:ext uri="{FF2B5EF4-FFF2-40B4-BE49-F238E27FC236}">
-                <a16:creationId xmlns:a16="http://schemas.microsoft.com/office/drawing/2014/main" id="{5C583296-2A75-4DE4-119F-CF12BA607975}"/>
-              </a:ext>
-            </a:extLst>
-          </p:cNvPr>
-          <p:cNvSpPr>
-            <a:spLocks noGrp="1"/>
-          </p:cNvSpPr>
-          <p:nvPr>
-            <p:ph idx="1"/>
-          </p:nvPr>
-        </p:nvSpPr>
-        <p:spPr/>
-        <p:txBody>
-          <a:bodyPr/>
-          <a:lstStyle/>
-          <a:p>
-            <a:r>
-              <a:rPr lang="en-US" altLang="zh-CN" sz="2400" dirty="0"/>
-              <a:t>Join with no condition</a:t>
-            </a:r>
-          </a:p>
-          <a:p>
-            <a:pPr lvl="1"/>
-            <a:r>
-              <a:rPr lang="en-US" sz="2400" dirty="0"/>
-              <a:t>Yields every combination of values</a:t>
-            </a:r>
-          </a:p>
-          <a:p>
-            <a:pPr lvl="1"/>
-            <a:r>
-              <a:rPr lang="en-US" sz="2400" dirty="0"/>
-              <a:t>All attributes concatenated</a:t>
-            </a:r>
-          </a:p>
-        </p:txBody>
-      </p:sp>
-      <p:sp>
-        <p:nvSpPr>
-          <p:cNvPr id="4" name="Slide Number Placeholder 3">
-            <a:extLst>
-              <a:ext uri="{FF2B5EF4-FFF2-40B4-BE49-F238E27FC236}">
-                <a16:creationId xmlns:a16="http://schemas.microsoft.com/office/drawing/2014/main" id="{20623DDF-A357-CDFB-EECF-DD94C3C5C2F8}"/>
-              </a:ext>
-            </a:extLst>
-          </p:cNvPr>
-          <p:cNvSpPr>
-            <a:spLocks noGrp="1"/>
-          </p:cNvSpPr>
-          <p:nvPr>
-            <p:ph type="sldNum" sz="quarter" idx="10"/>
-          </p:nvPr>
-        </p:nvSpPr>
-        <p:spPr/>
-        <p:txBody>
-          <a:bodyPr/>
-          <a:lstStyle/>
-          <a:p>
-            <a:pPr>
-              <a:defRPr/>
-            </a:pPr>
-            <a:fld id="{547F3CAF-32BF-49A6-93F1-59C9E4B7C957}" type="slidenum">
-              <a:rPr lang="en-US" altLang="en-US" smtClean="0"/>
-              <a:pPr>
-                <a:defRPr/>
-              </a:pPr>
-              <a:t>4</a:t>
-            </a:fld>
-            <a:endParaRPr lang="en-US" altLang="en-US" dirty="0"/>
-          </a:p>
-        </p:txBody>
-      </p:sp>
-    </p:spTree>
-    <p:extLst>
-      <p:ext uri="{BB962C8B-B14F-4D97-AF65-F5344CB8AC3E}">
-        <p14:creationId xmlns:p14="http://schemas.microsoft.com/office/powerpoint/2010/main" val="1038941009"/>
-      </p:ext>
-    </p:extLst>
-  </p:cSld>
-  <p:clrMapOvr>
-    <a:masterClrMapping/>
-  </p:clrMapOvr>
-  <p:timing>
-    <p:tnLst>
-      <p:par>
-        <p:cTn id="1" dur="indefinite" restart="never" nodeType="tmRoot">
-          <p:childTnLst>
-            <p:seq concurrent="1" nextAc="seek">
-              <p:cTn id="2" dur="indefinite" nodeType="mainSeq">
-                <p:childTnLst>
-                  <p:par>
-                    <p:cTn id="3" fill="hold">
-                      <p:stCondLst>
-                        <p:cond delay="indefinite"/>
-                      </p:stCondLst>
-                      <p:childTnLst>
-                        <p:par>
-                          <p:cTn id="4" fill="hold">
-                            <p:stCondLst>
-                              <p:cond delay="0"/>
-                            </p:stCondLst>
-                            <p:childTnLst>
-                              <p:par>
-                                <p:cTn id="5" presetID="1" presetClass="entr" presetSubtype="0" fill="hold" nodeType="clickEffect">
-                                  <p:stCondLst>
-                                    <p:cond delay="0"/>
-                                  </p:stCondLst>
-                                  <p:childTnLst>
-                                    <p:set>
-                                      <p:cBhvr>
-                                        <p:cTn id="6" dur="1" fill="hold">
-                                          <p:stCondLst>
-                                            <p:cond delay="0"/>
-                                          </p:stCondLst>
-                                        </p:cTn>
-                                        <p:tgtEl>
-                                          <p:spTgt spid="3">
-                                            <p:txEl>
-                                              <p:pRg st="0" end="0"/>
-                                            </p:txEl>
-                                          </p:spTgt>
-                                        </p:tgtEl>
-                                        <p:attrNameLst>
-                                          <p:attrName>style.visibility</p:attrName>
-                                        </p:attrNameLst>
-                                      </p:cBhvr>
-                                      <p:to>
-                                        <p:strVal val="visible"/>
-                                      </p:to>
-                                    </p:set>
-                                  </p:childTnLst>
-                                </p:cTn>
-                              </p:par>
-                            </p:childTnLst>
-                          </p:cTn>
-                        </p:par>
-                      </p:childTnLst>
-                    </p:cTn>
-                  </p:par>
-                  <p:par>
-                    <p:cTn id="7" fill="hold">
-                      <p:stCondLst>
-                        <p:cond delay="indefinite"/>
-                      </p:stCondLst>
-                      <p:childTnLst>
-                        <p:par>
-                          <p:cTn id="8" fill="hold">
-                            <p:stCondLst>
-                              <p:cond delay="0"/>
-                            </p:stCondLst>
-                            <p:childTnLst>
-                              <p:par>
-                                <p:cTn id="9" presetID="1" presetClass="entr" presetSubtype="0" fill="hold" nodeType="clickEffect">
-                                  <p:stCondLst>
-                                    <p:cond delay="0"/>
-                                  </p:stCondLst>
-                                  <p:childTnLst>
-                                    <p:set>
-                                      <p:cBhvr>
-                                        <p:cTn id="10" dur="1" fill="hold">
-                                          <p:stCondLst>
-                                            <p:cond delay="0"/>
-                                          </p:stCondLst>
-                                        </p:cTn>
-                                        <p:tgtEl>
-                                          <p:spTgt spid="3">
-                                            <p:txEl>
-                                              <p:pRg st="1" end="1"/>
-                                            </p:txEl>
-                                          </p:spTgt>
-                                        </p:tgtEl>
-                                        <p:attrNameLst>
-                                          <p:attrName>style.visibility</p:attrName>
-                                        </p:attrNameLst>
-                                      </p:cBhvr>
-                                      <p:to>
-                                        <p:strVal val="visible"/>
-                                      </p:to>
-                                    </p:set>
-                                  </p:childTnLst>
-                                </p:cTn>
-                              </p:par>
-                            </p:childTnLst>
-                          </p:cTn>
-                        </p:par>
-                      </p:childTnLst>
-                    </p:cTn>
-                  </p:par>
-                  <p:par>
-                    <p:cTn id="11" fill="hold">
-                      <p:stCondLst>
-                        <p:cond delay="indefinite"/>
-                      </p:stCondLst>
-                      <p:childTnLst>
-                        <p:par>
-                          <p:cTn id="12" fill="hold">
-                            <p:stCondLst>
-                              <p:cond delay="0"/>
-                            </p:stCondLst>
-                            <p:childTnLst>
-                              <p:par>
-                                <p:cTn id="13" presetID="1" presetClass="entr" presetSubtype="0" fill="hold" nodeType="clickEffect">
-                                  <p:stCondLst>
-                                    <p:cond delay="0"/>
-                                  </p:stCondLst>
-                                  <p:childTnLst>
-                                    <p:set>
-                                      <p:cBhvr>
-                                        <p:cTn id="14" dur="1" fill="hold">
-                                          <p:stCondLst>
-                                            <p:cond delay="0"/>
-                                          </p:stCondLst>
-                                        </p:cTn>
-                                        <p:tgtEl>
-                                          <p:spTgt spid="3">
-                                            <p:txEl>
-                                              <p:pRg st="2" end="2"/>
-                                            </p:txEl>
-                                          </p:spTgt>
-                                        </p:tgtEl>
-                                        <p:attrNameLst>
-                                          <p:attrName>style.visibility</p:attrName>
-                                        </p:attrNameLst>
-                                      </p:cBhvr>
-                                      <p:to>
-                                        <p:strVal val="visible"/>
-                                      </p:to>
-                                    </p:set>
-                                  </p:childTnLst>
-                                </p:cTn>
-                              </p:par>
-                            </p:childTnLst>
-                          </p:cTn>
-                        </p:par>
-                      </p:childTnLst>
-                    </p:cTn>
-                  </p:par>
-                </p:childTnLst>
-              </p:cTn>
-              <p:prevCondLst>
-                <p:cond evt="onPrev" delay="0">
-                  <p:tgtEl>
-                    <p:sldTgt/>
-                  </p:tgtEl>
-                </p:cond>
-              </p:prevCondLst>
-              <p:nextCondLst>
-                <p:cond evt="onNext" delay="0">
-                  <p:tgtEl>
-                    <p:sldTgt/>
-                  </p:tgtEl>
-                </p:cond>
-              </p:nextCondLst>
-            </p:seq>
-          </p:childTnLst>
-        </p:cTn>
-      </p:par>
-    </p:tnLst>
-  </p:timing>
-</p:sld>
-</file>
-
-<file path=ppt/slides/slide5.xml><?xml version="1.0" encoding="utf-8"?>
-<p:sld xmlns:a="http://schemas.openxmlformats.org/drawingml/2006/main" xmlns:r="http://schemas.openxmlformats.org/officeDocument/2006/relationships" xmlns:p="http://schemas.openxmlformats.org/presentationml/2006/main">
-  <p:cSld>
-    <p:spTree>
-      <p:nvGrpSpPr>
-        <p:cNvPr id="1" name=""/>
-        <p:cNvGrpSpPr/>
-        <p:nvPr/>
-      </p:nvGrpSpPr>
-      <p:grpSpPr>
-        <a:xfrm>
-          <a:off x="0" y="0"/>
-          <a:ext cx="0" cy="0"/>
-          <a:chOff x="0" y="0"/>
-          <a:chExt cx="0" cy="0"/>
-        </a:xfrm>
-      </p:grpSpPr>
-      <p:pic>
-        <p:nvPicPr>
-          <p:cNvPr id="6" name="Picture 5">
-            <a:extLst>
-              <a:ext uri="{FF2B5EF4-FFF2-40B4-BE49-F238E27FC236}">
-                <a16:creationId xmlns:a16="http://schemas.microsoft.com/office/drawing/2014/main" id="{2C7109F4-8FEA-DEF6-0815-442ED0D460B2}"/>
-              </a:ext>
-            </a:extLst>
-          </p:cNvPr>
-          <p:cNvPicPr>
-            <a:picLocks noChangeAspect="1"/>
-          </p:cNvPicPr>
-          <p:nvPr/>
-        </p:nvPicPr>
-        <p:blipFill>
-          <a:blip r:embed="rId3">
-            <a:clrChange>
-              <a:clrFrom>
-                <a:srgbClr val="FFFFFF"/>
-              </a:clrFrom>
-              <a:clrTo>
-                <a:srgbClr val="FFFFFF">
-                  <a:alpha val="0"/>
-                </a:srgbClr>
-              </a:clrTo>
-            </a:clrChange>
-            <a:alphaModFix/>
-          </a:blip>
-          <a:stretch>
-            <a:fillRect/>
-          </a:stretch>
-        </p:blipFill>
-        <p:spPr>
-          <a:xfrm>
-            <a:off x="230605" y="671512"/>
-            <a:ext cx="8682790" cy="6186488"/>
-          </a:xfrm>
-          <a:prstGeom prst="rect">
-            <a:avLst/>
-          </a:prstGeom>
-          <a:noFill/>
-        </p:spPr>
-      </p:pic>
-      <p:sp>
-        <p:nvSpPr>
-          <p:cNvPr id="4" name="Slide Number Placeholder 3" hidden="1">
-            <a:extLst>
-              <a:ext uri="{FF2B5EF4-FFF2-40B4-BE49-F238E27FC236}">
-                <a16:creationId xmlns:a16="http://schemas.microsoft.com/office/drawing/2014/main" id="{F4384DD7-BB92-13C6-2704-6220CF54239A}"/>
-              </a:ext>
-            </a:extLst>
-          </p:cNvPr>
-          <p:cNvSpPr>
-            <a:spLocks noGrp="1"/>
-          </p:cNvSpPr>
-          <p:nvPr>
-            <p:ph type="sldNum" sz="quarter" idx="10"/>
-          </p:nvPr>
-        </p:nvSpPr>
-        <p:spPr/>
-        <p:txBody>
-          <a:bodyPr/>
-          <a:lstStyle/>
-          <a:p>
-            <a:pPr>
-              <a:spcAft>
-                <a:spcPts val="600"/>
-              </a:spcAft>
-              <a:defRPr/>
-            </a:pPr>
-            <a:fld id="{547F3CAF-32BF-49A6-93F1-59C9E4B7C957}" type="slidenum">
-              <a:rPr lang="en-US" altLang="en-US" smtClean="0"/>
-              <a:pPr>
-                <a:spcAft>
-                  <a:spcPts val="600"/>
-                </a:spcAft>
-                <a:defRPr/>
-              </a:pPr>
-              <a:t>5</a:t>
-            </a:fld>
-            <a:endParaRPr lang="en-US" altLang="en-US"/>
-          </a:p>
-        </p:txBody>
-      </p:sp>
-    </p:spTree>
-    <p:extLst>
-      <p:ext uri="{BB962C8B-B14F-4D97-AF65-F5344CB8AC3E}">
-        <p14:creationId xmlns:p14="http://schemas.microsoft.com/office/powerpoint/2010/main" val="1171800707"/>
-      </p:ext>
-    </p:extLst>
-  </p:cSld>
-  <p:clrMapOvr>
-    <a:masterClrMapping/>
-  </p:clrMapOvr>
-</p:sld>
-</file>
-
-<file path=ppt/slides/slide6.xml><?xml version="1.0" encoding="utf-8"?>
-<p:sld xmlns:a="http://schemas.openxmlformats.org/drawingml/2006/main" xmlns:r="http://schemas.openxmlformats.org/officeDocument/2006/relationships" xmlns:p="http://schemas.openxmlformats.org/presentationml/2006/main">
-  <p:cSld>
-    <p:spTree>
-      <p:nvGrpSpPr>
-        <p:cNvPr id="1" name="">
-          <a:extLst>
-            <a:ext uri="{FF2B5EF4-FFF2-40B4-BE49-F238E27FC236}">
-              <a16:creationId xmlns:a16="http://schemas.microsoft.com/office/drawing/2014/main" id="{18F98347-A3DF-2D78-C321-AA400194CDA0}"/>
-            </a:ext>
-          </a:extLst>
-        </p:cNvPr>
-        <p:cNvGrpSpPr/>
-        <p:nvPr/>
-      </p:nvGrpSpPr>
-      <p:grpSpPr>
-        <a:xfrm>
-          <a:off x="0" y="0"/>
-          <a:ext cx="0" cy="0"/>
-          <a:chOff x="0" y="0"/>
-          <a:chExt cx="0" cy="0"/>
-        </a:xfrm>
-      </p:grpSpPr>
-      <p:sp>
-        <p:nvSpPr>
-          <p:cNvPr id="2" name="Title 1">
-            <a:extLst>
-              <a:ext uri="{FF2B5EF4-FFF2-40B4-BE49-F238E27FC236}">
-                <a16:creationId xmlns:a16="http://schemas.microsoft.com/office/drawing/2014/main" id="{3CED0AA5-A87A-D216-138F-9380B0A3B57E}"/>
-              </a:ext>
-            </a:extLst>
-          </p:cNvPr>
-          <p:cNvSpPr>
-            <a:spLocks noGrp="1"/>
-          </p:cNvSpPr>
-          <p:nvPr>
-            <p:ph type="title"/>
-          </p:nvPr>
-        </p:nvSpPr>
-        <p:spPr/>
-        <p:txBody>
-          <a:bodyPr/>
-          <a:lstStyle/>
-          <a:p>
-            <a:pPr algn="ctr"/>
-            <a:r>
-              <a:rPr lang="en-US" sz="3600" dirty="0"/>
-              <a:t>Theta Join (⋈</a:t>
-            </a:r>
-            <a:r>
-              <a:rPr lang="en-US" altLang="zh-CN" sz="3600" baseline="-25000" dirty="0"/>
-              <a:t>θ</a:t>
-            </a:r>
-            <a:r>
-              <a:rPr lang="en-US" sz="3600" dirty="0"/>
-              <a:t>)</a:t>
-            </a:r>
-          </a:p>
-        </p:txBody>
-      </p:sp>
-      <p:sp>
-        <p:nvSpPr>
-          <p:cNvPr id="3" name="Content Placeholder 2">
-            <a:extLst>
-              <a:ext uri="{FF2B5EF4-FFF2-40B4-BE49-F238E27FC236}">
-                <a16:creationId xmlns:a16="http://schemas.microsoft.com/office/drawing/2014/main" id="{3A658CC2-4647-3E61-C7AE-33B2F01A82E3}"/>
-              </a:ext>
-            </a:extLst>
-          </p:cNvPr>
-          <p:cNvSpPr>
-            <a:spLocks noGrp="1"/>
-          </p:cNvSpPr>
-          <p:nvPr>
-            <p:ph idx="1"/>
-          </p:nvPr>
-        </p:nvSpPr>
-        <p:spPr/>
-        <p:txBody>
-          <a:bodyPr/>
-          <a:lstStyle/>
-          <a:p>
-            <a:r>
-              <a:rPr lang="en-US" sz="2400" dirty="0"/>
-              <a:t>Cartesian Product, but with extra predicate</a:t>
-            </a:r>
-          </a:p>
-          <a:p>
-            <a:pPr marL="0" indent="0">
-              <a:buNone/>
-            </a:pPr>
-            <a:endParaRPr lang="pt-BR" sz="2400" dirty="0"/>
-          </a:p>
-          <a:p>
-            <a:pPr marL="0" indent="0" algn="ctr">
-              <a:buNone/>
-            </a:pPr>
-            <a:r>
-              <a:rPr lang="pt-BR" sz="2400" dirty="0"/>
-              <a:t>r ⋈</a:t>
-            </a:r>
-            <a:r>
-              <a:rPr lang="pt-BR" sz="2400" baseline="-25000" dirty="0"/>
-              <a:t>θ</a:t>
-            </a:r>
-            <a:r>
-              <a:rPr lang="pt-BR" sz="2400" dirty="0"/>
-              <a:t> s = σ</a:t>
-            </a:r>
-            <a:r>
-              <a:rPr lang="pt-BR" sz="2400" baseline="-25000" dirty="0"/>
-              <a:t> θ</a:t>
-            </a:r>
-            <a:r>
-              <a:rPr lang="pt-BR" sz="2400" dirty="0"/>
-              <a:t>(r × s)</a:t>
-            </a:r>
-          </a:p>
-          <a:p>
-            <a:pPr marL="0" indent="0">
-              <a:buNone/>
-            </a:pPr>
-            <a:endParaRPr lang="en-US" sz="2400" dirty="0"/>
-          </a:p>
-          <a:p>
-            <a:pPr marL="0" indent="0" algn="ctr">
-              <a:buNone/>
-            </a:pPr>
-            <a:r>
-              <a:rPr lang="en-US" sz="2400" dirty="0"/>
-              <a:t>σ</a:t>
-            </a:r>
-            <a:r>
-              <a:rPr lang="en-US" sz="2400" baseline="-25000" dirty="0"/>
-              <a:t>instructor.ID=teaches.ID</a:t>
-            </a:r>
-            <a:r>
-              <a:rPr lang="en-US" sz="2400" dirty="0"/>
-              <a:t>(instructor × teaches)</a:t>
-            </a:r>
-          </a:p>
-          <a:p>
-            <a:pPr marL="0" indent="0" algn="ctr">
-              <a:buNone/>
-            </a:pPr>
-            <a:r>
-              <a:rPr lang="en-US" sz="2400" dirty="0"/>
-              <a:t>=</a:t>
-            </a:r>
-          </a:p>
-          <a:p>
-            <a:pPr marL="0" indent="0" algn="ctr">
-              <a:buNone/>
-            </a:pPr>
-            <a:r>
-              <a:rPr lang="en-US" sz="2400" dirty="0"/>
-              <a:t>instructor ⋈</a:t>
-            </a:r>
-            <a:r>
-              <a:rPr lang="en-US" sz="2400" baseline="-25000" dirty="0"/>
-              <a:t>instructor.ID=teaches.ID</a:t>
-            </a:r>
-            <a:r>
-              <a:rPr lang="en-US" sz="2400" dirty="0"/>
-              <a:t> teaches</a:t>
-            </a:r>
-          </a:p>
-        </p:txBody>
-      </p:sp>
-      <p:sp>
-        <p:nvSpPr>
-          <p:cNvPr id="4" name="Slide Number Placeholder 3">
-            <a:extLst>
-              <a:ext uri="{FF2B5EF4-FFF2-40B4-BE49-F238E27FC236}">
-                <a16:creationId xmlns:a16="http://schemas.microsoft.com/office/drawing/2014/main" id="{24575134-2B5F-4A4B-B825-E1F1618F051C}"/>
-              </a:ext>
-            </a:extLst>
-          </p:cNvPr>
-          <p:cNvSpPr>
-            <a:spLocks noGrp="1"/>
-          </p:cNvSpPr>
-          <p:nvPr>
-            <p:ph type="sldNum" sz="quarter" idx="10"/>
-          </p:nvPr>
-        </p:nvSpPr>
-        <p:spPr/>
-        <p:txBody>
-          <a:bodyPr/>
-          <a:lstStyle/>
-          <a:p>
-            <a:pPr>
-              <a:defRPr/>
-            </a:pPr>
-            <a:fld id="{547F3CAF-32BF-49A6-93F1-59C9E4B7C957}" type="slidenum">
-              <a:rPr lang="en-US" altLang="en-US" smtClean="0"/>
-              <a:pPr>
-                <a:defRPr/>
-              </a:pPr>
-              <a:t>6</a:t>
-            </a:fld>
-            <a:endParaRPr lang="en-US" altLang="en-US" dirty="0"/>
-          </a:p>
-        </p:txBody>
-      </p:sp>
-    </p:spTree>
-    <p:extLst>
-      <p:ext uri="{BB962C8B-B14F-4D97-AF65-F5344CB8AC3E}">
-        <p14:creationId xmlns:p14="http://schemas.microsoft.com/office/powerpoint/2010/main" val="2571093916"/>
-      </p:ext>
-    </p:extLst>
-  </p:cSld>
-  <p:clrMapOvr>
-    <a:masterClrMapping/>
-  </p:clrMapOvr>
-  <p:timing>
-    <p:tnLst>
-      <p:par>
-        <p:cTn id="1" dur="indefinite" restart="never" nodeType="tmRoot">
-          <p:childTnLst>
-            <p:seq concurrent="1" nextAc="seek">
-              <p:cTn id="2" dur="indefinite" nodeType="mainSeq">
-                <p:childTnLst>
-                  <p:par>
-                    <p:cTn id="3" fill="hold">
-                      <p:stCondLst>
-                        <p:cond delay="indefinite"/>
-                      </p:stCondLst>
-                      <p:childTnLst>
-                        <p:par>
-                          <p:cTn id="4" fill="hold">
-                            <p:stCondLst>
-                              <p:cond delay="0"/>
-                            </p:stCondLst>
-                            <p:childTnLst>
-                              <p:par>
-                                <p:cTn id="5" presetID="1" presetClass="entr" presetSubtype="0" fill="hold" grpId="0" nodeType="clickEffect">
-                                  <p:stCondLst>
-                                    <p:cond delay="0"/>
-                                  </p:stCondLst>
-                                  <p:childTnLst>
-                                    <p:set>
-                                      <p:cBhvr>
-                                        <p:cTn id="6" dur="1" fill="hold">
-                                          <p:stCondLst>
-                                            <p:cond delay="0"/>
-                                          </p:stCondLst>
-                                        </p:cTn>
-                                        <p:tgtEl>
-                                          <p:spTgt spid="3">
-                                            <p:txEl>
-                                              <p:pRg st="0" end="0"/>
-                                            </p:txEl>
-                                          </p:spTgt>
-                                        </p:tgtEl>
-                                        <p:attrNameLst>
-                                          <p:attrName>style.visibility</p:attrName>
-                                        </p:attrNameLst>
-                                      </p:cBhvr>
-                                      <p:to>
-                                        <p:strVal val="visible"/>
-                                      </p:to>
-                                    </p:set>
-                                  </p:childTnLst>
-                                </p:cTn>
-                              </p:par>
-                            </p:childTnLst>
-                          </p:cTn>
-                        </p:par>
-                      </p:childTnLst>
-                    </p:cTn>
-                  </p:par>
-                  <p:par>
-                    <p:cTn id="7" fill="hold">
-                      <p:stCondLst>
-                        <p:cond delay="indefinite"/>
-                      </p:stCondLst>
-                      <p:childTnLst>
-                        <p:par>
-                          <p:cTn id="8" fill="hold">
-                            <p:stCondLst>
-                              <p:cond delay="0"/>
-                            </p:stCondLst>
-                            <p:childTnLst>
-                              <p:par>
-                                <p:cTn id="9" presetID="1" presetClass="entr" presetSubtype="0" fill="hold" grpId="0" nodeType="clickEffect">
-                                  <p:stCondLst>
-                                    <p:cond delay="0"/>
-                                  </p:stCondLst>
-                                  <p:childTnLst>
-                                    <p:set>
-                                      <p:cBhvr>
-                                        <p:cTn id="10" dur="1" fill="hold">
-                                          <p:stCondLst>
-                                            <p:cond delay="0"/>
-                                          </p:stCondLst>
-                                        </p:cTn>
-                                        <p:tgtEl>
-                                          <p:spTgt spid="3">
-                                            <p:txEl>
-                                              <p:pRg st="2" end="2"/>
-                                            </p:txEl>
-                                          </p:spTgt>
-                                        </p:tgtEl>
-                                        <p:attrNameLst>
-                                          <p:attrName>style.visibility</p:attrName>
-                                        </p:attrNameLst>
-                                      </p:cBhvr>
-                                      <p:to>
-                                        <p:strVal val="visible"/>
-                                      </p:to>
-                                    </p:set>
-                                  </p:childTnLst>
-                                </p:cTn>
-                              </p:par>
-                            </p:childTnLst>
-                          </p:cTn>
-                        </p:par>
-                      </p:childTnLst>
-                    </p:cTn>
-                  </p:par>
-                  <p:par>
-                    <p:cTn id="11" fill="hold">
-                      <p:stCondLst>
-                        <p:cond delay="indefinite"/>
-                      </p:stCondLst>
-                      <p:childTnLst>
-                        <p:par>
-                          <p:cTn id="12" fill="hold">
-                            <p:stCondLst>
-                              <p:cond delay="0"/>
-                            </p:stCondLst>
-                            <p:childTnLst>
-                              <p:par>
-                                <p:cTn id="13" presetID="1" presetClass="entr" presetSubtype="0" fill="hold" grpId="0" nodeType="clickEffect">
-                                  <p:stCondLst>
-                                    <p:cond delay="0"/>
-                                  </p:stCondLst>
-                                  <p:childTnLst>
-                                    <p:set>
-                                      <p:cBhvr>
-                                        <p:cTn id="14" dur="1" fill="hold">
-                                          <p:stCondLst>
-                                            <p:cond delay="0"/>
-                                          </p:stCondLst>
-                                        </p:cTn>
-                                        <p:tgtEl>
-                                          <p:spTgt spid="3">
-                                            <p:txEl>
-                                              <p:pRg st="4" end="4"/>
-                                            </p:txEl>
-                                          </p:spTgt>
-                                        </p:tgtEl>
-                                        <p:attrNameLst>
-                                          <p:attrName>style.visibility</p:attrName>
-                                        </p:attrNameLst>
-                                      </p:cBhvr>
-                                      <p:to>
-                                        <p:strVal val="visible"/>
-                                      </p:to>
-                                    </p:set>
-                                  </p:childTnLst>
-                                </p:cTn>
-                              </p:par>
-                            </p:childTnLst>
-                          </p:cTn>
-                        </p:par>
-                      </p:childTnLst>
-                    </p:cTn>
-                  </p:par>
-                  <p:par>
-                    <p:cTn id="15" fill="hold">
-                      <p:stCondLst>
-                        <p:cond delay="indefinite"/>
-                      </p:stCondLst>
-                      <p:childTnLst>
-                        <p:par>
-                          <p:cTn id="16" fill="hold">
-                            <p:stCondLst>
-                              <p:cond delay="0"/>
-                            </p:stCondLst>
-                            <p:childTnLst>
-                              <p:par>
-                                <p:cTn id="17" presetID="1" presetClass="entr" presetSubtype="0" fill="hold" grpId="0" nodeType="clickEffect">
-                                  <p:stCondLst>
-                                    <p:cond delay="0"/>
-                                  </p:stCondLst>
-                                  <p:childTnLst>
-                                    <p:set>
-                                      <p:cBhvr>
-                                        <p:cTn id="18" dur="1" fill="hold">
-                                          <p:stCondLst>
-                                            <p:cond delay="0"/>
-                                          </p:stCondLst>
-                                        </p:cTn>
-                                        <p:tgtEl>
-                                          <p:spTgt spid="3">
-                                            <p:txEl>
-                                              <p:pRg st="5" end="5"/>
-                                            </p:txEl>
-                                          </p:spTgt>
-                                        </p:tgtEl>
-                                        <p:attrNameLst>
-                                          <p:attrName>style.visibility</p:attrName>
-                                        </p:attrNameLst>
-                                      </p:cBhvr>
-                                      <p:to>
-                                        <p:strVal val="visible"/>
-                                      </p:to>
-                                    </p:set>
-                                  </p:childTnLst>
-                                </p:cTn>
-                              </p:par>
-                            </p:childTnLst>
-                          </p:cTn>
-                        </p:par>
-                      </p:childTnLst>
-                    </p:cTn>
-                  </p:par>
-                  <p:par>
-                    <p:cTn id="19" fill="hold">
-                      <p:stCondLst>
-                        <p:cond delay="indefinite"/>
-                      </p:stCondLst>
-                      <p:childTnLst>
-                        <p:par>
-                          <p:cTn id="20" fill="hold">
-                            <p:stCondLst>
-                              <p:cond delay="0"/>
-                            </p:stCondLst>
-                            <p:childTnLst>
-                              <p:par>
-                                <p:cTn id="21" presetID="1" presetClass="entr" presetSubtype="0" fill="hold" grpId="0" nodeType="clickEffect">
-                                  <p:stCondLst>
-                                    <p:cond delay="0"/>
-                                  </p:stCondLst>
-                                  <p:childTnLst>
-                                    <p:set>
-                                      <p:cBhvr>
-                                        <p:cTn id="22" dur="1" fill="hold">
-                                          <p:stCondLst>
-                                            <p:cond delay="0"/>
-                                          </p:stCondLst>
-                                        </p:cTn>
-                                        <p:tgtEl>
-                                          <p:spTgt spid="3">
-                                            <p:txEl>
-                                              <p:pRg st="6" end="6"/>
-                                            </p:txEl>
-                                          </p:spTgt>
-                                        </p:tgtEl>
-                                        <p:attrNameLst>
-                                          <p:attrName>style.visibility</p:attrName>
-                                        </p:attrNameLst>
-                                      </p:cBhvr>
-                                      <p:to>
-                                        <p:strVal val="visible"/>
-                                      </p:to>
-                                    </p:set>
-                                  </p:childTnLst>
-                                </p:cTn>
-                              </p:par>
-                            </p:childTnLst>
-                          </p:cTn>
-                        </p:par>
-                      </p:childTnLst>
-                    </p:cTn>
-                  </p:par>
-                </p:childTnLst>
-              </p:cTn>
-              <p:prevCondLst>
-                <p:cond evt="onPrev" delay="0">
-                  <p:tgtEl>
-                    <p:sldTgt/>
-                  </p:tgtEl>
-                </p:cond>
-              </p:prevCondLst>
-              <p:nextCondLst>
-                <p:cond evt="onNext" delay="0">
-                  <p:tgtEl>
-                    <p:sldTgt/>
-                  </p:tgtEl>
-                </p:cond>
-              </p:nextCondLst>
-            </p:seq>
-          </p:childTnLst>
-        </p:cTn>
-      </p:par>
-    </p:tnLst>
-    <p:bldLst>
-      <p:bldP spid="3" grpId="0" build="p"/>
-    </p:bldLst>
-  </p:timing>
-</p:sld>
-</file>
-
-<file path=ppt/slides/slide7.xml><?xml version="1.0" encoding="utf-8"?>
-<p:sld xmlns:a="http://schemas.openxmlformats.org/drawingml/2006/main" xmlns:r="http://schemas.openxmlformats.org/officeDocument/2006/relationships" xmlns:p="http://schemas.openxmlformats.org/presentationml/2006/main">
-  <p:cSld>
-    <p:spTree>
-      <p:nvGrpSpPr>
-        <p:cNvPr id="1" name="">
-          <a:extLst>
-            <a:ext uri="{FF2B5EF4-FFF2-40B4-BE49-F238E27FC236}">
-              <a16:creationId xmlns:a16="http://schemas.microsoft.com/office/drawing/2014/main" id="{5D50B4CB-6D37-7A63-6E02-EBABADB5228D}"/>
-            </a:ext>
-          </a:extLst>
-        </p:cNvPr>
-        <p:cNvGrpSpPr/>
-        <p:nvPr/>
-      </p:nvGrpSpPr>
-      <p:grpSpPr>
-        <a:xfrm>
-          <a:off x="0" y="0"/>
-          <a:ext cx="0" cy="0"/>
-          <a:chOff x="0" y="0"/>
-          <a:chExt cx="0" cy="0"/>
-        </a:xfrm>
-      </p:grpSpPr>
-      <p:sp>
-        <p:nvSpPr>
-          <p:cNvPr id="2" name="Title 1">
-            <a:extLst>
-              <a:ext uri="{FF2B5EF4-FFF2-40B4-BE49-F238E27FC236}">
-                <a16:creationId xmlns:a16="http://schemas.microsoft.com/office/drawing/2014/main" id="{389CEF83-ECB3-4F83-2E81-64831FFF74ED}"/>
-              </a:ext>
-            </a:extLst>
-          </p:cNvPr>
-          <p:cNvSpPr>
-            <a:spLocks noGrp="1"/>
-          </p:cNvSpPr>
-          <p:nvPr>
-            <p:ph type="title"/>
-          </p:nvPr>
-        </p:nvSpPr>
-        <p:spPr/>
-        <p:txBody>
-          <a:bodyPr/>
-          <a:lstStyle/>
-          <a:p>
-            <a:pPr algn="ctr"/>
-            <a:r>
-              <a:rPr lang="en-US" sz="3600" dirty="0"/>
-              <a:t>Natural Join (⋈)</a:t>
-            </a:r>
-          </a:p>
-        </p:txBody>
-      </p:sp>
-      <p:sp>
-        <p:nvSpPr>
-          <p:cNvPr id="3" name="Content Placeholder 2">
-            <a:extLst>
-              <a:ext uri="{FF2B5EF4-FFF2-40B4-BE49-F238E27FC236}">
-                <a16:creationId xmlns:a16="http://schemas.microsoft.com/office/drawing/2014/main" id="{564BAA4E-20FA-50D4-3259-17BF1BAEF7CA}"/>
-              </a:ext>
-            </a:extLst>
-          </p:cNvPr>
-          <p:cNvSpPr>
-            <a:spLocks noGrp="1"/>
-          </p:cNvSpPr>
-          <p:nvPr>
-            <p:ph idx="1"/>
-          </p:nvPr>
-        </p:nvSpPr>
-        <p:spPr/>
-        <p:txBody>
-          <a:bodyPr/>
-          <a:lstStyle/>
-          <a:p>
-            <a:r>
-              <a:rPr lang="en-US" altLang="zh-CN" sz="2400" dirty="0"/>
-              <a:t>Cartesian Product, but </a:t>
-            </a:r>
-            <a:r>
-              <a:rPr lang="en-US" sz="2400" dirty="0"/>
-              <a:t>automatically uses = for each column with the same name</a:t>
-            </a:r>
-          </a:p>
-          <a:p>
-            <a:pPr marL="0" indent="0">
-              <a:buNone/>
-            </a:pPr>
-            <a:endParaRPr lang="en-US" altLang="zh-CN" sz="2400" dirty="0"/>
-          </a:p>
-          <a:p>
-            <a:endParaRPr lang="en-US" dirty="0"/>
-          </a:p>
-          <a:p>
-            <a:pPr marL="0" indent="0" algn="ctr">
-              <a:buNone/>
-            </a:pPr>
-            <a:r>
-              <a:rPr lang="en-US" sz="2400" dirty="0"/>
-              <a:t>instructor ⋈ teaches </a:t>
-            </a:r>
-          </a:p>
-          <a:p>
-            <a:pPr marL="0" indent="0" algn="ctr">
-              <a:buNone/>
-            </a:pPr>
-            <a:r>
-              <a:rPr lang="en-US" sz="2400" dirty="0"/>
-              <a:t>=</a:t>
-            </a:r>
-          </a:p>
-          <a:p>
-            <a:pPr marL="0" indent="0" algn="ctr">
-              <a:buNone/>
-            </a:pPr>
-            <a:r>
-              <a:rPr lang="en-US" sz="2200" dirty="0"/>
-              <a:t>σ</a:t>
-            </a:r>
-            <a:r>
-              <a:rPr lang="en-US" sz="2200" baseline="-25000" dirty="0"/>
-              <a:t>building=303 ∧ year=2024 </a:t>
-            </a:r>
-            <a:r>
-              <a:rPr lang="en-US" sz="2200" dirty="0"/>
-              <a:t>(instructor × teaches × department)</a:t>
-            </a:r>
-            <a:endParaRPr lang="en-US" altLang="zh-CN" sz="2200" dirty="0"/>
-          </a:p>
-        </p:txBody>
-      </p:sp>
-      <p:sp>
-        <p:nvSpPr>
-          <p:cNvPr id="4" name="Slide Number Placeholder 3">
-            <a:extLst>
-              <a:ext uri="{FF2B5EF4-FFF2-40B4-BE49-F238E27FC236}">
-                <a16:creationId xmlns:a16="http://schemas.microsoft.com/office/drawing/2014/main" id="{EC0F754E-6C3B-20E0-97CD-A720FCFA9D1F}"/>
-              </a:ext>
-            </a:extLst>
-          </p:cNvPr>
-          <p:cNvSpPr>
-            <a:spLocks noGrp="1"/>
-          </p:cNvSpPr>
-          <p:nvPr>
-            <p:ph type="sldNum" sz="quarter" idx="10"/>
-          </p:nvPr>
-        </p:nvSpPr>
-        <p:spPr/>
-        <p:txBody>
-          <a:bodyPr/>
-          <a:lstStyle/>
-          <a:p>
-            <a:pPr>
-              <a:defRPr/>
-            </a:pPr>
-            <a:fld id="{547F3CAF-32BF-49A6-93F1-59C9E4B7C957}" type="slidenum">
-              <a:rPr lang="en-US" altLang="en-US" smtClean="0"/>
-              <a:pPr>
-                <a:defRPr/>
-              </a:pPr>
-              <a:t>7</a:t>
-            </a:fld>
-            <a:endParaRPr lang="en-US" altLang="en-US" dirty="0"/>
-          </a:p>
-        </p:txBody>
-      </p:sp>
-    </p:spTree>
-    <p:extLst>
-      <p:ext uri="{BB962C8B-B14F-4D97-AF65-F5344CB8AC3E}">
-        <p14:creationId xmlns:p14="http://schemas.microsoft.com/office/powerpoint/2010/main" val="481256629"/>
-      </p:ext>
-    </p:extLst>
-  </p:cSld>
-  <p:clrMapOvr>
-    <a:masterClrMapping/>
-  </p:clrMapOvr>
-  <p:timing>
-    <p:tnLst>
-      <p:par>
-        <p:cTn id="1" dur="indefinite" restart="never" nodeType="tmRoot">
-          <p:childTnLst>
-            <p:seq concurrent="1" nextAc="seek">
-              <p:cTn id="2" dur="indefinite" nodeType="mainSeq">
-                <p:childTnLst>
-                  <p:par>
-                    <p:cTn id="3" fill="hold">
-                      <p:stCondLst>
-                        <p:cond delay="indefinite"/>
-                      </p:stCondLst>
-                      <p:childTnLst>
-                        <p:par>
-                          <p:cTn id="4" fill="hold">
-                            <p:stCondLst>
-                              <p:cond delay="0"/>
-                            </p:stCondLst>
-                            <p:childTnLst>
-                              <p:par>
-                                <p:cTn id="5" presetID="1" presetClass="entr" presetSubtype="0" fill="hold" grpId="0" nodeType="clickEffect">
-                                  <p:stCondLst>
-                                    <p:cond delay="0"/>
-                                  </p:stCondLst>
-                                  <p:childTnLst>
-                                    <p:set>
-                                      <p:cBhvr>
-                                        <p:cTn id="6" dur="1" fill="hold">
-                                          <p:stCondLst>
-                                            <p:cond delay="0"/>
-                                          </p:stCondLst>
-                                        </p:cTn>
-                                        <p:tgtEl>
-                                          <p:spTgt spid="3">
-                                            <p:txEl>
-                                              <p:pRg st="0" end="0"/>
-                                            </p:txEl>
-                                          </p:spTgt>
-                                        </p:tgtEl>
-                                        <p:attrNameLst>
-                                          <p:attrName>style.visibility</p:attrName>
-                                        </p:attrNameLst>
-                                      </p:cBhvr>
-                                      <p:to>
-                                        <p:strVal val="visible"/>
-                                      </p:to>
-                                    </p:set>
-                                  </p:childTnLst>
-                                </p:cTn>
-                              </p:par>
-                            </p:childTnLst>
-                          </p:cTn>
-                        </p:par>
-                      </p:childTnLst>
-                    </p:cTn>
-                  </p:par>
-                  <p:par>
-                    <p:cTn id="7" fill="hold">
-                      <p:stCondLst>
-                        <p:cond delay="indefinite"/>
-                      </p:stCondLst>
-                      <p:childTnLst>
-                        <p:par>
-                          <p:cTn id="8" fill="hold">
-                            <p:stCondLst>
-                              <p:cond delay="0"/>
-                            </p:stCondLst>
-                            <p:childTnLst>
-                              <p:par>
-                                <p:cTn id="9" presetID="1" presetClass="entr" presetSubtype="0" fill="hold" grpId="0" nodeType="clickEffect">
-                                  <p:stCondLst>
-                                    <p:cond delay="0"/>
-                                  </p:stCondLst>
-                                  <p:childTnLst>
-                                    <p:set>
-                                      <p:cBhvr>
-                                        <p:cTn id="10" dur="1" fill="hold">
-                                          <p:stCondLst>
-                                            <p:cond delay="0"/>
-                                          </p:stCondLst>
-                                        </p:cTn>
-                                        <p:tgtEl>
-                                          <p:spTgt spid="3">
-                                            <p:txEl>
-                                              <p:pRg st="3" end="3"/>
-                                            </p:txEl>
-                                          </p:spTgt>
-                                        </p:tgtEl>
-                                        <p:attrNameLst>
-                                          <p:attrName>style.visibility</p:attrName>
-                                        </p:attrNameLst>
-                                      </p:cBhvr>
-                                      <p:to>
-                                        <p:strVal val="visible"/>
-                                      </p:to>
-                                    </p:set>
-                                  </p:childTnLst>
-                                </p:cTn>
-                              </p:par>
-                            </p:childTnLst>
-                          </p:cTn>
-                        </p:par>
-                      </p:childTnLst>
-                    </p:cTn>
-                  </p:par>
-                  <p:par>
-                    <p:cTn id="11" fill="hold">
-                      <p:stCondLst>
-                        <p:cond delay="indefinite"/>
-                      </p:stCondLst>
-                      <p:childTnLst>
-                        <p:par>
-                          <p:cTn id="12" fill="hold">
-                            <p:stCondLst>
-                              <p:cond delay="0"/>
-                            </p:stCondLst>
-                            <p:childTnLst>
-                              <p:par>
-                                <p:cTn id="13" presetID="1" presetClass="entr" presetSubtype="0" fill="hold" grpId="0" nodeType="clickEffect">
-                                  <p:stCondLst>
-                                    <p:cond delay="0"/>
-                                  </p:stCondLst>
-                                  <p:childTnLst>
-                                    <p:set>
-                                      <p:cBhvr>
-                                        <p:cTn id="14" dur="1" fill="hold">
-                                          <p:stCondLst>
-                                            <p:cond delay="0"/>
-                                          </p:stCondLst>
-                                        </p:cTn>
-                                        <p:tgtEl>
-                                          <p:spTgt spid="3">
-                                            <p:txEl>
-                                              <p:pRg st="4" end="4"/>
-                                            </p:txEl>
-                                          </p:spTgt>
-                                        </p:tgtEl>
-                                        <p:attrNameLst>
-                                          <p:attrName>style.visibility</p:attrName>
-                                        </p:attrNameLst>
-                                      </p:cBhvr>
-                                      <p:to>
-                                        <p:strVal val="visible"/>
-                                      </p:to>
-                                    </p:set>
-                                  </p:childTnLst>
-                                </p:cTn>
-                              </p:par>
-                            </p:childTnLst>
-                          </p:cTn>
-                        </p:par>
-                      </p:childTnLst>
-                    </p:cTn>
-                  </p:par>
-                  <p:par>
-                    <p:cTn id="15" fill="hold">
-                      <p:stCondLst>
-                        <p:cond delay="indefinite"/>
-                      </p:stCondLst>
-                      <p:childTnLst>
-                        <p:par>
-                          <p:cTn id="16" fill="hold">
-                            <p:stCondLst>
-                              <p:cond delay="0"/>
-                            </p:stCondLst>
-                            <p:childTnLst>
-                              <p:par>
-                                <p:cTn id="17" presetID="1" presetClass="entr" presetSubtype="0" fill="hold" grpId="0" nodeType="clickEffect">
-                                  <p:stCondLst>
-                                    <p:cond delay="0"/>
-                                  </p:stCondLst>
-                                  <p:childTnLst>
-                                    <p:set>
-                                      <p:cBhvr>
-                                        <p:cTn id="18" dur="1" fill="hold">
-                                          <p:stCondLst>
-                                            <p:cond delay="0"/>
-                                          </p:stCondLst>
-                                        </p:cTn>
-                                        <p:tgtEl>
-                                          <p:spTgt spid="3">
-                                            <p:txEl>
-                                              <p:pRg st="5" end="5"/>
-                                            </p:txEl>
-                                          </p:spTgt>
-                                        </p:tgtEl>
-                                        <p:attrNameLst>
-                                          <p:attrName>style.visibility</p:attrName>
-                                        </p:attrNameLst>
-                                      </p:cBhvr>
-                                      <p:to>
-                                        <p:strVal val="visible"/>
-                                      </p:to>
-                                    </p:set>
-                                  </p:childTnLst>
-                                </p:cTn>
-                              </p:par>
-                            </p:childTnLst>
-                          </p:cTn>
-                        </p:par>
-                      </p:childTnLst>
-                    </p:cTn>
-                  </p:par>
-                </p:childTnLst>
-              </p:cTn>
-              <p:prevCondLst>
-                <p:cond evt="onPrev" delay="0">
-                  <p:tgtEl>
-                    <p:sldTgt/>
-                  </p:tgtEl>
-                </p:cond>
-              </p:prevCondLst>
-              <p:nextCondLst>
-                <p:cond evt="onNext" delay="0">
-                  <p:tgtEl>
-                    <p:sldTgt/>
-                  </p:tgtEl>
-                </p:cond>
-              </p:nextCondLst>
-            </p:seq>
-          </p:childTnLst>
-        </p:cTn>
-      </p:par>
-    </p:tnLst>
-    <p:bldLst>
-      <p:bldP spid="3" grpId="0" build="p"/>
-    </p:bldLst>
-  </p:timing>
-</p:sld>
-</file>
-
-<file path=ppt/slides/slide8.xml><?xml version="1.0" encoding="utf-8"?>
-<p:sld xmlns:a="http://schemas.openxmlformats.org/drawingml/2006/main" xmlns:r="http://schemas.openxmlformats.org/officeDocument/2006/relationships" xmlns:p="http://schemas.openxmlformats.org/presentationml/2006/main">
-  <p:cSld>
-    <p:spTree>
-      <p:nvGrpSpPr>
         <p:cNvPr id="1" name="">
           <a:extLst>
             <a:ext uri="{FF2B5EF4-FFF2-40B4-BE49-F238E27FC236}">
@@ -11457,8 +7071,8 @@
           <a:p>
             <a:pPr algn="ctr"/>
             <a:r>
-              <a:rPr lang="en-US" altLang="zh-CN" sz="3600" dirty="0"/>
-              <a:t>Key differences</a:t>
+              <a:rPr lang="en-US" altLang="zh-CN" sz="3600"/>
+              <a:t>Differences between Joins</a:t>
             </a:r>
             <a:endParaRPr lang="en-US" sz="3600" dirty="0"/>
           </a:p>
@@ -11493,7 +7107,7 @@
               <a:pPr>
                 <a:defRPr/>
               </a:pPr>
-              <a:t>8</a:t>
+              <a:t>3</a:t>
             </a:fld>
             <a:endParaRPr lang="en-US" altLang="en-US" dirty="0"/>
           </a:p>
@@ -11514,14 +7128,14 @@
           <p:nvPr>
             <p:extLst>
               <p:ext uri="{D42A27DB-BD31-4B8C-83A1-F6EECF244321}">
-                <p14:modId xmlns:p14="http://schemas.microsoft.com/office/powerpoint/2010/main" val="1244406125"/>
+                <p14:modId xmlns:p14="http://schemas.microsoft.com/office/powerpoint/2010/main" val="3212297169"/>
               </p:ext>
             </p:extLst>
           </p:nvPr>
         </p:nvGraphicFramePr>
         <p:xfrm>
           <a:off x="837597" y="1867590"/>
-          <a:ext cx="7727520" cy="4903787"/>
+          <a:ext cx="7727520" cy="2286000"/>
         </p:xfrm>
         <a:graphic>
           <a:graphicData uri="http://schemas.openxmlformats.org/drawingml/2006/table">
@@ -11559,7 +7173,7 @@
                   </a:extLst>
                 </a:gridCol>
               </a:tblGrid>
-              <a:tr h="1790948">
+              <a:tr h="0">
                 <a:tc>
                   <a:txBody>
                     <a:bodyPr/>
@@ -11666,7 +7280,7 @@
                   </a:ext>
                 </a:extLst>
               </a:tr>
-              <a:tr h="1037613">
+              <a:tr h="0">
                 <a:tc>
                   <a:txBody>
                     <a:bodyPr/>
@@ -11726,7 +7340,7 @@
                   </a:ext>
                 </a:extLst>
               </a:tr>
-              <a:tr h="1037613">
+              <a:tr h="0">
                 <a:tc>
                   <a:txBody>
                     <a:bodyPr/>
@@ -11785,7 +7399,7 @@
                   </a:ext>
                 </a:extLst>
               </a:tr>
-              <a:tr h="1037613">
+              <a:tr h="0">
                 <a:tc>
                   <a:txBody>
                     <a:bodyPr/>
@@ -11874,7 +7488,7 @@
 </p:sld>
 </file>
 
-<file path=ppt/slides/slide9.xml><?xml version="1.0" encoding="utf-8"?>
+<file path=ppt/slides/slide4.xml><?xml version="1.0" encoding="utf-8"?>
 <p:sld xmlns:a="http://schemas.openxmlformats.org/drawingml/2006/main" xmlns:r="http://schemas.openxmlformats.org/officeDocument/2006/relationships" xmlns:p="http://schemas.openxmlformats.org/presentationml/2006/main">
   <p:cSld>
     <p:spTree>
@@ -12207,7 +7821,15 @@
             </a:r>
           </a:p>
           <a:p>
-            <a:pPr algn="l"/>
+            <a:pPr marL="0" indent="0" algn="l">
+              <a:buNone/>
+            </a:pPr>
+            <a:r>
+              <a:rPr lang="en-US" sz="1800" dirty="0">
+                <a:latin typeface="+mj-lt"/>
+              </a:rPr>
+              <a:t>1.1 </a:t>
+            </a:r>
             <a:r>
               <a:rPr lang="en-US" sz="1800" b="0" i="0" u="none" strike="noStrike" baseline="0" dirty="0">
                 <a:latin typeface="+mj-lt"/>
@@ -12216,12 +7838,14 @@
             </a:r>
           </a:p>
           <a:p>
-            <a:pPr algn="l"/>
+            <a:pPr marL="0" indent="0" algn="l">
+              <a:buNone/>
+            </a:pPr>
             <a:r>
               <a:rPr lang="en-US" sz="1800" b="0" i="0" u="none" strike="noStrike" baseline="0" dirty="0">
                 <a:latin typeface="+mj-lt"/>
               </a:rPr>
-              <a:t>Given your choice of primary keys, identify appropriate foreign keys.</a:t>
+              <a:t>1.2 Given your choice of primary keys, identify appropriate foreign keys.</a:t>
             </a:r>
             <a:endParaRPr lang="en-US" sz="2400" dirty="0">
               <a:latin typeface="+mj-lt"/>
@@ -12258,7 +7882,7 @@
               <a:pPr>
                 <a:defRPr/>
               </a:pPr>
-              <a:t>9</a:t>
+              <a:t>4</a:t>
             </a:fld>
             <a:endParaRPr lang="en-US" altLang="en-US" dirty="0"/>
           </a:p>
@@ -12268,6 +7892,2002 @@
     <p:extLst>
       <p:ext uri="{BB962C8B-B14F-4D97-AF65-F5344CB8AC3E}">
         <p14:creationId xmlns:p14="http://schemas.microsoft.com/office/powerpoint/2010/main" val="1832417679"/>
+      </p:ext>
+    </p:extLst>
+  </p:cSld>
+  <p:clrMapOvr>
+    <a:masterClrMapping/>
+  </p:clrMapOvr>
+</p:sld>
+</file>
+
+<file path=ppt/slides/slide5.xml><?xml version="1.0" encoding="utf-8"?>
+<p:sld xmlns:a="http://schemas.openxmlformats.org/drawingml/2006/main" xmlns:r="http://schemas.openxmlformats.org/officeDocument/2006/relationships" xmlns:p="http://schemas.openxmlformats.org/presentationml/2006/main">
+  <p:cSld>
+    <p:spTree>
+      <p:nvGrpSpPr>
+        <p:cNvPr id="1" name="">
+          <a:extLst>
+            <a:ext uri="{FF2B5EF4-FFF2-40B4-BE49-F238E27FC236}">
+              <a16:creationId xmlns:a16="http://schemas.microsoft.com/office/drawing/2014/main" id="{5EAAAB49-468B-D70A-17B9-AD2DFDD87827}"/>
+            </a:ext>
+          </a:extLst>
+        </p:cNvPr>
+        <p:cNvGrpSpPr/>
+        <p:nvPr/>
+      </p:nvGrpSpPr>
+      <p:grpSpPr>
+        <a:xfrm>
+          <a:off x="0" y="0"/>
+          <a:ext cx="0" cy="0"/>
+          <a:chOff x="0" y="0"/>
+          <a:chExt cx="0" cy="0"/>
+        </a:xfrm>
+      </p:grpSpPr>
+      <p:sp>
+        <p:nvSpPr>
+          <p:cNvPr id="2" name="Title 1">
+            <a:extLst>
+              <a:ext uri="{FF2B5EF4-FFF2-40B4-BE49-F238E27FC236}">
+                <a16:creationId xmlns:a16="http://schemas.microsoft.com/office/drawing/2014/main" id="{5C6B5C67-834D-C9A7-90DE-649039F909B2}"/>
+              </a:ext>
+            </a:extLst>
+          </p:cNvPr>
+          <p:cNvSpPr>
+            <a:spLocks noGrp="1"/>
+          </p:cNvSpPr>
+          <p:nvPr>
+            <p:ph type="title"/>
+          </p:nvPr>
+        </p:nvSpPr>
+        <p:spPr/>
+        <p:txBody>
+          <a:bodyPr/>
+          <a:lstStyle/>
+          <a:p>
+            <a:pPr algn="ctr"/>
+            <a:r>
+              <a:rPr lang="en-NZ" sz="3600" dirty="0"/>
+              <a:t>Exercises</a:t>
+            </a:r>
+            <a:endParaRPr lang="en-US" sz="3600" dirty="0"/>
+          </a:p>
+        </p:txBody>
+      </p:sp>
+      <p:sp>
+        <p:nvSpPr>
+          <p:cNvPr id="3" name="Content Placeholder 2">
+            <a:extLst>
+              <a:ext uri="{FF2B5EF4-FFF2-40B4-BE49-F238E27FC236}">
+                <a16:creationId xmlns:a16="http://schemas.microsoft.com/office/drawing/2014/main" id="{3D3AAD9D-DE7B-D97E-E3D2-72E55A5A9F04}"/>
+              </a:ext>
+            </a:extLst>
+          </p:cNvPr>
+          <p:cNvSpPr>
+            <a:spLocks noGrp="1"/>
+          </p:cNvSpPr>
+          <p:nvPr>
+            <p:ph idx="1"/>
+          </p:nvPr>
+        </p:nvSpPr>
+        <p:spPr>
+          <a:xfrm>
+            <a:off x="837597" y="1881446"/>
+            <a:ext cx="7727518" cy="4903787"/>
+          </a:xfrm>
+        </p:spPr>
+        <p:txBody>
+          <a:bodyPr/>
+          <a:lstStyle/>
+          <a:p>
+            <a:pPr algn="l"/>
+            <a:r>
+              <a:rPr lang="en-US" sz="1800" b="0" i="1" u="none" strike="noStrike" baseline="0" dirty="0">
+                <a:latin typeface="+mj-lt"/>
+              </a:rPr>
+              <a:t>branch</a:t>
+            </a:r>
+            <a:r>
+              <a:rPr lang="en-US" sz="1800" b="0" i="0" u="none" strike="noStrike" baseline="0" dirty="0">
+                <a:latin typeface="+mj-lt"/>
+              </a:rPr>
+              <a:t>(</a:t>
+            </a:r>
+            <a:r>
+              <a:rPr lang="en-US" sz="1800" b="0" i="1" u="none" strike="noStrike" baseline="0" dirty="0">
+                <a:latin typeface="+mj-lt"/>
+              </a:rPr>
+              <a:t>branch name</a:t>
+            </a:r>
+            <a:r>
+              <a:rPr lang="en-US" sz="1800" b="0" i="0" u="none" strike="noStrike" baseline="0" dirty="0">
+                <a:latin typeface="+mj-lt"/>
+              </a:rPr>
+              <a:t>, </a:t>
+            </a:r>
+            <a:r>
+              <a:rPr lang="en-US" sz="1800" b="0" i="1" u="none" strike="noStrike" baseline="0" dirty="0">
+                <a:latin typeface="+mj-lt"/>
+              </a:rPr>
+              <a:t>branch city, assets</a:t>
+            </a:r>
+            <a:r>
+              <a:rPr lang="en-US" sz="1800" b="0" i="0" u="none" strike="noStrike" baseline="0" dirty="0">
+                <a:latin typeface="+mj-lt"/>
+              </a:rPr>
+              <a:t>)</a:t>
+            </a:r>
+          </a:p>
+          <a:p>
+            <a:pPr algn="l"/>
+            <a:r>
+              <a:rPr lang="en-US" sz="1800" b="0" i="1" u="none" strike="noStrike" baseline="0" dirty="0">
+                <a:latin typeface="+mj-lt"/>
+              </a:rPr>
+              <a:t>customer </a:t>
+            </a:r>
+            <a:r>
+              <a:rPr lang="en-US" sz="1800" b="0" i="0" u="none" strike="noStrike" baseline="0" dirty="0">
+                <a:latin typeface="+mj-lt"/>
+              </a:rPr>
+              <a:t>(</a:t>
+            </a:r>
+            <a:r>
+              <a:rPr lang="en-US" sz="1800" b="0" i="1" u="none" strike="noStrike" baseline="0" dirty="0">
+                <a:latin typeface="+mj-lt"/>
+              </a:rPr>
+              <a:t>ID</a:t>
+            </a:r>
+            <a:r>
+              <a:rPr lang="en-US" sz="1800" b="0" i="0" u="none" strike="noStrike" baseline="0" dirty="0">
+                <a:latin typeface="+mj-lt"/>
+              </a:rPr>
+              <a:t>, </a:t>
+            </a:r>
+            <a:r>
+              <a:rPr lang="en-US" sz="1800" b="0" i="1" u="none" strike="noStrike" baseline="0" dirty="0">
+                <a:latin typeface="+mj-lt"/>
+              </a:rPr>
+              <a:t>customer name</a:t>
+            </a:r>
+            <a:r>
+              <a:rPr lang="en-US" sz="1800" b="0" i="0" u="none" strike="noStrike" baseline="0" dirty="0">
+                <a:latin typeface="+mj-lt"/>
+              </a:rPr>
+              <a:t>, </a:t>
+            </a:r>
+            <a:r>
+              <a:rPr lang="en-US" sz="1800" b="0" i="1" u="none" strike="noStrike" baseline="0" dirty="0">
+                <a:latin typeface="+mj-lt"/>
+              </a:rPr>
+              <a:t>customer street, customer city</a:t>
+            </a:r>
+            <a:r>
+              <a:rPr lang="en-US" sz="1800" b="0" i="0" u="none" strike="noStrike" baseline="0" dirty="0">
+                <a:latin typeface="+mj-lt"/>
+              </a:rPr>
+              <a:t>)</a:t>
+            </a:r>
+          </a:p>
+          <a:p>
+            <a:pPr algn="l"/>
+            <a:r>
+              <a:rPr lang="en-US" sz="1800" b="0" i="1" u="none" strike="noStrike" baseline="0" dirty="0">
+                <a:latin typeface="+mj-lt"/>
+              </a:rPr>
+              <a:t>loan </a:t>
+            </a:r>
+            <a:r>
+              <a:rPr lang="en-US" sz="1800" b="0" i="0" u="none" strike="noStrike" baseline="0" dirty="0">
+                <a:latin typeface="+mj-lt"/>
+              </a:rPr>
+              <a:t>(</a:t>
+            </a:r>
+            <a:r>
+              <a:rPr lang="en-US" sz="1800" b="0" i="1" u="none" strike="noStrike" baseline="0" dirty="0">
+                <a:latin typeface="+mj-lt"/>
+              </a:rPr>
+              <a:t>loan number</a:t>
+            </a:r>
+            <a:r>
+              <a:rPr lang="en-US" sz="1800" b="0" i="0" u="none" strike="noStrike" baseline="0" dirty="0">
+                <a:latin typeface="+mj-lt"/>
+              </a:rPr>
+              <a:t>, </a:t>
+            </a:r>
+            <a:r>
+              <a:rPr lang="en-US" sz="1800" b="0" i="1" u="none" strike="noStrike" baseline="0" dirty="0">
+                <a:latin typeface="+mj-lt"/>
+              </a:rPr>
+              <a:t>branch name, amount</a:t>
+            </a:r>
+            <a:r>
+              <a:rPr lang="en-US" sz="1800" b="0" i="0" u="none" strike="noStrike" baseline="0" dirty="0">
+                <a:latin typeface="+mj-lt"/>
+              </a:rPr>
+              <a:t>)</a:t>
+            </a:r>
+          </a:p>
+          <a:p>
+            <a:pPr algn="l"/>
+            <a:r>
+              <a:rPr lang="en-US" sz="1800" b="0" i="1" u="none" strike="noStrike" baseline="0" dirty="0">
+                <a:latin typeface="+mj-lt"/>
+              </a:rPr>
+              <a:t>borrower </a:t>
+            </a:r>
+            <a:r>
+              <a:rPr lang="en-US" sz="1800" b="0" i="0" u="none" strike="noStrike" baseline="0" dirty="0">
+                <a:latin typeface="+mj-lt"/>
+              </a:rPr>
+              <a:t>(</a:t>
+            </a:r>
+            <a:r>
+              <a:rPr lang="en-US" sz="1800" b="0" i="1" u="none" strike="noStrike" baseline="0" dirty="0">
+                <a:latin typeface="+mj-lt"/>
+              </a:rPr>
+              <a:t>ID</a:t>
+            </a:r>
+            <a:r>
+              <a:rPr lang="en-US" sz="1800" b="0" i="0" u="none" strike="noStrike" baseline="0" dirty="0">
+                <a:latin typeface="+mj-lt"/>
+              </a:rPr>
+              <a:t>, </a:t>
+            </a:r>
+            <a:r>
+              <a:rPr lang="en-US" sz="1800" b="0" i="1" u="none" strike="noStrike" baseline="0" dirty="0">
+                <a:latin typeface="+mj-lt"/>
+              </a:rPr>
+              <a:t>loan number</a:t>
+            </a:r>
+            <a:r>
+              <a:rPr lang="en-US" sz="1800" b="0" i="0" u="none" strike="noStrike" baseline="0" dirty="0">
+                <a:latin typeface="+mj-lt"/>
+              </a:rPr>
+              <a:t>)</a:t>
+            </a:r>
+          </a:p>
+          <a:p>
+            <a:pPr algn="l"/>
+            <a:r>
+              <a:rPr lang="en-US" sz="1800" b="0" i="1" u="none" strike="noStrike" baseline="0" dirty="0">
+                <a:latin typeface="+mj-lt"/>
+              </a:rPr>
+              <a:t>account </a:t>
+            </a:r>
+            <a:r>
+              <a:rPr lang="en-US" sz="1800" b="0" i="0" u="none" strike="noStrike" baseline="0" dirty="0">
+                <a:latin typeface="+mj-lt"/>
+              </a:rPr>
+              <a:t>(</a:t>
+            </a:r>
+            <a:r>
+              <a:rPr lang="en-US" sz="1800" b="0" i="1" u="none" strike="noStrike" baseline="0" dirty="0">
+                <a:latin typeface="+mj-lt"/>
+              </a:rPr>
+              <a:t>account number</a:t>
+            </a:r>
+            <a:r>
+              <a:rPr lang="en-US" sz="1800" b="0" i="0" u="none" strike="noStrike" baseline="0" dirty="0">
+                <a:latin typeface="+mj-lt"/>
+              </a:rPr>
+              <a:t>, </a:t>
+            </a:r>
+            <a:r>
+              <a:rPr lang="en-US" sz="1800" b="0" i="1" u="none" strike="noStrike" baseline="0" dirty="0">
+                <a:latin typeface="+mj-lt"/>
+              </a:rPr>
+              <a:t>branch name, balance</a:t>
+            </a:r>
+            <a:r>
+              <a:rPr lang="en-US" sz="1800" b="0" i="0" u="none" strike="noStrike" baseline="0" dirty="0">
+                <a:latin typeface="+mj-lt"/>
+              </a:rPr>
+              <a:t>)</a:t>
+            </a:r>
+          </a:p>
+          <a:p>
+            <a:pPr algn="l"/>
+            <a:r>
+              <a:rPr lang="en-US" sz="1800" b="0" i="1" u="none" strike="noStrike" baseline="0" dirty="0">
+                <a:latin typeface="+mj-lt"/>
+              </a:rPr>
+              <a:t>depositor </a:t>
+            </a:r>
+            <a:r>
+              <a:rPr lang="en-US" sz="1800" b="0" i="0" u="none" strike="noStrike" baseline="0" dirty="0">
+                <a:latin typeface="+mj-lt"/>
+              </a:rPr>
+              <a:t>(</a:t>
+            </a:r>
+            <a:r>
+              <a:rPr lang="en-US" sz="1800" b="0" i="1" u="none" strike="noStrike" baseline="0" dirty="0">
+                <a:latin typeface="+mj-lt"/>
+              </a:rPr>
+              <a:t>ID</a:t>
+            </a:r>
+            <a:r>
+              <a:rPr lang="en-US" sz="1800" b="0" i="0" u="none" strike="noStrike" baseline="0" dirty="0">
+                <a:latin typeface="+mj-lt"/>
+              </a:rPr>
+              <a:t>, </a:t>
+            </a:r>
+            <a:r>
+              <a:rPr lang="en-US" sz="1800" b="0" i="1" u="none" strike="noStrike" baseline="0" dirty="0">
+                <a:latin typeface="+mj-lt"/>
+              </a:rPr>
+              <a:t>account number</a:t>
+            </a:r>
+            <a:r>
+              <a:rPr lang="en-US" sz="1800" b="0" i="0" u="none" strike="noStrike" baseline="0" dirty="0">
+                <a:latin typeface="+mj-lt"/>
+              </a:rPr>
+              <a:t>)</a:t>
+            </a:r>
+          </a:p>
+          <a:p>
+            <a:pPr marL="0" indent="0" algn="l">
+              <a:buNone/>
+            </a:pPr>
+            <a:endParaRPr lang="en-US" sz="1800" dirty="0">
+              <a:latin typeface="+mj-lt"/>
+            </a:endParaRPr>
+          </a:p>
+          <a:p>
+            <a:pPr marL="0" indent="0" algn="l">
+              <a:buNone/>
+            </a:pPr>
+            <a:r>
+              <a:rPr lang="en-US" sz="1800" b="0" i="0" u="none" strike="noStrike" baseline="0" dirty="0">
+                <a:latin typeface="+mj-lt"/>
+              </a:rPr>
+              <a:t>2. Consider this bank database. Give an expression in the relational algebra for each of the following:</a:t>
+            </a:r>
+          </a:p>
+          <a:p>
+            <a:pPr marL="0" indent="0">
+              <a:buNone/>
+            </a:pPr>
+            <a:r>
+              <a:rPr lang="en-US" sz="1800" b="0" i="0" u="none" strike="noStrike" baseline="0" dirty="0">
+                <a:latin typeface="+mj-lt"/>
+              </a:rPr>
+              <a:t>2.1 Find each loan number with a loan amount greater than $10000.</a:t>
+            </a:r>
+          </a:p>
+          <a:p>
+            <a:pPr marL="0" indent="0" algn="l">
+              <a:buNone/>
+            </a:pPr>
+            <a:r>
+              <a:rPr lang="en-US" sz="1800" b="0" i="0" u="none" strike="noStrike" baseline="0" dirty="0">
+                <a:latin typeface="+mj-lt"/>
+              </a:rPr>
+              <a:t>2.2 Find the ID of each depositor who has an account with a balance greater than $6000.</a:t>
+            </a:r>
+          </a:p>
+          <a:p>
+            <a:pPr marL="0" indent="0" algn="l">
+              <a:buNone/>
+            </a:pPr>
+            <a:r>
+              <a:rPr lang="en-US" sz="1800" b="0" i="0" u="none" strike="noStrike" baseline="0" dirty="0">
+                <a:latin typeface="+mj-lt"/>
+              </a:rPr>
+              <a:t>2.3 Find the ID of each depositor who has an account with a balance greater than $6000 at the “Uptown” branch.</a:t>
+            </a:r>
+            <a:endParaRPr lang="en-US" sz="2400" dirty="0">
+              <a:latin typeface="+mj-lt"/>
+            </a:endParaRPr>
+          </a:p>
+        </p:txBody>
+      </p:sp>
+      <p:sp>
+        <p:nvSpPr>
+          <p:cNvPr id="4" name="Slide Number Placeholder 3">
+            <a:extLst>
+              <a:ext uri="{FF2B5EF4-FFF2-40B4-BE49-F238E27FC236}">
+                <a16:creationId xmlns:a16="http://schemas.microsoft.com/office/drawing/2014/main" id="{0CC33197-F105-2EAD-EDA3-1535AD3F2F67}"/>
+              </a:ext>
+            </a:extLst>
+          </p:cNvPr>
+          <p:cNvSpPr>
+            <a:spLocks noGrp="1"/>
+          </p:cNvSpPr>
+          <p:nvPr>
+            <p:ph type="sldNum" sz="quarter" idx="10"/>
+          </p:nvPr>
+        </p:nvSpPr>
+        <p:spPr/>
+        <p:txBody>
+          <a:bodyPr/>
+          <a:lstStyle/>
+          <a:p>
+            <a:pPr>
+              <a:defRPr/>
+            </a:pPr>
+            <a:fld id="{547F3CAF-32BF-49A6-93F1-59C9E4B7C957}" type="slidenum">
+              <a:rPr lang="en-US" altLang="en-US" smtClean="0"/>
+              <a:pPr>
+                <a:defRPr/>
+              </a:pPr>
+              <a:t>5</a:t>
+            </a:fld>
+            <a:endParaRPr lang="en-US" altLang="en-US" dirty="0"/>
+          </a:p>
+        </p:txBody>
+      </p:sp>
+    </p:spTree>
+    <p:extLst>
+      <p:ext uri="{BB962C8B-B14F-4D97-AF65-F5344CB8AC3E}">
+        <p14:creationId xmlns:p14="http://schemas.microsoft.com/office/powerpoint/2010/main" val="464392404"/>
+      </p:ext>
+    </p:extLst>
+  </p:cSld>
+  <p:clrMapOvr>
+    <a:masterClrMapping/>
+  </p:clrMapOvr>
+</p:sld>
+</file>
+
+<file path=ppt/slides/slide6.xml><?xml version="1.0" encoding="utf-8"?>
+<p:sld xmlns:a="http://schemas.openxmlformats.org/drawingml/2006/main" xmlns:r="http://schemas.openxmlformats.org/officeDocument/2006/relationships" xmlns:p="http://schemas.openxmlformats.org/presentationml/2006/main">
+  <p:cSld>
+    <p:spTree>
+      <p:nvGrpSpPr>
+        <p:cNvPr id="1" name="">
+          <a:extLst>
+            <a:ext uri="{FF2B5EF4-FFF2-40B4-BE49-F238E27FC236}">
+              <a16:creationId xmlns:a16="http://schemas.microsoft.com/office/drawing/2014/main" id="{9785D2C4-F808-C6F2-00D9-7B80D864622A}"/>
+            </a:ext>
+          </a:extLst>
+        </p:cNvPr>
+        <p:cNvGrpSpPr/>
+        <p:nvPr/>
+      </p:nvGrpSpPr>
+      <p:grpSpPr>
+        <a:xfrm>
+          <a:off x="0" y="0"/>
+          <a:ext cx="0" cy="0"/>
+          <a:chOff x="0" y="0"/>
+          <a:chExt cx="0" cy="0"/>
+        </a:xfrm>
+      </p:grpSpPr>
+      <p:sp>
+        <p:nvSpPr>
+          <p:cNvPr id="2" name="Title 1">
+            <a:extLst>
+              <a:ext uri="{FF2B5EF4-FFF2-40B4-BE49-F238E27FC236}">
+                <a16:creationId xmlns:a16="http://schemas.microsoft.com/office/drawing/2014/main" id="{37BE28C0-92B1-3527-0C5B-A3473000B89B}"/>
+              </a:ext>
+            </a:extLst>
+          </p:cNvPr>
+          <p:cNvSpPr>
+            <a:spLocks noGrp="1"/>
+          </p:cNvSpPr>
+          <p:nvPr>
+            <p:ph type="title"/>
+          </p:nvPr>
+        </p:nvSpPr>
+        <p:spPr/>
+        <p:txBody>
+          <a:bodyPr/>
+          <a:lstStyle/>
+          <a:p>
+            <a:pPr algn="ctr"/>
+            <a:r>
+              <a:rPr lang="en-NZ" sz="3600" dirty="0"/>
+              <a:t>Exercises</a:t>
+            </a:r>
+            <a:endParaRPr lang="en-US" sz="3600" dirty="0"/>
+          </a:p>
+        </p:txBody>
+      </p:sp>
+      <p:sp>
+        <p:nvSpPr>
+          <p:cNvPr id="3" name="Content Placeholder 2">
+            <a:extLst>
+              <a:ext uri="{FF2B5EF4-FFF2-40B4-BE49-F238E27FC236}">
+                <a16:creationId xmlns:a16="http://schemas.microsoft.com/office/drawing/2014/main" id="{6170B6C3-2A6B-2622-20DA-F1BB85CC313C}"/>
+              </a:ext>
+            </a:extLst>
+          </p:cNvPr>
+          <p:cNvSpPr>
+            <a:spLocks noGrp="1"/>
+          </p:cNvSpPr>
+          <p:nvPr>
+            <p:ph idx="1"/>
+          </p:nvPr>
+        </p:nvSpPr>
+        <p:spPr>
+          <a:xfrm>
+            <a:off x="837597" y="1431247"/>
+            <a:ext cx="7727518" cy="4903787"/>
+          </a:xfrm>
+        </p:spPr>
+        <p:txBody>
+          <a:bodyPr/>
+          <a:lstStyle/>
+          <a:p>
+            <a:pPr marL="0" indent="0" algn="l">
+              <a:buNone/>
+            </a:pPr>
+            <a:r>
+              <a:rPr lang="en-US" sz="1800" b="0" i="0" u="none" strike="noStrike" baseline="0" dirty="0">
+                <a:latin typeface="+mj-lt"/>
+              </a:rPr>
+              <a:t>3. Consider the university database as below.</a:t>
+            </a:r>
+          </a:p>
+          <a:p>
+            <a:pPr marL="0" indent="0">
+              <a:buNone/>
+            </a:pPr>
+            <a:r>
+              <a:rPr lang="en-US" sz="1800" dirty="0"/>
+              <a:t>Write the following queries in </a:t>
+            </a:r>
+            <a:r>
+              <a:rPr lang="en-US" sz="1800" b="1" dirty="0"/>
+              <a:t>relational algebra</a:t>
+            </a:r>
+            <a:r>
+              <a:rPr lang="en-US" sz="1800" dirty="0"/>
+              <a:t>:</a:t>
+            </a:r>
+          </a:p>
+          <a:p>
+            <a:pPr marL="0" indent="0">
+              <a:buNone/>
+            </a:pPr>
+            <a:r>
+              <a:rPr lang="en-US" sz="1800" dirty="0"/>
+              <a:t>3.1 Find the ID and name of each instructor in the Physics department.</a:t>
+            </a:r>
+          </a:p>
+          <a:p>
+            <a:pPr marL="0" indent="0">
+              <a:buNone/>
+            </a:pPr>
+            <a:r>
+              <a:rPr lang="en-US" sz="1800" dirty="0"/>
+              <a:t>3.2 Find the ID and name of each instructor in a department located in the building “Watson”.</a:t>
+            </a:r>
+          </a:p>
+          <a:p>
+            <a:pPr marL="0" indent="0">
+              <a:buNone/>
+            </a:pPr>
+            <a:r>
+              <a:rPr lang="en-US" sz="1800" dirty="0"/>
+              <a:t>3.3 Find the ID and name of each student who has taken at least one course in the “Comp. Sci.” department.</a:t>
+            </a:r>
+          </a:p>
+          <a:p>
+            <a:pPr marL="0" indent="0">
+              <a:buNone/>
+            </a:pPr>
+            <a:r>
+              <a:rPr lang="en-US" sz="1800" dirty="0"/>
+              <a:t>3.4 Find the ID and name of each student who has taken at least one course section in the year 2018.</a:t>
+            </a:r>
+          </a:p>
+          <a:p>
+            <a:pPr marL="0" indent="0">
+              <a:buNone/>
+            </a:pPr>
+            <a:r>
+              <a:rPr lang="en-US" sz="1800" dirty="0"/>
+              <a:t>3.5 Find the ID and name of each student who has not taken any course section in the year 2018.</a:t>
+            </a:r>
+          </a:p>
+        </p:txBody>
+      </p:sp>
+      <p:sp>
+        <p:nvSpPr>
+          <p:cNvPr id="4" name="Slide Number Placeholder 3">
+            <a:extLst>
+              <a:ext uri="{FF2B5EF4-FFF2-40B4-BE49-F238E27FC236}">
+                <a16:creationId xmlns:a16="http://schemas.microsoft.com/office/drawing/2014/main" id="{EB8AE2FC-A2A0-BCFD-23B9-284E0C791425}"/>
+              </a:ext>
+            </a:extLst>
+          </p:cNvPr>
+          <p:cNvSpPr>
+            <a:spLocks noGrp="1"/>
+          </p:cNvSpPr>
+          <p:nvPr>
+            <p:ph type="sldNum" sz="quarter" idx="10"/>
+          </p:nvPr>
+        </p:nvSpPr>
+        <p:spPr/>
+        <p:txBody>
+          <a:bodyPr/>
+          <a:lstStyle/>
+          <a:p>
+            <a:pPr>
+              <a:defRPr/>
+            </a:pPr>
+            <a:fld id="{547F3CAF-32BF-49A6-93F1-59C9E4B7C957}" type="slidenum">
+              <a:rPr lang="en-US" altLang="en-US" smtClean="0"/>
+              <a:pPr>
+                <a:defRPr/>
+              </a:pPr>
+              <a:t>6</a:t>
+            </a:fld>
+            <a:endParaRPr lang="en-US" altLang="en-US" dirty="0"/>
+          </a:p>
+        </p:txBody>
+      </p:sp>
+      <p:pic>
+        <p:nvPicPr>
+          <p:cNvPr id="6" name="Picture 5" descr="A close-up of several numbers&#10;&#10;AI-generated content may be incorrect.">
+            <a:extLst>
+              <a:ext uri="{FF2B5EF4-FFF2-40B4-BE49-F238E27FC236}">
+                <a16:creationId xmlns:a16="http://schemas.microsoft.com/office/drawing/2014/main" id="{F05F48B3-773A-C7B9-6625-405F2174F2E9}"/>
+              </a:ext>
+            </a:extLst>
+          </p:cNvPr>
+          <p:cNvPicPr>
+            <a:picLocks noChangeAspect="1"/>
+          </p:cNvPicPr>
+          <p:nvPr/>
+        </p:nvPicPr>
+        <p:blipFill>
+          <a:blip r:embed="rId3">
+            <a:clrChange>
+              <a:clrFrom>
+                <a:srgbClr val="FFFFFF"/>
+              </a:clrFrom>
+              <a:clrTo>
+                <a:srgbClr val="FFFFFF">
+                  <a:alpha val="0"/>
+                </a:srgbClr>
+              </a:clrTo>
+            </a:clrChange>
+          </a:blip>
+          <a:stretch>
+            <a:fillRect/>
+          </a:stretch>
+        </p:blipFill>
+        <p:spPr>
+          <a:xfrm>
+            <a:off x="1252537" y="5051683"/>
+            <a:ext cx="6638925" cy="1733550"/>
+          </a:xfrm>
+          <a:prstGeom prst="rect">
+            <a:avLst/>
+          </a:prstGeom>
+        </p:spPr>
+      </p:pic>
+    </p:spTree>
+    <p:extLst>
+      <p:ext uri="{BB962C8B-B14F-4D97-AF65-F5344CB8AC3E}">
+        <p14:creationId xmlns:p14="http://schemas.microsoft.com/office/powerpoint/2010/main" val="2953421902"/>
+      </p:ext>
+    </p:extLst>
+  </p:cSld>
+  <p:clrMapOvr>
+    <a:masterClrMapping/>
+  </p:clrMapOvr>
+</p:sld>
+</file>
+
+<file path=ppt/slides/slide7.xml><?xml version="1.0" encoding="utf-8"?>
+<p:sld xmlns:a="http://schemas.openxmlformats.org/drawingml/2006/main" xmlns:r="http://schemas.openxmlformats.org/officeDocument/2006/relationships" xmlns:p="http://schemas.openxmlformats.org/presentationml/2006/main">
+  <p:cSld>
+    <p:spTree>
+      <p:nvGrpSpPr>
+        <p:cNvPr id="1" name="">
+          <a:extLst>
+            <a:ext uri="{FF2B5EF4-FFF2-40B4-BE49-F238E27FC236}">
+              <a16:creationId xmlns:a16="http://schemas.microsoft.com/office/drawing/2014/main" id="{33D551A4-9831-8BFF-6BE1-F2D6EFA43C91}"/>
+            </a:ext>
+          </a:extLst>
+        </p:cNvPr>
+        <p:cNvGrpSpPr/>
+        <p:nvPr/>
+      </p:nvGrpSpPr>
+      <p:grpSpPr>
+        <a:xfrm>
+          <a:off x="0" y="0"/>
+          <a:ext cx="0" cy="0"/>
+          <a:chOff x="0" y="0"/>
+          <a:chExt cx="0" cy="0"/>
+        </a:xfrm>
+      </p:grpSpPr>
+      <p:sp>
+        <p:nvSpPr>
+          <p:cNvPr id="2" name="Title 1">
+            <a:extLst>
+              <a:ext uri="{FF2B5EF4-FFF2-40B4-BE49-F238E27FC236}">
+                <a16:creationId xmlns:a16="http://schemas.microsoft.com/office/drawing/2014/main" id="{4C198615-9289-FE8F-FF7A-D057829C4E8C}"/>
+              </a:ext>
+            </a:extLst>
+          </p:cNvPr>
+          <p:cNvSpPr>
+            <a:spLocks noGrp="1"/>
+          </p:cNvSpPr>
+          <p:nvPr>
+            <p:ph type="title"/>
+          </p:nvPr>
+        </p:nvSpPr>
+        <p:spPr/>
+        <p:txBody>
+          <a:bodyPr/>
+          <a:lstStyle/>
+          <a:p>
+            <a:pPr algn="ctr"/>
+            <a:r>
+              <a:rPr lang="en-NZ" sz="3600" dirty="0"/>
+              <a:t>Exercises</a:t>
+            </a:r>
+            <a:endParaRPr lang="en-US" sz="3600" dirty="0"/>
+          </a:p>
+        </p:txBody>
+      </p:sp>
+      <p:sp>
+        <p:nvSpPr>
+          <p:cNvPr id="3" name="Content Placeholder 2">
+            <a:extLst>
+              <a:ext uri="{FF2B5EF4-FFF2-40B4-BE49-F238E27FC236}">
+                <a16:creationId xmlns:a16="http://schemas.microsoft.com/office/drawing/2014/main" id="{C396D18D-B6FC-B631-42B1-5DD96791A63A}"/>
+              </a:ext>
+            </a:extLst>
+          </p:cNvPr>
+          <p:cNvSpPr>
+            <a:spLocks noGrp="1"/>
+          </p:cNvSpPr>
+          <p:nvPr>
+            <p:ph idx="1"/>
+          </p:nvPr>
+        </p:nvSpPr>
+        <p:spPr>
+          <a:xfrm>
+            <a:off x="534032" y="1196492"/>
+            <a:ext cx="8079390" cy="4903787"/>
+          </a:xfrm>
+        </p:spPr>
+        <p:txBody>
+          <a:bodyPr/>
+          <a:lstStyle/>
+          <a:p>
+            <a:pPr marL="0" indent="0" algn="l">
+              <a:buNone/>
+            </a:pPr>
+            <a:r>
+              <a:rPr lang="en-US" sz="1800" dirty="0">
+                <a:latin typeface="+mj-lt"/>
+              </a:rPr>
+              <a:t>4</a:t>
+            </a:r>
+            <a:r>
+              <a:rPr lang="en-US" sz="1800" b="0" i="0" u="none" strike="noStrike" baseline="0" dirty="0">
+                <a:latin typeface="+mj-lt"/>
+              </a:rPr>
+              <a:t>. Consider the university database as below.</a:t>
+            </a:r>
+          </a:p>
+          <a:p>
+            <a:pPr marL="0" indent="0">
+              <a:buNone/>
+            </a:pPr>
+            <a:r>
+              <a:rPr lang="en-US" sz="1800" b="0" i="0" u="none" strike="noStrike" baseline="0" dirty="0">
+                <a:latin typeface="+mj-lt"/>
+              </a:rPr>
+              <a:t>Write the following queries in </a:t>
+            </a:r>
+            <a:r>
+              <a:rPr lang="en-US" sz="1800" b="1" i="0" u="none" strike="noStrike" baseline="0" dirty="0">
+                <a:latin typeface="+mj-lt"/>
+              </a:rPr>
+              <a:t>SQL</a:t>
+            </a:r>
+            <a:r>
+              <a:rPr lang="en-US" sz="1800" i="0" u="none" strike="noStrike" baseline="0" dirty="0">
+                <a:latin typeface="+mj-lt"/>
+              </a:rPr>
+              <a:t>:</a:t>
+            </a:r>
+            <a:endParaRPr lang="en-US" sz="1800" dirty="0"/>
+          </a:p>
+          <a:p>
+            <a:pPr marL="0" indent="0">
+              <a:buNone/>
+            </a:pPr>
+            <a:r>
+              <a:rPr lang="en-US" sz="1800" dirty="0"/>
+              <a:t>4.1 Find the titles of courses in the Comp. Sci. department that have 3 credits.</a:t>
+            </a:r>
+          </a:p>
+          <a:p>
+            <a:pPr marL="0" indent="0">
+              <a:buNone/>
+            </a:pPr>
+            <a:r>
+              <a:rPr lang="en-US" sz="1800" dirty="0"/>
+              <a:t>4.2 Find the IDs of all students who were taught by an instructor named Einstein; make sure there are no duplicates in the result.</a:t>
+            </a:r>
+          </a:p>
+          <a:p>
+            <a:pPr marL="0" indent="0">
+              <a:buNone/>
+            </a:pPr>
+            <a:r>
+              <a:rPr lang="en-US" sz="1800" dirty="0"/>
+              <a:t>4.3 Find the highest salary of any instructor.</a:t>
+            </a:r>
+          </a:p>
+          <a:p>
+            <a:pPr marL="0" indent="0">
+              <a:buNone/>
+            </a:pPr>
+            <a:r>
+              <a:rPr lang="en-US" sz="1800" dirty="0"/>
+              <a:t>4.4 Find all instructors earning the highest salary (there may be more than one with the same salary).</a:t>
+            </a:r>
+          </a:p>
+          <a:p>
+            <a:pPr marL="0" indent="0">
+              <a:buNone/>
+            </a:pPr>
+            <a:r>
+              <a:rPr lang="en-US" sz="1800" dirty="0"/>
+              <a:t>4.5 Find the enrollment of each section that was offered in Fall 2017.</a:t>
+            </a:r>
+          </a:p>
+          <a:p>
+            <a:pPr marL="0" indent="0">
+              <a:buNone/>
+            </a:pPr>
+            <a:r>
+              <a:rPr lang="en-US" sz="1800" dirty="0"/>
+              <a:t>4.6 Find the maximum enrollment, across all sections, in Fall 2017.</a:t>
+            </a:r>
+          </a:p>
+          <a:p>
+            <a:pPr marL="0" indent="0">
+              <a:buNone/>
+            </a:pPr>
+            <a:r>
+              <a:rPr lang="en-US" sz="1800" dirty="0"/>
+              <a:t>4.7 Find the sections that had the maximum enrollment in Fall 2017.</a:t>
+            </a:r>
+          </a:p>
+          <a:p>
+            <a:pPr marL="0" indent="0">
+              <a:buNone/>
+            </a:pPr>
+            <a:endParaRPr lang="en-US" sz="1800" dirty="0"/>
+          </a:p>
+          <a:p>
+            <a:pPr marL="0" indent="0">
+              <a:buNone/>
+            </a:pPr>
+            <a:endParaRPr lang="en-US" sz="1800" dirty="0"/>
+          </a:p>
+        </p:txBody>
+      </p:sp>
+      <p:sp>
+        <p:nvSpPr>
+          <p:cNvPr id="4" name="Slide Number Placeholder 3">
+            <a:extLst>
+              <a:ext uri="{FF2B5EF4-FFF2-40B4-BE49-F238E27FC236}">
+                <a16:creationId xmlns:a16="http://schemas.microsoft.com/office/drawing/2014/main" id="{4843A3EA-9B19-4620-3733-001EA12D2380}"/>
+              </a:ext>
+            </a:extLst>
+          </p:cNvPr>
+          <p:cNvSpPr>
+            <a:spLocks noGrp="1"/>
+          </p:cNvSpPr>
+          <p:nvPr>
+            <p:ph type="sldNum" sz="quarter" idx="10"/>
+          </p:nvPr>
+        </p:nvSpPr>
+        <p:spPr/>
+        <p:txBody>
+          <a:bodyPr/>
+          <a:lstStyle/>
+          <a:p>
+            <a:pPr>
+              <a:defRPr/>
+            </a:pPr>
+            <a:fld id="{547F3CAF-32BF-49A6-93F1-59C9E4B7C957}" type="slidenum">
+              <a:rPr lang="en-US" altLang="en-US" smtClean="0"/>
+              <a:pPr>
+                <a:defRPr/>
+              </a:pPr>
+              <a:t>7</a:t>
+            </a:fld>
+            <a:endParaRPr lang="en-US" altLang="en-US" dirty="0"/>
+          </a:p>
+        </p:txBody>
+      </p:sp>
+      <p:pic>
+        <p:nvPicPr>
+          <p:cNvPr id="8" name="Picture 7" descr="A close-up of several numbers&#10;&#10;AI-generated content may be incorrect.">
+            <a:extLst>
+              <a:ext uri="{FF2B5EF4-FFF2-40B4-BE49-F238E27FC236}">
+                <a16:creationId xmlns:a16="http://schemas.microsoft.com/office/drawing/2014/main" id="{99A85ABA-A156-3B49-4822-29D4DFC800E4}"/>
+              </a:ext>
+            </a:extLst>
+          </p:cNvPr>
+          <p:cNvPicPr>
+            <a:picLocks noChangeAspect="1"/>
+          </p:cNvPicPr>
+          <p:nvPr/>
+        </p:nvPicPr>
+        <p:blipFill>
+          <a:blip r:embed="rId3">
+            <a:clrChange>
+              <a:clrFrom>
+                <a:srgbClr val="FFFFFF"/>
+              </a:clrFrom>
+              <a:clrTo>
+                <a:srgbClr val="FFFFFF">
+                  <a:alpha val="0"/>
+                </a:srgbClr>
+              </a:clrTo>
+            </a:clrChange>
+          </a:blip>
+          <a:stretch>
+            <a:fillRect/>
+          </a:stretch>
+        </p:blipFill>
+        <p:spPr>
+          <a:xfrm>
+            <a:off x="1252537" y="5051683"/>
+            <a:ext cx="6638925" cy="1733550"/>
+          </a:xfrm>
+          <a:prstGeom prst="rect">
+            <a:avLst/>
+          </a:prstGeom>
+        </p:spPr>
+      </p:pic>
+    </p:spTree>
+    <p:extLst>
+      <p:ext uri="{BB962C8B-B14F-4D97-AF65-F5344CB8AC3E}">
+        <p14:creationId xmlns:p14="http://schemas.microsoft.com/office/powerpoint/2010/main" val="1202693325"/>
+      </p:ext>
+    </p:extLst>
+  </p:cSld>
+  <p:clrMapOvr>
+    <a:masterClrMapping/>
+  </p:clrMapOvr>
+</p:sld>
+</file>
+
+<file path=ppt/slides/slide8.xml><?xml version="1.0" encoding="utf-8"?>
+<p:sld xmlns:a="http://schemas.openxmlformats.org/drawingml/2006/main" xmlns:r="http://schemas.openxmlformats.org/officeDocument/2006/relationships" xmlns:p="http://schemas.openxmlformats.org/presentationml/2006/main">
+  <p:cSld>
+    <p:spTree>
+      <p:nvGrpSpPr>
+        <p:cNvPr id="1" name="">
+          <a:extLst>
+            <a:ext uri="{FF2B5EF4-FFF2-40B4-BE49-F238E27FC236}">
+              <a16:creationId xmlns:a16="http://schemas.microsoft.com/office/drawing/2014/main" id="{F9FD0D41-C0E8-CE51-188D-7788D6649C96}"/>
+            </a:ext>
+          </a:extLst>
+        </p:cNvPr>
+        <p:cNvGrpSpPr/>
+        <p:nvPr/>
+      </p:nvGrpSpPr>
+      <p:grpSpPr>
+        <a:xfrm>
+          <a:off x="0" y="0"/>
+          <a:ext cx="0" cy="0"/>
+          <a:chOff x="0" y="0"/>
+          <a:chExt cx="0" cy="0"/>
+        </a:xfrm>
+      </p:grpSpPr>
+      <p:sp>
+        <p:nvSpPr>
+          <p:cNvPr id="2" name="Title 1">
+            <a:extLst>
+              <a:ext uri="{FF2B5EF4-FFF2-40B4-BE49-F238E27FC236}">
+                <a16:creationId xmlns:a16="http://schemas.microsoft.com/office/drawing/2014/main" id="{9AED3A3E-6B2E-3618-5BB2-75789694C0C8}"/>
+              </a:ext>
+            </a:extLst>
+          </p:cNvPr>
+          <p:cNvSpPr>
+            <a:spLocks noGrp="1"/>
+          </p:cNvSpPr>
+          <p:nvPr>
+            <p:ph type="title"/>
+          </p:nvPr>
+        </p:nvSpPr>
+        <p:spPr/>
+        <p:txBody>
+          <a:bodyPr/>
+          <a:lstStyle/>
+          <a:p>
+            <a:pPr algn="ctr"/>
+            <a:r>
+              <a:rPr lang="en-NZ" sz="3600" dirty="0"/>
+              <a:t>Appendix:</a:t>
+            </a:r>
+            <a:br>
+              <a:rPr lang="en-NZ" sz="3600" dirty="0"/>
+            </a:br>
+            <a:r>
+              <a:rPr lang="en-NZ" sz="3600" dirty="0"/>
+              <a:t>University Database</a:t>
+            </a:r>
+            <a:endParaRPr lang="en-US" sz="3600" dirty="0"/>
+          </a:p>
+        </p:txBody>
+      </p:sp>
+      <p:sp>
+        <p:nvSpPr>
+          <p:cNvPr id="3" name="Content Placeholder 2">
+            <a:extLst>
+              <a:ext uri="{FF2B5EF4-FFF2-40B4-BE49-F238E27FC236}">
+                <a16:creationId xmlns:a16="http://schemas.microsoft.com/office/drawing/2014/main" id="{E1958758-CACA-8D94-5128-663121513A14}"/>
+              </a:ext>
+            </a:extLst>
+          </p:cNvPr>
+          <p:cNvSpPr>
+            <a:spLocks noGrp="1"/>
+          </p:cNvSpPr>
+          <p:nvPr>
+            <p:ph idx="1"/>
+          </p:nvPr>
+        </p:nvSpPr>
+        <p:spPr>
+          <a:xfrm>
+            <a:off x="837597" y="1881446"/>
+            <a:ext cx="7727518" cy="4903787"/>
+          </a:xfrm>
+        </p:spPr>
+        <p:txBody>
+          <a:bodyPr/>
+          <a:lstStyle/>
+          <a:p>
+            <a:pPr marL="0" indent="0" algn="l">
+              <a:buNone/>
+            </a:pPr>
+            <a:r>
+              <a:rPr lang="en-US" sz="1800" b="0" i="1" u="none" strike="noStrike" baseline="0" dirty="0">
+                <a:latin typeface="+mj-lt"/>
+              </a:rPr>
+              <a:t>classroom</a:t>
+            </a:r>
+            <a:r>
+              <a:rPr lang="en-US" sz="1800" b="0" i="0" u="none" strike="noStrike" baseline="0" dirty="0">
+                <a:latin typeface="+mj-lt"/>
+              </a:rPr>
+              <a:t>(</a:t>
+            </a:r>
+            <a:r>
+              <a:rPr lang="en-US" sz="1800" b="0" i="1" u="none" strike="noStrike" baseline="0" dirty="0">
+                <a:latin typeface="+mj-lt"/>
+              </a:rPr>
+              <a:t>building</a:t>
+            </a:r>
+            <a:r>
+              <a:rPr lang="en-US" sz="1800" b="0" i="0" u="none" strike="noStrike" baseline="0" dirty="0">
+                <a:latin typeface="+mj-lt"/>
+              </a:rPr>
+              <a:t>, </a:t>
+            </a:r>
+            <a:r>
+              <a:rPr lang="en-US" sz="1800" b="0" i="1" u="none" strike="noStrike" baseline="0" dirty="0">
+                <a:latin typeface="+mj-lt"/>
+              </a:rPr>
+              <a:t>room number</a:t>
+            </a:r>
+            <a:r>
+              <a:rPr lang="en-US" sz="1800" b="0" i="0" u="none" strike="noStrike" baseline="0" dirty="0">
+                <a:latin typeface="+mj-lt"/>
+              </a:rPr>
+              <a:t>, </a:t>
+            </a:r>
+            <a:r>
+              <a:rPr lang="en-US" sz="1800" b="0" i="1" u="none" strike="noStrike" baseline="0" dirty="0">
+                <a:latin typeface="+mj-lt"/>
+              </a:rPr>
+              <a:t>capacity</a:t>
+            </a:r>
+            <a:r>
+              <a:rPr lang="en-US" sz="1800" b="0" i="0" u="none" strike="noStrike" baseline="0" dirty="0">
+                <a:latin typeface="+mj-lt"/>
+              </a:rPr>
+              <a:t>)</a:t>
+            </a:r>
+          </a:p>
+          <a:p>
+            <a:pPr marL="0" indent="0" algn="l">
+              <a:buNone/>
+            </a:pPr>
+            <a:r>
+              <a:rPr lang="en-US" sz="1800" b="0" i="1" u="none" strike="noStrike" baseline="0" dirty="0">
+                <a:latin typeface="+mj-lt"/>
+              </a:rPr>
+              <a:t>department</a:t>
+            </a:r>
+            <a:r>
+              <a:rPr lang="en-US" sz="1800" b="0" i="0" u="none" strike="noStrike" baseline="0" dirty="0">
+                <a:latin typeface="+mj-lt"/>
+              </a:rPr>
+              <a:t>(</a:t>
+            </a:r>
+            <a:r>
+              <a:rPr lang="en-US" sz="1800" b="0" i="1" u="none" strike="noStrike" baseline="0" dirty="0" err="1">
+                <a:latin typeface="+mj-lt"/>
+              </a:rPr>
+              <a:t>dept_name</a:t>
+            </a:r>
+            <a:r>
+              <a:rPr lang="en-US" sz="1800" b="0" i="0" u="none" strike="noStrike" baseline="0" dirty="0">
+                <a:latin typeface="+mj-lt"/>
+              </a:rPr>
+              <a:t>, </a:t>
+            </a:r>
+            <a:r>
+              <a:rPr lang="en-US" sz="1800" b="0" i="1" u="none" strike="noStrike" baseline="0" dirty="0">
+                <a:latin typeface="+mj-lt"/>
+              </a:rPr>
+              <a:t>building</a:t>
+            </a:r>
+            <a:r>
+              <a:rPr lang="en-US" sz="1800" b="0" i="0" u="none" strike="noStrike" baseline="0" dirty="0">
+                <a:latin typeface="+mj-lt"/>
+              </a:rPr>
+              <a:t>, </a:t>
+            </a:r>
+            <a:r>
+              <a:rPr lang="en-US" sz="1800" b="0" i="1" u="none" strike="noStrike" baseline="0" dirty="0">
+                <a:latin typeface="+mj-lt"/>
+              </a:rPr>
+              <a:t>budget</a:t>
+            </a:r>
+            <a:r>
+              <a:rPr lang="en-US" sz="1800" b="0" i="0" u="none" strike="noStrike" baseline="0" dirty="0">
+                <a:latin typeface="+mj-lt"/>
+              </a:rPr>
+              <a:t>)</a:t>
+            </a:r>
+          </a:p>
+          <a:p>
+            <a:pPr marL="0" indent="0" algn="l">
+              <a:buNone/>
+            </a:pPr>
+            <a:r>
+              <a:rPr lang="en-US" sz="1800" b="0" i="1" u="none" strike="noStrike" baseline="0" dirty="0">
+                <a:latin typeface="+mj-lt"/>
+              </a:rPr>
+              <a:t>course</a:t>
+            </a:r>
+            <a:r>
+              <a:rPr lang="en-US" sz="1800" b="0" i="0" u="none" strike="noStrike" baseline="0" dirty="0">
+                <a:latin typeface="+mj-lt"/>
+              </a:rPr>
+              <a:t>(</a:t>
+            </a:r>
+            <a:r>
+              <a:rPr lang="en-US" sz="1800" b="0" i="1" u="none" strike="noStrike" baseline="0" dirty="0" err="1">
+                <a:latin typeface="+mj-lt"/>
+              </a:rPr>
+              <a:t>course_id</a:t>
+            </a:r>
+            <a:r>
+              <a:rPr lang="en-US" sz="1800" b="0" i="0" u="none" strike="noStrike" baseline="0" dirty="0">
+                <a:latin typeface="+mj-lt"/>
+              </a:rPr>
+              <a:t>, </a:t>
+            </a:r>
+            <a:r>
+              <a:rPr lang="en-US" sz="1800" b="0" i="1" u="none" strike="noStrike" baseline="0" dirty="0">
+                <a:latin typeface="+mj-lt"/>
+              </a:rPr>
+              <a:t>title</a:t>
+            </a:r>
+            <a:r>
+              <a:rPr lang="en-US" sz="1800" b="0" i="0" u="none" strike="noStrike" baseline="0" dirty="0">
+                <a:latin typeface="+mj-lt"/>
+              </a:rPr>
+              <a:t>, </a:t>
+            </a:r>
+            <a:r>
+              <a:rPr lang="en-US" sz="1800" b="0" i="1" u="none" strike="noStrike" baseline="0" dirty="0" err="1">
+                <a:latin typeface="+mj-lt"/>
+              </a:rPr>
+              <a:t>dept_name</a:t>
+            </a:r>
+            <a:r>
+              <a:rPr lang="en-US" sz="1800" b="0" i="0" u="none" strike="noStrike" baseline="0" dirty="0">
+                <a:latin typeface="+mj-lt"/>
+              </a:rPr>
+              <a:t>, </a:t>
+            </a:r>
+            <a:r>
+              <a:rPr lang="en-US" sz="1800" b="0" i="1" u="none" strike="noStrike" baseline="0" dirty="0">
+                <a:latin typeface="+mj-lt"/>
+              </a:rPr>
+              <a:t>credits</a:t>
+            </a:r>
+            <a:r>
+              <a:rPr lang="en-US" sz="1800" b="0" i="0" u="none" strike="noStrike" baseline="0" dirty="0">
+                <a:latin typeface="+mj-lt"/>
+              </a:rPr>
+              <a:t>)</a:t>
+            </a:r>
+          </a:p>
+          <a:p>
+            <a:pPr marL="0" indent="0" algn="l">
+              <a:buNone/>
+            </a:pPr>
+            <a:r>
+              <a:rPr lang="en-US" sz="1800" b="0" i="1" u="none" strike="noStrike" baseline="0" dirty="0">
+                <a:latin typeface="+mj-lt"/>
+              </a:rPr>
+              <a:t>instructor</a:t>
+            </a:r>
+            <a:r>
+              <a:rPr lang="en-US" sz="1800" b="0" i="0" u="none" strike="noStrike" baseline="0" dirty="0">
+                <a:latin typeface="+mj-lt"/>
+              </a:rPr>
+              <a:t>(</a:t>
+            </a:r>
+            <a:r>
+              <a:rPr lang="en-US" sz="1800" b="0" i="1" u="none" strike="noStrike" baseline="0" dirty="0">
+                <a:latin typeface="+mj-lt"/>
+              </a:rPr>
+              <a:t>ID</a:t>
+            </a:r>
+            <a:r>
+              <a:rPr lang="en-US" sz="1800" b="0" i="0" u="none" strike="noStrike" baseline="0" dirty="0">
+                <a:latin typeface="+mj-lt"/>
+              </a:rPr>
+              <a:t>, </a:t>
+            </a:r>
+            <a:r>
+              <a:rPr lang="en-US" sz="1800" b="0" i="1" u="none" strike="noStrike" baseline="0" dirty="0">
+                <a:latin typeface="+mj-lt"/>
+              </a:rPr>
+              <a:t>name</a:t>
+            </a:r>
+            <a:r>
+              <a:rPr lang="en-US" sz="1800" b="0" i="0" u="none" strike="noStrike" baseline="0" dirty="0">
+                <a:latin typeface="+mj-lt"/>
+              </a:rPr>
+              <a:t>, </a:t>
+            </a:r>
+            <a:r>
+              <a:rPr lang="en-US" sz="1800" b="0" i="1" u="none" strike="noStrike" baseline="0" dirty="0" err="1">
+                <a:latin typeface="+mj-lt"/>
+              </a:rPr>
+              <a:t>dept_name</a:t>
+            </a:r>
+            <a:r>
+              <a:rPr lang="en-US" sz="1800" b="0" i="0" u="none" strike="noStrike" baseline="0" dirty="0">
+                <a:latin typeface="+mj-lt"/>
+              </a:rPr>
+              <a:t>, </a:t>
+            </a:r>
+            <a:r>
+              <a:rPr lang="en-US" sz="1800" b="0" i="1" u="none" strike="noStrike" baseline="0" dirty="0">
+                <a:latin typeface="+mj-lt"/>
+              </a:rPr>
+              <a:t>salary</a:t>
+            </a:r>
+            <a:r>
+              <a:rPr lang="en-US" sz="1800" b="0" i="0" u="none" strike="noStrike" baseline="0" dirty="0">
+                <a:latin typeface="+mj-lt"/>
+              </a:rPr>
+              <a:t>)</a:t>
+            </a:r>
+          </a:p>
+          <a:p>
+            <a:pPr marL="0" indent="0" algn="l">
+              <a:buNone/>
+            </a:pPr>
+            <a:r>
+              <a:rPr lang="en-US" sz="1800" b="0" i="1" u="none" strike="noStrike" baseline="0" dirty="0">
+                <a:latin typeface="+mj-lt"/>
+              </a:rPr>
+              <a:t>section</a:t>
+            </a:r>
+            <a:r>
+              <a:rPr lang="en-US" sz="1800" b="0" i="0" u="none" strike="noStrike" baseline="0" dirty="0">
+                <a:latin typeface="+mj-lt"/>
+              </a:rPr>
+              <a:t>(</a:t>
+            </a:r>
+            <a:r>
+              <a:rPr lang="en-US" sz="1800" b="0" i="1" u="none" strike="noStrike" baseline="0" dirty="0" err="1">
+                <a:latin typeface="+mj-lt"/>
+              </a:rPr>
+              <a:t>course_id</a:t>
+            </a:r>
+            <a:r>
+              <a:rPr lang="en-US" sz="1800" b="0" i="0" u="none" strike="noStrike" baseline="0" dirty="0">
+                <a:latin typeface="+mj-lt"/>
+              </a:rPr>
+              <a:t>, </a:t>
+            </a:r>
+            <a:r>
+              <a:rPr lang="en-US" sz="1800" b="0" i="1" u="none" strike="noStrike" baseline="0" dirty="0" err="1">
+                <a:latin typeface="+mj-lt"/>
+              </a:rPr>
+              <a:t>sec_id</a:t>
+            </a:r>
+            <a:r>
+              <a:rPr lang="en-US" sz="1800" b="0" i="0" u="none" strike="noStrike" baseline="0" dirty="0">
+                <a:latin typeface="+mj-lt"/>
+              </a:rPr>
+              <a:t>, </a:t>
+            </a:r>
+            <a:r>
+              <a:rPr lang="en-US" sz="1800" b="0" i="1" u="none" strike="noStrike" baseline="0" dirty="0">
+                <a:latin typeface="+mj-lt"/>
+              </a:rPr>
+              <a:t>semester</a:t>
+            </a:r>
+            <a:r>
+              <a:rPr lang="en-US" sz="1800" b="0" i="0" u="none" strike="noStrike" baseline="0" dirty="0">
+                <a:latin typeface="+mj-lt"/>
+              </a:rPr>
+              <a:t>, </a:t>
+            </a:r>
+            <a:r>
+              <a:rPr lang="en-US" sz="1800" b="0" i="1" u="none" strike="noStrike" baseline="0" dirty="0">
+                <a:latin typeface="+mj-lt"/>
+              </a:rPr>
+              <a:t>year</a:t>
+            </a:r>
+            <a:r>
+              <a:rPr lang="en-US" sz="1800" b="0" i="0" u="none" strike="noStrike" baseline="0" dirty="0">
+                <a:latin typeface="+mj-lt"/>
+              </a:rPr>
+              <a:t>, </a:t>
+            </a:r>
+            <a:r>
+              <a:rPr lang="en-US" sz="1800" b="0" i="1" u="none" strike="noStrike" baseline="0" dirty="0">
+                <a:latin typeface="+mj-lt"/>
+              </a:rPr>
+              <a:t>building</a:t>
+            </a:r>
+            <a:r>
+              <a:rPr lang="en-US" sz="1800" b="0" i="0" u="none" strike="noStrike" baseline="0" dirty="0">
+                <a:latin typeface="+mj-lt"/>
+              </a:rPr>
+              <a:t>, </a:t>
+            </a:r>
+            <a:r>
+              <a:rPr lang="en-US" sz="1800" b="0" i="1" u="none" strike="noStrike" baseline="0" dirty="0">
+                <a:latin typeface="+mj-lt"/>
+              </a:rPr>
+              <a:t>room number</a:t>
+            </a:r>
+            <a:r>
+              <a:rPr lang="en-US" sz="1800" b="0" i="0" u="none" strike="noStrike" baseline="0" dirty="0">
+                <a:latin typeface="+mj-lt"/>
+              </a:rPr>
+              <a:t>, </a:t>
+            </a:r>
+            <a:r>
+              <a:rPr lang="en-US" sz="1800" b="0" i="1" u="none" strike="noStrike" baseline="0" dirty="0" err="1">
+                <a:latin typeface="+mj-lt"/>
+              </a:rPr>
+              <a:t>time_slot</a:t>
+            </a:r>
+            <a:r>
+              <a:rPr lang="en-US" sz="1800" i="1" dirty="0" err="1">
+                <a:latin typeface="+mj-lt"/>
+              </a:rPr>
+              <a:t>_</a:t>
+            </a:r>
+            <a:r>
+              <a:rPr lang="en-US" sz="1800" b="0" i="1" u="none" strike="noStrike" baseline="0" dirty="0" err="1">
+                <a:latin typeface="+mj-lt"/>
+              </a:rPr>
+              <a:t>id</a:t>
+            </a:r>
+            <a:r>
+              <a:rPr lang="en-US" sz="1800" b="0" i="0" u="none" strike="noStrike" baseline="0" dirty="0">
+                <a:latin typeface="+mj-lt"/>
+              </a:rPr>
+              <a:t>)</a:t>
+            </a:r>
+          </a:p>
+          <a:p>
+            <a:pPr marL="0" indent="0" algn="l">
+              <a:buNone/>
+            </a:pPr>
+            <a:r>
+              <a:rPr lang="en-US" sz="1800" b="0" i="1" u="none" strike="noStrike" baseline="0" dirty="0">
+                <a:latin typeface="+mj-lt"/>
+              </a:rPr>
+              <a:t>teaches</a:t>
+            </a:r>
+            <a:r>
+              <a:rPr lang="en-US" sz="1800" b="0" i="0" u="none" strike="noStrike" baseline="0" dirty="0">
+                <a:latin typeface="+mj-lt"/>
+              </a:rPr>
+              <a:t>(</a:t>
+            </a:r>
+            <a:r>
+              <a:rPr lang="en-US" sz="1800" b="0" i="1" u="none" strike="noStrike" baseline="0" dirty="0">
+                <a:latin typeface="+mj-lt"/>
+              </a:rPr>
+              <a:t>ID</a:t>
+            </a:r>
+            <a:r>
+              <a:rPr lang="en-US" sz="1800" b="0" i="0" u="none" strike="noStrike" baseline="0" dirty="0">
+                <a:latin typeface="+mj-lt"/>
+              </a:rPr>
+              <a:t>, </a:t>
+            </a:r>
+            <a:r>
+              <a:rPr lang="en-US" sz="1800" b="0" i="1" u="none" strike="noStrike" baseline="0" dirty="0" err="1">
+                <a:latin typeface="+mj-lt"/>
+              </a:rPr>
+              <a:t>course_id</a:t>
+            </a:r>
+            <a:r>
+              <a:rPr lang="en-US" sz="1800" b="0" i="0" u="none" strike="noStrike" baseline="0" dirty="0">
+                <a:latin typeface="+mj-lt"/>
+              </a:rPr>
+              <a:t>, </a:t>
+            </a:r>
+            <a:r>
+              <a:rPr lang="en-US" sz="1800" b="0" i="1" u="none" strike="noStrike" baseline="0" dirty="0" err="1">
+                <a:latin typeface="+mj-lt"/>
+              </a:rPr>
+              <a:t>sec_id</a:t>
+            </a:r>
+            <a:r>
+              <a:rPr lang="en-US" sz="1800" b="0" i="0" u="none" strike="noStrike" baseline="0" dirty="0">
+                <a:latin typeface="+mj-lt"/>
+              </a:rPr>
+              <a:t>, </a:t>
+            </a:r>
+            <a:r>
+              <a:rPr lang="en-US" sz="1800" b="0" i="1" u="none" strike="noStrike" baseline="0" dirty="0">
+                <a:latin typeface="+mj-lt"/>
+              </a:rPr>
+              <a:t>semester</a:t>
+            </a:r>
+            <a:r>
+              <a:rPr lang="en-US" sz="1800" b="0" i="0" u="none" strike="noStrike" baseline="0" dirty="0">
+                <a:latin typeface="+mj-lt"/>
+              </a:rPr>
+              <a:t>, </a:t>
+            </a:r>
+            <a:r>
+              <a:rPr lang="en-US" sz="1800" b="0" i="1" u="none" strike="noStrike" baseline="0" dirty="0">
+                <a:latin typeface="+mj-lt"/>
+              </a:rPr>
+              <a:t>year</a:t>
+            </a:r>
+            <a:r>
+              <a:rPr lang="en-US" sz="1800" b="0" i="0" u="none" strike="noStrike" baseline="0" dirty="0">
+                <a:latin typeface="+mj-lt"/>
+              </a:rPr>
+              <a:t>)</a:t>
+            </a:r>
+          </a:p>
+          <a:p>
+            <a:pPr marL="0" indent="0" algn="l">
+              <a:buNone/>
+            </a:pPr>
+            <a:r>
+              <a:rPr lang="en-US" sz="1800" b="0" i="1" u="none" strike="noStrike" baseline="0" dirty="0">
+                <a:latin typeface="+mj-lt"/>
+              </a:rPr>
+              <a:t>student</a:t>
+            </a:r>
+            <a:r>
+              <a:rPr lang="en-US" sz="1800" b="0" i="0" u="none" strike="noStrike" baseline="0" dirty="0">
+                <a:latin typeface="+mj-lt"/>
+              </a:rPr>
+              <a:t>(</a:t>
+            </a:r>
+            <a:r>
+              <a:rPr lang="en-US" sz="1800" b="0" i="1" u="none" strike="noStrike" baseline="0" dirty="0">
+                <a:latin typeface="+mj-lt"/>
+              </a:rPr>
+              <a:t>ID</a:t>
+            </a:r>
+            <a:r>
+              <a:rPr lang="en-US" sz="1800" b="0" i="0" u="none" strike="noStrike" baseline="0" dirty="0">
+                <a:latin typeface="+mj-lt"/>
+              </a:rPr>
+              <a:t>, </a:t>
+            </a:r>
+            <a:r>
+              <a:rPr lang="en-US" sz="1800" b="0" i="1" u="none" strike="noStrike" baseline="0" dirty="0">
+                <a:latin typeface="+mj-lt"/>
+              </a:rPr>
+              <a:t>name</a:t>
+            </a:r>
+            <a:r>
+              <a:rPr lang="en-US" sz="1800" b="0" i="0" u="none" strike="noStrike" baseline="0" dirty="0">
+                <a:latin typeface="+mj-lt"/>
+              </a:rPr>
+              <a:t>, </a:t>
+            </a:r>
+            <a:r>
+              <a:rPr lang="en-US" sz="1800" b="0" i="1" u="none" strike="noStrike" baseline="0" dirty="0" err="1">
+                <a:latin typeface="+mj-lt"/>
+              </a:rPr>
+              <a:t>dept_name</a:t>
+            </a:r>
+            <a:r>
+              <a:rPr lang="en-US" sz="1800" b="0" i="0" u="none" strike="noStrike" baseline="0" dirty="0">
+                <a:latin typeface="+mj-lt"/>
+              </a:rPr>
+              <a:t>, </a:t>
+            </a:r>
+            <a:r>
+              <a:rPr lang="en-US" sz="1800" b="0" i="1" u="none" strike="noStrike" baseline="0" dirty="0">
+                <a:latin typeface="+mj-lt"/>
+              </a:rPr>
+              <a:t>tot cred</a:t>
+            </a:r>
+            <a:r>
+              <a:rPr lang="en-US" sz="1800" b="0" i="0" u="none" strike="noStrike" baseline="0" dirty="0">
+                <a:latin typeface="+mj-lt"/>
+              </a:rPr>
+              <a:t>)</a:t>
+            </a:r>
+          </a:p>
+          <a:p>
+            <a:pPr marL="0" indent="0" algn="l">
+              <a:buNone/>
+            </a:pPr>
+            <a:r>
+              <a:rPr lang="en-US" sz="1800" b="0" i="1" u="none" strike="noStrike" baseline="0" dirty="0">
+                <a:latin typeface="+mj-lt"/>
+              </a:rPr>
+              <a:t>takes</a:t>
+            </a:r>
+            <a:r>
+              <a:rPr lang="en-US" sz="1800" b="0" i="0" u="none" strike="noStrike" baseline="0" dirty="0">
+                <a:latin typeface="+mj-lt"/>
+              </a:rPr>
+              <a:t>(</a:t>
+            </a:r>
+            <a:r>
+              <a:rPr lang="en-US" sz="1800" b="0" i="1" u="none" strike="noStrike" baseline="0" dirty="0">
+                <a:latin typeface="+mj-lt"/>
+              </a:rPr>
+              <a:t>ID</a:t>
+            </a:r>
+            <a:r>
+              <a:rPr lang="en-US" sz="1800" b="0" i="0" u="none" strike="noStrike" baseline="0" dirty="0">
+                <a:latin typeface="+mj-lt"/>
+              </a:rPr>
+              <a:t>, </a:t>
+            </a:r>
+            <a:r>
+              <a:rPr lang="en-US" sz="1800" b="0" i="1" u="none" strike="noStrike" baseline="0" dirty="0" err="1">
+                <a:latin typeface="+mj-lt"/>
+              </a:rPr>
+              <a:t>course_id</a:t>
+            </a:r>
+            <a:r>
+              <a:rPr lang="en-US" sz="1800" b="0" i="0" u="none" strike="noStrike" baseline="0" dirty="0">
+                <a:latin typeface="+mj-lt"/>
+              </a:rPr>
+              <a:t>, </a:t>
+            </a:r>
+            <a:r>
+              <a:rPr lang="en-US" sz="1800" b="0" i="1" u="none" strike="noStrike" baseline="0" dirty="0" err="1">
+                <a:latin typeface="+mj-lt"/>
+              </a:rPr>
+              <a:t>sec_id</a:t>
+            </a:r>
+            <a:r>
+              <a:rPr lang="en-US" sz="1800" b="0" i="0" u="none" strike="noStrike" baseline="0" dirty="0">
+                <a:latin typeface="+mj-lt"/>
+              </a:rPr>
+              <a:t>, </a:t>
+            </a:r>
+            <a:r>
+              <a:rPr lang="en-US" sz="1800" b="0" i="1" u="none" strike="noStrike" baseline="0" dirty="0">
+                <a:latin typeface="+mj-lt"/>
+              </a:rPr>
+              <a:t>semester</a:t>
+            </a:r>
+            <a:r>
+              <a:rPr lang="en-US" sz="1800" b="0" i="0" u="none" strike="noStrike" baseline="0" dirty="0">
+                <a:latin typeface="+mj-lt"/>
+              </a:rPr>
+              <a:t>, </a:t>
+            </a:r>
+            <a:r>
+              <a:rPr lang="en-US" sz="1800" b="0" i="1" u="none" strike="noStrike" baseline="0" dirty="0">
+                <a:latin typeface="+mj-lt"/>
+              </a:rPr>
+              <a:t>year</a:t>
+            </a:r>
+            <a:r>
+              <a:rPr lang="en-US" sz="1800" b="0" i="0" u="none" strike="noStrike" baseline="0" dirty="0">
+                <a:latin typeface="+mj-lt"/>
+              </a:rPr>
+              <a:t>, </a:t>
+            </a:r>
+            <a:r>
+              <a:rPr lang="en-US" sz="1800" b="0" i="1" u="none" strike="noStrike" baseline="0" dirty="0">
+                <a:latin typeface="+mj-lt"/>
+              </a:rPr>
+              <a:t>grade</a:t>
+            </a:r>
+            <a:r>
+              <a:rPr lang="en-US" sz="1800" b="0" i="0" u="none" strike="noStrike" baseline="0" dirty="0">
+                <a:latin typeface="+mj-lt"/>
+              </a:rPr>
+              <a:t>)</a:t>
+            </a:r>
+          </a:p>
+          <a:p>
+            <a:pPr marL="0" indent="0" algn="l">
+              <a:buNone/>
+            </a:pPr>
+            <a:r>
+              <a:rPr lang="en-US" sz="1800" b="0" i="1" u="none" strike="noStrike" baseline="0" dirty="0">
+                <a:latin typeface="+mj-lt"/>
+              </a:rPr>
+              <a:t>advisor</a:t>
+            </a:r>
+            <a:r>
+              <a:rPr lang="en-US" sz="1800" b="0" i="0" u="none" strike="noStrike" baseline="0" dirty="0">
+                <a:latin typeface="+mj-lt"/>
+              </a:rPr>
+              <a:t>(</a:t>
+            </a:r>
+            <a:r>
+              <a:rPr lang="en-US" sz="1800" b="0" i="1" u="none" strike="noStrike" baseline="0" dirty="0" err="1">
+                <a:latin typeface="+mj-lt"/>
+              </a:rPr>
+              <a:t>s_ID</a:t>
+            </a:r>
+            <a:r>
+              <a:rPr lang="en-US" sz="1800" b="0" i="0" u="none" strike="noStrike" baseline="0" dirty="0">
+                <a:latin typeface="+mj-lt"/>
+              </a:rPr>
+              <a:t>, </a:t>
+            </a:r>
+            <a:r>
+              <a:rPr lang="en-US" sz="1800" b="0" i="1" u="none" strike="noStrike" baseline="0" dirty="0" err="1">
+                <a:latin typeface="+mj-lt"/>
+              </a:rPr>
+              <a:t>i</a:t>
+            </a:r>
+            <a:r>
+              <a:rPr lang="en-US" sz="1800" i="1" dirty="0" err="1">
+                <a:latin typeface="+mj-lt"/>
+              </a:rPr>
+              <a:t>_</a:t>
+            </a:r>
+            <a:r>
+              <a:rPr lang="en-US" sz="1800" b="0" i="1" u="none" strike="noStrike" baseline="0" dirty="0" err="1">
+                <a:latin typeface="+mj-lt"/>
+              </a:rPr>
+              <a:t>ID</a:t>
+            </a:r>
+            <a:r>
+              <a:rPr lang="en-US" sz="1800" b="0" i="0" u="none" strike="noStrike" baseline="0" dirty="0">
+                <a:latin typeface="+mj-lt"/>
+              </a:rPr>
+              <a:t>)</a:t>
+            </a:r>
+          </a:p>
+          <a:p>
+            <a:pPr marL="0" indent="0" algn="l">
+              <a:buNone/>
+            </a:pPr>
+            <a:r>
+              <a:rPr lang="en-US" sz="1800" b="0" i="1" u="none" strike="noStrike" baseline="0" dirty="0" err="1">
+                <a:latin typeface="+mj-lt"/>
+              </a:rPr>
+              <a:t>time_slot</a:t>
+            </a:r>
+            <a:r>
+              <a:rPr lang="en-US" sz="1800" b="0" i="0" u="none" strike="noStrike" baseline="0" dirty="0">
+                <a:latin typeface="+mj-lt"/>
+              </a:rPr>
+              <a:t>(</a:t>
+            </a:r>
+            <a:r>
+              <a:rPr lang="en-US" sz="1800" b="0" i="1" u="none" strike="noStrike" baseline="0" dirty="0" err="1">
+                <a:latin typeface="+mj-lt"/>
+              </a:rPr>
+              <a:t>time_slot_id</a:t>
+            </a:r>
+            <a:r>
+              <a:rPr lang="en-US" sz="1800" b="0" i="0" u="none" strike="noStrike" baseline="0" dirty="0">
+                <a:latin typeface="+mj-lt"/>
+              </a:rPr>
+              <a:t>, </a:t>
+            </a:r>
+            <a:r>
+              <a:rPr lang="en-US" sz="1800" b="0" i="1" u="none" strike="noStrike" baseline="0" dirty="0">
+                <a:latin typeface="+mj-lt"/>
+              </a:rPr>
+              <a:t>day</a:t>
+            </a:r>
+            <a:r>
+              <a:rPr lang="en-US" sz="1800" b="0" i="0" u="none" strike="noStrike" baseline="0" dirty="0">
+                <a:latin typeface="+mj-lt"/>
+              </a:rPr>
+              <a:t>, </a:t>
+            </a:r>
+            <a:r>
+              <a:rPr lang="en-US" sz="1800" b="0" i="1" u="none" strike="noStrike" baseline="0" dirty="0">
+                <a:latin typeface="+mj-lt"/>
+              </a:rPr>
+              <a:t>start time</a:t>
+            </a:r>
+            <a:r>
+              <a:rPr lang="en-US" sz="1800" b="0" i="0" u="none" strike="noStrike" baseline="0" dirty="0">
+                <a:latin typeface="+mj-lt"/>
+              </a:rPr>
+              <a:t>, </a:t>
+            </a:r>
+            <a:r>
+              <a:rPr lang="en-US" sz="1800" b="0" i="1" u="none" strike="noStrike" baseline="0" dirty="0">
+                <a:latin typeface="+mj-lt"/>
+              </a:rPr>
+              <a:t>end time</a:t>
+            </a:r>
+            <a:r>
+              <a:rPr lang="en-US" sz="1800" b="0" i="0" u="none" strike="noStrike" baseline="0" dirty="0">
+                <a:latin typeface="+mj-lt"/>
+              </a:rPr>
+              <a:t>)</a:t>
+            </a:r>
+          </a:p>
+          <a:p>
+            <a:pPr marL="0" indent="0" algn="l">
+              <a:buNone/>
+            </a:pPr>
+            <a:r>
+              <a:rPr lang="en-US" sz="1800" b="0" i="1" u="none" strike="noStrike" baseline="0" dirty="0" err="1">
+                <a:latin typeface="+mj-lt"/>
+              </a:rPr>
+              <a:t>prereq</a:t>
+            </a:r>
+            <a:r>
+              <a:rPr lang="en-US" sz="1800" b="0" i="0" u="none" strike="noStrike" baseline="0" dirty="0">
+                <a:latin typeface="+mj-lt"/>
+              </a:rPr>
+              <a:t>(</a:t>
+            </a:r>
+            <a:r>
+              <a:rPr lang="en-US" sz="1800" b="0" i="1" u="none" strike="noStrike" baseline="0" dirty="0" err="1">
+                <a:latin typeface="+mj-lt"/>
+              </a:rPr>
+              <a:t>course_id</a:t>
+            </a:r>
+            <a:r>
+              <a:rPr lang="en-US" sz="1800" b="0" i="0" u="none" strike="noStrike" baseline="0" dirty="0">
+                <a:latin typeface="+mj-lt"/>
+              </a:rPr>
+              <a:t>, </a:t>
+            </a:r>
+            <a:r>
+              <a:rPr lang="en-US" sz="1800" b="0" i="1" u="none" strike="noStrike" baseline="0" dirty="0" err="1">
+                <a:latin typeface="+mj-lt"/>
+              </a:rPr>
+              <a:t>prereq_id</a:t>
+            </a:r>
+            <a:r>
+              <a:rPr lang="en-US" sz="1800" b="0" i="0" u="none" strike="noStrike" baseline="0" dirty="0">
+                <a:latin typeface="+mj-lt"/>
+              </a:rPr>
+              <a:t>)</a:t>
+            </a:r>
+            <a:endParaRPr lang="en-US" sz="2400" dirty="0">
+              <a:latin typeface="+mj-lt"/>
+            </a:endParaRPr>
+          </a:p>
+        </p:txBody>
+      </p:sp>
+      <p:sp>
+        <p:nvSpPr>
+          <p:cNvPr id="4" name="Slide Number Placeholder 3">
+            <a:extLst>
+              <a:ext uri="{FF2B5EF4-FFF2-40B4-BE49-F238E27FC236}">
+                <a16:creationId xmlns:a16="http://schemas.microsoft.com/office/drawing/2014/main" id="{BBA48AFF-313F-7465-BCFD-E5E2E70E70BA}"/>
+              </a:ext>
+            </a:extLst>
+          </p:cNvPr>
+          <p:cNvSpPr>
+            <a:spLocks noGrp="1"/>
+          </p:cNvSpPr>
+          <p:nvPr>
+            <p:ph type="sldNum" sz="quarter" idx="10"/>
+          </p:nvPr>
+        </p:nvSpPr>
+        <p:spPr/>
+        <p:txBody>
+          <a:bodyPr/>
+          <a:lstStyle/>
+          <a:p>
+            <a:pPr>
+              <a:defRPr/>
+            </a:pPr>
+            <a:fld id="{547F3CAF-32BF-49A6-93F1-59C9E4B7C957}" type="slidenum">
+              <a:rPr lang="en-US" altLang="en-US" smtClean="0"/>
+              <a:pPr>
+                <a:defRPr/>
+              </a:pPr>
+              <a:t>8</a:t>
+            </a:fld>
+            <a:endParaRPr lang="en-US" altLang="en-US" dirty="0"/>
+          </a:p>
+        </p:txBody>
+      </p:sp>
+    </p:spTree>
+    <p:extLst>
+      <p:ext uri="{BB962C8B-B14F-4D97-AF65-F5344CB8AC3E}">
+        <p14:creationId xmlns:p14="http://schemas.microsoft.com/office/powerpoint/2010/main" val="2581575707"/>
+      </p:ext>
+    </p:extLst>
+  </p:cSld>
+  <p:clrMapOvr>
+    <a:masterClrMapping/>
+  </p:clrMapOvr>
+</p:sld>
+</file>
+
+<file path=ppt/slides/slide9.xml><?xml version="1.0" encoding="utf-8"?>
+<p:sld xmlns:a="http://schemas.openxmlformats.org/drawingml/2006/main" xmlns:r="http://schemas.openxmlformats.org/officeDocument/2006/relationships" xmlns:p="http://schemas.openxmlformats.org/presentationml/2006/main">
+  <p:cSld>
+    <p:spTree>
+      <p:nvGrpSpPr>
+        <p:cNvPr id="1" name="">
+          <a:extLst>
+            <a:ext uri="{FF2B5EF4-FFF2-40B4-BE49-F238E27FC236}">
+              <a16:creationId xmlns:a16="http://schemas.microsoft.com/office/drawing/2014/main" id="{524B7BDD-07CD-716F-DB25-C0028C40AD2A}"/>
+            </a:ext>
+          </a:extLst>
+        </p:cNvPr>
+        <p:cNvGrpSpPr/>
+        <p:nvPr/>
+      </p:nvGrpSpPr>
+      <p:grpSpPr>
+        <a:xfrm>
+          <a:off x="0" y="0"/>
+          <a:ext cx="0" cy="0"/>
+          <a:chOff x="0" y="0"/>
+          <a:chExt cx="0" cy="0"/>
+        </a:xfrm>
+      </p:grpSpPr>
+      <p:sp>
+        <p:nvSpPr>
+          <p:cNvPr id="2" name="Title 1">
+            <a:extLst>
+              <a:ext uri="{FF2B5EF4-FFF2-40B4-BE49-F238E27FC236}">
+                <a16:creationId xmlns:a16="http://schemas.microsoft.com/office/drawing/2014/main" id="{1B9271B6-A17B-A080-6DFF-495CAF0CC1A5}"/>
+              </a:ext>
+            </a:extLst>
+          </p:cNvPr>
+          <p:cNvSpPr>
+            <a:spLocks noGrp="1"/>
+          </p:cNvSpPr>
+          <p:nvPr>
+            <p:ph type="title"/>
+          </p:nvPr>
+        </p:nvSpPr>
+        <p:spPr/>
+        <p:txBody>
+          <a:bodyPr/>
+          <a:lstStyle/>
+          <a:p>
+            <a:pPr algn="ctr"/>
+            <a:r>
+              <a:rPr lang="en-NZ" sz="3600" dirty="0"/>
+              <a:t>Appendix:</a:t>
+            </a:r>
+            <a:br>
+              <a:rPr lang="en-NZ" sz="3600" dirty="0"/>
+            </a:br>
+            <a:r>
+              <a:rPr lang="en-NZ" sz="3600" dirty="0"/>
+              <a:t>University Database</a:t>
+            </a:r>
+            <a:endParaRPr lang="en-US" sz="3600" dirty="0"/>
+          </a:p>
+        </p:txBody>
+      </p:sp>
+      <p:sp>
+        <p:nvSpPr>
+          <p:cNvPr id="4" name="Slide Number Placeholder 3">
+            <a:extLst>
+              <a:ext uri="{FF2B5EF4-FFF2-40B4-BE49-F238E27FC236}">
+                <a16:creationId xmlns:a16="http://schemas.microsoft.com/office/drawing/2014/main" id="{E6F3EC15-BF99-3BF7-D884-134993E913C5}"/>
+              </a:ext>
+            </a:extLst>
+          </p:cNvPr>
+          <p:cNvSpPr>
+            <a:spLocks noGrp="1"/>
+          </p:cNvSpPr>
+          <p:nvPr>
+            <p:ph type="sldNum" sz="quarter" idx="10"/>
+          </p:nvPr>
+        </p:nvSpPr>
+        <p:spPr/>
+        <p:txBody>
+          <a:bodyPr/>
+          <a:lstStyle/>
+          <a:p>
+            <a:pPr>
+              <a:defRPr/>
+            </a:pPr>
+            <a:fld id="{547F3CAF-32BF-49A6-93F1-59C9E4B7C957}" type="slidenum">
+              <a:rPr lang="en-US" altLang="en-US" smtClean="0"/>
+              <a:pPr>
+                <a:defRPr/>
+              </a:pPr>
+              <a:t>9</a:t>
+            </a:fld>
+            <a:endParaRPr lang="en-US" altLang="en-US" dirty="0"/>
+          </a:p>
+        </p:txBody>
+      </p:sp>
+      <p:sp>
+        <p:nvSpPr>
+          <p:cNvPr id="5" name="Content Placeholder 4">
+            <a:extLst>
+              <a:ext uri="{FF2B5EF4-FFF2-40B4-BE49-F238E27FC236}">
+                <a16:creationId xmlns:a16="http://schemas.microsoft.com/office/drawing/2014/main" id="{E8E27C8B-7092-7326-2E1D-25CEF3081AA9}"/>
+              </a:ext>
+            </a:extLst>
+          </p:cNvPr>
+          <p:cNvSpPr>
+            <a:spLocks noGrp="1"/>
+          </p:cNvSpPr>
+          <p:nvPr>
+            <p:ph idx="1"/>
+          </p:nvPr>
+        </p:nvSpPr>
+        <p:spPr/>
+        <p:txBody>
+          <a:bodyPr/>
+          <a:lstStyle/>
+          <a:p>
+            <a:endParaRPr lang="en-US"/>
+          </a:p>
+        </p:txBody>
+      </p:sp>
+      <p:pic>
+        <p:nvPicPr>
+          <p:cNvPr id="7" name="Picture 6">
+            <a:extLst>
+              <a:ext uri="{FF2B5EF4-FFF2-40B4-BE49-F238E27FC236}">
+                <a16:creationId xmlns:a16="http://schemas.microsoft.com/office/drawing/2014/main" id="{99720C1E-88CC-C9BF-2CD4-382BE11F93F1}"/>
+              </a:ext>
+            </a:extLst>
+          </p:cNvPr>
+          <p:cNvPicPr>
+            <a:picLocks noChangeAspect="1"/>
+          </p:cNvPicPr>
+          <p:nvPr/>
+        </p:nvPicPr>
+        <p:blipFill>
+          <a:blip r:embed="rId3"/>
+          <a:stretch>
+            <a:fillRect/>
+          </a:stretch>
+        </p:blipFill>
+        <p:spPr>
+          <a:xfrm>
+            <a:off x="408994" y="1809296"/>
+            <a:ext cx="8326012" cy="5020376"/>
+          </a:xfrm>
+          <a:prstGeom prst="rect">
+            <a:avLst/>
+          </a:prstGeom>
+        </p:spPr>
+      </p:pic>
+    </p:spTree>
+    <p:extLst>
+      <p:ext uri="{BB962C8B-B14F-4D97-AF65-F5344CB8AC3E}">
+        <p14:creationId xmlns:p14="http://schemas.microsoft.com/office/powerpoint/2010/main" val="372386006"/>
       </p:ext>
     </p:extLst>
   </p:cSld>
@@ -13390,7 +11010,7 @@
 
 <file path=ppt/webextensions/taskpanes.xml><?xml version="1.0" encoding="utf-8"?>
 <wetp:taskpanes xmlns:wetp="http://schemas.microsoft.com/office/webextensions/taskpanes/2010/11">
-  <wetp:taskpane dockstate="right" visibility="1" width="350" row="0">
+  <wetp:taskpane dockstate="right" visibility="1" width="350" row="1">
     <wetp:webextensionref xmlns:r="http://schemas.openxmlformats.org/officeDocument/2006/relationships" r:id="rId1"/>
   </wetp:taskpane>
 </wetp:taskpanes>

--- a/week_1/week_1.pptx
+++ b/week_1/week_1.pptx
@@ -7071,8 +7071,8 @@
           <a:p>
             <a:pPr algn="ctr"/>
             <a:r>
-              <a:rPr lang="en-US" altLang="zh-CN" sz="3600"/>
-              <a:t>Differences between Joins</a:t>
+              <a:rPr lang="en-US" altLang="zh-CN" sz="3600" dirty="0"/>
+              <a:t>Differences Between Joins</a:t>
             </a:r>
             <a:endParaRPr lang="en-US" sz="3600" dirty="0"/>
           </a:p>
@@ -8643,8 +8643,8 @@
         </p:nvSpPr>
         <p:spPr>
           <a:xfrm>
-            <a:off x="534032" y="1196492"/>
-            <a:ext cx="8079390" cy="4903787"/>
+            <a:off x="534032" y="1651191"/>
+            <a:ext cx="8079390" cy="3555617"/>
           </a:xfrm>
         </p:spPr>
         <p:txBody>
@@ -8707,51 +8707,6 @@
             <a:r>
               <a:rPr lang="en-US" sz="1800" dirty="0"/>
               <a:t>4.2 Find the IDs of all students who were taught by an instructor named Einstein; make sure there are no duplicates in the result.</a:t>
-            </a:r>
-          </a:p>
-          <a:p>
-            <a:pPr marL="0" indent="0">
-              <a:buNone/>
-            </a:pPr>
-            <a:r>
-              <a:rPr lang="en-US" sz="1800" dirty="0"/>
-              <a:t>4.3 Find the highest salary of any instructor.</a:t>
-            </a:r>
-          </a:p>
-          <a:p>
-            <a:pPr marL="0" indent="0">
-              <a:buNone/>
-            </a:pPr>
-            <a:r>
-              <a:rPr lang="en-US" sz="1800" dirty="0"/>
-              <a:t>4.4 Find all instructors earning the highest salary (there may be more than one with the same salary).</a:t>
-            </a:r>
-          </a:p>
-          <a:p>
-            <a:pPr marL="0" indent="0">
-              <a:buNone/>
-            </a:pPr>
-            <a:r>
-              <a:rPr lang="en-US" sz="1800" dirty="0"/>
-              <a:t>4.5 Find the enrollment of each section that was offered in Fall 2017.</a:t>
-            </a:r>
-          </a:p>
-          <a:p>
-            <a:pPr marL="0" indent="0">
-              <a:buNone/>
-            </a:pPr>
-            <a:r>
-              <a:rPr lang="en-US" sz="1800" dirty="0"/>
-              <a:t>4.6 Find the maximum enrollment, across all sections, in Fall 2017.</a:t>
-            </a:r>
-          </a:p>
-          <a:p>
-            <a:pPr marL="0" indent="0">
-              <a:buNone/>
-            </a:pPr>
-            <a:r>
-              <a:rPr lang="en-US" sz="1800" dirty="0"/>
-              <a:t>4.7 Find the sections that had the maximum enrollment in Fall 2017.</a:t>
             </a:r>
           </a:p>
           <a:p>
@@ -11010,7 +10965,7 @@
 
 <file path=ppt/webextensions/taskpanes.xml><?xml version="1.0" encoding="utf-8"?>
 <wetp:taskpanes xmlns:wetp="http://schemas.microsoft.com/office/webextensions/taskpanes/2010/11">
-  <wetp:taskpane dockstate="right" visibility="1" width="350" row="1">
+  <wetp:taskpane dockstate="right" visibility="1" width="350" row="0">
     <wetp:webextensionref xmlns:r="http://schemas.openxmlformats.org/officeDocument/2006/relationships" r:id="rId1"/>
   </wetp:taskpane>
 </wetp:taskpanes>

--- a/week_1/week_1.pptx
+++ b/week_1/week_1.pptx
@@ -8520,7 +8520,7 @@
       </p:sp>
       <p:pic>
         <p:nvPicPr>
-          <p:cNvPr id="6" name="Picture 5" descr="A close-up of several numbers&#10;&#10;AI-generated content may be incorrect.">
+          <p:cNvPr id="6" name="Picture 5">
             <a:extLst>
               <a:ext uri="{FF2B5EF4-FFF2-40B4-BE49-F238E27FC236}">
                 <a16:creationId xmlns:a16="http://schemas.microsoft.com/office/drawing/2014/main" id="{F05F48B3-773A-C7B9-6625-405F2174F2E9}"/>
@@ -8545,14 +8545,13 @@
               </a:clrTo>
             </a:clrChange>
           </a:blip>
-          <a:stretch>
-            <a:fillRect/>
-          </a:stretch>
+          <a:srcRect/>
+          <a:stretch/>
         </p:blipFill>
         <p:spPr>
           <a:xfrm>
-            <a:off x="1252537" y="5051683"/>
-            <a:ext cx="6638925" cy="1733550"/>
+            <a:off x="837597" y="4923886"/>
+            <a:ext cx="7634787" cy="1769393"/>
           </a:xfrm>
           <a:prstGeom prst="rect">
             <a:avLst/>
@@ -8760,10 +8759,10 @@
       </p:sp>
       <p:pic>
         <p:nvPicPr>
-          <p:cNvPr id="8" name="Picture 7" descr="A close-up of several numbers&#10;&#10;AI-generated content may be incorrect.">
+          <p:cNvPr id="5" name="Picture 4">
             <a:extLst>
               <a:ext uri="{FF2B5EF4-FFF2-40B4-BE49-F238E27FC236}">
-                <a16:creationId xmlns:a16="http://schemas.microsoft.com/office/drawing/2014/main" id="{99A85ABA-A156-3B49-4822-29D4DFC800E4}"/>
+                <a16:creationId xmlns:a16="http://schemas.microsoft.com/office/drawing/2014/main" id="{5150670B-01DF-56AB-F92D-9D670395A871}"/>
               </a:ext>
             </a:extLst>
           </p:cNvPr>
@@ -8785,14 +8784,13 @@
               </a:clrTo>
             </a:clrChange>
           </a:blip>
-          <a:stretch>
-            <a:fillRect/>
-          </a:stretch>
+          <a:srcRect/>
+          <a:stretch/>
         </p:blipFill>
         <p:spPr>
           <a:xfrm>
-            <a:off x="1252537" y="5051683"/>
-            <a:ext cx="6638925" cy="1733550"/>
+            <a:off x="837597" y="4923886"/>
+            <a:ext cx="7634787" cy="1769393"/>
           </a:xfrm>
           <a:prstGeom prst="rect">
             <a:avLst/>

--- a/week_1/week_1.pptx
+++ b/week_1/week_1.pptx
@@ -5,10 +5,10 @@
     <p:sldMasterId id="2147483659" r:id="rId1"/>
   </p:sldMasterIdLst>
   <p:notesMasterIdLst>
-    <p:notesMasterId r:id="rId13"/>
+    <p:notesMasterId r:id="rId18"/>
   </p:notesMasterIdLst>
   <p:handoutMasterIdLst>
-    <p:handoutMasterId r:id="rId14"/>
+    <p:handoutMasterId r:id="rId19"/>
   </p:handoutMasterIdLst>
   <p:sldIdLst>
     <p:sldId id="335" r:id="rId2"/>
@@ -21,7 +21,12 @@
     <p:sldId id="347" r:id="rId9"/>
     <p:sldId id="348" r:id="rId10"/>
     <p:sldId id="349" r:id="rId11"/>
-    <p:sldId id="289" r:id="rId12"/>
+    <p:sldId id="351" r:id="rId12"/>
+    <p:sldId id="355" r:id="rId13"/>
+    <p:sldId id="352" r:id="rId14"/>
+    <p:sldId id="353" r:id="rId15"/>
+    <p:sldId id="354" r:id="rId16"/>
+    <p:sldId id="289" r:id="rId17"/>
   </p:sldIdLst>
   <p:sldSz cx="9144000" cy="6858000" type="screen4x3"/>
   <p:notesSz cx="6997700" cy="9283700"/>
@@ -1335,6 +1340,579 @@
   <p:cSld>
     <p:spTree>
       <p:nvGrpSpPr>
+        <p:cNvPr id="1" name="">
+          <a:extLst>
+            <a:ext uri="{FF2B5EF4-FFF2-40B4-BE49-F238E27FC236}">
+              <a16:creationId xmlns:a16="http://schemas.microsoft.com/office/drawing/2014/main" id="{3F44DC5E-215F-1374-558C-E50B0F1329F6}"/>
+            </a:ext>
+          </a:extLst>
+        </p:cNvPr>
+        <p:cNvGrpSpPr/>
+        <p:nvPr/>
+      </p:nvGrpSpPr>
+      <p:grpSpPr>
+        <a:xfrm>
+          <a:off x="0" y="0"/>
+          <a:ext cx="0" cy="0"/>
+          <a:chOff x="0" y="0"/>
+          <a:chExt cx="0" cy="0"/>
+        </a:xfrm>
+      </p:grpSpPr>
+      <p:sp>
+        <p:nvSpPr>
+          <p:cNvPr id="2" name="Slide Image Placeholder 1">
+            <a:extLst>
+              <a:ext uri="{FF2B5EF4-FFF2-40B4-BE49-F238E27FC236}">
+                <a16:creationId xmlns:a16="http://schemas.microsoft.com/office/drawing/2014/main" id="{D6A76C54-D61C-BD59-092F-F4F216705D55}"/>
+              </a:ext>
+            </a:extLst>
+          </p:cNvPr>
+          <p:cNvSpPr>
+            <a:spLocks noGrp="1" noRot="1" noChangeAspect="1"/>
+          </p:cNvSpPr>
+          <p:nvPr>
+            <p:ph type="sldImg"/>
+          </p:nvPr>
+        </p:nvSpPr>
+        <p:spPr/>
+      </p:sp>
+      <p:sp>
+        <p:nvSpPr>
+          <p:cNvPr id="3" name="Notes Placeholder 2">
+            <a:extLst>
+              <a:ext uri="{FF2B5EF4-FFF2-40B4-BE49-F238E27FC236}">
+                <a16:creationId xmlns:a16="http://schemas.microsoft.com/office/drawing/2014/main" id="{D4F7BCD4-FB7A-2584-8323-997F9D3C347A}"/>
+              </a:ext>
+            </a:extLst>
+          </p:cNvPr>
+          <p:cNvSpPr>
+            <a:spLocks noGrp="1"/>
+          </p:cNvSpPr>
+          <p:nvPr>
+            <p:ph type="body" idx="1"/>
+          </p:nvPr>
+        </p:nvSpPr>
+        <p:spPr/>
+        <p:txBody>
+          <a:bodyPr/>
+          <a:lstStyle/>
+          <a:p>
+            <a:endParaRPr lang="en-US" dirty="0"/>
+          </a:p>
+        </p:txBody>
+      </p:sp>
+      <p:sp>
+        <p:nvSpPr>
+          <p:cNvPr id="4" name="Slide Number Placeholder 3">
+            <a:extLst>
+              <a:ext uri="{FF2B5EF4-FFF2-40B4-BE49-F238E27FC236}">
+                <a16:creationId xmlns:a16="http://schemas.microsoft.com/office/drawing/2014/main" id="{2D5D48F8-FB0B-FEC7-F77C-FB6F58AD4FD3}"/>
+              </a:ext>
+            </a:extLst>
+          </p:cNvPr>
+          <p:cNvSpPr>
+            <a:spLocks noGrp="1"/>
+          </p:cNvSpPr>
+          <p:nvPr>
+            <p:ph type="sldNum" sz="quarter" idx="5"/>
+          </p:nvPr>
+        </p:nvSpPr>
+        <p:spPr/>
+        <p:txBody>
+          <a:bodyPr/>
+          <a:lstStyle/>
+          <a:p>
+            <a:pPr>
+              <a:defRPr/>
+            </a:pPr>
+            <a:fld id="{AE66C03C-4B0E-4149-8287-A3B340EB818D}" type="slidenum">
+              <a:rPr lang="en-US" altLang="en-US" smtClean="0"/>
+              <a:pPr>
+                <a:defRPr/>
+              </a:pPr>
+              <a:t>11</a:t>
+            </a:fld>
+            <a:endParaRPr lang="en-US" altLang="en-US"/>
+          </a:p>
+        </p:txBody>
+      </p:sp>
+    </p:spTree>
+    <p:extLst>
+      <p:ext uri="{BB962C8B-B14F-4D97-AF65-F5344CB8AC3E}">
+        <p14:creationId xmlns:p14="http://schemas.microsoft.com/office/powerpoint/2010/main" val="578534244"/>
+      </p:ext>
+    </p:extLst>
+  </p:cSld>
+  <p:clrMapOvr>
+    <a:masterClrMapping/>
+  </p:clrMapOvr>
+</p:notes>
+</file>
+
+<file path=ppt/notesSlides/notesSlide12.xml><?xml version="1.0" encoding="utf-8"?>
+<p:notes xmlns:a="http://schemas.openxmlformats.org/drawingml/2006/main" xmlns:r="http://schemas.openxmlformats.org/officeDocument/2006/relationships" xmlns:p="http://schemas.openxmlformats.org/presentationml/2006/main">
+  <p:cSld>
+    <p:spTree>
+      <p:nvGrpSpPr>
+        <p:cNvPr id="1" name="">
+          <a:extLst>
+            <a:ext uri="{FF2B5EF4-FFF2-40B4-BE49-F238E27FC236}">
+              <a16:creationId xmlns:a16="http://schemas.microsoft.com/office/drawing/2014/main" id="{AB93BEF0-D2FA-104E-D9DC-63C387E56DFA}"/>
+            </a:ext>
+          </a:extLst>
+        </p:cNvPr>
+        <p:cNvGrpSpPr/>
+        <p:nvPr/>
+      </p:nvGrpSpPr>
+      <p:grpSpPr>
+        <a:xfrm>
+          <a:off x="0" y="0"/>
+          <a:ext cx="0" cy="0"/>
+          <a:chOff x="0" y="0"/>
+          <a:chExt cx="0" cy="0"/>
+        </a:xfrm>
+      </p:grpSpPr>
+      <p:sp>
+        <p:nvSpPr>
+          <p:cNvPr id="2" name="Slide Image Placeholder 1">
+            <a:extLst>
+              <a:ext uri="{FF2B5EF4-FFF2-40B4-BE49-F238E27FC236}">
+                <a16:creationId xmlns:a16="http://schemas.microsoft.com/office/drawing/2014/main" id="{3460A270-9450-D24C-DAC9-176399DB468F}"/>
+              </a:ext>
+            </a:extLst>
+          </p:cNvPr>
+          <p:cNvSpPr>
+            <a:spLocks noGrp="1" noRot="1" noChangeAspect="1"/>
+          </p:cNvSpPr>
+          <p:nvPr>
+            <p:ph type="sldImg"/>
+          </p:nvPr>
+        </p:nvSpPr>
+        <p:spPr/>
+      </p:sp>
+      <p:sp>
+        <p:nvSpPr>
+          <p:cNvPr id="3" name="Notes Placeholder 2">
+            <a:extLst>
+              <a:ext uri="{FF2B5EF4-FFF2-40B4-BE49-F238E27FC236}">
+                <a16:creationId xmlns:a16="http://schemas.microsoft.com/office/drawing/2014/main" id="{25CB5FB5-F446-C443-B9D0-535CDBDAD196}"/>
+              </a:ext>
+            </a:extLst>
+          </p:cNvPr>
+          <p:cNvSpPr>
+            <a:spLocks noGrp="1"/>
+          </p:cNvSpPr>
+          <p:nvPr>
+            <p:ph type="body" idx="1"/>
+          </p:nvPr>
+        </p:nvSpPr>
+        <p:spPr/>
+        <p:txBody>
+          <a:bodyPr/>
+          <a:lstStyle/>
+          <a:p>
+            <a:endParaRPr lang="en-US" dirty="0"/>
+          </a:p>
+        </p:txBody>
+      </p:sp>
+      <p:sp>
+        <p:nvSpPr>
+          <p:cNvPr id="4" name="Slide Number Placeholder 3">
+            <a:extLst>
+              <a:ext uri="{FF2B5EF4-FFF2-40B4-BE49-F238E27FC236}">
+                <a16:creationId xmlns:a16="http://schemas.microsoft.com/office/drawing/2014/main" id="{7094C7AB-DDF4-73D0-2DB0-ABDC9241B9B5}"/>
+              </a:ext>
+            </a:extLst>
+          </p:cNvPr>
+          <p:cNvSpPr>
+            <a:spLocks noGrp="1"/>
+          </p:cNvSpPr>
+          <p:nvPr>
+            <p:ph type="sldNum" sz="quarter" idx="5"/>
+          </p:nvPr>
+        </p:nvSpPr>
+        <p:spPr/>
+        <p:txBody>
+          <a:bodyPr/>
+          <a:lstStyle/>
+          <a:p>
+            <a:pPr>
+              <a:defRPr/>
+            </a:pPr>
+            <a:fld id="{AE66C03C-4B0E-4149-8287-A3B340EB818D}" type="slidenum">
+              <a:rPr lang="en-US" altLang="en-US" smtClean="0"/>
+              <a:pPr>
+                <a:defRPr/>
+              </a:pPr>
+              <a:t>12</a:t>
+            </a:fld>
+            <a:endParaRPr lang="en-US" altLang="en-US"/>
+          </a:p>
+        </p:txBody>
+      </p:sp>
+    </p:spTree>
+    <p:extLst>
+      <p:ext uri="{BB962C8B-B14F-4D97-AF65-F5344CB8AC3E}">
+        <p14:creationId xmlns:p14="http://schemas.microsoft.com/office/powerpoint/2010/main" val="505515943"/>
+      </p:ext>
+    </p:extLst>
+  </p:cSld>
+  <p:clrMapOvr>
+    <a:masterClrMapping/>
+  </p:clrMapOvr>
+</p:notes>
+</file>
+
+<file path=ppt/notesSlides/notesSlide13.xml><?xml version="1.0" encoding="utf-8"?>
+<p:notes xmlns:a="http://schemas.openxmlformats.org/drawingml/2006/main" xmlns:r="http://schemas.openxmlformats.org/officeDocument/2006/relationships" xmlns:p="http://schemas.openxmlformats.org/presentationml/2006/main">
+  <p:cSld>
+    <p:spTree>
+      <p:nvGrpSpPr>
+        <p:cNvPr id="1" name="">
+          <a:extLst>
+            <a:ext uri="{FF2B5EF4-FFF2-40B4-BE49-F238E27FC236}">
+              <a16:creationId xmlns:a16="http://schemas.microsoft.com/office/drawing/2014/main" id="{B5852770-78A1-3F0A-CBF4-C748970DF0D9}"/>
+            </a:ext>
+          </a:extLst>
+        </p:cNvPr>
+        <p:cNvGrpSpPr/>
+        <p:nvPr/>
+      </p:nvGrpSpPr>
+      <p:grpSpPr>
+        <a:xfrm>
+          <a:off x="0" y="0"/>
+          <a:ext cx="0" cy="0"/>
+          <a:chOff x="0" y="0"/>
+          <a:chExt cx="0" cy="0"/>
+        </a:xfrm>
+      </p:grpSpPr>
+      <p:sp>
+        <p:nvSpPr>
+          <p:cNvPr id="2" name="Slide Image Placeholder 1">
+            <a:extLst>
+              <a:ext uri="{FF2B5EF4-FFF2-40B4-BE49-F238E27FC236}">
+                <a16:creationId xmlns:a16="http://schemas.microsoft.com/office/drawing/2014/main" id="{01252FB8-5A5C-3E95-4255-A450B8039711}"/>
+              </a:ext>
+            </a:extLst>
+          </p:cNvPr>
+          <p:cNvSpPr>
+            <a:spLocks noGrp="1" noRot="1" noChangeAspect="1"/>
+          </p:cNvSpPr>
+          <p:nvPr>
+            <p:ph type="sldImg"/>
+          </p:nvPr>
+        </p:nvSpPr>
+        <p:spPr/>
+      </p:sp>
+      <p:sp>
+        <p:nvSpPr>
+          <p:cNvPr id="3" name="Notes Placeholder 2">
+            <a:extLst>
+              <a:ext uri="{FF2B5EF4-FFF2-40B4-BE49-F238E27FC236}">
+                <a16:creationId xmlns:a16="http://schemas.microsoft.com/office/drawing/2014/main" id="{95A54E19-DA22-2841-AD02-74BBF778B0A4}"/>
+              </a:ext>
+            </a:extLst>
+          </p:cNvPr>
+          <p:cNvSpPr>
+            <a:spLocks noGrp="1"/>
+          </p:cNvSpPr>
+          <p:nvPr>
+            <p:ph type="body" idx="1"/>
+          </p:nvPr>
+        </p:nvSpPr>
+        <p:spPr/>
+        <p:txBody>
+          <a:bodyPr/>
+          <a:lstStyle/>
+          <a:p>
+            <a:endParaRPr lang="en-US" dirty="0"/>
+          </a:p>
+        </p:txBody>
+      </p:sp>
+      <p:sp>
+        <p:nvSpPr>
+          <p:cNvPr id="4" name="Slide Number Placeholder 3">
+            <a:extLst>
+              <a:ext uri="{FF2B5EF4-FFF2-40B4-BE49-F238E27FC236}">
+                <a16:creationId xmlns:a16="http://schemas.microsoft.com/office/drawing/2014/main" id="{90686F9C-E6B0-B2D3-9F5B-B52EB8B85ED2}"/>
+              </a:ext>
+            </a:extLst>
+          </p:cNvPr>
+          <p:cNvSpPr>
+            <a:spLocks noGrp="1"/>
+          </p:cNvSpPr>
+          <p:nvPr>
+            <p:ph type="sldNum" sz="quarter" idx="5"/>
+          </p:nvPr>
+        </p:nvSpPr>
+        <p:spPr/>
+        <p:txBody>
+          <a:bodyPr/>
+          <a:lstStyle/>
+          <a:p>
+            <a:pPr>
+              <a:defRPr/>
+            </a:pPr>
+            <a:fld id="{AE66C03C-4B0E-4149-8287-A3B340EB818D}" type="slidenum">
+              <a:rPr lang="en-US" altLang="en-US" smtClean="0"/>
+              <a:pPr>
+                <a:defRPr/>
+              </a:pPr>
+              <a:t>13</a:t>
+            </a:fld>
+            <a:endParaRPr lang="en-US" altLang="en-US"/>
+          </a:p>
+        </p:txBody>
+      </p:sp>
+    </p:spTree>
+    <p:extLst>
+      <p:ext uri="{BB962C8B-B14F-4D97-AF65-F5344CB8AC3E}">
+        <p14:creationId xmlns:p14="http://schemas.microsoft.com/office/powerpoint/2010/main" val="3153527501"/>
+      </p:ext>
+    </p:extLst>
+  </p:cSld>
+  <p:clrMapOvr>
+    <a:masterClrMapping/>
+  </p:clrMapOvr>
+</p:notes>
+</file>
+
+<file path=ppt/notesSlides/notesSlide14.xml><?xml version="1.0" encoding="utf-8"?>
+<p:notes xmlns:a="http://schemas.openxmlformats.org/drawingml/2006/main" xmlns:r="http://schemas.openxmlformats.org/officeDocument/2006/relationships" xmlns:p="http://schemas.openxmlformats.org/presentationml/2006/main">
+  <p:cSld>
+    <p:spTree>
+      <p:nvGrpSpPr>
+        <p:cNvPr id="1" name="">
+          <a:extLst>
+            <a:ext uri="{FF2B5EF4-FFF2-40B4-BE49-F238E27FC236}">
+              <a16:creationId xmlns:a16="http://schemas.microsoft.com/office/drawing/2014/main" id="{6B769F60-4B8A-5D98-D7FE-39856F796176}"/>
+            </a:ext>
+          </a:extLst>
+        </p:cNvPr>
+        <p:cNvGrpSpPr/>
+        <p:nvPr/>
+      </p:nvGrpSpPr>
+      <p:grpSpPr>
+        <a:xfrm>
+          <a:off x="0" y="0"/>
+          <a:ext cx="0" cy="0"/>
+          <a:chOff x="0" y="0"/>
+          <a:chExt cx="0" cy="0"/>
+        </a:xfrm>
+      </p:grpSpPr>
+      <p:sp>
+        <p:nvSpPr>
+          <p:cNvPr id="2" name="Slide Image Placeholder 1">
+            <a:extLst>
+              <a:ext uri="{FF2B5EF4-FFF2-40B4-BE49-F238E27FC236}">
+                <a16:creationId xmlns:a16="http://schemas.microsoft.com/office/drawing/2014/main" id="{36A4E31D-75EE-5E8E-17C1-72EFD62825A7}"/>
+              </a:ext>
+            </a:extLst>
+          </p:cNvPr>
+          <p:cNvSpPr>
+            <a:spLocks noGrp="1" noRot="1" noChangeAspect="1"/>
+          </p:cNvSpPr>
+          <p:nvPr>
+            <p:ph type="sldImg"/>
+          </p:nvPr>
+        </p:nvSpPr>
+        <p:spPr/>
+      </p:sp>
+      <p:sp>
+        <p:nvSpPr>
+          <p:cNvPr id="3" name="Notes Placeholder 2">
+            <a:extLst>
+              <a:ext uri="{FF2B5EF4-FFF2-40B4-BE49-F238E27FC236}">
+                <a16:creationId xmlns:a16="http://schemas.microsoft.com/office/drawing/2014/main" id="{3D7F60D4-0E3E-7D6F-B144-8002B9C3CDAC}"/>
+              </a:ext>
+            </a:extLst>
+          </p:cNvPr>
+          <p:cNvSpPr>
+            <a:spLocks noGrp="1"/>
+          </p:cNvSpPr>
+          <p:nvPr>
+            <p:ph type="body" idx="1"/>
+          </p:nvPr>
+        </p:nvSpPr>
+        <p:spPr/>
+        <p:txBody>
+          <a:bodyPr/>
+          <a:lstStyle/>
+          <a:p>
+            <a:endParaRPr lang="en-US" dirty="0"/>
+          </a:p>
+        </p:txBody>
+      </p:sp>
+      <p:sp>
+        <p:nvSpPr>
+          <p:cNvPr id="4" name="Slide Number Placeholder 3">
+            <a:extLst>
+              <a:ext uri="{FF2B5EF4-FFF2-40B4-BE49-F238E27FC236}">
+                <a16:creationId xmlns:a16="http://schemas.microsoft.com/office/drawing/2014/main" id="{78E0F52C-7B99-525E-38EA-6C31BCAA527A}"/>
+              </a:ext>
+            </a:extLst>
+          </p:cNvPr>
+          <p:cNvSpPr>
+            <a:spLocks noGrp="1"/>
+          </p:cNvSpPr>
+          <p:nvPr>
+            <p:ph type="sldNum" sz="quarter" idx="5"/>
+          </p:nvPr>
+        </p:nvSpPr>
+        <p:spPr/>
+        <p:txBody>
+          <a:bodyPr/>
+          <a:lstStyle/>
+          <a:p>
+            <a:pPr>
+              <a:defRPr/>
+            </a:pPr>
+            <a:fld id="{AE66C03C-4B0E-4149-8287-A3B340EB818D}" type="slidenum">
+              <a:rPr lang="en-US" altLang="en-US" smtClean="0"/>
+              <a:pPr>
+                <a:defRPr/>
+              </a:pPr>
+              <a:t>14</a:t>
+            </a:fld>
+            <a:endParaRPr lang="en-US" altLang="en-US"/>
+          </a:p>
+        </p:txBody>
+      </p:sp>
+    </p:spTree>
+    <p:extLst>
+      <p:ext uri="{BB962C8B-B14F-4D97-AF65-F5344CB8AC3E}">
+        <p14:creationId xmlns:p14="http://schemas.microsoft.com/office/powerpoint/2010/main" val="1807927162"/>
+      </p:ext>
+    </p:extLst>
+  </p:cSld>
+  <p:clrMapOvr>
+    <a:masterClrMapping/>
+  </p:clrMapOvr>
+</p:notes>
+</file>
+
+<file path=ppt/notesSlides/notesSlide15.xml><?xml version="1.0" encoding="utf-8"?>
+<p:notes xmlns:a="http://schemas.openxmlformats.org/drawingml/2006/main" xmlns:r="http://schemas.openxmlformats.org/officeDocument/2006/relationships" xmlns:p="http://schemas.openxmlformats.org/presentationml/2006/main">
+  <p:cSld>
+    <p:spTree>
+      <p:nvGrpSpPr>
+        <p:cNvPr id="1" name="">
+          <a:extLst>
+            <a:ext uri="{FF2B5EF4-FFF2-40B4-BE49-F238E27FC236}">
+              <a16:creationId xmlns:a16="http://schemas.microsoft.com/office/drawing/2014/main" id="{08E3EC08-1B81-C687-F259-75684D7361E4}"/>
+            </a:ext>
+          </a:extLst>
+        </p:cNvPr>
+        <p:cNvGrpSpPr/>
+        <p:nvPr/>
+      </p:nvGrpSpPr>
+      <p:grpSpPr>
+        <a:xfrm>
+          <a:off x="0" y="0"/>
+          <a:ext cx="0" cy="0"/>
+          <a:chOff x="0" y="0"/>
+          <a:chExt cx="0" cy="0"/>
+        </a:xfrm>
+      </p:grpSpPr>
+      <p:sp>
+        <p:nvSpPr>
+          <p:cNvPr id="2" name="Slide Image Placeholder 1">
+            <a:extLst>
+              <a:ext uri="{FF2B5EF4-FFF2-40B4-BE49-F238E27FC236}">
+                <a16:creationId xmlns:a16="http://schemas.microsoft.com/office/drawing/2014/main" id="{D8DFEC1D-6982-A50C-7186-AEE1D24E7F16}"/>
+              </a:ext>
+            </a:extLst>
+          </p:cNvPr>
+          <p:cNvSpPr>
+            <a:spLocks noGrp="1" noRot="1" noChangeAspect="1"/>
+          </p:cNvSpPr>
+          <p:nvPr>
+            <p:ph type="sldImg"/>
+          </p:nvPr>
+        </p:nvSpPr>
+        <p:spPr/>
+      </p:sp>
+      <p:sp>
+        <p:nvSpPr>
+          <p:cNvPr id="3" name="Notes Placeholder 2">
+            <a:extLst>
+              <a:ext uri="{FF2B5EF4-FFF2-40B4-BE49-F238E27FC236}">
+                <a16:creationId xmlns:a16="http://schemas.microsoft.com/office/drawing/2014/main" id="{72342A18-0AAE-D4AD-CFBC-C244EAB59433}"/>
+              </a:ext>
+            </a:extLst>
+          </p:cNvPr>
+          <p:cNvSpPr>
+            <a:spLocks noGrp="1"/>
+          </p:cNvSpPr>
+          <p:nvPr>
+            <p:ph type="body" idx="1"/>
+          </p:nvPr>
+        </p:nvSpPr>
+        <p:spPr/>
+        <p:txBody>
+          <a:bodyPr/>
+          <a:lstStyle/>
+          <a:p>
+            <a:pPr marL="0" indent="0">
+              <a:buNone/>
+            </a:pPr>
+            <a:endParaRPr lang="en-US" dirty="0"/>
+          </a:p>
+        </p:txBody>
+      </p:sp>
+      <p:sp>
+        <p:nvSpPr>
+          <p:cNvPr id="4" name="Slide Number Placeholder 3">
+            <a:extLst>
+              <a:ext uri="{FF2B5EF4-FFF2-40B4-BE49-F238E27FC236}">
+                <a16:creationId xmlns:a16="http://schemas.microsoft.com/office/drawing/2014/main" id="{7C1E58A4-D539-3A42-B8B6-B801EEFCCBAD}"/>
+              </a:ext>
+            </a:extLst>
+          </p:cNvPr>
+          <p:cNvSpPr>
+            <a:spLocks noGrp="1"/>
+          </p:cNvSpPr>
+          <p:nvPr>
+            <p:ph type="sldNum" sz="quarter" idx="5"/>
+          </p:nvPr>
+        </p:nvSpPr>
+        <p:spPr/>
+        <p:txBody>
+          <a:bodyPr/>
+          <a:lstStyle/>
+          <a:p>
+            <a:pPr>
+              <a:defRPr/>
+            </a:pPr>
+            <a:fld id="{AE66C03C-4B0E-4149-8287-A3B340EB818D}" type="slidenum">
+              <a:rPr lang="en-US" altLang="en-US" smtClean="0"/>
+              <a:pPr>
+                <a:defRPr/>
+              </a:pPr>
+              <a:t>15</a:t>
+            </a:fld>
+            <a:endParaRPr lang="en-US" altLang="en-US"/>
+          </a:p>
+        </p:txBody>
+      </p:sp>
+    </p:spTree>
+    <p:extLst>
+      <p:ext uri="{BB962C8B-B14F-4D97-AF65-F5344CB8AC3E}">
+        <p14:creationId xmlns:p14="http://schemas.microsoft.com/office/powerpoint/2010/main" val="2540566131"/>
+      </p:ext>
+    </p:extLst>
+  </p:cSld>
+  <p:clrMapOvr>
+    <a:masterClrMapping/>
+  </p:clrMapOvr>
+</p:notes>
+</file>
+
+<file path=ppt/notesSlides/notesSlide16.xml><?xml version="1.0" encoding="utf-8"?>
+<p:notes xmlns:a="http://schemas.openxmlformats.org/drawingml/2006/main" xmlns:r="http://schemas.openxmlformats.org/officeDocument/2006/relationships" xmlns:p="http://schemas.openxmlformats.org/presentationml/2006/main">
+  <p:cSld>
+    <p:spTree>
+      <p:nvGrpSpPr>
         <p:cNvPr id="1" name=""/>
         <p:cNvGrpSpPr/>
         <p:nvPr/>
@@ -1401,7 +1979,7 @@
               <a:pPr>
                 <a:defRPr/>
               </a:pPr>
-              <a:t>11</a:t>
+              <a:t>16</a:t>
             </a:fld>
             <a:endParaRPr lang="en-US" altLang="en-US"/>
           </a:p>
@@ -6446,6 +7024,1164 @@
   <p:cSld>
     <p:spTree>
       <p:nvGrpSpPr>
+        <p:cNvPr id="1" name="">
+          <a:extLst>
+            <a:ext uri="{FF2B5EF4-FFF2-40B4-BE49-F238E27FC236}">
+              <a16:creationId xmlns:a16="http://schemas.microsoft.com/office/drawing/2014/main" id="{9281FEA6-514D-2FB5-584B-2B2EB8B12BCD}"/>
+            </a:ext>
+          </a:extLst>
+        </p:cNvPr>
+        <p:cNvGrpSpPr/>
+        <p:nvPr/>
+      </p:nvGrpSpPr>
+      <p:grpSpPr>
+        <a:xfrm>
+          <a:off x="0" y="0"/>
+          <a:ext cx="0" cy="0"/>
+          <a:chOff x="0" y="0"/>
+          <a:chExt cx="0" cy="0"/>
+        </a:xfrm>
+      </p:grpSpPr>
+      <p:sp>
+        <p:nvSpPr>
+          <p:cNvPr id="2" name="Title 1">
+            <a:extLst>
+              <a:ext uri="{FF2B5EF4-FFF2-40B4-BE49-F238E27FC236}">
+                <a16:creationId xmlns:a16="http://schemas.microsoft.com/office/drawing/2014/main" id="{47F5E5B9-76B3-AFB3-1F2C-D5CC0695E4F9}"/>
+              </a:ext>
+            </a:extLst>
+          </p:cNvPr>
+          <p:cNvSpPr>
+            <a:spLocks noGrp="1"/>
+          </p:cNvSpPr>
+          <p:nvPr>
+            <p:ph type="title"/>
+          </p:nvPr>
+        </p:nvSpPr>
+        <p:spPr/>
+        <p:txBody>
+          <a:bodyPr/>
+          <a:lstStyle/>
+          <a:p>
+            <a:pPr algn="ctr"/>
+            <a:r>
+              <a:rPr lang="en-NZ" sz="3600" dirty="0"/>
+              <a:t>Answers</a:t>
+            </a:r>
+            <a:endParaRPr lang="en-US" sz="3600" dirty="0"/>
+          </a:p>
+        </p:txBody>
+      </p:sp>
+      <p:sp>
+        <p:nvSpPr>
+          <p:cNvPr id="3" name="Content Placeholder 2">
+            <a:extLst>
+              <a:ext uri="{FF2B5EF4-FFF2-40B4-BE49-F238E27FC236}">
+                <a16:creationId xmlns:a16="http://schemas.microsoft.com/office/drawing/2014/main" id="{F290A5A9-1A64-5A73-C0EC-DB3BB748E36B}"/>
+              </a:ext>
+            </a:extLst>
+          </p:cNvPr>
+          <p:cNvSpPr>
+            <a:spLocks noGrp="1"/>
+          </p:cNvSpPr>
+          <p:nvPr>
+            <p:ph idx="1"/>
+          </p:nvPr>
+        </p:nvSpPr>
+        <p:spPr/>
+        <p:txBody>
+          <a:bodyPr/>
+          <a:lstStyle/>
+          <a:p>
+            <a:pPr marL="0" indent="0" algn="l">
+              <a:buNone/>
+            </a:pPr>
+            <a:r>
+              <a:rPr lang="en-US" sz="2400" b="0" i="0" u="none" strike="noStrike" baseline="0" dirty="0">
+                <a:latin typeface="+mj-lt"/>
+              </a:rPr>
+              <a:t>1.1</a:t>
+            </a:r>
+          </a:p>
+          <a:p>
+            <a:pPr algn="l"/>
+            <a:r>
+              <a:rPr lang="en-US" sz="2400" b="0" i="1" u="none" strike="noStrike" baseline="0" dirty="0">
+                <a:latin typeface="+mj-lt"/>
+              </a:rPr>
+              <a:t>branch</a:t>
+            </a:r>
+            <a:r>
+              <a:rPr lang="en-US" sz="2400" b="0" i="0" u="none" strike="noStrike" baseline="0" dirty="0">
+                <a:latin typeface="+mj-lt"/>
+              </a:rPr>
+              <a:t>(</a:t>
+            </a:r>
+            <a:r>
+              <a:rPr lang="en-US" sz="2400" b="0" i="1" u="sng" strike="noStrike" baseline="0" dirty="0">
+                <a:latin typeface="+mj-lt"/>
+              </a:rPr>
+              <a:t>branch name</a:t>
+            </a:r>
+            <a:r>
+              <a:rPr lang="en-US" sz="2400" b="0" i="0" u="none" strike="noStrike" baseline="0" dirty="0">
+                <a:latin typeface="+mj-lt"/>
+              </a:rPr>
+              <a:t>, </a:t>
+            </a:r>
+            <a:r>
+              <a:rPr lang="en-US" sz="2400" b="0" i="1" u="none" strike="noStrike" baseline="0" dirty="0">
+                <a:latin typeface="+mj-lt"/>
+              </a:rPr>
+              <a:t>branch city, assets</a:t>
+            </a:r>
+            <a:r>
+              <a:rPr lang="en-US" sz="2400" b="0" i="0" u="none" strike="noStrike" baseline="0" dirty="0">
+                <a:latin typeface="+mj-lt"/>
+              </a:rPr>
+              <a:t>)</a:t>
+            </a:r>
+          </a:p>
+          <a:p>
+            <a:pPr algn="l"/>
+            <a:r>
+              <a:rPr lang="en-US" sz="2400" b="0" i="1" u="none" strike="noStrike" baseline="0" dirty="0">
+                <a:latin typeface="+mj-lt"/>
+              </a:rPr>
+              <a:t>customer </a:t>
+            </a:r>
+            <a:r>
+              <a:rPr lang="en-US" sz="2400" b="0" i="0" u="none" strike="noStrike" baseline="0" dirty="0">
+                <a:latin typeface="+mj-lt"/>
+              </a:rPr>
+              <a:t>(</a:t>
+            </a:r>
+            <a:r>
+              <a:rPr lang="en-US" sz="2400" b="0" i="1" u="sng" strike="noStrike" baseline="0" dirty="0">
+                <a:latin typeface="+mj-lt"/>
+              </a:rPr>
+              <a:t>ID</a:t>
+            </a:r>
+            <a:r>
+              <a:rPr lang="en-US" sz="2400" b="0" i="0" u="none" strike="noStrike" baseline="0" dirty="0">
+                <a:latin typeface="+mj-lt"/>
+              </a:rPr>
+              <a:t>, </a:t>
+            </a:r>
+            <a:r>
+              <a:rPr lang="en-US" sz="2400" b="0" i="1" u="none" strike="noStrike" baseline="0" dirty="0">
+                <a:latin typeface="+mj-lt"/>
+              </a:rPr>
+              <a:t>customer name</a:t>
+            </a:r>
+            <a:r>
+              <a:rPr lang="en-US" sz="2400" b="0" i="0" u="none" strike="noStrike" baseline="0" dirty="0">
+                <a:latin typeface="+mj-lt"/>
+              </a:rPr>
+              <a:t>, </a:t>
+            </a:r>
+            <a:r>
+              <a:rPr lang="en-US" sz="2400" b="0" i="1" u="none" strike="noStrike" baseline="0" dirty="0">
+                <a:latin typeface="+mj-lt"/>
+              </a:rPr>
+              <a:t>customer street, customer city</a:t>
+            </a:r>
+            <a:r>
+              <a:rPr lang="en-US" sz="2400" b="0" i="0" u="none" strike="noStrike" baseline="0" dirty="0">
+                <a:latin typeface="+mj-lt"/>
+              </a:rPr>
+              <a:t>)</a:t>
+            </a:r>
+          </a:p>
+          <a:p>
+            <a:pPr algn="l"/>
+            <a:r>
+              <a:rPr lang="en-US" sz="2400" b="0" i="1" u="none" strike="noStrike" baseline="0" dirty="0">
+                <a:latin typeface="+mj-lt"/>
+              </a:rPr>
+              <a:t>loan </a:t>
+            </a:r>
+            <a:r>
+              <a:rPr lang="en-US" sz="2400" b="0" i="0" u="none" strike="noStrike" baseline="0" dirty="0">
+                <a:latin typeface="+mj-lt"/>
+              </a:rPr>
+              <a:t>(</a:t>
+            </a:r>
+            <a:r>
+              <a:rPr lang="en-US" sz="2400" b="0" i="1" u="sng" strike="noStrike" baseline="0" dirty="0">
+                <a:latin typeface="+mj-lt"/>
+              </a:rPr>
+              <a:t>loan number</a:t>
+            </a:r>
+            <a:r>
+              <a:rPr lang="en-US" sz="2400" b="0" i="0" u="none" strike="noStrike" baseline="0" dirty="0">
+                <a:latin typeface="+mj-lt"/>
+              </a:rPr>
+              <a:t>, </a:t>
+            </a:r>
+            <a:r>
+              <a:rPr lang="en-US" sz="2400" b="0" i="1" u="none" strike="noStrike" baseline="0" dirty="0">
+                <a:latin typeface="+mj-lt"/>
+              </a:rPr>
+              <a:t>branch name, amount</a:t>
+            </a:r>
+            <a:r>
+              <a:rPr lang="en-US" sz="2400" b="0" i="0" u="none" strike="noStrike" baseline="0" dirty="0">
+                <a:latin typeface="+mj-lt"/>
+              </a:rPr>
+              <a:t>)</a:t>
+            </a:r>
+          </a:p>
+          <a:p>
+            <a:pPr algn="l"/>
+            <a:r>
+              <a:rPr lang="en-US" sz="2400" b="0" i="1" u="none" strike="noStrike" baseline="0" dirty="0">
+                <a:latin typeface="+mj-lt"/>
+              </a:rPr>
+              <a:t>borrower </a:t>
+            </a:r>
+            <a:r>
+              <a:rPr lang="en-US" sz="2400" b="0" i="0" u="none" strike="noStrike" baseline="0" dirty="0">
+                <a:latin typeface="+mj-lt"/>
+              </a:rPr>
+              <a:t>(</a:t>
+            </a:r>
+            <a:r>
+              <a:rPr lang="en-US" sz="2400" b="0" i="1" u="sng" strike="noStrike" baseline="0" dirty="0">
+                <a:latin typeface="+mj-lt"/>
+              </a:rPr>
+              <a:t>ID</a:t>
+            </a:r>
+            <a:r>
+              <a:rPr lang="en-US" sz="2400" b="0" i="0" u="sng" strike="noStrike" baseline="0" dirty="0">
+                <a:latin typeface="+mj-lt"/>
+              </a:rPr>
+              <a:t>, </a:t>
+            </a:r>
+            <a:r>
+              <a:rPr lang="en-US" sz="2400" b="0" i="1" u="sng" strike="noStrike" baseline="0" dirty="0">
+                <a:latin typeface="+mj-lt"/>
+              </a:rPr>
+              <a:t>loan number</a:t>
+            </a:r>
+            <a:r>
+              <a:rPr lang="en-US" sz="2400" b="0" i="0" u="none" strike="noStrike" baseline="0" dirty="0">
+                <a:latin typeface="+mj-lt"/>
+              </a:rPr>
+              <a:t>)</a:t>
+            </a:r>
+          </a:p>
+          <a:p>
+            <a:pPr algn="l"/>
+            <a:r>
+              <a:rPr lang="en-US" sz="2400" b="0" i="1" u="none" strike="noStrike" baseline="0" dirty="0">
+                <a:latin typeface="+mj-lt"/>
+              </a:rPr>
+              <a:t>account </a:t>
+            </a:r>
+            <a:r>
+              <a:rPr lang="en-US" sz="2400" b="0" i="0" u="none" strike="noStrike" baseline="0" dirty="0">
+                <a:latin typeface="+mj-lt"/>
+              </a:rPr>
+              <a:t>(</a:t>
+            </a:r>
+            <a:r>
+              <a:rPr lang="en-US" sz="2400" b="0" i="1" u="sng" strike="noStrike" baseline="0" dirty="0">
+                <a:latin typeface="+mj-lt"/>
+              </a:rPr>
+              <a:t>account number</a:t>
+            </a:r>
+            <a:r>
+              <a:rPr lang="en-US" sz="2400" b="0" i="0" u="none" strike="noStrike" baseline="0" dirty="0">
+                <a:latin typeface="+mj-lt"/>
+              </a:rPr>
+              <a:t>, </a:t>
+            </a:r>
+            <a:r>
+              <a:rPr lang="en-US" sz="2400" b="0" i="1" u="none" strike="noStrike" baseline="0" dirty="0">
+                <a:latin typeface="+mj-lt"/>
+              </a:rPr>
+              <a:t>branch name, balance</a:t>
+            </a:r>
+            <a:r>
+              <a:rPr lang="en-US" sz="2400" b="0" i="0" u="none" strike="noStrike" baseline="0" dirty="0">
+                <a:latin typeface="+mj-lt"/>
+              </a:rPr>
+              <a:t>)</a:t>
+            </a:r>
+          </a:p>
+          <a:p>
+            <a:pPr algn="l"/>
+            <a:r>
+              <a:rPr lang="en-US" sz="2400" b="0" i="1" u="none" strike="noStrike" baseline="0" dirty="0">
+                <a:latin typeface="+mj-lt"/>
+              </a:rPr>
+              <a:t>depositor </a:t>
+            </a:r>
+            <a:r>
+              <a:rPr lang="en-US" sz="2400" b="0" i="0" u="none" strike="noStrike" baseline="0" dirty="0">
+                <a:latin typeface="+mj-lt"/>
+              </a:rPr>
+              <a:t>(</a:t>
+            </a:r>
+            <a:r>
+              <a:rPr lang="en-US" sz="2400" b="0" i="1" u="sng" strike="noStrike" baseline="0" dirty="0">
+                <a:latin typeface="+mj-lt"/>
+              </a:rPr>
+              <a:t>ID</a:t>
+            </a:r>
+            <a:r>
+              <a:rPr lang="en-US" sz="2400" b="0" i="0" u="sng" strike="noStrike" baseline="0" dirty="0">
+                <a:latin typeface="+mj-lt"/>
+              </a:rPr>
+              <a:t>, </a:t>
+            </a:r>
+            <a:r>
+              <a:rPr lang="en-US" sz="2400" b="0" i="1" u="sng" strike="noStrike" baseline="0" dirty="0">
+                <a:latin typeface="+mj-lt"/>
+              </a:rPr>
+              <a:t>account number</a:t>
+            </a:r>
+            <a:r>
+              <a:rPr lang="en-US" sz="2400" b="0" i="0" u="none" strike="noStrike" baseline="0" dirty="0">
+                <a:latin typeface="+mj-lt"/>
+              </a:rPr>
+              <a:t>)</a:t>
+            </a:r>
+            <a:endParaRPr lang="en-US" sz="2400" dirty="0">
+              <a:latin typeface="+mj-lt"/>
+            </a:endParaRPr>
+          </a:p>
+        </p:txBody>
+      </p:sp>
+      <p:sp>
+        <p:nvSpPr>
+          <p:cNvPr id="4" name="Slide Number Placeholder 3">
+            <a:extLst>
+              <a:ext uri="{FF2B5EF4-FFF2-40B4-BE49-F238E27FC236}">
+                <a16:creationId xmlns:a16="http://schemas.microsoft.com/office/drawing/2014/main" id="{7E489613-DC52-C7F2-FBB9-4898CA2F1539}"/>
+              </a:ext>
+            </a:extLst>
+          </p:cNvPr>
+          <p:cNvSpPr>
+            <a:spLocks noGrp="1"/>
+          </p:cNvSpPr>
+          <p:nvPr>
+            <p:ph type="sldNum" sz="quarter" idx="10"/>
+          </p:nvPr>
+        </p:nvSpPr>
+        <p:spPr/>
+        <p:txBody>
+          <a:bodyPr/>
+          <a:lstStyle/>
+          <a:p>
+            <a:pPr>
+              <a:defRPr/>
+            </a:pPr>
+            <a:fld id="{547F3CAF-32BF-49A6-93F1-59C9E4B7C957}" type="slidenum">
+              <a:rPr lang="en-US" altLang="en-US" smtClean="0"/>
+              <a:pPr>
+                <a:defRPr/>
+              </a:pPr>
+              <a:t>11</a:t>
+            </a:fld>
+            <a:endParaRPr lang="en-US" altLang="en-US" dirty="0"/>
+          </a:p>
+        </p:txBody>
+      </p:sp>
+    </p:spTree>
+    <p:extLst>
+      <p:ext uri="{BB962C8B-B14F-4D97-AF65-F5344CB8AC3E}">
+        <p14:creationId xmlns:p14="http://schemas.microsoft.com/office/powerpoint/2010/main" val="1537043513"/>
+      </p:ext>
+    </p:extLst>
+  </p:cSld>
+  <p:clrMapOvr>
+    <a:masterClrMapping/>
+  </p:clrMapOvr>
+</p:sld>
+</file>
+
+<file path=ppt/slides/slide12.xml><?xml version="1.0" encoding="utf-8"?>
+<p:sld xmlns:a="http://schemas.openxmlformats.org/drawingml/2006/main" xmlns:r="http://schemas.openxmlformats.org/officeDocument/2006/relationships" xmlns:p="http://schemas.openxmlformats.org/presentationml/2006/main">
+  <p:cSld>
+    <p:spTree>
+      <p:nvGrpSpPr>
+        <p:cNvPr id="1" name="">
+          <a:extLst>
+            <a:ext uri="{FF2B5EF4-FFF2-40B4-BE49-F238E27FC236}">
+              <a16:creationId xmlns:a16="http://schemas.microsoft.com/office/drawing/2014/main" id="{793733BA-D5C2-5D3B-0479-163CF28C8031}"/>
+            </a:ext>
+          </a:extLst>
+        </p:cNvPr>
+        <p:cNvGrpSpPr/>
+        <p:nvPr/>
+      </p:nvGrpSpPr>
+      <p:grpSpPr>
+        <a:xfrm>
+          <a:off x="0" y="0"/>
+          <a:ext cx="0" cy="0"/>
+          <a:chOff x="0" y="0"/>
+          <a:chExt cx="0" cy="0"/>
+        </a:xfrm>
+      </p:grpSpPr>
+      <p:sp>
+        <p:nvSpPr>
+          <p:cNvPr id="2" name="Title 1">
+            <a:extLst>
+              <a:ext uri="{FF2B5EF4-FFF2-40B4-BE49-F238E27FC236}">
+                <a16:creationId xmlns:a16="http://schemas.microsoft.com/office/drawing/2014/main" id="{69BBDC7C-03D1-B4FD-2255-6D26612D8AE3}"/>
+              </a:ext>
+            </a:extLst>
+          </p:cNvPr>
+          <p:cNvSpPr>
+            <a:spLocks noGrp="1"/>
+          </p:cNvSpPr>
+          <p:nvPr>
+            <p:ph type="title"/>
+          </p:nvPr>
+        </p:nvSpPr>
+        <p:spPr/>
+        <p:txBody>
+          <a:bodyPr/>
+          <a:lstStyle/>
+          <a:p>
+            <a:pPr algn="ctr"/>
+            <a:r>
+              <a:rPr lang="en-NZ" sz="3600" dirty="0"/>
+              <a:t>Answers</a:t>
+            </a:r>
+            <a:endParaRPr lang="en-US" sz="3600" dirty="0"/>
+          </a:p>
+        </p:txBody>
+      </p:sp>
+      <p:sp>
+        <p:nvSpPr>
+          <p:cNvPr id="3" name="Content Placeholder 2">
+            <a:extLst>
+              <a:ext uri="{FF2B5EF4-FFF2-40B4-BE49-F238E27FC236}">
+                <a16:creationId xmlns:a16="http://schemas.microsoft.com/office/drawing/2014/main" id="{FC7E1445-7937-FCEF-E968-DDCFC527B342}"/>
+              </a:ext>
+            </a:extLst>
+          </p:cNvPr>
+          <p:cNvSpPr>
+            <a:spLocks noGrp="1"/>
+          </p:cNvSpPr>
+          <p:nvPr>
+            <p:ph idx="1"/>
+          </p:nvPr>
+        </p:nvSpPr>
+        <p:spPr/>
+        <p:txBody>
+          <a:bodyPr/>
+          <a:lstStyle/>
+          <a:p>
+            <a:pPr marL="0" indent="0" algn="l">
+              <a:buNone/>
+            </a:pPr>
+            <a:r>
+              <a:rPr lang="en-US" sz="2400" b="0" i="0" u="none" strike="noStrike" baseline="0" dirty="0">
+                <a:latin typeface="+mj-lt"/>
+              </a:rPr>
+              <a:t>1.2</a:t>
+            </a:r>
+          </a:p>
+          <a:p>
+            <a:pPr marL="0" indent="0" algn="l">
+              <a:buNone/>
+            </a:pPr>
+            <a:r>
+              <a:rPr lang="en-US" sz="2400" b="0" i="1" u="none" strike="noStrike" baseline="0" dirty="0" err="1">
+                <a:latin typeface="+mj-lt"/>
+              </a:rPr>
+              <a:t>i</a:t>
+            </a:r>
+            <a:r>
+              <a:rPr lang="en-US" sz="2400" b="0" i="1" u="none" strike="noStrike" baseline="0" dirty="0">
+                <a:latin typeface="+mj-lt"/>
+              </a:rPr>
+              <a:t>. For loan: branch name referencing branch.</a:t>
+            </a:r>
+          </a:p>
+          <a:p>
+            <a:pPr marL="0" indent="0" algn="l">
+              <a:buNone/>
+            </a:pPr>
+            <a:r>
+              <a:rPr lang="en-US" sz="2400" b="0" i="1" u="none" strike="noStrike" baseline="0" dirty="0">
+                <a:latin typeface="+mj-lt"/>
+              </a:rPr>
+              <a:t>ii. For borrower: Attribute ID referencing customer and loan number referencing loan</a:t>
+            </a:r>
+          </a:p>
+          <a:p>
+            <a:pPr marL="0" indent="0" algn="l">
+              <a:buNone/>
+            </a:pPr>
+            <a:r>
+              <a:rPr lang="en-US" sz="2400" b="0" i="1" u="none" strike="noStrike" baseline="0" dirty="0">
+                <a:latin typeface="+mj-lt"/>
+              </a:rPr>
+              <a:t>iii. For account: branch name referencing branch.</a:t>
+            </a:r>
+          </a:p>
+          <a:p>
+            <a:pPr marL="0" indent="0" algn="l">
+              <a:buNone/>
+            </a:pPr>
+            <a:r>
+              <a:rPr lang="en-US" sz="2400" b="0" i="1" u="none" strike="noStrike" baseline="0" dirty="0">
+                <a:latin typeface="+mj-lt"/>
+              </a:rPr>
+              <a:t>iv. For depositor: Attribute ID referencing customer and account number referencing account</a:t>
+            </a:r>
+            <a:endParaRPr lang="en-US" sz="2400" dirty="0">
+              <a:latin typeface="+mj-lt"/>
+            </a:endParaRPr>
+          </a:p>
+        </p:txBody>
+      </p:sp>
+      <p:sp>
+        <p:nvSpPr>
+          <p:cNvPr id="4" name="Slide Number Placeholder 3">
+            <a:extLst>
+              <a:ext uri="{FF2B5EF4-FFF2-40B4-BE49-F238E27FC236}">
+                <a16:creationId xmlns:a16="http://schemas.microsoft.com/office/drawing/2014/main" id="{E49B8E7F-100E-9A51-2822-CA5CD5051F31}"/>
+              </a:ext>
+            </a:extLst>
+          </p:cNvPr>
+          <p:cNvSpPr>
+            <a:spLocks noGrp="1"/>
+          </p:cNvSpPr>
+          <p:nvPr>
+            <p:ph type="sldNum" sz="quarter" idx="10"/>
+          </p:nvPr>
+        </p:nvSpPr>
+        <p:spPr/>
+        <p:txBody>
+          <a:bodyPr/>
+          <a:lstStyle/>
+          <a:p>
+            <a:pPr>
+              <a:defRPr/>
+            </a:pPr>
+            <a:fld id="{547F3CAF-32BF-49A6-93F1-59C9E4B7C957}" type="slidenum">
+              <a:rPr lang="en-US" altLang="en-US" smtClean="0"/>
+              <a:pPr>
+                <a:defRPr/>
+              </a:pPr>
+              <a:t>12</a:t>
+            </a:fld>
+            <a:endParaRPr lang="en-US" altLang="en-US" dirty="0"/>
+          </a:p>
+        </p:txBody>
+      </p:sp>
+    </p:spTree>
+    <p:extLst>
+      <p:ext uri="{BB962C8B-B14F-4D97-AF65-F5344CB8AC3E}">
+        <p14:creationId xmlns:p14="http://schemas.microsoft.com/office/powerpoint/2010/main" val="751656539"/>
+      </p:ext>
+    </p:extLst>
+  </p:cSld>
+  <p:clrMapOvr>
+    <a:masterClrMapping/>
+  </p:clrMapOvr>
+</p:sld>
+</file>
+
+<file path=ppt/slides/slide13.xml><?xml version="1.0" encoding="utf-8"?>
+<p:sld xmlns:a="http://schemas.openxmlformats.org/drawingml/2006/main" xmlns:r="http://schemas.openxmlformats.org/officeDocument/2006/relationships" xmlns:p="http://schemas.openxmlformats.org/presentationml/2006/main">
+  <p:cSld>
+    <p:spTree>
+      <p:nvGrpSpPr>
+        <p:cNvPr id="1" name="">
+          <a:extLst>
+            <a:ext uri="{FF2B5EF4-FFF2-40B4-BE49-F238E27FC236}">
+              <a16:creationId xmlns:a16="http://schemas.microsoft.com/office/drawing/2014/main" id="{88866A37-E7E8-42F5-62EF-915C24447D0C}"/>
+            </a:ext>
+          </a:extLst>
+        </p:cNvPr>
+        <p:cNvGrpSpPr/>
+        <p:nvPr/>
+      </p:nvGrpSpPr>
+      <p:grpSpPr>
+        <a:xfrm>
+          <a:off x="0" y="0"/>
+          <a:ext cx="0" cy="0"/>
+          <a:chOff x="0" y="0"/>
+          <a:chExt cx="0" cy="0"/>
+        </a:xfrm>
+      </p:grpSpPr>
+      <p:sp>
+        <p:nvSpPr>
+          <p:cNvPr id="2" name="Title 1">
+            <a:extLst>
+              <a:ext uri="{FF2B5EF4-FFF2-40B4-BE49-F238E27FC236}">
+                <a16:creationId xmlns:a16="http://schemas.microsoft.com/office/drawing/2014/main" id="{94D9D250-B368-1B9E-8598-77DAA11E5A3D}"/>
+              </a:ext>
+            </a:extLst>
+          </p:cNvPr>
+          <p:cNvSpPr>
+            <a:spLocks noGrp="1"/>
+          </p:cNvSpPr>
+          <p:nvPr>
+            <p:ph type="title"/>
+          </p:nvPr>
+        </p:nvSpPr>
+        <p:spPr/>
+        <p:txBody>
+          <a:bodyPr/>
+          <a:lstStyle/>
+          <a:p>
+            <a:pPr algn="ctr"/>
+            <a:r>
+              <a:rPr lang="en-NZ" sz="3600" dirty="0"/>
+              <a:t>Answers</a:t>
+            </a:r>
+            <a:endParaRPr lang="en-US" sz="3600" dirty="0"/>
+          </a:p>
+        </p:txBody>
+      </p:sp>
+      <p:sp>
+        <p:nvSpPr>
+          <p:cNvPr id="3" name="Content Placeholder 2">
+            <a:extLst>
+              <a:ext uri="{FF2B5EF4-FFF2-40B4-BE49-F238E27FC236}">
+                <a16:creationId xmlns:a16="http://schemas.microsoft.com/office/drawing/2014/main" id="{92EE6385-FA2B-CB50-F5F4-877CC371E68D}"/>
+              </a:ext>
+            </a:extLst>
+          </p:cNvPr>
+          <p:cNvSpPr>
+            <a:spLocks noGrp="1"/>
+          </p:cNvSpPr>
+          <p:nvPr>
+            <p:ph idx="1"/>
+          </p:nvPr>
+        </p:nvSpPr>
+        <p:spPr>
+          <a:xfrm>
+            <a:off x="837597" y="1881446"/>
+            <a:ext cx="7727518" cy="4903787"/>
+          </a:xfrm>
+        </p:spPr>
+        <p:txBody>
+          <a:bodyPr/>
+          <a:lstStyle/>
+          <a:p>
+            <a:pPr marL="0" indent="0" algn="l">
+              <a:buNone/>
+            </a:pPr>
+            <a:r>
+              <a:rPr lang="en-US" sz="1800" b="0" i="0" u="none" strike="noStrike" baseline="0" dirty="0">
+                <a:latin typeface="+mj-lt"/>
+              </a:rPr>
+              <a:t>2. </a:t>
+            </a:r>
+          </a:p>
+          <a:p>
+            <a:pPr marL="0" indent="0" algn="l">
+              <a:buNone/>
+            </a:pPr>
+            <a:endParaRPr lang="en-US" sz="1800" dirty="0">
+              <a:latin typeface="+mj-lt"/>
+            </a:endParaRPr>
+          </a:p>
+        </p:txBody>
+      </p:sp>
+      <p:sp>
+        <p:nvSpPr>
+          <p:cNvPr id="4" name="Slide Number Placeholder 3">
+            <a:extLst>
+              <a:ext uri="{FF2B5EF4-FFF2-40B4-BE49-F238E27FC236}">
+                <a16:creationId xmlns:a16="http://schemas.microsoft.com/office/drawing/2014/main" id="{43AC3678-C795-C9F8-EBDE-52BB1EBBC795}"/>
+              </a:ext>
+            </a:extLst>
+          </p:cNvPr>
+          <p:cNvSpPr>
+            <a:spLocks noGrp="1"/>
+          </p:cNvSpPr>
+          <p:nvPr>
+            <p:ph type="sldNum" sz="quarter" idx="10"/>
+          </p:nvPr>
+        </p:nvSpPr>
+        <p:spPr/>
+        <p:txBody>
+          <a:bodyPr/>
+          <a:lstStyle/>
+          <a:p>
+            <a:pPr>
+              <a:defRPr/>
+            </a:pPr>
+            <a:fld id="{547F3CAF-32BF-49A6-93F1-59C9E4B7C957}" type="slidenum">
+              <a:rPr lang="en-US" altLang="en-US" smtClean="0"/>
+              <a:pPr>
+                <a:defRPr/>
+              </a:pPr>
+              <a:t>13</a:t>
+            </a:fld>
+            <a:endParaRPr lang="en-US" altLang="en-US" dirty="0"/>
+          </a:p>
+        </p:txBody>
+      </p:sp>
+      <p:pic>
+        <p:nvPicPr>
+          <p:cNvPr id="6" name="Picture 5">
+            <a:extLst>
+              <a:ext uri="{FF2B5EF4-FFF2-40B4-BE49-F238E27FC236}">
+                <a16:creationId xmlns:a16="http://schemas.microsoft.com/office/drawing/2014/main" id="{F0541C89-E218-F22A-8ABC-6365405120A4}"/>
+              </a:ext>
+            </a:extLst>
+          </p:cNvPr>
+          <p:cNvPicPr>
+            <a:picLocks noChangeAspect="1"/>
+          </p:cNvPicPr>
+          <p:nvPr/>
+        </p:nvPicPr>
+        <p:blipFill>
+          <a:blip r:embed="rId3"/>
+          <a:stretch>
+            <a:fillRect/>
+          </a:stretch>
+        </p:blipFill>
+        <p:spPr>
+          <a:xfrm>
+            <a:off x="642389" y="2281077"/>
+            <a:ext cx="7859222" cy="2295845"/>
+          </a:xfrm>
+          <a:prstGeom prst="rect">
+            <a:avLst/>
+          </a:prstGeom>
+        </p:spPr>
+      </p:pic>
+    </p:spTree>
+    <p:extLst>
+      <p:ext uri="{BB962C8B-B14F-4D97-AF65-F5344CB8AC3E}">
+        <p14:creationId xmlns:p14="http://schemas.microsoft.com/office/powerpoint/2010/main" val="3917609110"/>
+      </p:ext>
+    </p:extLst>
+  </p:cSld>
+  <p:clrMapOvr>
+    <a:masterClrMapping/>
+  </p:clrMapOvr>
+</p:sld>
+</file>
+
+<file path=ppt/slides/slide14.xml><?xml version="1.0" encoding="utf-8"?>
+<p:sld xmlns:a="http://schemas.openxmlformats.org/drawingml/2006/main" xmlns:r="http://schemas.openxmlformats.org/officeDocument/2006/relationships" xmlns:p="http://schemas.openxmlformats.org/presentationml/2006/main">
+  <p:cSld>
+    <p:spTree>
+      <p:nvGrpSpPr>
+        <p:cNvPr id="1" name="">
+          <a:extLst>
+            <a:ext uri="{FF2B5EF4-FFF2-40B4-BE49-F238E27FC236}">
+              <a16:creationId xmlns:a16="http://schemas.microsoft.com/office/drawing/2014/main" id="{DD3109CE-B8B8-5DC0-9E5D-4186AFBB8DC3}"/>
+            </a:ext>
+          </a:extLst>
+        </p:cNvPr>
+        <p:cNvGrpSpPr/>
+        <p:nvPr/>
+      </p:nvGrpSpPr>
+      <p:grpSpPr>
+        <a:xfrm>
+          <a:off x="0" y="0"/>
+          <a:ext cx="0" cy="0"/>
+          <a:chOff x="0" y="0"/>
+          <a:chExt cx="0" cy="0"/>
+        </a:xfrm>
+      </p:grpSpPr>
+      <p:sp>
+        <p:nvSpPr>
+          <p:cNvPr id="2" name="Title 1">
+            <a:extLst>
+              <a:ext uri="{FF2B5EF4-FFF2-40B4-BE49-F238E27FC236}">
+                <a16:creationId xmlns:a16="http://schemas.microsoft.com/office/drawing/2014/main" id="{67904CD6-B99A-46D7-FD6F-123E4FBC9C48}"/>
+              </a:ext>
+            </a:extLst>
+          </p:cNvPr>
+          <p:cNvSpPr>
+            <a:spLocks noGrp="1"/>
+          </p:cNvSpPr>
+          <p:nvPr>
+            <p:ph type="title"/>
+          </p:nvPr>
+        </p:nvSpPr>
+        <p:spPr/>
+        <p:txBody>
+          <a:bodyPr/>
+          <a:lstStyle/>
+          <a:p>
+            <a:pPr algn="ctr"/>
+            <a:r>
+              <a:rPr lang="en-NZ" sz="3600" dirty="0"/>
+              <a:t>Answers</a:t>
+            </a:r>
+            <a:endParaRPr lang="en-US" sz="3600" dirty="0"/>
+          </a:p>
+        </p:txBody>
+      </p:sp>
+      <p:sp>
+        <p:nvSpPr>
+          <p:cNvPr id="3" name="Content Placeholder 2">
+            <a:extLst>
+              <a:ext uri="{FF2B5EF4-FFF2-40B4-BE49-F238E27FC236}">
+                <a16:creationId xmlns:a16="http://schemas.microsoft.com/office/drawing/2014/main" id="{DF8E03FC-50AD-E0A6-DC34-F0563AD7AE67}"/>
+              </a:ext>
+            </a:extLst>
+          </p:cNvPr>
+          <p:cNvSpPr>
+            <a:spLocks noGrp="1"/>
+          </p:cNvSpPr>
+          <p:nvPr>
+            <p:ph idx="1"/>
+          </p:nvPr>
+        </p:nvSpPr>
+        <p:spPr>
+          <a:xfrm>
+            <a:off x="837597" y="1431247"/>
+            <a:ext cx="7727518" cy="4903787"/>
+          </a:xfrm>
+        </p:spPr>
+        <p:txBody>
+          <a:bodyPr/>
+          <a:lstStyle/>
+          <a:p>
+            <a:pPr marL="0" indent="0" algn="l">
+              <a:buNone/>
+            </a:pPr>
+            <a:r>
+              <a:rPr lang="en-US" sz="1800" b="0" i="0" u="none" strike="noStrike" baseline="0" dirty="0">
+                <a:latin typeface="+mj-lt"/>
+              </a:rPr>
+              <a:t>3. </a:t>
+            </a:r>
+            <a:endParaRPr lang="en-US" sz="1800" dirty="0"/>
+          </a:p>
+        </p:txBody>
+      </p:sp>
+      <p:sp>
+        <p:nvSpPr>
+          <p:cNvPr id="4" name="Slide Number Placeholder 3">
+            <a:extLst>
+              <a:ext uri="{FF2B5EF4-FFF2-40B4-BE49-F238E27FC236}">
+                <a16:creationId xmlns:a16="http://schemas.microsoft.com/office/drawing/2014/main" id="{2F518636-DDE8-C64B-4940-9C357CC50FC1}"/>
+              </a:ext>
+            </a:extLst>
+          </p:cNvPr>
+          <p:cNvSpPr>
+            <a:spLocks noGrp="1"/>
+          </p:cNvSpPr>
+          <p:nvPr>
+            <p:ph type="sldNum" sz="quarter" idx="10"/>
+          </p:nvPr>
+        </p:nvSpPr>
+        <p:spPr/>
+        <p:txBody>
+          <a:bodyPr/>
+          <a:lstStyle/>
+          <a:p>
+            <a:pPr>
+              <a:defRPr/>
+            </a:pPr>
+            <a:fld id="{547F3CAF-32BF-49A6-93F1-59C9E4B7C957}" type="slidenum">
+              <a:rPr lang="en-US" altLang="en-US" smtClean="0"/>
+              <a:pPr>
+                <a:defRPr/>
+              </a:pPr>
+              <a:t>14</a:t>
+            </a:fld>
+            <a:endParaRPr lang="en-US" altLang="en-US" dirty="0"/>
+          </a:p>
+        </p:txBody>
+      </p:sp>
+      <p:pic>
+        <p:nvPicPr>
+          <p:cNvPr id="7" name="Picture 6">
+            <a:extLst>
+              <a:ext uri="{FF2B5EF4-FFF2-40B4-BE49-F238E27FC236}">
+                <a16:creationId xmlns:a16="http://schemas.microsoft.com/office/drawing/2014/main" id="{E052BF5F-96A4-49AB-6DC8-473A0E52834B}"/>
+              </a:ext>
+            </a:extLst>
+          </p:cNvPr>
+          <p:cNvPicPr>
+            <a:picLocks noChangeAspect="1"/>
+          </p:cNvPicPr>
+          <p:nvPr/>
+        </p:nvPicPr>
+        <p:blipFill>
+          <a:blip r:embed="rId3"/>
+          <a:stretch>
+            <a:fillRect/>
+          </a:stretch>
+        </p:blipFill>
+        <p:spPr>
+          <a:xfrm>
+            <a:off x="308967" y="1971549"/>
+            <a:ext cx="8526065" cy="3781953"/>
+          </a:xfrm>
+          <a:prstGeom prst="rect">
+            <a:avLst/>
+          </a:prstGeom>
+        </p:spPr>
+      </p:pic>
+    </p:spTree>
+    <p:extLst>
+      <p:ext uri="{BB962C8B-B14F-4D97-AF65-F5344CB8AC3E}">
+        <p14:creationId xmlns:p14="http://schemas.microsoft.com/office/powerpoint/2010/main" val="4208226851"/>
+      </p:ext>
+    </p:extLst>
+  </p:cSld>
+  <p:clrMapOvr>
+    <a:masterClrMapping/>
+  </p:clrMapOvr>
+</p:sld>
+</file>
+
+<file path=ppt/slides/slide15.xml><?xml version="1.0" encoding="utf-8"?>
+<p:sld xmlns:a="http://schemas.openxmlformats.org/drawingml/2006/main" xmlns:r="http://schemas.openxmlformats.org/officeDocument/2006/relationships" xmlns:p="http://schemas.openxmlformats.org/presentationml/2006/main">
+  <p:cSld>
+    <p:spTree>
+      <p:nvGrpSpPr>
+        <p:cNvPr id="1" name="">
+          <a:extLst>
+            <a:ext uri="{FF2B5EF4-FFF2-40B4-BE49-F238E27FC236}">
+              <a16:creationId xmlns:a16="http://schemas.microsoft.com/office/drawing/2014/main" id="{D12E68D9-F09B-4E57-0067-5C05F8157F73}"/>
+            </a:ext>
+          </a:extLst>
+        </p:cNvPr>
+        <p:cNvGrpSpPr/>
+        <p:nvPr/>
+      </p:nvGrpSpPr>
+      <p:grpSpPr>
+        <a:xfrm>
+          <a:off x="0" y="0"/>
+          <a:ext cx="0" cy="0"/>
+          <a:chOff x="0" y="0"/>
+          <a:chExt cx="0" cy="0"/>
+        </a:xfrm>
+      </p:grpSpPr>
+      <p:sp>
+        <p:nvSpPr>
+          <p:cNvPr id="2" name="Title 1">
+            <a:extLst>
+              <a:ext uri="{FF2B5EF4-FFF2-40B4-BE49-F238E27FC236}">
+                <a16:creationId xmlns:a16="http://schemas.microsoft.com/office/drawing/2014/main" id="{9C7F4143-BA14-50BE-FD7A-A1C717E1347D}"/>
+              </a:ext>
+            </a:extLst>
+          </p:cNvPr>
+          <p:cNvSpPr>
+            <a:spLocks noGrp="1"/>
+          </p:cNvSpPr>
+          <p:nvPr>
+            <p:ph type="title"/>
+          </p:nvPr>
+        </p:nvSpPr>
+        <p:spPr/>
+        <p:txBody>
+          <a:bodyPr/>
+          <a:lstStyle/>
+          <a:p>
+            <a:pPr algn="ctr"/>
+            <a:r>
+              <a:rPr lang="en-NZ" sz="3600" dirty="0"/>
+              <a:t>Answers</a:t>
+            </a:r>
+            <a:endParaRPr lang="en-US" sz="3600" dirty="0"/>
+          </a:p>
+        </p:txBody>
+      </p:sp>
+      <p:sp>
+        <p:nvSpPr>
+          <p:cNvPr id="3" name="Content Placeholder 2">
+            <a:extLst>
+              <a:ext uri="{FF2B5EF4-FFF2-40B4-BE49-F238E27FC236}">
+                <a16:creationId xmlns:a16="http://schemas.microsoft.com/office/drawing/2014/main" id="{31499A43-0797-4569-4D23-6B3A82120EC4}"/>
+              </a:ext>
+            </a:extLst>
+          </p:cNvPr>
+          <p:cNvSpPr>
+            <a:spLocks noGrp="1"/>
+          </p:cNvSpPr>
+          <p:nvPr>
+            <p:ph idx="1"/>
+          </p:nvPr>
+        </p:nvSpPr>
+        <p:spPr>
+          <a:xfrm>
+            <a:off x="534032" y="1651191"/>
+            <a:ext cx="8079390" cy="3555617"/>
+          </a:xfrm>
+        </p:spPr>
+        <p:txBody>
+          <a:bodyPr/>
+          <a:lstStyle/>
+          <a:p>
+            <a:pPr marL="0" indent="0" algn="l">
+              <a:buNone/>
+            </a:pPr>
+            <a:r>
+              <a:rPr lang="en-US" sz="1800" dirty="0">
+                <a:latin typeface="+mj-lt"/>
+              </a:rPr>
+              <a:t>4</a:t>
+            </a:r>
+            <a:r>
+              <a:rPr lang="en-US" sz="1800" b="0" i="0" u="none" strike="noStrike" baseline="0" dirty="0">
+                <a:latin typeface="+mj-lt"/>
+              </a:rPr>
+              <a:t>. </a:t>
+            </a:r>
+          </a:p>
+          <a:p>
+            <a:pPr marL="0" indent="0" algn="l">
+              <a:buNone/>
+            </a:pPr>
+            <a:r>
+              <a:rPr lang="en-US" sz="1800" dirty="0"/>
+              <a:t>4.1 SELECT title FROM course WHERE credits = 3 AND  </a:t>
+            </a:r>
+            <a:r>
+              <a:rPr lang="en-US" sz="1800" dirty="0" err="1"/>
+              <a:t>dept_name</a:t>
+            </a:r>
+            <a:r>
+              <a:rPr lang="en-US" sz="1800" dirty="0"/>
+              <a:t>="Comp. Sci."</a:t>
+            </a:r>
+          </a:p>
+          <a:p>
+            <a:pPr marL="0" indent="0">
+              <a:buNone/>
+            </a:pPr>
+            <a:r>
+              <a:rPr lang="en-US" sz="1800" dirty="0"/>
+              <a:t>4.2 SELECT DISTINCT student.ID FROM student, takes, teaches, instructor WHERE student.ID = takes.ID AND </a:t>
+            </a:r>
+            <a:r>
+              <a:rPr lang="en-US" sz="1800" dirty="0" err="1"/>
+              <a:t>takes.course_id</a:t>
+            </a:r>
+            <a:r>
+              <a:rPr lang="en-US" sz="1800" dirty="0"/>
+              <a:t> = </a:t>
+            </a:r>
+            <a:r>
+              <a:rPr lang="en-US" sz="1800" dirty="0" err="1"/>
+              <a:t>teaches.course_id</a:t>
+            </a:r>
+            <a:r>
+              <a:rPr lang="en-US" sz="1800" dirty="0"/>
+              <a:t> AND </a:t>
+            </a:r>
+            <a:r>
+              <a:rPr lang="en-US" sz="1800" dirty="0" err="1"/>
+              <a:t>takes.sec_id</a:t>
+            </a:r>
+            <a:r>
+              <a:rPr lang="en-US" sz="1800" dirty="0"/>
+              <a:t> = </a:t>
+            </a:r>
+            <a:r>
+              <a:rPr lang="en-US" sz="1800" dirty="0" err="1"/>
+              <a:t>teaches.sec_id</a:t>
+            </a:r>
+            <a:r>
+              <a:rPr lang="en-US" sz="1800" dirty="0"/>
+              <a:t> AND </a:t>
+            </a:r>
+            <a:r>
+              <a:rPr lang="en-US" sz="1800" dirty="0" err="1"/>
+              <a:t>takes.semester</a:t>
+            </a:r>
+            <a:r>
+              <a:rPr lang="en-US" sz="1800" dirty="0"/>
+              <a:t> = </a:t>
+            </a:r>
+            <a:r>
+              <a:rPr lang="en-US" sz="1800" dirty="0" err="1"/>
+              <a:t>teaches.semester</a:t>
+            </a:r>
+            <a:r>
+              <a:rPr lang="en-US" sz="1800" dirty="0"/>
+              <a:t> AND </a:t>
+            </a:r>
+            <a:r>
+              <a:rPr lang="en-US" sz="1800" dirty="0" err="1"/>
+              <a:t>takes.year</a:t>
+            </a:r>
+            <a:r>
+              <a:rPr lang="en-US" sz="1800" dirty="0"/>
+              <a:t> = </a:t>
+            </a:r>
+            <a:r>
+              <a:rPr lang="en-US" sz="1800" dirty="0" err="1"/>
+              <a:t>teaches.year</a:t>
+            </a:r>
+            <a:r>
+              <a:rPr lang="en-US" sz="1800" dirty="0"/>
+              <a:t> AND instructor.ID = teaches.ID AND instructor.name = "Einstein"</a:t>
+            </a:r>
+          </a:p>
+          <a:p>
+            <a:pPr marL="0" indent="0">
+              <a:buNone/>
+            </a:pPr>
+            <a:endParaRPr lang="en-US" sz="1800" dirty="0"/>
+          </a:p>
+        </p:txBody>
+      </p:sp>
+      <p:sp>
+        <p:nvSpPr>
+          <p:cNvPr id="4" name="Slide Number Placeholder 3">
+            <a:extLst>
+              <a:ext uri="{FF2B5EF4-FFF2-40B4-BE49-F238E27FC236}">
+                <a16:creationId xmlns:a16="http://schemas.microsoft.com/office/drawing/2014/main" id="{B2E51ABD-A9AF-1B60-9E1C-8C9751EC1AB4}"/>
+              </a:ext>
+            </a:extLst>
+          </p:cNvPr>
+          <p:cNvSpPr>
+            <a:spLocks noGrp="1"/>
+          </p:cNvSpPr>
+          <p:nvPr>
+            <p:ph type="sldNum" sz="quarter" idx="10"/>
+          </p:nvPr>
+        </p:nvSpPr>
+        <p:spPr/>
+        <p:txBody>
+          <a:bodyPr/>
+          <a:lstStyle/>
+          <a:p>
+            <a:pPr>
+              <a:defRPr/>
+            </a:pPr>
+            <a:fld id="{547F3CAF-32BF-49A6-93F1-59C9E4B7C957}" type="slidenum">
+              <a:rPr lang="en-US" altLang="en-US" smtClean="0"/>
+              <a:pPr>
+                <a:defRPr/>
+              </a:pPr>
+              <a:t>15</a:t>
+            </a:fld>
+            <a:endParaRPr lang="en-US" altLang="en-US" dirty="0"/>
+          </a:p>
+        </p:txBody>
+      </p:sp>
+    </p:spTree>
+    <p:extLst>
+      <p:ext uri="{BB962C8B-B14F-4D97-AF65-F5344CB8AC3E}">
+        <p14:creationId xmlns:p14="http://schemas.microsoft.com/office/powerpoint/2010/main" val="1802459763"/>
+      </p:ext>
+    </p:extLst>
+  </p:cSld>
+  <p:clrMapOvr>
+    <a:masterClrMapping/>
+  </p:clrMapOvr>
+</p:sld>
+</file>
+
+<file path=ppt/slides/slide16.xml><?xml version="1.0" encoding="utf-8"?>
+<p:sld xmlns:a="http://schemas.openxmlformats.org/drawingml/2006/main" xmlns:r="http://schemas.openxmlformats.org/officeDocument/2006/relationships" xmlns:p="http://schemas.openxmlformats.org/presentationml/2006/main">
+  <p:cSld>
+    <p:spTree>
+      <p:nvGrpSpPr>
         <p:cNvPr id="1" name=""/>
         <p:cNvGrpSpPr/>
         <p:nvPr/>
@@ -7570,7 +9306,7 @@
               <a:t>(</a:t>
             </a:r>
             <a:r>
-              <a:rPr lang="en-US" sz="1800" b="0" i="1" u="none" strike="noStrike" baseline="0" dirty="0">
+              <a:rPr lang="en-US" sz="1800" b="0" i="1" strike="noStrike" baseline="0" dirty="0">
                 <a:latin typeface="+mj-lt"/>
               </a:rPr>
               <a:t>branch name</a:t>

--- a/week_1/week_1.pptx
+++ b/week_1/week_1.pptx
@@ -8347,6 +8347,43 @@
               <a:latin typeface="Arial"/>
               <a:cs typeface="Arial"/>
             </a:endParaRPr>
+          </a:p>
+        </p:txBody>
+      </p:sp>
+      <p:sp>
+        <p:nvSpPr>
+          <p:cNvPr id="5" name="TextBox 4">
+            <a:extLst>
+              <a:ext uri="{FF2B5EF4-FFF2-40B4-BE49-F238E27FC236}">
+                <a16:creationId xmlns:a16="http://schemas.microsoft.com/office/drawing/2014/main" id="{681598A6-F468-134F-F358-9CB1F370B538}"/>
+              </a:ext>
+            </a:extLst>
+          </p:cNvPr>
+          <p:cNvSpPr txBox="1"/>
+          <p:nvPr/>
+        </p:nvSpPr>
+        <p:spPr>
+          <a:xfrm>
+            <a:off x="2286001" y="5805055"/>
+            <a:ext cx="4461164" cy="338554"/>
+          </a:xfrm>
+          <a:prstGeom prst="rect">
+            <a:avLst/>
+          </a:prstGeom>
+          <a:noFill/>
+        </p:spPr>
+        <p:txBody>
+          <a:bodyPr wrap="square" rtlCol="0">
+            <a:spAutoFit/>
+          </a:bodyPr>
+          <a:lstStyle/>
+          <a:p>
+            <a:pPr algn="ctr"/>
+            <a:r>
+              <a:rPr lang="en-US" altLang="zh-CN" dirty="0"/>
+              <a:t>Cache test update 03151500</a:t>
+            </a:r>
+            <a:endParaRPr lang="en-US" dirty="0"/>
           </a:p>
         </p:txBody>
       </p:sp>
